--- a/NMA_01Mar2024.pptx
+++ b/NMA_01Mar2024.pptx
@@ -5,10 +5,10 @@
     <p:sldMasterId id="2147483684" r:id="rId4"/>
   </p:sldMasterIdLst>
   <p:notesMasterIdLst>
-    <p:notesMasterId r:id="rId22"/>
+    <p:notesMasterId r:id="rId19"/>
   </p:notesMasterIdLst>
   <p:handoutMasterIdLst>
-    <p:handoutMasterId r:id="rId23"/>
+    <p:handoutMasterId r:id="rId20"/>
   </p:handoutMasterIdLst>
   <p:sldIdLst>
     <p:sldId id="257" r:id="rId5"/>
@@ -24,10 +24,7 @@
     <p:sldId id="915" r:id="rId15"/>
     <p:sldId id="916" r:id="rId16"/>
     <p:sldId id="917" r:id="rId17"/>
-    <p:sldId id="893" r:id="rId18"/>
-    <p:sldId id="911" r:id="rId19"/>
-    <p:sldId id="910" r:id="rId20"/>
-    <p:sldId id="391" r:id="rId21"/>
+    <p:sldId id="391" r:id="rId18"/>
   </p:sldIdLst>
   <p:sldSz cx="12192000" cy="6858000"/>
   <p:notesSz cx="6858000" cy="9144000"/>
@@ -419,7 +416,7 @@
           <a:p>
             <a:fld id="{020CE34E-5667-4A32-A6BA-10C7A552BC63}" type="datetimeFigureOut">
               <a:rPr lang="en-US" smtClean="0"/>
-              <a:t>2/28/2024</a:t>
+              <a:t>2/29/2024</a:t>
             </a:fld>
             <a:endParaRPr lang="en-US"/>
           </a:p>
@@ -13775,6 +13772,115 @@
               <a:rPr lang="en-US" dirty="0"/>
               <a:t>Mar 01, 2024</a:t>
             </a:r>
+          </a:p>
+        </p:txBody>
+      </p:sp>
+      <p:pic>
+        <p:nvPicPr>
+          <p:cNvPr id="4" name="Picture 3">
+            <a:extLst>
+              <a:ext uri="{FF2B5EF4-FFF2-40B4-BE49-F238E27FC236}">
+                <a16:creationId xmlns:a16="http://schemas.microsoft.com/office/drawing/2014/main" id="{3D962401-4598-0F23-9971-755BF9E7B681}"/>
+              </a:ext>
+            </a:extLst>
+          </p:cNvPr>
+          <p:cNvPicPr>
+            <a:picLocks noChangeAspect="1"/>
+          </p:cNvPicPr>
+          <p:nvPr/>
+        </p:nvPicPr>
+        <p:blipFill>
+          <a:blip r:embed="rId4"/>
+          <a:stretch>
+            <a:fillRect/>
+          </a:stretch>
+        </p:blipFill>
+        <p:spPr>
+          <a:xfrm>
+            <a:off x="4957300" y="4360250"/>
+            <a:ext cx="2188312" cy="2182317"/>
+          </a:xfrm>
+          <a:prstGeom prst="rect">
+            <a:avLst/>
+          </a:prstGeom>
+        </p:spPr>
+      </p:pic>
+      <p:sp>
+        <p:nvSpPr>
+          <p:cNvPr id="6" name="TextBox 5">
+            <a:extLst>
+              <a:ext uri="{FF2B5EF4-FFF2-40B4-BE49-F238E27FC236}">
+                <a16:creationId xmlns:a16="http://schemas.microsoft.com/office/drawing/2014/main" id="{F99B5B1A-52DB-6183-4888-33ABE0606A12}"/>
+              </a:ext>
+            </a:extLst>
+          </p:cNvPr>
+          <p:cNvSpPr txBox="1"/>
+          <p:nvPr/>
+        </p:nvSpPr>
+        <p:spPr>
+          <a:xfrm>
+            <a:off x="1386487" y="5906866"/>
+            <a:ext cx="6097772" cy="369332"/>
+          </a:xfrm>
+          <a:prstGeom prst="rect">
+            <a:avLst/>
+          </a:prstGeom>
+          <a:noFill/>
+        </p:spPr>
+        <p:txBody>
+          <a:bodyPr wrap="square">
+            <a:spAutoFit/>
+          </a:bodyPr>
+          <a:lstStyle/>
+          <a:p>
+            <a:r>
+              <a:rPr lang="en-US" dirty="0"/>
+              <a:t>https://github.com/psyen0824/NMA</a:t>
+            </a:r>
+          </a:p>
+        </p:txBody>
+      </p:sp>
+      <p:sp>
+        <p:nvSpPr>
+          <p:cNvPr id="8" name="TextBox 7">
+            <a:extLst>
+              <a:ext uri="{FF2B5EF4-FFF2-40B4-BE49-F238E27FC236}">
+                <a16:creationId xmlns:a16="http://schemas.microsoft.com/office/drawing/2014/main" id="{E3D44B47-1259-3D12-952D-A9B36B370946}"/>
+              </a:ext>
+            </a:extLst>
+          </p:cNvPr>
+          <p:cNvSpPr txBox="1"/>
+          <p:nvPr/>
+        </p:nvSpPr>
+        <p:spPr>
+          <a:xfrm>
+            <a:off x="709193" y="6207178"/>
+            <a:ext cx="6097772" cy="369332"/>
+          </a:xfrm>
+          <a:prstGeom prst="rect">
+            <a:avLst/>
+          </a:prstGeom>
+          <a:noFill/>
+        </p:spPr>
+        <p:txBody>
+          <a:bodyPr wrap="square">
+            <a:spAutoFit/>
+          </a:bodyPr>
+          <a:lstStyle/>
+          <a:p>
+            <a:r>
+              <a:rPr lang="en-US" altLang="zh-TW" dirty="0"/>
+              <a:t>NMA</a:t>
+            </a:r>
+            <a:r>
+              <a:rPr lang="zh-TW" altLang="en-US" dirty="0"/>
+              <a:t> </a:t>
+            </a:r>
+            <a:r>
+              <a:rPr lang="en-US" altLang="zh-TW" dirty="0"/>
+              <a:t>Slide and R code (scanned QR code)</a:t>
+            </a:r>
+            <a:endParaRPr lang="en-US" dirty="0"/>
           </a:p>
         </p:txBody>
       </p:sp>
@@ -16931,1862 +17037,6 @@
       </p:grpSpPr>
       <p:sp>
         <p:nvSpPr>
-          <p:cNvPr id="2" name="Title 1">
-            <a:extLst>
-              <a:ext uri="{FF2B5EF4-FFF2-40B4-BE49-F238E27FC236}">
-                <a16:creationId xmlns:a16="http://schemas.microsoft.com/office/drawing/2014/main" id="{A23D8482-647C-F234-5FA3-243B1ED95323}"/>
-              </a:ext>
-            </a:extLst>
-          </p:cNvPr>
-          <p:cNvSpPr>
-            <a:spLocks noGrp="1"/>
-          </p:cNvSpPr>
-          <p:nvPr>
-            <p:ph type="title"/>
-          </p:nvPr>
-        </p:nvSpPr>
-        <p:spPr>
-          <a:xfrm>
-            <a:off x="2765406" y="2300239"/>
-            <a:ext cx="6599820" cy="1942152"/>
-          </a:xfrm>
-        </p:spPr>
-        <p:txBody>
-          <a:bodyPr/>
-          <a:lstStyle/>
-          <a:p>
-            <a:pPr algn="ctr"/>
-            <a:r>
-              <a:rPr lang="en-US" dirty="0">
-                <a:solidFill>
-                  <a:schemeClr val="tx1"/>
-                </a:solidFill>
-                <a:latin typeface="Arial" panose="020B0604020202020204" pitchFamily="34" charset="0"/>
-                <a:cs typeface="Arial" panose="020B0604020202020204" pitchFamily="34" charset="0"/>
-              </a:rPr>
-              <a:t>R Code for R package </a:t>
-            </a:r>
-            <a:r>
-              <a:rPr lang="en-US" b="1" i="1" dirty="0" err="1">
-                <a:solidFill>
-                  <a:schemeClr val="tx1"/>
-                </a:solidFill>
-                <a:latin typeface="Arial" panose="020B0604020202020204" pitchFamily="34" charset="0"/>
-                <a:cs typeface="Arial" panose="020B0604020202020204" pitchFamily="34" charset="0"/>
-              </a:rPr>
-              <a:t>netmeta</a:t>
-            </a:r>
-            <a:r>
-              <a:rPr lang="en-US" dirty="0">
-                <a:solidFill>
-                  <a:schemeClr val="tx1"/>
-                </a:solidFill>
-                <a:latin typeface="Arial" panose="020B0604020202020204" pitchFamily="34" charset="0"/>
-                <a:cs typeface="Arial" panose="020B0604020202020204" pitchFamily="34" charset="0"/>
-              </a:rPr>
-              <a:t> and </a:t>
-            </a:r>
-            <a:r>
-              <a:rPr lang="en-US" b="1" i="1" dirty="0" err="1">
-                <a:solidFill>
-                  <a:schemeClr val="tx1"/>
-                </a:solidFill>
-                <a:latin typeface="Arial" panose="020B0604020202020204" pitchFamily="34" charset="0"/>
-                <a:cs typeface="Arial" panose="020B0604020202020204" pitchFamily="34" charset="0"/>
-              </a:rPr>
-              <a:t>gemtc</a:t>
-            </a:r>
-            <a:br>
-              <a:rPr lang="en-US" dirty="0">
-                <a:solidFill>
-                  <a:schemeClr val="tx1"/>
-                </a:solidFill>
-                <a:latin typeface="Arial" panose="020B0604020202020204" pitchFamily="34" charset="0"/>
-                <a:cs typeface="Arial" panose="020B0604020202020204" pitchFamily="34" charset="0"/>
-              </a:rPr>
-            </a:br>
-            <a:r>
-              <a:rPr lang="en-US" dirty="0">
-                <a:solidFill>
-                  <a:schemeClr val="tx1"/>
-                </a:solidFill>
-                <a:latin typeface="Arial" panose="020B0604020202020204" pitchFamily="34" charset="0"/>
-                <a:cs typeface="Arial" panose="020B0604020202020204" pitchFamily="34" charset="0"/>
-              </a:rPr>
-              <a:t> </a:t>
-            </a:r>
-            <a:br>
-              <a:rPr lang="en-US" dirty="0">
-                <a:solidFill>
-                  <a:schemeClr val="tx1"/>
-                </a:solidFill>
-                <a:latin typeface="Arial" panose="020B0604020202020204" pitchFamily="34" charset="0"/>
-                <a:cs typeface="Arial" panose="020B0604020202020204" pitchFamily="34" charset="0"/>
-              </a:rPr>
-            </a:br>
-            <a:endParaRPr lang="en-US" dirty="0">
-              <a:solidFill>
-                <a:schemeClr val="tx1"/>
-              </a:solidFill>
-              <a:latin typeface="Arial" panose="020B0604020202020204" pitchFamily="34" charset="0"/>
-              <a:cs typeface="Arial" panose="020B0604020202020204" pitchFamily="34" charset="0"/>
-            </a:endParaRPr>
-          </a:p>
-        </p:txBody>
-      </p:sp>
-      <p:sp>
-        <p:nvSpPr>
-          <p:cNvPr id="3" name="Slide Number Placeholder 2">
-            <a:extLst>
-              <a:ext uri="{FF2B5EF4-FFF2-40B4-BE49-F238E27FC236}">
-                <a16:creationId xmlns:a16="http://schemas.microsoft.com/office/drawing/2014/main" id="{BB74CFDF-E396-585A-A51B-EEDDCACD2B7E}"/>
-              </a:ext>
-            </a:extLst>
-          </p:cNvPr>
-          <p:cNvSpPr>
-            <a:spLocks noGrp="1"/>
-          </p:cNvSpPr>
-          <p:nvPr>
-            <p:ph type="sldNum" sz="quarter" idx="4"/>
-          </p:nvPr>
-        </p:nvSpPr>
-        <p:spPr/>
-        <p:txBody>
-          <a:bodyPr/>
-          <a:lstStyle/>
-          <a:p>
-            <a:pPr>
-              <a:defRPr/>
-            </a:pPr>
-            <a:fld id="{395813C6-9C95-1340-82BD-C1A713B83084}" type="slidenum">
-              <a:rPr lang="en-IN" smtClean="0"/>
-              <a:pPr>
-                <a:defRPr/>
-              </a:pPr>
-              <a:t>14</a:t>
-            </a:fld>
-            <a:endParaRPr lang="en-IN"/>
-          </a:p>
-        </p:txBody>
-      </p:sp>
-      <p:sp>
-        <p:nvSpPr>
-          <p:cNvPr id="4" name="Content Placeholder 2">
-            <a:extLst>
-              <a:ext uri="{FF2B5EF4-FFF2-40B4-BE49-F238E27FC236}">
-                <a16:creationId xmlns:a16="http://schemas.microsoft.com/office/drawing/2014/main" id="{6E5447AF-6E8B-1B9E-DC1B-6230DB5E36BD}"/>
-              </a:ext>
-            </a:extLst>
-          </p:cNvPr>
-          <p:cNvSpPr txBox="1">
-            <a:spLocks/>
-          </p:cNvSpPr>
-          <p:nvPr/>
-        </p:nvSpPr>
-        <p:spPr>
-          <a:xfrm>
-            <a:off x="92512" y="830431"/>
-            <a:ext cx="11945608" cy="5161995"/>
-          </a:xfrm>
-          <a:prstGeom prst="rect">
-            <a:avLst/>
-          </a:prstGeom>
-        </p:spPr>
-        <p:txBody>
-          <a:bodyPr/>
-          <a:lstStyle>
-            <a:lvl1pPr marL="326555" indent="-326555" algn="l" rtl="0" fontAlgn="base">
-              <a:lnSpc>
-                <a:spcPct val="95000"/>
-              </a:lnSpc>
-              <a:spcBef>
-                <a:spcPct val="30000"/>
-              </a:spcBef>
-              <a:spcAft>
-                <a:spcPct val="20000"/>
-              </a:spcAft>
-              <a:buClr>
-                <a:schemeClr val="tx1"/>
-              </a:buClr>
-              <a:buSzPct val="110000"/>
-              <a:buChar char="•"/>
-              <a:defRPr sz="2400">
-                <a:solidFill>
-                  <a:srgbClr val="070605"/>
-                </a:solidFill>
-                <a:latin typeface="+mn-lt"/>
-                <a:ea typeface="+mn-ea"/>
-                <a:cs typeface="+mn-cs"/>
-              </a:defRPr>
-            </a:lvl1pPr>
-            <a:lvl2pPr marL="814121" indent="-324288" algn="l" rtl="0" fontAlgn="base">
-              <a:lnSpc>
-                <a:spcPct val="95000"/>
-              </a:lnSpc>
-              <a:spcBef>
-                <a:spcPct val="0"/>
-              </a:spcBef>
-              <a:spcAft>
-                <a:spcPct val="20000"/>
-              </a:spcAft>
-              <a:buClr>
-                <a:schemeClr val="tx1"/>
-              </a:buClr>
-              <a:buFont typeface="Arial" charset="0"/>
-              <a:buChar char="–"/>
-              <a:defRPr sz="2000">
-                <a:solidFill>
-                  <a:srgbClr val="070605"/>
-                </a:solidFill>
-                <a:latin typeface="+mn-lt"/>
-              </a:defRPr>
-            </a:lvl2pPr>
-            <a:lvl3pPr marL="1224582" indent="-247185" algn="l" rtl="0" fontAlgn="base">
-              <a:lnSpc>
-                <a:spcPct val="95000"/>
-              </a:lnSpc>
-              <a:spcBef>
-                <a:spcPct val="0"/>
-              </a:spcBef>
-              <a:spcAft>
-                <a:spcPct val="20000"/>
-              </a:spcAft>
-              <a:buClr>
-                <a:schemeClr val="tx1"/>
-              </a:buClr>
-              <a:buSzPct val="90000"/>
-              <a:buChar char="•"/>
-              <a:defRPr sz="2000">
-                <a:solidFill>
-                  <a:srgbClr val="070605"/>
-                </a:solidFill>
-                <a:latin typeface="+mn-lt"/>
-              </a:defRPr>
-            </a:lvl3pPr>
-            <a:lvl4pPr marL="1632776" indent="-244916" algn="l" rtl="0" fontAlgn="base">
-              <a:lnSpc>
-                <a:spcPct val="95000"/>
-              </a:lnSpc>
-              <a:spcBef>
-                <a:spcPct val="0"/>
-              </a:spcBef>
-              <a:spcAft>
-                <a:spcPct val="20000"/>
-              </a:spcAft>
-              <a:buClr>
-                <a:schemeClr val="tx1"/>
-              </a:buClr>
-              <a:buSzPct val="90000"/>
-              <a:buFont typeface="Arial" charset="0"/>
-              <a:buChar char="–"/>
-              <a:defRPr sz="1800">
-                <a:solidFill>
-                  <a:srgbClr val="070605"/>
-                </a:solidFill>
-                <a:latin typeface="+mn-lt"/>
-              </a:defRPr>
-            </a:lvl4pPr>
-            <a:lvl5pPr marL="2283619" indent="-324288" algn="l" rtl="0" fontAlgn="base">
-              <a:spcBef>
-                <a:spcPct val="0"/>
-              </a:spcBef>
-              <a:spcAft>
-                <a:spcPct val="30000"/>
-              </a:spcAft>
-              <a:buChar char="–"/>
-              <a:defRPr sz="2300">
-                <a:solidFill>
-                  <a:schemeClr val="tx1"/>
-                </a:solidFill>
-                <a:latin typeface="+mn-lt"/>
-              </a:defRPr>
-            </a:lvl5pPr>
-            <a:lvl6pPr marL="2936729" indent="-324288" algn="l" rtl="0" fontAlgn="base">
-              <a:spcBef>
-                <a:spcPct val="0"/>
-              </a:spcBef>
-              <a:spcAft>
-                <a:spcPct val="30000"/>
-              </a:spcAft>
-              <a:buChar char="–"/>
-              <a:defRPr sz="2300">
-                <a:solidFill>
-                  <a:schemeClr val="tx1"/>
-                </a:solidFill>
-                <a:latin typeface="+mn-lt"/>
-              </a:defRPr>
-            </a:lvl6pPr>
-            <a:lvl7pPr marL="3589839" indent="-324288" algn="l" rtl="0" fontAlgn="base">
-              <a:spcBef>
-                <a:spcPct val="0"/>
-              </a:spcBef>
-              <a:spcAft>
-                <a:spcPct val="30000"/>
-              </a:spcAft>
-              <a:buChar char="–"/>
-              <a:defRPr sz="2300">
-                <a:solidFill>
-                  <a:schemeClr val="tx1"/>
-                </a:solidFill>
-                <a:latin typeface="+mn-lt"/>
-              </a:defRPr>
-            </a:lvl7pPr>
-            <a:lvl8pPr marL="4242949" indent="-324288" algn="l" rtl="0" fontAlgn="base">
-              <a:spcBef>
-                <a:spcPct val="0"/>
-              </a:spcBef>
-              <a:spcAft>
-                <a:spcPct val="30000"/>
-              </a:spcAft>
-              <a:buChar char="–"/>
-              <a:defRPr sz="2300">
-                <a:solidFill>
-                  <a:schemeClr val="tx1"/>
-                </a:solidFill>
-                <a:latin typeface="+mn-lt"/>
-              </a:defRPr>
-            </a:lvl8pPr>
-            <a:lvl9pPr marL="4896059" indent="-324288" algn="l" rtl="0" fontAlgn="base">
-              <a:spcBef>
-                <a:spcPct val="0"/>
-              </a:spcBef>
-              <a:spcAft>
-                <a:spcPct val="30000"/>
-              </a:spcAft>
-              <a:buChar char="–"/>
-              <a:defRPr sz="2300">
-                <a:solidFill>
-                  <a:schemeClr val="tx1"/>
-                </a:solidFill>
-                <a:latin typeface="+mn-lt"/>
-              </a:defRPr>
-            </a:lvl9pPr>
-          </a:lstStyle>
-          <a:p>
-            <a:endParaRPr lang="en-US" kern="0" dirty="0"/>
-          </a:p>
-        </p:txBody>
-      </p:sp>
-    </p:spTree>
-    <p:extLst>
-      <p:ext uri="{BB962C8B-B14F-4D97-AF65-F5344CB8AC3E}">
-        <p14:creationId xmlns:p14="http://schemas.microsoft.com/office/powerpoint/2010/main" val="2448608565"/>
-      </p:ext>
-    </p:extLst>
-  </p:cSld>
-  <p:clrMapOvr>
-    <a:masterClrMapping/>
-  </p:clrMapOvr>
-  <p:transition>
-    <p:fade/>
-  </p:transition>
-</p:sld>
-</file>
-
-<file path=ppt/slides/slide15.xml><?xml version="1.0" encoding="utf-8"?>
-<p:sld xmlns:a="http://schemas.openxmlformats.org/drawingml/2006/main" xmlns:r="http://schemas.openxmlformats.org/officeDocument/2006/relationships" xmlns:p="http://schemas.openxmlformats.org/presentationml/2006/main">
-  <p:cSld>
-    <p:spTree>
-      <p:nvGrpSpPr>
-        <p:cNvPr id="1" name=""/>
-        <p:cNvGrpSpPr/>
-        <p:nvPr/>
-      </p:nvGrpSpPr>
-      <p:grpSpPr>
-        <a:xfrm>
-          <a:off x="0" y="0"/>
-          <a:ext cx="0" cy="0"/>
-          <a:chOff x="0" y="0"/>
-          <a:chExt cx="0" cy="0"/>
-        </a:xfrm>
-      </p:grpSpPr>
-      <p:sp>
-        <p:nvSpPr>
-          <p:cNvPr id="2" name="Title 1">
-            <a:extLst>
-              <a:ext uri="{FF2B5EF4-FFF2-40B4-BE49-F238E27FC236}">
-                <a16:creationId xmlns:a16="http://schemas.microsoft.com/office/drawing/2014/main" id="{A23D8482-647C-F234-5FA3-243B1ED95323}"/>
-              </a:ext>
-            </a:extLst>
-          </p:cNvPr>
-          <p:cNvSpPr>
-            <a:spLocks noGrp="1"/>
-          </p:cNvSpPr>
-          <p:nvPr>
-            <p:ph type="title"/>
-          </p:nvPr>
-        </p:nvSpPr>
-        <p:spPr>
-          <a:xfrm>
-            <a:off x="159798" y="128631"/>
-            <a:ext cx="11651202" cy="608216"/>
-          </a:xfrm>
-        </p:spPr>
-        <p:txBody>
-          <a:bodyPr/>
-          <a:lstStyle/>
-          <a:p>
-            <a:r>
-              <a:rPr lang="en-US" sz="2400" dirty="0">
-                <a:solidFill>
-                  <a:schemeClr val="tx1"/>
-                </a:solidFill>
-              </a:rPr>
-              <a:t>R Code - Frequentist NMA – R package </a:t>
-            </a:r>
-            <a:r>
-              <a:rPr lang="en-US" sz="2400" dirty="0" err="1">
-                <a:solidFill>
-                  <a:schemeClr val="tx1"/>
-                </a:solidFill>
-              </a:rPr>
-              <a:t>netmeta</a:t>
-            </a:r>
-            <a:br>
-              <a:rPr lang="en-US" sz="2400" dirty="0">
-                <a:solidFill>
-                  <a:schemeClr val="tx1"/>
-                </a:solidFill>
-              </a:rPr>
-            </a:br>
-            <a:endParaRPr lang="en-US" sz="2400" dirty="0">
-              <a:solidFill>
-                <a:schemeClr val="tx1"/>
-              </a:solidFill>
-            </a:endParaRPr>
-          </a:p>
-        </p:txBody>
-      </p:sp>
-      <p:sp>
-        <p:nvSpPr>
-          <p:cNvPr id="3" name="Slide Number Placeholder 2">
-            <a:extLst>
-              <a:ext uri="{FF2B5EF4-FFF2-40B4-BE49-F238E27FC236}">
-                <a16:creationId xmlns:a16="http://schemas.microsoft.com/office/drawing/2014/main" id="{BB74CFDF-E396-585A-A51B-EEDDCACD2B7E}"/>
-              </a:ext>
-            </a:extLst>
-          </p:cNvPr>
-          <p:cNvSpPr>
-            <a:spLocks noGrp="1"/>
-          </p:cNvSpPr>
-          <p:nvPr>
-            <p:ph type="sldNum" sz="quarter" idx="4"/>
-          </p:nvPr>
-        </p:nvSpPr>
-        <p:spPr/>
-        <p:txBody>
-          <a:bodyPr/>
-          <a:lstStyle/>
-          <a:p>
-            <a:pPr>
-              <a:defRPr/>
-            </a:pPr>
-            <a:fld id="{395813C6-9C95-1340-82BD-C1A713B83084}" type="slidenum">
-              <a:rPr lang="en-IN" smtClean="0"/>
-              <a:pPr>
-                <a:defRPr/>
-              </a:pPr>
-              <a:t>15</a:t>
-            </a:fld>
-            <a:endParaRPr lang="en-IN"/>
-          </a:p>
-        </p:txBody>
-      </p:sp>
-      <p:sp>
-        <p:nvSpPr>
-          <p:cNvPr id="4" name="Content Placeholder 2">
-            <a:extLst>
-              <a:ext uri="{FF2B5EF4-FFF2-40B4-BE49-F238E27FC236}">
-                <a16:creationId xmlns:a16="http://schemas.microsoft.com/office/drawing/2014/main" id="{6E5447AF-6E8B-1B9E-DC1B-6230DB5E36BD}"/>
-              </a:ext>
-            </a:extLst>
-          </p:cNvPr>
-          <p:cNvSpPr txBox="1">
-            <a:spLocks/>
-          </p:cNvSpPr>
-          <p:nvPr/>
-        </p:nvSpPr>
-        <p:spPr>
-          <a:xfrm>
-            <a:off x="92512" y="830431"/>
-            <a:ext cx="11945608" cy="5161995"/>
-          </a:xfrm>
-          <a:prstGeom prst="rect">
-            <a:avLst/>
-          </a:prstGeom>
-        </p:spPr>
-        <p:txBody>
-          <a:bodyPr/>
-          <a:lstStyle>
-            <a:lvl1pPr marL="326555" indent="-326555" algn="l" rtl="0" fontAlgn="base">
-              <a:lnSpc>
-                <a:spcPct val="95000"/>
-              </a:lnSpc>
-              <a:spcBef>
-                <a:spcPct val="30000"/>
-              </a:spcBef>
-              <a:spcAft>
-                <a:spcPct val="20000"/>
-              </a:spcAft>
-              <a:buClr>
-                <a:schemeClr val="tx1"/>
-              </a:buClr>
-              <a:buSzPct val="110000"/>
-              <a:buChar char="•"/>
-              <a:defRPr sz="2400">
-                <a:solidFill>
-                  <a:srgbClr val="070605"/>
-                </a:solidFill>
-                <a:latin typeface="+mn-lt"/>
-                <a:ea typeface="+mn-ea"/>
-                <a:cs typeface="+mn-cs"/>
-              </a:defRPr>
-            </a:lvl1pPr>
-            <a:lvl2pPr marL="814121" indent="-324288" algn="l" rtl="0" fontAlgn="base">
-              <a:lnSpc>
-                <a:spcPct val="95000"/>
-              </a:lnSpc>
-              <a:spcBef>
-                <a:spcPct val="0"/>
-              </a:spcBef>
-              <a:spcAft>
-                <a:spcPct val="20000"/>
-              </a:spcAft>
-              <a:buClr>
-                <a:schemeClr val="tx1"/>
-              </a:buClr>
-              <a:buFont typeface="Arial" charset="0"/>
-              <a:buChar char="–"/>
-              <a:defRPr sz="2000">
-                <a:solidFill>
-                  <a:srgbClr val="070605"/>
-                </a:solidFill>
-                <a:latin typeface="+mn-lt"/>
-              </a:defRPr>
-            </a:lvl2pPr>
-            <a:lvl3pPr marL="1224582" indent="-247185" algn="l" rtl="0" fontAlgn="base">
-              <a:lnSpc>
-                <a:spcPct val="95000"/>
-              </a:lnSpc>
-              <a:spcBef>
-                <a:spcPct val="0"/>
-              </a:spcBef>
-              <a:spcAft>
-                <a:spcPct val="20000"/>
-              </a:spcAft>
-              <a:buClr>
-                <a:schemeClr val="tx1"/>
-              </a:buClr>
-              <a:buSzPct val="90000"/>
-              <a:buChar char="•"/>
-              <a:defRPr sz="2000">
-                <a:solidFill>
-                  <a:srgbClr val="070605"/>
-                </a:solidFill>
-                <a:latin typeface="+mn-lt"/>
-              </a:defRPr>
-            </a:lvl3pPr>
-            <a:lvl4pPr marL="1632776" indent="-244916" algn="l" rtl="0" fontAlgn="base">
-              <a:lnSpc>
-                <a:spcPct val="95000"/>
-              </a:lnSpc>
-              <a:spcBef>
-                <a:spcPct val="0"/>
-              </a:spcBef>
-              <a:spcAft>
-                <a:spcPct val="20000"/>
-              </a:spcAft>
-              <a:buClr>
-                <a:schemeClr val="tx1"/>
-              </a:buClr>
-              <a:buSzPct val="90000"/>
-              <a:buFont typeface="Arial" charset="0"/>
-              <a:buChar char="–"/>
-              <a:defRPr sz="1800">
-                <a:solidFill>
-                  <a:srgbClr val="070605"/>
-                </a:solidFill>
-                <a:latin typeface="+mn-lt"/>
-              </a:defRPr>
-            </a:lvl4pPr>
-            <a:lvl5pPr marL="2283619" indent="-324288" algn="l" rtl="0" fontAlgn="base">
-              <a:spcBef>
-                <a:spcPct val="0"/>
-              </a:spcBef>
-              <a:spcAft>
-                <a:spcPct val="30000"/>
-              </a:spcAft>
-              <a:buChar char="–"/>
-              <a:defRPr sz="2300">
-                <a:solidFill>
-                  <a:schemeClr val="tx1"/>
-                </a:solidFill>
-                <a:latin typeface="+mn-lt"/>
-              </a:defRPr>
-            </a:lvl5pPr>
-            <a:lvl6pPr marL="2936729" indent="-324288" algn="l" rtl="0" fontAlgn="base">
-              <a:spcBef>
-                <a:spcPct val="0"/>
-              </a:spcBef>
-              <a:spcAft>
-                <a:spcPct val="30000"/>
-              </a:spcAft>
-              <a:buChar char="–"/>
-              <a:defRPr sz="2300">
-                <a:solidFill>
-                  <a:schemeClr val="tx1"/>
-                </a:solidFill>
-                <a:latin typeface="+mn-lt"/>
-              </a:defRPr>
-            </a:lvl6pPr>
-            <a:lvl7pPr marL="3589839" indent="-324288" algn="l" rtl="0" fontAlgn="base">
-              <a:spcBef>
-                <a:spcPct val="0"/>
-              </a:spcBef>
-              <a:spcAft>
-                <a:spcPct val="30000"/>
-              </a:spcAft>
-              <a:buChar char="–"/>
-              <a:defRPr sz="2300">
-                <a:solidFill>
-                  <a:schemeClr val="tx1"/>
-                </a:solidFill>
-                <a:latin typeface="+mn-lt"/>
-              </a:defRPr>
-            </a:lvl7pPr>
-            <a:lvl8pPr marL="4242949" indent="-324288" algn="l" rtl="0" fontAlgn="base">
-              <a:spcBef>
-                <a:spcPct val="0"/>
-              </a:spcBef>
-              <a:spcAft>
-                <a:spcPct val="30000"/>
-              </a:spcAft>
-              <a:buChar char="–"/>
-              <a:defRPr sz="2300">
-                <a:solidFill>
-                  <a:schemeClr val="tx1"/>
-                </a:solidFill>
-                <a:latin typeface="+mn-lt"/>
-              </a:defRPr>
-            </a:lvl8pPr>
-            <a:lvl9pPr marL="4896059" indent="-324288" algn="l" rtl="0" fontAlgn="base">
-              <a:spcBef>
-                <a:spcPct val="0"/>
-              </a:spcBef>
-              <a:spcAft>
-                <a:spcPct val="30000"/>
-              </a:spcAft>
-              <a:buChar char="–"/>
-              <a:defRPr sz="2300">
-                <a:solidFill>
-                  <a:schemeClr val="tx1"/>
-                </a:solidFill>
-                <a:latin typeface="+mn-lt"/>
-              </a:defRPr>
-            </a:lvl9pPr>
-          </a:lstStyle>
-          <a:p>
-            <a:endParaRPr lang="en-US" kern="0" dirty="0"/>
-          </a:p>
-        </p:txBody>
-      </p:sp>
-      <p:sp>
-        <p:nvSpPr>
-          <p:cNvPr id="7" name="TextBox 6">
-            <a:extLst>
-              <a:ext uri="{FF2B5EF4-FFF2-40B4-BE49-F238E27FC236}">
-                <a16:creationId xmlns:a16="http://schemas.microsoft.com/office/drawing/2014/main" id="{C11577FA-3F11-AE35-A504-6709F4F8EF74}"/>
-              </a:ext>
-            </a:extLst>
-          </p:cNvPr>
-          <p:cNvSpPr txBox="1"/>
-          <p:nvPr/>
-        </p:nvSpPr>
-        <p:spPr>
-          <a:xfrm>
-            <a:off x="260384" y="1314254"/>
-            <a:ext cx="11450030" cy="5262979"/>
-          </a:xfrm>
-          <a:prstGeom prst="rect">
-            <a:avLst/>
-          </a:prstGeom>
-          <a:noFill/>
-        </p:spPr>
-        <p:txBody>
-          <a:bodyPr wrap="square">
-            <a:spAutoFit/>
-          </a:bodyPr>
-          <a:lstStyle/>
-          <a:p>
-            <a:r>
-              <a:rPr lang="en-US" sz="1200" dirty="0"/>
-              <a:t>library(</a:t>
-            </a:r>
-            <a:r>
-              <a:rPr lang="en-US" sz="1200" dirty="0" err="1"/>
-              <a:t>netmeta</a:t>
-            </a:r>
-            <a:r>
-              <a:rPr lang="en-US" sz="1200" dirty="0"/>
-              <a:t>)</a:t>
-            </a:r>
-          </a:p>
-          <a:p>
-            <a:r>
-              <a:rPr lang="en-US" sz="1200" dirty="0" err="1"/>
-              <a:t>data.long.arm.base</a:t>
-            </a:r>
-            <a:r>
-              <a:rPr lang="en-US" sz="1200" dirty="0"/>
-              <a:t> &lt;- read.csv("RGX.NI.test3_long.arm.base.csv")</a:t>
-            </a:r>
-          </a:p>
-          <a:p>
-            <a:endParaRPr lang="en-US" sz="1200" dirty="0"/>
-          </a:p>
-          <a:p>
-            <a:r>
-              <a:rPr lang="en-US" sz="1200" dirty="0"/>
-              <a:t># pairwise: Transform arm-based formats into contrast-based format</a:t>
-            </a:r>
-          </a:p>
-          <a:p>
-            <a:r>
-              <a:rPr lang="en-US" sz="1200" dirty="0" err="1"/>
-              <a:t>data.parawise</a:t>
-            </a:r>
-            <a:r>
-              <a:rPr lang="en-US" sz="1200" dirty="0"/>
-              <a:t> &lt;- pairwise(treat = treatment,  n   = </a:t>
-            </a:r>
-            <a:r>
-              <a:rPr lang="en-US" sz="1200" dirty="0" err="1"/>
-              <a:t>sampleSize</a:t>
-            </a:r>
-            <a:r>
-              <a:rPr lang="en-US" sz="1200" dirty="0"/>
-              <a:t>, mean  = mean,  </a:t>
-            </a:r>
-            <a:r>
-              <a:rPr lang="en-US" sz="1200" dirty="0" err="1"/>
-              <a:t>sd</a:t>
-            </a:r>
-            <a:r>
-              <a:rPr lang="en-US" sz="1200" dirty="0"/>
-              <a:t>    = </a:t>
-            </a:r>
-            <a:r>
-              <a:rPr lang="en-US" sz="1200" dirty="0" err="1"/>
-              <a:t>std.dev</a:t>
-            </a:r>
-            <a:r>
-              <a:rPr lang="en-US" sz="1200" dirty="0"/>
-              <a:t>,</a:t>
-            </a:r>
-          </a:p>
-          <a:p>
-            <a:r>
-              <a:rPr lang="en-US" sz="1200" dirty="0"/>
-              <a:t>                          data  = </a:t>
-            </a:r>
-            <a:r>
-              <a:rPr lang="en-US" sz="1200" dirty="0" err="1"/>
-              <a:t>data.long.arm.base</a:t>
-            </a:r>
-            <a:r>
-              <a:rPr lang="en-US" sz="1200" dirty="0"/>
-              <a:t> , </a:t>
-            </a:r>
-            <a:r>
-              <a:rPr lang="en-US" sz="1200" dirty="0" err="1"/>
-              <a:t>studlab</a:t>
-            </a:r>
-            <a:r>
-              <a:rPr lang="en-US" sz="1200" dirty="0"/>
-              <a:t> = Study)</a:t>
-            </a:r>
-          </a:p>
-          <a:p>
-            <a:endParaRPr lang="en-US" sz="1200" dirty="0"/>
-          </a:p>
-          <a:p>
-            <a:r>
-              <a:rPr lang="en-US" sz="1200" dirty="0" err="1"/>
-              <a:t>nma_Freq</a:t>
-            </a:r>
-            <a:r>
-              <a:rPr lang="en-US" sz="1200" dirty="0"/>
-              <a:t> &lt;- </a:t>
-            </a:r>
-            <a:r>
-              <a:rPr lang="en-US" sz="1200" dirty="0" err="1"/>
-              <a:t>netmeta</a:t>
-            </a:r>
-            <a:r>
-              <a:rPr lang="en-US" sz="1200" dirty="0"/>
-              <a:t>(</a:t>
-            </a:r>
-            <a:r>
-              <a:rPr lang="en-US" sz="1200" dirty="0" err="1"/>
-              <a:t>data.parawise</a:t>
-            </a:r>
-            <a:r>
-              <a:rPr lang="en-US" sz="1200" dirty="0"/>
-              <a:t>, </a:t>
-            </a:r>
-            <a:r>
-              <a:rPr lang="en-US" sz="1200" dirty="0" err="1"/>
-              <a:t>sm</a:t>
-            </a:r>
-            <a:r>
-              <a:rPr lang="en-US" sz="1200" dirty="0"/>
-              <a:t> ="MD", </a:t>
-            </a:r>
-            <a:r>
-              <a:rPr lang="en-US" sz="1200" dirty="0" err="1"/>
-              <a:t>reference.group</a:t>
-            </a:r>
-            <a:r>
-              <a:rPr lang="en-US" sz="1200" dirty="0"/>
-              <a:t> = "Sham")</a:t>
-            </a:r>
-          </a:p>
-          <a:p>
-            <a:r>
-              <a:rPr lang="en-US" sz="1200" dirty="0"/>
-              <a:t>summary(</a:t>
-            </a:r>
-            <a:r>
-              <a:rPr lang="en-US" sz="1200" dirty="0" err="1"/>
-              <a:t>nma_Freq</a:t>
-            </a:r>
-            <a:r>
-              <a:rPr lang="en-US" sz="1200" dirty="0"/>
-              <a:t>, ref="Sham")</a:t>
-            </a:r>
-          </a:p>
-          <a:p>
-            <a:r>
-              <a:rPr lang="en-US" sz="1200" dirty="0"/>
-              <a:t>forest(</a:t>
-            </a:r>
-            <a:r>
-              <a:rPr lang="en-US" sz="1200" dirty="0" err="1"/>
-              <a:t>nma_Freq</a:t>
-            </a:r>
-            <a:r>
-              <a:rPr lang="en-US" sz="1200" dirty="0"/>
-              <a:t>, ref="Sham", </a:t>
-            </a:r>
-            <a:r>
-              <a:rPr lang="en-US" sz="1200" dirty="0" err="1"/>
-              <a:t>xlab</a:t>
-            </a:r>
-            <a:r>
-              <a:rPr lang="en-US" sz="1200" dirty="0"/>
-              <a:t>="Change in BCVA", pooled="common")</a:t>
-            </a:r>
-          </a:p>
-          <a:p>
-            <a:endParaRPr lang="en-US" sz="1200" dirty="0"/>
-          </a:p>
-          <a:p>
-            <a:r>
-              <a:rPr lang="en-US" sz="1200" dirty="0"/>
-              <a:t># network graph</a:t>
-            </a:r>
-          </a:p>
-          <a:p>
-            <a:r>
-              <a:rPr lang="en-US" sz="1200" dirty="0" err="1"/>
-              <a:t>netgraph</a:t>
-            </a:r>
-            <a:r>
-              <a:rPr lang="en-US" sz="1200" dirty="0"/>
-              <a:t>(</a:t>
-            </a:r>
-            <a:r>
-              <a:rPr lang="en-US" sz="1200" dirty="0" err="1"/>
-              <a:t>nma_Freq</a:t>
-            </a:r>
-            <a:r>
-              <a:rPr lang="en-US" sz="1200" dirty="0"/>
-              <a:t>)</a:t>
-            </a:r>
-          </a:p>
-          <a:p>
-            <a:endParaRPr lang="en-US" sz="1200" dirty="0"/>
-          </a:p>
-          <a:p>
-            <a:r>
-              <a:rPr lang="en-US" sz="1200" dirty="0"/>
-              <a:t># Treatment Ranking</a:t>
-            </a:r>
-          </a:p>
-          <a:p>
-            <a:r>
-              <a:rPr lang="en-US" sz="1200" dirty="0" err="1"/>
-              <a:t>netrank</a:t>
-            </a:r>
-            <a:r>
-              <a:rPr lang="en-US" sz="1200" dirty="0"/>
-              <a:t>(</a:t>
-            </a:r>
-            <a:r>
-              <a:rPr lang="en-US" sz="1200" dirty="0" err="1"/>
-              <a:t>nma_Freq</a:t>
-            </a:r>
-            <a:r>
-              <a:rPr lang="en-US" sz="1200" dirty="0"/>
-              <a:t>, </a:t>
-            </a:r>
-            <a:r>
-              <a:rPr lang="en-US" sz="1200" dirty="0" err="1"/>
-              <a:t>small.values</a:t>
-            </a:r>
-            <a:r>
-              <a:rPr lang="en-US" sz="1200" dirty="0"/>
-              <a:t> = "undesirable", method = "SUCRA")</a:t>
-            </a:r>
-          </a:p>
-          <a:p>
-            <a:endParaRPr lang="en-US" sz="1200" dirty="0"/>
-          </a:p>
-          <a:p>
-            <a:r>
-              <a:rPr lang="en-US" sz="1200" dirty="0"/>
-              <a:t># 2a. Forest Plot</a:t>
-            </a:r>
-          </a:p>
-          <a:p>
-            <a:r>
-              <a:rPr lang="en-US" sz="1200" dirty="0"/>
-              <a:t>forest(</a:t>
-            </a:r>
-            <a:r>
-              <a:rPr lang="en-US" sz="1200" dirty="0" err="1"/>
-              <a:t>nma_Freq</a:t>
-            </a:r>
-            <a:r>
-              <a:rPr lang="en-US" sz="1200" dirty="0"/>
-              <a:t>, ref="Sham", </a:t>
-            </a:r>
-            <a:r>
-              <a:rPr lang="en-US" sz="1200" dirty="0" err="1"/>
-              <a:t>xlab</a:t>
-            </a:r>
-            <a:r>
-              <a:rPr lang="en-US" sz="1200" dirty="0"/>
-              <a:t>="Change in BCVA", pooled="common")</a:t>
-            </a:r>
-          </a:p>
-          <a:p>
-            <a:endParaRPr lang="en-US" sz="1200" dirty="0"/>
-          </a:p>
-          <a:p>
-            <a:r>
-              <a:rPr lang="en-US" sz="1200" dirty="0"/>
-              <a:t># 2b. Comparison of all treatment pairs</a:t>
-            </a:r>
-          </a:p>
-          <a:p>
-            <a:r>
-              <a:rPr lang="en-US" sz="1200" dirty="0"/>
-              <a:t>pairs &lt;- </a:t>
-            </a:r>
-            <a:r>
-              <a:rPr lang="en-US" sz="1200" dirty="0" err="1"/>
-              <a:t>netleague</a:t>
-            </a:r>
-            <a:r>
-              <a:rPr lang="en-US" sz="1200" dirty="0"/>
-              <a:t>(</a:t>
-            </a:r>
-            <a:r>
-              <a:rPr lang="en-US" sz="1200" dirty="0" err="1"/>
-              <a:t>nma_Freq</a:t>
-            </a:r>
-            <a:r>
-              <a:rPr lang="en-US" sz="1200" dirty="0"/>
-              <a:t>, digits = 2, seq=c("Aflibercept","Brolucizumab","Faricimab","Ranibizumab","Sham"))</a:t>
-            </a:r>
-          </a:p>
-          <a:p>
-            <a:endParaRPr lang="en-US" sz="1200" dirty="0"/>
-          </a:p>
-          <a:p>
-            <a:r>
-              <a:rPr lang="en-US" sz="1200" dirty="0"/>
-              <a:t># 2c. Inconsistency</a:t>
-            </a:r>
-          </a:p>
-          <a:p>
-            <a:r>
-              <a:rPr lang="en-US" sz="1200" dirty="0"/>
-              <a:t> # global approach</a:t>
-            </a:r>
-          </a:p>
-          <a:p>
-            <a:r>
-              <a:rPr lang="en-US" sz="1200" dirty="0"/>
-              <a:t> </a:t>
-            </a:r>
-            <a:r>
-              <a:rPr lang="en-US" sz="1200" dirty="0" err="1"/>
-              <a:t>decomp.design</a:t>
-            </a:r>
-            <a:r>
-              <a:rPr lang="en-US" sz="1200" dirty="0"/>
-              <a:t>(</a:t>
-            </a:r>
-            <a:r>
-              <a:rPr lang="en-US" sz="1200" dirty="0" err="1"/>
-              <a:t>nma_Freq</a:t>
-            </a:r>
-            <a:r>
-              <a:rPr lang="en-US" sz="1200" dirty="0"/>
-              <a:t>)</a:t>
-            </a:r>
-          </a:p>
-          <a:p>
-            <a:r>
-              <a:rPr lang="en-US" sz="1200" dirty="0"/>
-              <a:t> # local approach</a:t>
-            </a:r>
-          </a:p>
-          <a:p>
-            <a:r>
-              <a:rPr lang="en-US" sz="1200" dirty="0"/>
-              <a:t> print(</a:t>
-            </a:r>
-            <a:r>
-              <a:rPr lang="en-US" sz="1200" dirty="0" err="1"/>
-              <a:t>netsplit</a:t>
-            </a:r>
-            <a:r>
-              <a:rPr lang="en-US" sz="1200" dirty="0"/>
-              <a:t>(</a:t>
-            </a:r>
-            <a:r>
-              <a:rPr lang="en-US" sz="1200" dirty="0" err="1"/>
-              <a:t>nma_Freq</a:t>
-            </a:r>
-            <a:r>
-              <a:rPr lang="en-US" sz="1200" dirty="0"/>
-              <a:t>), digits=2)</a:t>
-            </a:r>
-          </a:p>
-        </p:txBody>
-      </p:sp>
-    </p:spTree>
-    <p:extLst>
-      <p:ext uri="{BB962C8B-B14F-4D97-AF65-F5344CB8AC3E}">
-        <p14:creationId xmlns:p14="http://schemas.microsoft.com/office/powerpoint/2010/main" val="769135524"/>
-      </p:ext>
-    </p:extLst>
-  </p:cSld>
-  <p:clrMapOvr>
-    <a:masterClrMapping/>
-  </p:clrMapOvr>
-  <p:transition>
-    <p:fade/>
-  </p:transition>
-</p:sld>
-</file>
-
-<file path=ppt/slides/slide16.xml><?xml version="1.0" encoding="utf-8"?>
-<p:sld xmlns:a="http://schemas.openxmlformats.org/drawingml/2006/main" xmlns:r="http://schemas.openxmlformats.org/officeDocument/2006/relationships" xmlns:p="http://schemas.openxmlformats.org/presentationml/2006/main">
-  <p:cSld>
-    <p:spTree>
-      <p:nvGrpSpPr>
-        <p:cNvPr id="1" name=""/>
-        <p:cNvGrpSpPr/>
-        <p:nvPr/>
-      </p:nvGrpSpPr>
-      <p:grpSpPr>
-        <a:xfrm>
-          <a:off x="0" y="0"/>
-          <a:ext cx="0" cy="0"/>
-          <a:chOff x="0" y="0"/>
-          <a:chExt cx="0" cy="0"/>
-        </a:xfrm>
-      </p:grpSpPr>
-      <p:sp>
-        <p:nvSpPr>
-          <p:cNvPr id="2" name="Title 1">
-            <a:extLst>
-              <a:ext uri="{FF2B5EF4-FFF2-40B4-BE49-F238E27FC236}">
-                <a16:creationId xmlns:a16="http://schemas.microsoft.com/office/drawing/2014/main" id="{A23D8482-647C-F234-5FA3-243B1ED95323}"/>
-              </a:ext>
-            </a:extLst>
-          </p:cNvPr>
-          <p:cNvSpPr>
-            <a:spLocks noGrp="1"/>
-          </p:cNvSpPr>
-          <p:nvPr>
-            <p:ph type="title"/>
-          </p:nvPr>
-        </p:nvSpPr>
-        <p:spPr>
-          <a:xfrm>
-            <a:off x="159798" y="128631"/>
-            <a:ext cx="11651202" cy="608216"/>
-          </a:xfrm>
-        </p:spPr>
-        <p:txBody>
-          <a:bodyPr/>
-          <a:lstStyle/>
-          <a:p>
-            <a:r>
-              <a:rPr lang="en-US" sz="2400" dirty="0">
-                <a:solidFill>
-                  <a:schemeClr val="tx1"/>
-                </a:solidFill>
-              </a:rPr>
-              <a:t>R Code - Bayesian NMA - R package </a:t>
-            </a:r>
-            <a:r>
-              <a:rPr lang="en-US" sz="2400" dirty="0" err="1">
-                <a:solidFill>
-                  <a:schemeClr val="tx1"/>
-                </a:solidFill>
-              </a:rPr>
-              <a:t>gemtc</a:t>
-            </a:r>
-            <a:br>
-              <a:rPr lang="en-US" sz="2400" dirty="0">
-                <a:solidFill>
-                  <a:schemeClr val="tx1"/>
-                </a:solidFill>
-              </a:rPr>
-            </a:br>
-            <a:endParaRPr lang="en-US" sz="2400" dirty="0">
-              <a:solidFill>
-                <a:schemeClr val="tx1"/>
-              </a:solidFill>
-            </a:endParaRPr>
-          </a:p>
-        </p:txBody>
-      </p:sp>
-      <p:sp>
-        <p:nvSpPr>
-          <p:cNvPr id="3" name="Slide Number Placeholder 2">
-            <a:extLst>
-              <a:ext uri="{FF2B5EF4-FFF2-40B4-BE49-F238E27FC236}">
-                <a16:creationId xmlns:a16="http://schemas.microsoft.com/office/drawing/2014/main" id="{BB74CFDF-E396-585A-A51B-EEDDCACD2B7E}"/>
-              </a:ext>
-            </a:extLst>
-          </p:cNvPr>
-          <p:cNvSpPr>
-            <a:spLocks noGrp="1"/>
-          </p:cNvSpPr>
-          <p:nvPr>
-            <p:ph type="sldNum" sz="quarter" idx="4"/>
-          </p:nvPr>
-        </p:nvSpPr>
-        <p:spPr/>
-        <p:txBody>
-          <a:bodyPr/>
-          <a:lstStyle/>
-          <a:p>
-            <a:pPr>
-              <a:defRPr/>
-            </a:pPr>
-            <a:fld id="{395813C6-9C95-1340-82BD-C1A713B83084}" type="slidenum">
-              <a:rPr lang="en-IN" smtClean="0"/>
-              <a:pPr>
-                <a:defRPr/>
-              </a:pPr>
-              <a:t>16</a:t>
-            </a:fld>
-            <a:endParaRPr lang="en-IN"/>
-          </a:p>
-        </p:txBody>
-      </p:sp>
-      <p:sp>
-        <p:nvSpPr>
-          <p:cNvPr id="4" name="Content Placeholder 2">
-            <a:extLst>
-              <a:ext uri="{FF2B5EF4-FFF2-40B4-BE49-F238E27FC236}">
-                <a16:creationId xmlns:a16="http://schemas.microsoft.com/office/drawing/2014/main" id="{6E5447AF-6E8B-1B9E-DC1B-6230DB5E36BD}"/>
-              </a:ext>
-            </a:extLst>
-          </p:cNvPr>
-          <p:cNvSpPr txBox="1">
-            <a:spLocks/>
-          </p:cNvSpPr>
-          <p:nvPr/>
-        </p:nvSpPr>
-        <p:spPr>
-          <a:xfrm>
-            <a:off x="92512" y="830431"/>
-            <a:ext cx="11945608" cy="5161995"/>
-          </a:xfrm>
-          <a:prstGeom prst="rect">
-            <a:avLst/>
-          </a:prstGeom>
-        </p:spPr>
-        <p:txBody>
-          <a:bodyPr/>
-          <a:lstStyle>
-            <a:lvl1pPr marL="326555" indent="-326555" algn="l" rtl="0" fontAlgn="base">
-              <a:lnSpc>
-                <a:spcPct val="95000"/>
-              </a:lnSpc>
-              <a:spcBef>
-                <a:spcPct val="30000"/>
-              </a:spcBef>
-              <a:spcAft>
-                <a:spcPct val="20000"/>
-              </a:spcAft>
-              <a:buClr>
-                <a:schemeClr val="tx1"/>
-              </a:buClr>
-              <a:buSzPct val="110000"/>
-              <a:buChar char="•"/>
-              <a:defRPr sz="2400">
-                <a:solidFill>
-                  <a:srgbClr val="070605"/>
-                </a:solidFill>
-                <a:latin typeface="+mn-lt"/>
-                <a:ea typeface="+mn-ea"/>
-                <a:cs typeface="+mn-cs"/>
-              </a:defRPr>
-            </a:lvl1pPr>
-            <a:lvl2pPr marL="814121" indent="-324288" algn="l" rtl="0" fontAlgn="base">
-              <a:lnSpc>
-                <a:spcPct val="95000"/>
-              </a:lnSpc>
-              <a:spcBef>
-                <a:spcPct val="0"/>
-              </a:spcBef>
-              <a:spcAft>
-                <a:spcPct val="20000"/>
-              </a:spcAft>
-              <a:buClr>
-                <a:schemeClr val="tx1"/>
-              </a:buClr>
-              <a:buFont typeface="Arial" charset="0"/>
-              <a:buChar char="–"/>
-              <a:defRPr sz="2000">
-                <a:solidFill>
-                  <a:srgbClr val="070605"/>
-                </a:solidFill>
-                <a:latin typeface="+mn-lt"/>
-              </a:defRPr>
-            </a:lvl2pPr>
-            <a:lvl3pPr marL="1224582" indent="-247185" algn="l" rtl="0" fontAlgn="base">
-              <a:lnSpc>
-                <a:spcPct val="95000"/>
-              </a:lnSpc>
-              <a:spcBef>
-                <a:spcPct val="0"/>
-              </a:spcBef>
-              <a:spcAft>
-                <a:spcPct val="20000"/>
-              </a:spcAft>
-              <a:buClr>
-                <a:schemeClr val="tx1"/>
-              </a:buClr>
-              <a:buSzPct val="90000"/>
-              <a:buChar char="•"/>
-              <a:defRPr sz="2000">
-                <a:solidFill>
-                  <a:srgbClr val="070605"/>
-                </a:solidFill>
-                <a:latin typeface="+mn-lt"/>
-              </a:defRPr>
-            </a:lvl3pPr>
-            <a:lvl4pPr marL="1632776" indent="-244916" algn="l" rtl="0" fontAlgn="base">
-              <a:lnSpc>
-                <a:spcPct val="95000"/>
-              </a:lnSpc>
-              <a:spcBef>
-                <a:spcPct val="0"/>
-              </a:spcBef>
-              <a:spcAft>
-                <a:spcPct val="20000"/>
-              </a:spcAft>
-              <a:buClr>
-                <a:schemeClr val="tx1"/>
-              </a:buClr>
-              <a:buSzPct val="90000"/>
-              <a:buFont typeface="Arial" charset="0"/>
-              <a:buChar char="–"/>
-              <a:defRPr sz="1800">
-                <a:solidFill>
-                  <a:srgbClr val="070605"/>
-                </a:solidFill>
-                <a:latin typeface="+mn-lt"/>
-              </a:defRPr>
-            </a:lvl4pPr>
-            <a:lvl5pPr marL="2283619" indent="-324288" algn="l" rtl="0" fontAlgn="base">
-              <a:spcBef>
-                <a:spcPct val="0"/>
-              </a:spcBef>
-              <a:spcAft>
-                <a:spcPct val="30000"/>
-              </a:spcAft>
-              <a:buChar char="–"/>
-              <a:defRPr sz="2300">
-                <a:solidFill>
-                  <a:schemeClr val="tx1"/>
-                </a:solidFill>
-                <a:latin typeface="+mn-lt"/>
-              </a:defRPr>
-            </a:lvl5pPr>
-            <a:lvl6pPr marL="2936729" indent="-324288" algn="l" rtl="0" fontAlgn="base">
-              <a:spcBef>
-                <a:spcPct val="0"/>
-              </a:spcBef>
-              <a:spcAft>
-                <a:spcPct val="30000"/>
-              </a:spcAft>
-              <a:buChar char="–"/>
-              <a:defRPr sz="2300">
-                <a:solidFill>
-                  <a:schemeClr val="tx1"/>
-                </a:solidFill>
-                <a:latin typeface="+mn-lt"/>
-              </a:defRPr>
-            </a:lvl6pPr>
-            <a:lvl7pPr marL="3589839" indent="-324288" algn="l" rtl="0" fontAlgn="base">
-              <a:spcBef>
-                <a:spcPct val="0"/>
-              </a:spcBef>
-              <a:spcAft>
-                <a:spcPct val="30000"/>
-              </a:spcAft>
-              <a:buChar char="–"/>
-              <a:defRPr sz="2300">
-                <a:solidFill>
-                  <a:schemeClr val="tx1"/>
-                </a:solidFill>
-                <a:latin typeface="+mn-lt"/>
-              </a:defRPr>
-            </a:lvl7pPr>
-            <a:lvl8pPr marL="4242949" indent="-324288" algn="l" rtl="0" fontAlgn="base">
-              <a:spcBef>
-                <a:spcPct val="0"/>
-              </a:spcBef>
-              <a:spcAft>
-                <a:spcPct val="30000"/>
-              </a:spcAft>
-              <a:buChar char="–"/>
-              <a:defRPr sz="2300">
-                <a:solidFill>
-                  <a:schemeClr val="tx1"/>
-                </a:solidFill>
-                <a:latin typeface="+mn-lt"/>
-              </a:defRPr>
-            </a:lvl8pPr>
-            <a:lvl9pPr marL="4896059" indent="-324288" algn="l" rtl="0" fontAlgn="base">
-              <a:spcBef>
-                <a:spcPct val="0"/>
-              </a:spcBef>
-              <a:spcAft>
-                <a:spcPct val="30000"/>
-              </a:spcAft>
-              <a:buChar char="–"/>
-              <a:defRPr sz="2300">
-                <a:solidFill>
-                  <a:schemeClr val="tx1"/>
-                </a:solidFill>
-                <a:latin typeface="+mn-lt"/>
-              </a:defRPr>
-            </a:lvl9pPr>
-          </a:lstStyle>
-          <a:p>
-            <a:endParaRPr lang="en-US" kern="0" dirty="0"/>
-          </a:p>
-        </p:txBody>
-      </p:sp>
-      <p:sp>
-        <p:nvSpPr>
-          <p:cNvPr id="7" name="TextBox 6">
-            <a:extLst>
-              <a:ext uri="{FF2B5EF4-FFF2-40B4-BE49-F238E27FC236}">
-                <a16:creationId xmlns:a16="http://schemas.microsoft.com/office/drawing/2014/main" id="{C11577FA-3F11-AE35-A504-6709F4F8EF74}"/>
-              </a:ext>
-            </a:extLst>
-          </p:cNvPr>
-          <p:cNvSpPr txBox="1"/>
-          <p:nvPr/>
-        </p:nvSpPr>
-        <p:spPr>
-          <a:xfrm>
-            <a:off x="502313" y="557201"/>
-            <a:ext cx="11450030" cy="5632311"/>
-          </a:xfrm>
-          <a:prstGeom prst="rect">
-            <a:avLst/>
-          </a:prstGeom>
-          <a:noFill/>
-        </p:spPr>
-        <p:txBody>
-          <a:bodyPr wrap="square">
-            <a:spAutoFit/>
-          </a:bodyPr>
-          <a:lstStyle/>
-          <a:p>
-            <a:r>
-              <a:rPr lang="en-US" sz="1200" dirty="0"/>
-              <a:t>library(</a:t>
-            </a:r>
-            <a:r>
-              <a:rPr lang="en-US" sz="1200" dirty="0" err="1"/>
-              <a:t>rjags</a:t>
-            </a:r>
-            <a:r>
-              <a:rPr lang="en-US" sz="1200" dirty="0"/>
-              <a:t>)</a:t>
-            </a:r>
-          </a:p>
-          <a:p>
-            <a:r>
-              <a:rPr lang="en-US" sz="1200" dirty="0"/>
-              <a:t>library(</a:t>
-            </a:r>
-            <a:r>
-              <a:rPr lang="en-US" sz="1200" dirty="0" err="1"/>
-              <a:t>gemtc</a:t>
-            </a:r>
-            <a:r>
-              <a:rPr lang="en-US" sz="1200" dirty="0"/>
-              <a:t>)</a:t>
-            </a:r>
-          </a:p>
-          <a:p>
-            <a:r>
-              <a:rPr lang="en-US" sz="1200" dirty="0"/>
-              <a:t> </a:t>
-            </a:r>
-          </a:p>
-          <a:p>
-            <a:r>
-              <a:rPr lang="en-US" sz="1200" dirty="0"/>
-              <a:t># network setup: data with long arm-based format</a:t>
-            </a:r>
-          </a:p>
-          <a:p>
-            <a:r>
-              <a:rPr lang="en-US" sz="1200" dirty="0" err="1"/>
-              <a:t>NMA_Baye</a:t>
-            </a:r>
-            <a:r>
-              <a:rPr lang="en-US" sz="1200" dirty="0"/>
-              <a:t> &lt;- </a:t>
-            </a:r>
-            <a:r>
-              <a:rPr lang="en-US" sz="1200" dirty="0" err="1"/>
-              <a:t>mtc.network</a:t>
-            </a:r>
-            <a:r>
-              <a:rPr lang="en-US" sz="1200" dirty="0"/>
-              <a:t>(</a:t>
-            </a:r>
-            <a:r>
-              <a:rPr lang="en-US" sz="1200" dirty="0" err="1"/>
-              <a:t>data.ab</a:t>
-            </a:r>
-            <a:r>
-              <a:rPr lang="en-US" sz="1200" dirty="0"/>
-              <a:t> = </a:t>
-            </a:r>
-            <a:r>
-              <a:rPr lang="en-US" sz="1200" dirty="0" err="1"/>
-              <a:t>data.long.arm.base</a:t>
-            </a:r>
-            <a:r>
-              <a:rPr lang="en-US" sz="1200" dirty="0"/>
-              <a:t>)</a:t>
-            </a:r>
-          </a:p>
-          <a:p>
-            <a:r>
-              <a:rPr lang="en-US" sz="1200" dirty="0"/>
-              <a:t>summary(</a:t>
-            </a:r>
-            <a:r>
-              <a:rPr lang="en-US" sz="1200" dirty="0" err="1"/>
-              <a:t>NMA_Baye</a:t>
-            </a:r>
-            <a:r>
-              <a:rPr lang="en-US" sz="1200" dirty="0"/>
-              <a:t>)</a:t>
-            </a:r>
-          </a:p>
-          <a:p>
-            <a:r>
-              <a:rPr lang="en-US" sz="1200" dirty="0"/>
-              <a:t>plot(</a:t>
-            </a:r>
-            <a:r>
-              <a:rPr lang="en-US" sz="1200" dirty="0" err="1"/>
-              <a:t>NMA_Baye</a:t>
-            </a:r>
-            <a:r>
-              <a:rPr lang="en-US" sz="1200" dirty="0"/>
-              <a:t>)</a:t>
-            </a:r>
-          </a:p>
-          <a:p>
-            <a:endParaRPr lang="en-US" sz="1200" dirty="0"/>
-          </a:p>
-          <a:p>
-            <a:r>
-              <a:rPr lang="en-US" sz="1200" dirty="0"/>
-              <a:t># network model - fixed effect model</a:t>
-            </a:r>
-          </a:p>
-          <a:p>
-            <a:r>
-              <a:rPr lang="en-US" sz="1200" dirty="0" err="1"/>
-              <a:t>model_Baye</a:t>
-            </a:r>
-            <a:r>
-              <a:rPr lang="en-US" sz="1200" dirty="0"/>
-              <a:t> &lt;- </a:t>
-            </a:r>
-            <a:r>
-              <a:rPr lang="en-US" sz="1200" dirty="0" err="1"/>
-              <a:t>mtc.model</a:t>
-            </a:r>
-            <a:r>
-              <a:rPr lang="en-US" sz="1200" dirty="0"/>
-              <a:t>(</a:t>
-            </a:r>
-            <a:r>
-              <a:rPr lang="en-US" sz="1200" dirty="0" err="1"/>
-              <a:t>NMA_Baye</a:t>
-            </a:r>
-            <a:r>
-              <a:rPr lang="en-US" sz="1200" dirty="0"/>
-              <a:t>, </a:t>
-            </a:r>
-            <a:r>
-              <a:rPr lang="en-US" sz="1200" dirty="0" err="1"/>
-              <a:t>linearModel</a:t>
-            </a:r>
-            <a:r>
-              <a:rPr lang="en-US" sz="1200" dirty="0"/>
-              <a:t>= "fixed", </a:t>
-            </a:r>
-            <a:r>
-              <a:rPr lang="en-US" sz="1200" dirty="0" err="1"/>
-              <a:t>n.chain</a:t>
-            </a:r>
-            <a:r>
-              <a:rPr lang="en-US" sz="1200" dirty="0"/>
-              <a:t>=4)</a:t>
-            </a:r>
-          </a:p>
-          <a:p>
-            <a:endParaRPr lang="en-US" sz="1200" dirty="0"/>
-          </a:p>
-          <a:p>
-            <a:r>
-              <a:rPr lang="en-US" sz="1200" dirty="0"/>
-              <a:t># need to install JAGS software</a:t>
-            </a:r>
-          </a:p>
-          <a:p>
-            <a:r>
-              <a:rPr lang="en-US" sz="1200" dirty="0" err="1"/>
-              <a:t>mcmc_Baye</a:t>
-            </a:r>
-            <a:r>
-              <a:rPr lang="en-US" sz="1200" dirty="0"/>
-              <a:t> &lt;- </a:t>
-            </a:r>
-            <a:r>
-              <a:rPr lang="en-US" sz="1200" dirty="0" err="1"/>
-              <a:t>mtc.run</a:t>
-            </a:r>
-            <a:r>
-              <a:rPr lang="en-US" sz="1200" dirty="0"/>
-              <a:t>(</a:t>
-            </a:r>
-            <a:r>
-              <a:rPr lang="en-US" sz="1200" dirty="0" err="1"/>
-              <a:t>model_Baye</a:t>
-            </a:r>
-            <a:r>
-              <a:rPr lang="en-US" sz="1200" dirty="0"/>
-              <a:t>, </a:t>
-            </a:r>
-            <a:r>
-              <a:rPr lang="en-US" sz="1200" dirty="0" err="1"/>
-              <a:t>n.adapt</a:t>
-            </a:r>
-            <a:r>
-              <a:rPr lang="en-US" sz="1200" dirty="0"/>
-              <a:t>=5000, </a:t>
-            </a:r>
-            <a:r>
-              <a:rPr lang="en-US" sz="1200" dirty="0" err="1"/>
-              <a:t>n.iter</a:t>
-            </a:r>
-            <a:r>
-              <a:rPr lang="en-US" sz="1200" dirty="0"/>
-              <a:t>=20000, thin=1)</a:t>
-            </a:r>
-          </a:p>
-          <a:p>
-            <a:r>
-              <a:rPr lang="en-US" sz="1200" dirty="0"/>
-              <a:t>summary(</a:t>
-            </a:r>
-            <a:r>
-              <a:rPr lang="en-US" sz="1200" dirty="0" err="1"/>
-              <a:t>mcmc_Baye</a:t>
-            </a:r>
-            <a:r>
-              <a:rPr lang="en-US" sz="1200" dirty="0"/>
-              <a:t>)</a:t>
-            </a:r>
-          </a:p>
-          <a:p>
-            <a:r>
-              <a:rPr lang="en-US" sz="1200" dirty="0"/>
-              <a:t>plot(</a:t>
-            </a:r>
-            <a:r>
-              <a:rPr lang="en-US" sz="1200" dirty="0" err="1"/>
-              <a:t>mcmc_Baye</a:t>
-            </a:r>
-            <a:r>
-              <a:rPr lang="en-US" sz="1200" dirty="0"/>
-              <a:t>)</a:t>
-            </a:r>
-          </a:p>
-          <a:p>
-            <a:r>
-              <a:rPr lang="en-US" sz="1200" dirty="0" err="1"/>
-              <a:t>gelman.plot</a:t>
-            </a:r>
-            <a:r>
-              <a:rPr lang="en-US" sz="1200" dirty="0"/>
-              <a:t>(</a:t>
-            </a:r>
-            <a:r>
-              <a:rPr lang="en-US" sz="1200" dirty="0" err="1"/>
-              <a:t>mcmc_Baye</a:t>
-            </a:r>
-            <a:r>
-              <a:rPr lang="en-US" sz="1200" dirty="0"/>
-              <a:t>)</a:t>
-            </a:r>
-          </a:p>
-          <a:p>
-            <a:endParaRPr lang="en-US" sz="1200" dirty="0"/>
-          </a:p>
-          <a:p>
-            <a:r>
-              <a:rPr lang="en-US" sz="1200" dirty="0"/>
-              <a:t># Rank probabilities indicate the probability for each treatment to be best, second best, etc.</a:t>
-            </a:r>
-          </a:p>
-          <a:p>
-            <a:r>
-              <a:rPr lang="en-US" sz="1200" dirty="0"/>
-              <a:t>ranks &lt;- </a:t>
-            </a:r>
-            <a:r>
-              <a:rPr lang="en-US" sz="1200" dirty="0" err="1"/>
-              <a:t>rank.probability</a:t>
-            </a:r>
-            <a:r>
-              <a:rPr lang="en-US" sz="1200" dirty="0"/>
-              <a:t>(</a:t>
-            </a:r>
-            <a:r>
-              <a:rPr lang="en-US" sz="1200" dirty="0" err="1"/>
-              <a:t>mcmc_Baye</a:t>
-            </a:r>
-            <a:r>
-              <a:rPr lang="en-US" sz="1200" dirty="0"/>
-              <a:t>)</a:t>
-            </a:r>
-          </a:p>
-          <a:p>
-            <a:r>
-              <a:rPr lang="en-US" sz="1200" dirty="0"/>
-              <a:t>print(</a:t>
-            </a:r>
-            <a:r>
-              <a:rPr lang="en-US" sz="1200" dirty="0" err="1"/>
-              <a:t>sucra</a:t>
-            </a:r>
-            <a:r>
-              <a:rPr lang="en-US" sz="1200" dirty="0"/>
-              <a:t>(ranks))</a:t>
-            </a:r>
-          </a:p>
-          <a:p>
-            <a:endParaRPr lang="en-US" sz="1200" dirty="0"/>
-          </a:p>
-          <a:p>
-            <a:r>
-              <a:rPr lang="en-US" sz="1200" dirty="0"/>
-              <a:t># 2a. Forest Plot</a:t>
-            </a:r>
-          </a:p>
-          <a:p>
-            <a:r>
-              <a:rPr lang="en-US" sz="1200" dirty="0"/>
-              <a:t>forest(</a:t>
-            </a:r>
-            <a:r>
-              <a:rPr lang="en-US" sz="1200" dirty="0" err="1"/>
-              <a:t>relative.effect</a:t>
-            </a:r>
-            <a:r>
-              <a:rPr lang="en-US" sz="1200" dirty="0"/>
-              <a:t>(</a:t>
-            </a:r>
-            <a:r>
-              <a:rPr lang="en-US" sz="1200" dirty="0" err="1"/>
-              <a:t>mcmc_Baye</a:t>
-            </a:r>
-            <a:r>
-              <a:rPr lang="en-US" sz="1200" dirty="0"/>
-              <a:t>, t1="Sham"), digits=4)</a:t>
-            </a:r>
-          </a:p>
-          <a:p>
-            <a:endParaRPr lang="en-US" sz="1200" dirty="0"/>
-          </a:p>
-          <a:p>
-            <a:r>
-              <a:rPr lang="en-US" sz="1200" dirty="0"/>
-              <a:t># 2b. Comparison of all treatment pairs</a:t>
-            </a:r>
-          </a:p>
-          <a:p>
-            <a:r>
-              <a:rPr lang="en-US" sz="1200" dirty="0"/>
-              <a:t>round(</a:t>
-            </a:r>
-            <a:r>
-              <a:rPr lang="en-US" sz="1200" dirty="0" err="1"/>
-              <a:t>relative.effect.table</a:t>
-            </a:r>
-            <a:r>
-              <a:rPr lang="en-US" sz="1200" dirty="0"/>
-              <a:t>(</a:t>
-            </a:r>
-            <a:r>
-              <a:rPr lang="en-US" sz="1200" dirty="0" err="1"/>
-              <a:t>mcmc_Baye</a:t>
-            </a:r>
-            <a:r>
-              <a:rPr lang="en-US" sz="1200" dirty="0"/>
-              <a:t>, covariate=NA), 2)</a:t>
-            </a:r>
-          </a:p>
-          <a:p>
-            <a:endParaRPr lang="en-US" sz="1200" dirty="0"/>
-          </a:p>
-          <a:p>
-            <a:r>
-              <a:rPr lang="en-US" sz="1200" dirty="0"/>
-              <a:t># 2c.Inconsistency</a:t>
-            </a:r>
-          </a:p>
-          <a:p>
-            <a:r>
-              <a:rPr lang="en-US" sz="1200" dirty="0"/>
-              <a:t> # Split nodes</a:t>
-            </a:r>
-          </a:p>
-          <a:p>
-            <a:r>
-              <a:rPr lang="en-US" sz="1200" dirty="0" err="1"/>
-              <a:t>nodesplit</a:t>
-            </a:r>
-            <a:r>
-              <a:rPr lang="en-US" sz="1200" dirty="0"/>
-              <a:t> &lt;- </a:t>
-            </a:r>
-            <a:r>
-              <a:rPr lang="en-US" sz="1200" dirty="0" err="1"/>
-              <a:t>mtc.nodesplit</a:t>
-            </a:r>
-            <a:r>
-              <a:rPr lang="en-US" sz="1200" dirty="0"/>
-              <a:t>(</a:t>
-            </a:r>
-            <a:r>
-              <a:rPr lang="en-US" sz="1200" dirty="0" err="1"/>
-              <a:t>NMA_Baye</a:t>
-            </a:r>
-            <a:r>
-              <a:rPr lang="en-US" sz="1200" dirty="0"/>
-              <a:t>, </a:t>
-            </a:r>
-            <a:r>
-              <a:rPr lang="en-US" sz="1200" dirty="0" err="1"/>
-              <a:t>linearModel</a:t>
-            </a:r>
-            <a:r>
-              <a:rPr lang="en-US" sz="1200" dirty="0"/>
-              <a:t> = "fixed", </a:t>
-            </a:r>
-            <a:r>
-              <a:rPr lang="en-US" sz="1200" dirty="0" err="1"/>
-              <a:t>n.adapt</a:t>
-            </a:r>
-            <a:r>
-              <a:rPr lang="en-US" sz="1200" dirty="0"/>
-              <a:t> = 5000, </a:t>
-            </a:r>
-            <a:r>
-              <a:rPr lang="en-US" sz="1200" dirty="0" err="1"/>
-              <a:t>n.iter</a:t>
-            </a:r>
-            <a:r>
-              <a:rPr lang="en-US" sz="1200" dirty="0"/>
-              <a:t> = 20000, thin = 1)</a:t>
-            </a:r>
-          </a:p>
-        </p:txBody>
-      </p:sp>
-    </p:spTree>
-    <p:extLst>
-      <p:ext uri="{BB962C8B-B14F-4D97-AF65-F5344CB8AC3E}">
-        <p14:creationId xmlns:p14="http://schemas.microsoft.com/office/powerpoint/2010/main" val="66247697"/>
-      </p:ext>
-    </p:extLst>
-  </p:cSld>
-  <p:clrMapOvr>
-    <a:masterClrMapping/>
-  </p:clrMapOvr>
-  <p:transition>
-    <p:fade/>
-  </p:transition>
-</p:sld>
-</file>
-
-<file path=ppt/slides/slide17.xml><?xml version="1.0" encoding="utf-8"?>
-<p:sld xmlns:a="http://schemas.openxmlformats.org/drawingml/2006/main" xmlns:r="http://schemas.openxmlformats.org/officeDocument/2006/relationships" xmlns:p="http://schemas.openxmlformats.org/presentationml/2006/main">
-  <p:cSld>
-    <p:spTree>
-      <p:nvGrpSpPr>
-        <p:cNvPr id="1" name=""/>
-        <p:cNvGrpSpPr/>
-        <p:nvPr/>
-      </p:nvGrpSpPr>
-      <p:grpSpPr>
-        <a:xfrm>
-          <a:off x="0" y="0"/>
-          <a:ext cx="0" cy="0"/>
-          <a:chOff x="0" y="0"/>
-          <a:chExt cx="0" cy="0"/>
-        </a:xfrm>
-      </p:grpSpPr>
-      <p:sp>
-        <p:nvSpPr>
           <p:cNvPr id="22" name="Title 21">
             <a:extLst>
               <a:ext uri="{FF2B5EF4-FFF2-40B4-BE49-F238E27FC236}">
@@ -18858,7 +17108,7 @@
           <a:p>
             <a:r>
               <a:rPr lang="en-US" dirty="0"/>
-              <a:t>Website address</a:t>
+              <a:t>https://github.com/psyen0824/NMA</a:t>
             </a:r>
           </a:p>
         </p:txBody>
@@ -19026,9 +17276,83 @@
             <a:fld id="{DBA1B0FB-D917-4C8C-928F-313BD683BF39}" type="slidenum">
               <a:rPr lang="en-US" smtClean="0"/>
               <a:pPr/>
-              <a:t>17</a:t>
+              <a:t>14</a:t>
             </a:fld>
             <a:endParaRPr lang="en-US"/>
+          </a:p>
+        </p:txBody>
+      </p:sp>
+      <p:pic>
+        <p:nvPicPr>
+          <p:cNvPr id="7" name="Picture 6">
+            <a:extLst>
+              <a:ext uri="{FF2B5EF4-FFF2-40B4-BE49-F238E27FC236}">
+                <a16:creationId xmlns:a16="http://schemas.microsoft.com/office/drawing/2014/main" id="{AA1437E9-C81F-4BA1-A2C6-A5B622570357}"/>
+              </a:ext>
+            </a:extLst>
+          </p:cNvPr>
+          <p:cNvPicPr>
+            <a:picLocks noChangeAspect="1"/>
+          </p:cNvPicPr>
+          <p:nvPr/>
+        </p:nvPicPr>
+        <p:blipFill>
+          <a:blip r:embed="rId4"/>
+          <a:stretch>
+            <a:fillRect/>
+          </a:stretch>
+        </p:blipFill>
+        <p:spPr>
+          <a:xfrm>
+            <a:off x="9296683" y="4010525"/>
+            <a:ext cx="2188312" cy="2182317"/>
+          </a:xfrm>
+          <a:prstGeom prst="rect">
+            <a:avLst/>
+          </a:prstGeom>
+        </p:spPr>
+      </p:pic>
+      <p:sp>
+        <p:nvSpPr>
+          <p:cNvPr id="8" name="TextBox 7">
+            <a:extLst>
+              <a:ext uri="{FF2B5EF4-FFF2-40B4-BE49-F238E27FC236}">
+                <a16:creationId xmlns:a16="http://schemas.microsoft.com/office/drawing/2014/main" id="{A84C4941-9EDC-8C6A-C87C-3C12476AC632}"/>
+              </a:ext>
+            </a:extLst>
+          </p:cNvPr>
+          <p:cNvSpPr txBox="1"/>
+          <p:nvPr/>
+        </p:nvSpPr>
+        <p:spPr>
+          <a:xfrm>
+            <a:off x="7420217" y="6291768"/>
+            <a:ext cx="6097772" cy="369332"/>
+          </a:xfrm>
+          <a:prstGeom prst="rect">
+            <a:avLst/>
+          </a:prstGeom>
+          <a:noFill/>
+        </p:spPr>
+        <p:txBody>
+          <a:bodyPr wrap="square">
+            <a:spAutoFit/>
+          </a:bodyPr>
+          <a:lstStyle/>
+          <a:p>
+            <a:r>
+              <a:rPr lang="en-US" altLang="zh-TW" dirty="0"/>
+              <a:t>NMA</a:t>
+            </a:r>
+            <a:r>
+              <a:rPr lang="zh-TW" altLang="en-US" dirty="0"/>
+              <a:t> </a:t>
+            </a:r>
+            <a:r>
+              <a:rPr lang="en-US" altLang="zh-TW" dirty="0"/>
+              <a:t>Slide and R code (scanned QR code)</a:t>
+            </a:r>
+            <a:endParaRPr lang="en-US" dirty="0"/>
           </a:p>
         </p:txBody>
       </p:sp>
@@ -19080,7 +17404,7 @@
         </p:nvSpPr>
         <p:spPr>
           <a:xfrm>
-            <a:off x="550864" y="549275"/>
+            <a:off x="550863" y="-684101"/>
             <a:ext cx="3565524" cy="1997855"/>
           </a:xfrm>
         </p:spPr>
@@ -19113,7 +17437,7 @@
         </p:nvSpPr>
         <p:spPr>
           <a:xfrm>
-            <a:off x="550863" y="2677306"/>
+            <a:off x="550863" y="1845710"/>
             <a:ext cx="4818579" cy="3415519"/>
           </a:xfrm>
         </p:spPr>
@@ -19121,37 +17445,61 @@
           <a:bodyPr/>
           <a:lstStyle/>
           <a:p>
+            <a:pPr marL="342900" indent="-342900">
+              <a:buFont typeface="Arial" panose="020B0604020202020204" pitchFamily="34" charset="0"/>
+              <a:buChar char="•"/>
+            </a:pPr>
             <a:r>
-              <a:rPr lang="en-US" b="1" dirty="0"/>
+              <a:rPr lang="en-US" sz="2400" b="1" dirty="0"/>
               <a:t>Motivation</a:t>
             </a:r>
           </a:p>
           <a:p>
+            <a:pPr marL="342900" indent="-342900">
+              <a:buFont typeface="Arial" panose="020B0604020202020204" pitchFamily="34" charset="0"/>
+              <a:buChar char="•"/>
+            </a:pPr>
             <a:r>
-              <a:rPr lang="en-US" b="1" dirty="0"/>
+              <a:rPr lang="en-US" sz="2400" b="1" dirty="0"/>
               <a:t>Conceptual Idea of Network Meta-Analysis (NMA)</a:t>
             </a:r>
           </a:p>
           <a:p>
+            <a:pPr marL="342900" indent="-342900">
+              <a:buFont typeface="Arial" panose="020B0604020202020204" pitchFamily="34" charset="0"/>
+              <a:buChar char="•"/>
+            </a:pPr>
             <a:r>
-              <a:rPr lang="en-US" b="1" dirty="0"/>
+              <a:rPr lang="en-US" sz="2400" b="1" dirty="0"/>
               <a:t>Comparison of R tools</a:t>
             </a:r>
           </a:p>
           <a:p>
+            <a:pPr marL="342900" indent="-342900">
+              <a:buFont typeface="Arial" panose="020B0604020202020204" pitchFamily="34" charset="0"/>
+              <a:buChar char="•"/>
+            </a:pPr>
             <a:r>
-              <a:rPr lang="en-US" b="1" dirty="0"/>
+              <a:rPr lang="en-US" sz="2400" b="1" dirty="0"/>
               <a:t>Demonstration of R Shiny – MetaInsight </a:t>
             </a:r>
           </a:p>
           <a:p>
+            <a:pPr marL="342900" indent="-342900">
+              <a:buFont typeface="Arial" panose="020B0604020202020204" pitchFamily="34" charset="0"/>
+              <a:buChar char="•"/>
+            </a:pPr>
             <a:r>
-              <a:rPr lang="en-US" b="1" dirty="0"/>
+              <a:rPr lang="en-US" sz="2400" b="1" dirty="0"/>
               <a:t>Conclusion and Discussion</a:t>
             </a:r>
           </a:p>
           <a:p>
-            <a:endParaRPr lang="en-US" b="1" dirty="0"/>
+            <a:pPr marL="342900" indent="-342900">
+              <a:buFont typeface="Arial" panose="020B0604020202020204" pitchFamily="34" charset="0"/>
+              <a:buChar char="•"/>
+            </a:pPr>
+            <a:endParaRPr lang="en-US" sz="2400" b="1" dirty="0"/>
           </a:p>
         </p:txBody>
       </p:sp>
@@ -19257,72 +17605,6 @@
           </a:xfrm>
         </p:spPr>
       </p:pic>
-      <p:sp>
-        <p:nvSpPr>
-          <p:cNvPr id="13" name="Date Placeholder 12">
-            <a:extLst>
-              <a:ext uri="{FF2B5EF4-FFF2-40B4-BE49-F238E27FC236}">
-                <a16:creationId xmlns:a16="http://schemas.microsoft.com/office/drawing/2014/main" id="{915FE2C5-E66A-4405-B19E-2C5C546C98E4}"/>
-              </a:ext>
-            </a:extLst>
-          </p:cNvPr>
-          <p:cNvSpPr>
-            <a:spLocks noGrp="1"/>
-          </p:cNvSpPr>
-          <p:nvPr>
-            <p:ph type="dt" sz="half" idx="10"/>
-          </p:nvPr>
-        </p:nvSpPr>
-        <p:spPr>
-          <a:xfrm>
-            <a:off x="550863" y="6507212"/>
-            <a:ext cx="2628900" cy="153888"/>
-          </a:xfrm>
-        </p:spPr>
-        <p:txBody>
-          <a:bodyPr/>
-          <a:lstStyle/>
-          <a:p>
-            <a:r>
-              <a:rPr lang="en-US"/>
-              <a:t>Tuesday, February 2, 20XX</a:t>
-            </a:r>
-          </a:p>
-        </p:txBody>
-      </p:sp>
-      <p:sp>
-        <p:nvSpPr>
-          <p:cNvPr id="14" name="Footer Placeholder 13">
-            <a:extLst>
-              <a:ext uri="{FF2B5EF4-FFF2-40B4-BE49-F238E27FC236}">
-                <a16:creationId xmlns:a16="http://schemas.microsoft.com/office/drawing/2014/main" id="{B01DF4D0-78BC-4C8C-9570-26F0B225433A}"/>
-              </a:ext>
-            </a:extLst>
-          </p:cNvPr>
-          <p:cNvSpPr>
-            <a:spLocks noGrp="1"/>
-          </p:cNvSpPr>
-          <p:nvPr>
-            <p:ph type="ftr" sz="quarter" idx="11"/>
-          </p:nvPr>
-        </p:nvSpPr>
-        <p:spPr>
-          <a:xfrm>
-            <a:off x="3359150" y="6507212"/>
-            <a:ext cx="6379210" cy="153888"/>
-          </a:xfrm>
-        </p:spPr>
-        <p:txBody>
-          <a:bodyPr/>
-          <a:lstStyle/>
-          <a:p>
-            <a:r>
-              <a:rPr lang="en-US" dirty="0"/>
-              <a:t>Sample Footer Text</a:t>
-            </a:r>
-          </a:p>
-        </p:txBody>
-      </p:sp>
       <p:sp>
         <p:nvSpPr>
           <p:cNvPr id="15" name="Slide Number Placeholder 14">
@@ -20654,8 +18936,8 @@
           <a:effectLst/>
         </p:spPr>
       </p:cxnSp>
-      <mc:AlternateContent xmlns:mc="http://schemas.openxmlformats.org/markup-compatibility/2006">
-        <mc:Choice xmlns:a14="http://schemas.microsoft.com/office/drawing/2010/main" Requires="a14">
+      <mc:AlternateContent xmlns:mc="http://schemas.openxmlformats.org/markup-compatibility/2006" xmlns:a14="http://schemas.microsoft.com/office/drawing/2010/main">
+        <mc:Choice Requires="a14">
           <p:sp>
             <p:nvSpPr>
               <p:cNvPr id="12" name="TextBox 11">
@@ -20684,6 +18966,7 @@
               </a:bodyPr>
               <a:lstStyle/>
               <a:p>
+                <a:pPr/>
                 <a14:m>
                   <m:oMathPara xmlns:m="http://schemas.openxmlformats.org/officeDocument/2006/math">
                     <m:oMathParaPr>
@@ -20711,7 +18994,7 @@
             </p:txBody>
           </p:sp>
         </mc:Choice>
-        <mc:Fallback>
+        <mc:Fallback xmlns="">
           <p:sp>
             <p:nvSpPr>
               <p:cNvPr id="12" name="TextBox 11">
@@ -21051,7 +19334,7 @@
           <a:p>
             <a:r>
               <a:rPr lang="en-US" dirty="0"/>
-              <a:t>Definition</a:t>
+              <a:t>Solution</a:t>
             </a:r>
           </a:p>
         </p:txBody>
@@ -21663,8 +19946,8 @@
             <a:chExt cx="6553200" cy="662397"/>
           </a:xfrm>
         </p:grpSpPr>
-        <mc:AlternateContent xmlns:mc="http://schemas.openxmlformats.org/markup-compatibility/2006">
-          <mc:Choice xmlns:a14="http://schemas.microsoft.com/office/drawing/2010/main" Requires="a14">
+        <mc:AlternateContent xmlns:mc="http://schemas.openxmlformats.org/markup-compatibility/2006" xmlns:a14="http://schemas.microsoft.com/office/drawing/2010/main">
+          <mc:Choice Requires="a14">
             <p:sp>
               <p:nvSpPr>
                 <p:cNvPr id="113" name="TextBox 112">
@@ -21831,7 +20114,7 @@
               </p:txBody>
             </p:sp>
           </mc:Choice>
-          <mc:Fallback>
+          <mc:Fallback xmlns="">
             <p:sp>
               <p:nvSpPr>
                 <p:cNvPr id="113" name="TextBox 112">
@@ -21876,8 +20159,8 @@
             </p:sp>
           </mc:Fallback>
         </mc:AlternateContent>
-        <mc:AlternateContent xmlns:mc="http://schemas.openxmlformats.org/markup-compatibility/2006">
-          <mc:Choice xmlns:a14="http://schemas.microsoft.com/office/drawing/2010/main" Requires="a14">
+        <mc:AlternateContent xmlns:mc="http://schemas.openxmlformats.org/markup-compatibility/2006" xmlns:a14="http://schemas.microsoft.com/office/drawing/2010/main">
+          <mc:Choice Requires="a14">
             <p:sp>
               <p:nvSpPr>
                 <p:cNvPr id="137" name="TextBox 136">
@@ -22123,7 +20406,7 @@
               </p:txBody>
             </p:sp>
           </mc:Choice>
-          <mc:Fallback>
+          <mc:Fallback xmlns="">
             <p:sp>
               <p:nvSpPr>
                 <p:cNvPr id="137" name="TextBox 136">
@@ -22169,8 +20452,8 @@
           </mc:Fallback>
         </mc:AlternateContent>
       </p:grpSp>
-      <mc:AlternateContent xmlns:mc="http://schemas.openxmlformats.org/markup-compatibility/2006">
-        <mc:Choice xmlns:a14="http://schemas.microsoft.com/office/drawing/2010/main" Requires="a14">
+      <mc:AlternateContent xmlns:mc="http://schemas.openxmlformats.org/markup-compatibility/2006" xmlns:a14="http://schemas.microsoft.com/office/drawing/2010/main">
+        <mc:Choice Requires="a14">
           <p:sp>
             <p:nvSpPr>
               <p:cNvPr id="139" name="TextBox 138">
@@ -22650,7 +20933,7 @@
             </p:txBody>
           </p:sp>
         </mc:Choice>
-        <mc:Fallback>
+        <mc:Fallback xmlns="">
           <p:sp>
             <p:nvSpPr>
               <p:cNvPr id="139" name="TextBox 138">
@@ -22735,8 +21018,8 @@
               <a:chExt cx="6097604" cy="781204"/>
             </a:xfrm>
           </p:grpSpPr>
-          <mc:AlternateContent xmlns:mc="http://schemas.openxmlformats.org/markup-compatibility/2006">
-            <mc:Choice xmlns:a14="http://schemas.microsoft.com/office/drawing/2010/main" Requires="a14">
+          <mc:AlternateContent xmlns:mc="http://schemas.openxmlformats.org/markup-compatibility/2006" xmlns:a14="http://schemas.microsoft.com/office/drawing/2010/main">
+            <mc:Choice Requires="a14">
               <p:sp>
                 <p:nvSpPr>
                   <p:cNvPr id="96" name="TextBox 95">
@@ -22947,7 +21230,7 @@
                 </p:txBody>
               </p:sp>
             </mc:Choice>
-            <mc:Fallback>
+            <mc:Fallback xmlns="">
               <p:sp>
                 <p:nvSpPr>
                   <p:cNvPr id="96" name="TextBox 95">
@@ -23119,8 +21402,8 @@
                 <a:chExt cx="6097604" cy="823302"/>
               </a:xfrm>
             </p:grpSpPr>
-            <mc:AlternateContent xmlns:mc="http://schemas.openxmlformats.org/markup-compatibility/2006">
-              <mc:Choice xmlns:a14="http://schemas.microsoft.com/office/drawing/2010/main" Requires="a14">
+            <mc:AlternateContent xmlns:mc="http://schemas.openxmlformats.org/markup-compatibility/2006" xmlns:a14="http://schemas.microsoft.com/office/drawing/2010/main">
+              <mc:Choice Requires="a14">
                 <p:sp>
                   <p:nvSpPr>
                     <p:cNvPr id="94" name="TextBox 93">
@@ -23349,7 +21632,7 @@
                   </p:txBody>
                 </p:sp>
               </mc:Choice>
-              <mc:Fallback>
+              <mc:Fallback xmlns="">
                 <p:sp>
                   <p:nvSpPr>
                     <p:cNvPr id="94" name="TextBox 93">
@@ -23589,8 +21872,8 @@
           </p:sp>
         </p:grpSp>
       </p:grpSp>
-      <mc:AlternateContent xmlns:mc="http://schemas.openxmlformats.org/markup-compatibility/2006">
-        <mc:Choice xmlns:a14="http://schemas.microsoft.com/office/drawing/2010/main" Requires="a14">
+      <mc:AlternateContent xmlns:mc="http://schemas.openxmlformats.org/markup-compatibility/2006" xmlns:a14="http://schemas.microsoft.com/office/drawing/2010/main">
+        <mc:Choice Requires="a14">
           <p:sp>
             <p:nvSpPr>
               <p:cNvPr id="98" name="TextBox 97">
@@ -24008,7 +22291,7 @@
             </p:txBody>
           </p:sp>
         </mc:Choice>
-        <mc:Fallback>
+        <mc:Fallback xmlns="">
           <p:sp>
             <p:nvSpPr>
               <p:cNvPr id="98" name="TextBox 97">
@@ -27171,7 +25454,7 @@
                           <a:solidFill>
                             <a:srgbClr val="FF0000"/>
                           </a:solidFill>
-                          <a:hlinkClick r:id="rId3" action="ppaction://hlinksldjump">
+                          <a:hlinkClick r:id="" action="ppaction://noaction">
                             <a:extLst>
                               <a:ext uri="{A12FA001-AC4F-418D-AE19-62706E023703}">
                                 <ahyp:hlinkClr xmlns:ahyp="http://schemas.microsoft.com/office/drawing/2018/hyperlinkcolor" val="tx"/>
@@ -27263,7 +25546,7 @@
                           <a:solidFill>
                             <a:srgbClr val="FF0000"/>
                           </a:solidFill>
-                          <a:hlinkClick r:id="rId4" action="ppaction://hlinksldjump">
+                          <a:hlinkClick r:id="" action="ppaction://noaction">
                             <a:extLst>
                               <a:ext uri="{A12FA001-AC4F-418D-AE19-62706E023703}">
                                 <ahyp:hlinkClr xmlns:ahyp="http://schemas.microsoft.com/office/drawing/2018/hyperlinkcolor" val="tx"/>
@@ -27338,7 +25621,7 @@
                           <a:solidFill>
                             <a:schemeClr val="tx1"/>
                           </a:solidFill>
-                          <a:hlinkClick r:id="rId5">
+                          <a:hlinkClick r:id="rId3">
                             <a:extLst>
                               <a:ext uri="{A12FA001-AC4F-418D-AE19-62706E023703}">
                                 <ahyp:hlinkClr xmlns:ahyp="http://schemas.microsoft.com/office/drawing/2018/hyperlinkcolor" val="tx"/>
@@ -28694,7 +26977,7 @@
                 <a:solidFill>
                   <a:schemeClr val="accent1"/>
                 </a:solidFill>
-                <a:hlinkClick r:id="rId5">
+                <a:hlinkClick r:id="rId3">
                   <a:extLst>
                     <a:ext uri="{A12FA001-AC4F-418D-AE19-62706E023703}">
                       <ahyp:hlinkClr xmlns:ahyp="http://schemas.microsoft.com/office/drawing/2018/hyperlinkcolor" val="tx"/>
@@ -28721,7 +27004,7 @@
                 <a:solidFill>
                   <a:schemeClr val="accent1"/>
                 </a:solidFill>
-                <a:hlinkClick r:id="rId5">
+                <a:hlinkClick r:id="rId3">
                   <a:extLst>
                     <a:ext uri="{A12FA001-AC4F-418D-AE19-62706E023703}">
                       <ahyp:hlinkClr xmlns:ahyp="http://schemas.microsoft.com/office/drawing/2018/hyperlinkcolor" val="tx"/>
@@ -28751,7 +27034,7 @@
                 <a:solidFill>
                   <a:schemeClr val="accent1"/>
                 </a:solidFill>
-                <a:hlinkClick r:id="rId5">
+                <a:hlinkClick r:id="rId3">
                   <a:extLst>
                     <a:ext uri="{A12FA001-AC4F-418D-AE19-62706E023703}">
                       <ahyp:hlinkClr xmlns:ahyp="http://schemas.microsoft.com/office/drawing/2018/hyperlinkcolor" val="tx"/>
@@ -29635,7 +27918,28 @@
                 <a:ea typeface="+mj-ea"/>
                 <a:cs typeface="+mj-cs"/>
               </a:rPr>
-              <a:t>NMA results obtained by R Shiny </a:t>
+              <a:t>DEMO</a:t>
+            </a:r>
+            <a:br>
+              <a:rPr lang="en-US" sz="3600" kern="1200" dirty="0">
+                <a:solidFill>
+                  <a:schemeClr val="tx1"/>
+                </a:solidFill>
+                <a:latin typeface="+mj-lt"/>
+                <a:ea typeface="+mj-ea"/>
+                <a:cs typeface="+mj-cs"/>
+              </a:rPr>
+            </a:br>
+            <a:r>
+              <a:rPr lang="en-US" sz="3600" kern="1200" dirty="0">
+                <a:solidFill>
+                  <a:schemeClr val="tx1"/>
+                </a:solidFill>
+                <a:latin typeface="+mj-lt"/>
+                <a:ea typeface="+mj-ea"/>
+                <a:cs typeface="+mj-cs"/>
+              </a:rPr>
+              <a:t>R Shiny </a:t>
             </a:r>
             <a:r>
               <a:rPr lang="en-US" sz="3600" b="1" i="1" kern="1200" dirty="0">
@@ -31803,15 +30107,6 @@
 </file>
 
 <file path=customXml/item1.xml><?xml version="1.0" encoding="utf-8"?>
-<?mso-contentType ?>
-<FormTemplates xmlns="http://schemas.microsoft.com/sharepoint/v3/contenttype/forms">
-  <Display>DocumentLibraryForm</Display>
-  <Edit>DocumentLibraryForm</Edit>
-  <New>DocumentLibraryForm</New>
-</FormTemplates>
-</file>
-
-<file path=customXml/item2.xml><?xml version="1.0" encoding="utf-8"?>
 <p:properties xmlns:p="http://schemas.microsoft.com/office/2006/metadata/properties" xmlns:xsi="http://www.w3.org/2001/XMLSchema-instance" xmlns:pc="http://schemas.microsoft.com/office/infopath/2007/PartnerControls">
   <documentManagement>
     <_ip_UnifiedCompliancePolicyUIAction xmlns="http://schemas.microsoft.com/sharepoint/v3" xsi:nil="true"/>
@@ -31828,6 +30123,15 @@
     <MediaServiceKeyPoints xmlns="71af3243-3dd4-4a8d-8c0d-dd76da1f02a5" xsi:nil="true"/>
   </documentManagement>
 </p:properties>
+</file>
+
+<file path=customXml/item2.xml><?xml version="1.0" encoding="utf-8"?>
+<?mso-contentType ?>
+<FormTemplates xmlns="http://schemas.microsoft.com/sharepoint/v3/contenttype/forms">
+  <Display>DocumentLibraryForm</Display>
+  <Edit>DocumentLibraryForm</Edit>
+  <New>DocumentLibraryForm</New>
+</FormTemplates>
 </file>
 
 <file path=customXml/item3.xml><?xml version="1.0" encoding="utf-8"?>
@@ -32107,14 +30411,6 @@
 </file>
 
 <file path=customXml/itemProps1.xml><?xml version="1.0" encoding="utf-8"?>
-<ds:datastoreItem xmlns:ds="http://schemas.openxmlformats.org/officeDocument/2006/customXml" ds:itemID="{904751AB-E840-446F-8D49-E697067EC887}">
-  <ds:schemaRefs>
-    <ds:schemaRef ds:uri="http://schemas.microsoft.com/sharepoint/v3/contenttype/forms"/>
-  </ds:schemaRefs>
-</ds:datastoreItem>
-</file>
-
-<file path=customXml/itemProps2.xml><?xml version="1.0" encoding="utf-8"?>
 <ds:datastoreItem xmlns:ds="http://schemas.openxmlformats.org/officeDocument/2006/customXml" ds:itemID="{50811A92-D464-4AC4-A396-BA73B10CEEAC}">
   <ds:schemaRefs>
     <ds:schemaRef ds:uri="http://schemas.microsoft.com/office/2006/metadata/properties"/>
@@ -32122,6 +30418,14 @@
     <ds:schemaRef ds:uri="http://schemas.microsoft.com/sharepoint/v3"/>
     <ds:schemaRef ds:uri="71af3243-3dd4-4a8d-8c0d-dd76da1f02a5"/>
     <ds:schemaRef ds:uri="230e9df3-be65-4c73-a93b-d1236ebd677e"/>
+  </ds:schemaRefs>
+</ds:datastoreItem>
+</file>
+
+<file path=customXml/itemProps2.xml><?xml version="1.0" encoding="utf-8"?>
+<ds:datastoreItem xmlns:ds="http://schemas.openxmlformats.org/officeDocument/2006/customXml" ds:itemID="{904751AB-E840-446F-8D49-E697067EC887}">
+  <ds:schemaRefs>
+    <ds:schemaRef ds:uri="http://schemas.microsoft.com/sharepoint/v3/contenttype/forms"/>
   </ds:schemaRefs>
 </ds:datastoreItem>
 </file>

--- a/NMA_01Mar2024.pptx
+++ b/NMA_01Mar2024.pptx
@@ -5,10 +5,10 @@
     <p:sldMasterId id="2147483684" r:id="rId4"/>
   </p:sldMasterIdLst>
   <p:notesMasterIdLst>
-    <p:notesMasterId r:id="rId19"/>
+    <p:notesMasterId r:id="rId21"/>
   </p:notesMasterIdLst>
   <p:handoutMasterIdLst>
-    <p:handoutMasterId r:id="rId20"/>
+    <p:handoutMasterId r:id="rId22"/>
   </p:handoutMasterIdLst>
   <p:sldIdLst>
     <p:sldId id="257" r:id="rId5"/>
@@ -16,15 +16,17 @@
     <p:sldId id="918" r:id="rId7"/>
     <p:sldId id="384" r:id="rId8"/>
     <p:sldId id="909" r:id="rId9"/>
-    <p:sldId id="919" r:id="rId10"/>
-    <p:sldId id="898" r:id="rId11"/>
-    <p:sldId id="912" r:id="rId12"/>
-    <p:sldId id="913" r:id="rId13"/>
-    <p:sldId id="914" r:id="rId14"/>
-    <p:sldId id="915" r:id="rId15"/>
-    <p:sldId id="916" r:id="rId16"/>
-    <p:sldId id="917" r:id="rId17"/>
-    <p:sldId id="391" r:id="rId18"/>
+    <p:sldId id="281" r:id="rId10"/>
+    <p:sldId id="922" r:id="rId11"/>
+    <p:sldId id="919" r:id="rId12"/>
+    <p:sldId id="898" r:id="rId13"/>
+    <p:sldId id="912" r:id="rId14"/>
+    <p:sldId id="913" r:id="rId15"/>
+    <p:sldId id="914" r:id="rId16"/>
+    <p:sldId id="915" r:id="rId17"/>
+    <p:sldId id="916" r:id="rId18"/>
+    <p:sldId id="917" r:id="rId19"/>
+    <p:sldId id="391" r:id="rId20"/>
   </p:sldIdLst>
   <p:sldSz cx="12192000" cy="6858000"/>
   <p:notesSz cx="6858000" cy="9144000"/>
@@ -239,7 +241,7 @@
           <a:p>
             <a:fld id="{C17F2C1D-F243-42AB-ADF2-E7CB4E04900E}" type="datetimeFigureOut">
               <a:rPr lang="en-US" smtClean="0"/>
-              <a:t>2/29/2024</a:t>
+              <a:t>3/1/2024</a:t>
             </a:fld>
             <a:endParaRPr lang="en-US"/>
           </a:p>
@@ -416,7 +418,7 @@
           <a:p>
             <a:fld id="{020CE34E-5667-4A32-A6BA-10C7A552BC63}" type="datetimeFigureOut">
               <a:rPr lang="en-US" smtClean="0"/>
-              <a:t>2/29/2024</a:t>
+              <a:t>3/1/2024</a:t>
             </a:fld>
             <a:endParaRPr lang="en-US"/>
           </a:p>
@@ -895,7 +897,10 @@
           <a:bodyPr/>
           <a:lstStyle/>
           <a:p>
-            <a:endParaRPr lang="en-US" dirty="0"/>
+            <a:r>
+              <a:rPr lang="en-US" dirty="0"/>
+              <a:t>https://training.cochrane.org/handbook/current/chapter-11#:~:text=Network%20meta%2Danalysis%20is%20a,across%20a%20network%20of%20studies.</a:t>
+            </a:r>
           </a:p>
         </p:txBody>
       </p:sp>
@@ -996,6 +1001,16 @@
               <a:tabLst/>
               <a:defRPr/>
             </a:pPr>
+            <a:r>
+              <a:rPr lang="en-US" b="0" i="0" dirty="0">
+                <a:solidFill>
+                  <a:srgbClr val="333333"/>
+                </a:solidFill>
+                <a:effectLst/>
+                <a:latin typeface="Source Sans Pro" panose="020B0503030403020204" pitchFamily="34" charset="0"/>
+              </a:rPr>
+              <a:t>Plot: It consists of nodes representing the interventions in the network and lines showing the available direct comparisons between pairs of interventions.</a:t>
+            </a:r>
             <a:endParaRPr lang="en-US" dirty="0"/>
           </a:p>
         </p:txBody>
@@ -1080,7 +1095,10 @@
           <a:bodyPr/>
           <a:lstStyle/>
           <a:p>
-            <a:endParaRPr lang="en-US" dirty="0"/>
+            <a:r>
+              <a:rPr lang="en-US" dirty="0"/>
+              <a:t>https://www.quantics.co.uk/blog/an-introduction-to-network-meta-analysis/</a:t>
+            </a:r>
           </a:p>
         </p:txBody>
       </p:sp>
@@ -1099,9 +1117,180 @@
           <a:bodyPr/>
           <a:lstStyle/>
           <a:p>
+            <a:fld id="{E7CCE34D-CFF1-4FFE-815B-D050E7ED2DFD}" type="slidenum">
+              <a:rPr lang="en-US" smtClean="0"/>
+              <a:t>6</a:t>
+            </a:fld>
+            <a:endParaRPr lang="en-US"/>
+          </a:p>
+        </p:txBody>
+      </p:sp>
+    </p:spTree>
+    <p:extLst>
+      <p:ext uri="{BB962C8B-B14F-4D97-AF65-F5344CB8AC3E}">
+        <p14:creationId xmlns:p14="http://schemas.microsoft.com/office/powerpoint/2010/main" val="3919615168"/>
+      </p:ext>
+    </p:extLst>
+  </p:cSld>
+  <p:clrMapOvr>
+    <a:masterClrMapping/>
+  </p:clrMapOvr>
+</p:notes>
+</file>
+
+<file path=ppt/notesSlides/notesSlide6.xml><?xml version="1.0" encoding="utf-8"?>
+<p:notes xmlns:a="http://schemas.openxmlformats.org/drawingml/2006/main" xmlns:r="http://schemas.openxmlformats.org/officeDocument/2006/relationships" xmlns:p="http://schemas.openxmlformats.org/presentationml/2006/main">
+  <p:cSld>
+    <p:spTree>
+      <p:nvGrpSpPr>
+        <p:cNvPr id="1" name=""/>
+        <p:cNvGrpSpPr/>
+        <p:nvPr/>
+      </p:nvGrpSpPr>
+      <p:grpSpPr>
+        <a:xfrm>
+          <a:off x="0" y="0"/>
+          <a:ext cx="0" cy="0"/>
+          <a:chOff x="0" y="0"/>
+          <a:chExt cx="0" cy="0"/>
+        </a:xfrm>
+      </p:grpSpPr>
+      <p:sp>
+        <p:nvSpPr>
+          <p:cNvPr id="2" name="Slide Image Placeholder 1"/>
+          <p:cNvSpPr>
+            <a:spLocks noGrp="1" noRot="1" noChangeAspect="1"/>
+          </p:cNvSpPr>
+          <p:nvPr>
+            <p:ph type="sldImg"/>
+          </p:nvPr>
+        </p:nvSpPr>
+        <p:spPr/>
+      </p:sp>
+      <p:sp>
+        <p:nvSpPr>
+          <p:cNvPr id="3" name="Notes Placeholder 2"/>
+          <p:cNvSpPr>
+            <a:spLocks noGrp="1"/>
+          </p:cNvSpPr>
+          <p:nvPr>
+            <p:ph type="body" idx="1"/>
+          </p:nvPr>
+        </p:nvSpPr>
+        <p:spPr/>
+        <p:txBody>
+          <a:bodyPr/>
+          <a:lstStyle/>
+          <a:p>
+            <a:r>
+              <a:rPr lang="en-US" dirty="0"/>
+              <a:t>https://www.quantics.co.uk/blog/an-introduction-to-network-meta-analysis/</a:t>
+            </a:r>
+          </a:p>
+        </p:txBody>
+      </p:sp>
+      <p:sp>
+        <p:nvSpPr>
+          <p:cNvPr id="4" name="Slide Number Placeholder 3"/>
+          <p:cNvSpPr>
+            <a:spLocks noGrp="1"/>
+          </p:cNvSpPr>
+          <p:nvPr>
+            <p:ph type="sldNum" sz="quarter" idx="5"/>
+          </p:nvPr>
+        </p:nvSpPr>
+        <p:spPr/>
+        <p:txBody>
+          <a:bodyPr/>
+          <a:lstStyle/>
+          <a:p>
+            <a:fld id="{E7CCE34D-CFF1-4FFE-815B-D050E7ED2DFD}" type="slidenum">
+              <a:rPr lang="en-US" smtClean="0"/>
+              <a:t>7</a:t>
+            </a:fld>
+            <a:endParaRPr lang="en-US"/>
+          </a:p>
+        </p:txBody>
+      </p:sp>
+    </p:spTree>
+    <p:extLst>
+      <p:ext uri="{BB962C8B-B14F-4D97-AF65-F5344CB8AC3E}">
+        <p14:creationId xmlns:p14="http://schemas.microsoft.com/office/powerpoint/2010/main" val="2377454548"/>
+      </p:ext>
+    </p:extLst>
+  </p:cSld>
+  <p:clrMapOvr>
+    <a:masterClrMapping/>
+  </p:clrMapOvr>
+</p:notes>
+</file>
+
+<file path=ppt/notesSlides/notesSlide7.xml><?xml version="1.0" encoding="utf-8"?>
+<p:notes xmlns:a="http://schemas.openxmlformats.org/drawingml/2006/main" xmlns:r="http://schemas.openxmlformats.org/officeDocument/2006/relationships" xmlns:p="http://schemas.openxmlformats.org/presentationml/2006/main">
+  <p:cSld>
+    <p:spTree>
+      <p:nvGrpSpPr>
+        <p:cNvPr id="1" name=""/>
+        <p:cNvGrpSpPr/>
+        <p:nvPr/>
+      </p:nvGrpSpPr>
+      <p:grpSpPr>
+        <a:xfrm>
+          <a:off x="0" y="0"/>
+          <a:ext cx="0" cy="0"/>
+          <a:chOff x="0" y="0"/>
+          <a:chExt cx="0" cy="0"/>
+        </a:xfrm>
+      </p:grpSpPr>
+      <p:sp>
+        <p:nvSpPr>
+          <p:cNvPr id="2" name="Slide Image Placeholder 1"/>
+          <p:cNvSpPr>
+            <a:spLocks noGrp="1" noRot="1" noChangeAspect="1"/>
+          </p:cNvSpPr>
+          <p:nvPr>
+            <p:ph type="sldImg"/>
+          </p:nvPr>
+        </p:nvSpPr>
+        <p:spPr/>
+      </p:sp>
+      <p:sp>
+        <p:nvSpPr>
+          <p:cNvPr id="3" name="Notes Placeholder 2"/>
+          <p:cNvSpPr>
+            <a:spLocks noGrp="1"/>
+          </p:cNvSpPr>
+          <p:nvPr>
+            <p:ph type="body" idx="1"/>
+          </p:nvPr>
+        </p:nvSpPr>
+        <p:spPr/>
+        <p:txBody>
+          <a:bodyPr/>
+          <a:lstStyle/>
+          <a:p>
+            <a:endParaRPr lang="en-US" dirty="0"/>
+          </a:p>
+        </p:txBody>
+      </p:sp>
+      <p:sp>
+        <p:nvSpPr>
+          <p:cNvPr id="4" name="Slide Number Placeholder 3"/>
+          <p:cNvSpPr>
+            <a:spLocks noGrp="1"/>
+          </p:cNvSpPr>
+          <p:nvPr>
+            <p:ph type="sldNum" sz="quarter" idx="5"/>
+          </p:nvPr>
+        </p:nvSpPr>
+        <p:spPr/>
+        <p:txBody>
+          <a:bodyPr/>
+          <a:lstStyle/>
+          <a:p>
             <a:fld id="{D3ECF378-6042-4FB2-BF19-03E30BCADF3D}" type="slidenum">
               <a:rPr lang="en-US" smtClean="0"/>
-              <a:t>7</a:t>
+              <a:t>9</a:t>
             </a:fld>
             <a:endParaRPr lang="en-US"/>
           </a:p>
@@ -13900,6 +14089,1664 @@
 <file path=ppt/slides/slide10.xml><?xml version="1.0" encoding="utf-8"?>
 <p:sld xmlns:a="http://schemas.openxmlformats.org/drawingml/2006/main" xmlns:r="http://schemas.openxmlformats.org/officeDocument/2006/relationships" xmlns:p="http://schemas.openxmlformats.org/presentationml/2006/main">
   <p:cSld>
+    <p:bg>
+      <p:bgPr>
+        <a:solidFill>
+          <a:schemeClr val="bg2"/>
+        </a:solidFill>
+        <a:effectLst/>
+      </p:bgPr>
+    </p:bg>
+    <p:spTree>
+      <p:nvGrpSpPr>
+        <p:cNvPr id="1" name=""/>
+        <p:cNvGrpSpPr/>
+        <p:nvPr/>
+      </p:nvGrpSpPr>
+      <p:grpSpPr>
+        <a:xfrm>
+          <a:off x="0" y="0"/>
+          <a:ext cx="0" cy="0"/>
+          <a:chOff x="0" y="0"/>
+          <a:chExt cx="0" cy="0"/>
+        </a:xfrm>
+      </p:grpSpPr>
+      <p:grpSp>
+        <p:nvGrpSpPr>
+          <p:cNvPr id="34" name="Group 33">
+            <a:extLst>
+              <a:ext uri="{FF2B5EF4-FFF2-40B4-BE49-F238E27FC236}">
+                <a16:creationId xmlns:a16="http://schemas.microsoft.com/office/drawing/2014/main" id="{3BDBC526-6DCD-4FF6-8395-D8C22E46E527}"/>
+              </a:ext>
+              <a:ext uri="{C183D7F6-B498-43B3-948B-1728B52AA6E4}">
+                <adec:decorative xmlns:adec="http://schemas.microsoft.com/office/drawing/2017/decorative" val="1"/>
+              </a:ext>
+            </a:extLst>
+          </p:cNvPr>
+          <p:cNvGrpSpPr>
+            <a:grpSpLocks noGrp="1" noUngrp="1" noRot="1" noChangeAspect="1" noMove="1" noResize="1"/>
+          </p:cNvGrpSpPr>
+          <p:nvPr>
+            <p:extLst>
+              <p:ext uri="{386F3935-93C4-4BCD-93E2-E3B085C9AB24}">
+                <p16:designElem xmlns:p16="http://schemas.microsoft.com/office/powerpoint/2015/main" val="1"/>
+              </p:ext>
+            </p:extLst>
+          </p:nvPr>
+        </p:nvGrpSpPr>
+        <p:grpSpPr>
+          <a:xfrm>
+            <a:off x="613998" y="5334748"/>
+            <a:ext cx="678135" cy="990000"/>
+            <a:chOff x="10490969" y="1448827"/>
+            <a:chExt cx="678135" cy="990000"/>
+          </a:xfrm>
+        </p:grpSpPr>
+        <p:sp>
+          <p:nvSpPr>
+            <p:cNvPr id="35" name="Freeform: Shape 34">
+              <a:extLst>
+                <a:ext uri="{FF2B5EF4-FFF2-40B4-BE49-F238E27FC236}">
+                  <a16:creationId xmlns:a16="http://schemas.microsoft.com/office/drawing/2014/main" id="{02ECB475-568C-47AC-B16D-2E202DEB2DE0}"/>
+                </a:ext>
+                <a:ext uri="{C183D7F6-B498-43B3-948B-1728B52AA6E4}">
+                  <adec:decorative xmlns:adec="http://schemas.microsoft.com/office/drawing/2017/decorative" val="1"/>
+                </a:ext>
+              </a:extLst>
+            </p:cNvPr>
+            <p:cNvSpPr>
+              <a:spLocks noChangeAspect="1"/>
+            </p:cNvSpPr>
+            <p:nvPr>
+              <p:extLst>
+                <p:ext uri="{386F3935-93C4-4BCD-93E2-E3B085C9AB24}">
+                  <p16:designElem xmlns:p16="http://schemas.microsoft.com/office/powerpoint/2015/main" val="1"/>
+                </p:ext>
+              </p:extLst>
+            </p:nvPr>
+          </p:nvSpPr>
+          <p:spPr>
+            <a:xfrm rot="2700000" flipH="1" flipV="1">
+              <a:off x="10268976" y="1743588"/>
+              <a:ext cx="926985" cy="463493"/>
+            </a:xfrm>
+            <a:custGeom>
+              <a:avLst/>
+              <a:gdLst>
+                <a:gd name="connsiteX0" fmla="*/ 1329373 w 2658746"/>
+                <a:gd name="connsiteY0" fmla="*/ 0 h 1329373"/>
+                <a:gd name="connsiteX1" fmla="*/ 2658746 w 2658746"/>
+                <a:gd name="connsiteY1" fmla="*/ 1329373 h 1329373"/>
+                <a:gd name="connsiteX2" fmla="*/ 1994059 w 2658746"/>
+                <a:gd name="connsiteY2" fmla="*/ 1329373 h 1329373"/>
+                <a:gd name="connsiteX3" fmla="*/ 1329373 w 2658746"/>
+                <a:gd name="connsiteY3" fmla="*/ 664687 h 1329373"/>
+                <a:gd name="connsiteX4" fmla="*/ 664687 w 2658746"/>
+                <a:gd name="connsiteY4" fmla="*/ 1329373 h 1329373"/>
+                <a:gd name="connsiteX5" fmla="*/ 0 w 2658746"/>
+                <a:gd name="connsiteY5" fmla="*/ 1329373 h 1329373"/>
+                <a:gd name="connsiteX6" fmla="*/ 1329373 w 2658746"/>
+                <a:gd name="connsiteY6" fmla="*/ 0 h 1329373"/>
+              </a:gdLst>
+              <a:ahLst/>
+              <a:cxnLst>
+                <a:cxn ang="0">
+                  <a:pos x="connsiteX0" y="connsiteY0"/>
+                </a:cxn>
+                <a:cxn ang="0">
+                  <a:pos x="connsiteX1" y="connsiteY1"/>
+                </a:cxn>
+                <a:cxn ang="0">
+                  <a:pos x="connsiteX2" y="connsiteY2"/>
+                </a:cxn>
+                <a:cxn ang="0">
+                  <a:pos x="connsiteX3" y="connsiteY3"/>
+                </a:cxn>
+                <a:cxn ang="0">
+                  <a:pos x="connsiteX4" y="connsiteY4"/>
+                </a:cxn>
+                <a:cxn ang="0">
+                  <a:pos x="connsiteX5" y="connsiteY5"/>
+                </a:cxn>
+                <a:cxn ang="0">
+                  <a:pos x="connsiteX6" y="connsiteY6"/>
+                </a:cxn>
+              </a:cxnLst>
+              <a:rect l="l" t="t" r="r" b="b"/>
+              <a:pathLst>
+                <a:path w="2658746" h="1329373">
+                  <a:moveTo>
+                    <a:pt x="1329373" y="0"/>
+                  </a:moveTo>
+                  <a:cubicBezTo>
+                    <a:pt x="2063565" y="0"/>
+                    <a:pt x="2658746" y="595181"/>
+                    <a:pt x="2658746" y="1329373"/>
+                  </a:cubicBezTo>
+                  <a:lnTo>
+                    <a:pt x="1994059" y="1329373"/>
+                  </a:lnTo>
+                  <a:cubicBezTo>
+                    <a:pt x="1994059" y="962277"/>
+                    <a:pt x="1696469" y="664687"/>
+                    <a:pt x="1329373" y="664687"/>
+                  </a:cubicBezTo>
+                  <a:cubicBezTo>
+                    <a:pt x="962277" y="664687"/>
+                    <a:pt x="664687" y="962277"/>
+                    <a:pt x="664687" y="1329373"/>
+                  </a:cubicBezTo>
+                  <a:lnTo>
+                    <a:pt x="0" y="1329373"/>
+                  </a:lnTo>
+                  <a:cubicBezTo>
+                    <a:pt x="0" y="595181"/>
+                    <a:pt x="595181" y="0"/>
+                    <a:pt x="1329373" y="0"/>
+                  </a:cubicBezTo>
+                  <a:close/>
+                </a:path>
+              </a:pathLst>
+            </a:custGeom>
+            <a:solidFill>
+              <a:schemeClr val="bg2"/>
+            </a:solidFill>
+            <a:ln>
+              <a:noFill/>
+            </a:ln>
+            <a:effectLst>
+              <a:innerShdw blurRad="127000" dist="50800" dir="13500000">
+                <a:schemeClr val="accent1">
+                  <a:lumMod val="40000"/>
+                  <a:lumOff val="60000"/>
+                  <a:alpha val="20000"/>
+                </a:schemeClr>
+              </a:innerShdw>
+            </a:effectLst>
+          </p:spPr>
+          <p:style>
+            <a:lnRef idx="2">
+              <a:schemeClr val="accent1">
+                <a:shade val="50000"/>
+              </a:schemeClr>
+            </a:lnRef>
+            <a:fillRef idx="1">
+              <a:schemeClr val="accent1"/>
+            </a:fillRef>
+            <a:effectRef idx="0">
+              <a:schemeClr val="accent1"/>
+            </a:effectRef>
+            <a:fontRef idx="minor">
+              <a:schemeClr val="lt1"/>
+            </a:fontRef>
+          </p:style>
+          <p:txBody>
+            <a:bodyPr rtlCol="0" anchor="ctr"/>
+            <a:lstStyle/>
+            <a:p>
+              <a:pPr algn="ctr"/>
+              <a:endParaRPr lang="en-US">
+                <a:solidFill>
+                  <a:schemeClr val="tx1"/>
+                </a:solidFill>
+              </a:endParaRPr>
+            </a:p>
+          </p:txBody>
+        </p:sp>
+        <p:sp>
+          <p:nvSpPr>
+            <p:cNvPr id="36" name="Oval 35">
+              <a:extLst>
+                <a:ext uri="{FF2B5EF4-FFF2-40B4-BE49-F238E27FC236}">
+                  <a16:creationId xmlns:a16="http://schemas.microsoft.com/office/drawing/2014/main" id="{080D8764-525A-441E-B58F-068E82F09714}"/>
+                </a:ext>
+                <a:ext uri="{C183D7F6-B498-43B3-948B-1728B52AA6E4}">
+                  <adec:decorative xmlns:adec="http://schemas.microsoft.com/office/drawing/2017/decorative" val="1"/>
+                </a:ext>
+              </a:extLst>
+            </p:cNvPr>
+            <p:cNvSpPr/>
+            <p:nvPr>
+              <p:extLst>
+                <p:ext uri="{386F3935-93C4-4BCD-93E2-E3B085C9AB24}">
+                  <p16:designElem xmlns:p16="http://schemas.microsoft.com/office/powerpoint/2015/main" val="1"/>
+                </p:ext>
+              </p:extLst>
+            </p:nvPr>
+          </p:nvSpPr>
+          <p:spPr>
+            <a:xfrm rot="8100000" flipH="1" flipV="1">
+              <a:off x="11115555" y="1939340"/>
+              <a:ext cx="53549" cy="233295"/>
+            </a:xfrm>
+            <a:prstGeom prst="ellipse">
+              <a:avLst/>
+            </a:prstGeom>
+            <a:solidFill>
+              <a:schemeClr val="bg2">
+                <a:lumMod val="90000"/>
+                <a:lumOff val="10000"/>
+              </a:schemeClr>
+            </a:solidFill>
+            <a:ln>
+              <a:noFill/>
+            </a:ln>
+            <a:effectLst>
+              <a:innerShdw blurRad="63500" dist="2540000">
+                <a:schemeClr val="accent1">
+                  <a:lumMod val="60000"/>
+                  <a:lumOff val="40000"/>
+                  <a:alpha val="0"/>
+                </a:schemeClr>
+              </a:innerShdw>
+            </a:effectLst>
+          </p:spPr>
+          <p:style>
+            <a:lnRef idx="2">
+              <a:schemeClr val="accent1">
+                <a:shade val="50000"/>
+              </a:schemeClr>
+            </a:lnRef>
+            <a:fillRef idx="1">
+              <a:schemeClr val="accent1"/>
+            </a:fillRef>
+            <a:effectRef idx="0">
+              <a:schemeClr val="accent1"/>
+            </a:effectRef>
+            <a:fontRef idx="minor">
+              <a:schemeClr val="lt1"/>
+            </a:fontRef>
+          </p:style>
+          <p:txBody>
+            <a:bodyPr rot="0" spcFirstLastPara="0" vertOverflow="overflow" horzOverflow="overflow" vert="horz" wrap="square" lIns="91440" tIns="45720" rIns="91440" bIns="45720" numCol="1" spcCol="0" rtlCol="0" fromWordArt="0" anchor="ctr" anchorCtr="0" forceAA="0" compatLnSpc="1">
+              <a:prstTxWarp prst="textNoShape">
+                <a:avLst/>
+              </a:prstTxWarp>
+              <a:noAutofit/>
+            </a:bodyPr>
+            <a:lstStyle/>
+            <a:p>
+              <a:pPr algn="ctr"/>
+              <a:endParaRPr lang="en-US"/>
+            </a:p>
+          </p:txBody>
+        </p:sp>
+        <p:sp>
+          <p:nvSpPr>
+            <p:cNvPr id="37" name="Oval 36">
+              <a:extLst>
+                <a:ext uri="{FF2B5EF4-FFF2-40B4-BE49-F238E27FC236}">
+                  <a16:creationId xmlns:a16="http://schemas.microsoft.com/office/drawing/2014/main" id="{11196109-6F2B-4738-B2FC-2CCC753AABD4}"/>
+                </a:ext>
+                <a:ext uri="{C183D7F6-B498-43B3-948B-1728B52AA6E4}">
+                  <adec:decorative xmlns:adec="http://schemas.microsoft.com/office/drawing/2017/decorative" val="1"/>
+                </a:ext>
+              </a:extLst>
+            </p:cNvPr>
+            <p:cNvSpPr/>
+            <p:nvPr>
+              <p:extLst>
+                <p:ext uri="{386F3935-93C4-4BCD-93E2-E3B085C9AB24}">
+                  <p16:designElem xmlns:p16="http://schemas.microsoft.com/office/powerpoint/2015/main" val="1"/>
+                </p:ext>
+              </p:extLst>
+            </p:nvPr>
+          </p:nvSpPr>
+          <p:spPr>
+            <a:xfrm rot="8100000" flipH="1" flipV="1">
+              <a:off x="10625042" y="1448827"/>
+              <a:ext cx="53549" cy="233295"/>
+            </a:xfrm>
+            <a:prstGeom prst="ellipse">
+              <a:avLst/>
+            </a:prstGeom>
+            <a:solidFill>
+              <a:schemeClr val="bg2">
+                <a:lumMod val="90000"/>
+                <a:lumOff val="10000"/>
+              </a:schemeClr>
+            </a:solidFill>
+            <a:ln>
+              <a:noFill/>
+            </a:ln>
+            <a:effectLst>
+              <a:innerShdw blurRad="63500" dist="2540000">
+                <a:schemeClr val="accent1">
+                  <a:lumMod val="60000"/>
+                  <a:lumOff val="40000"/>
+                  <a:alpha val="0"/>
+                </a:schemeClr>
+              </a:innerShdw>
+            </a:effectLst>
+          </p:spPr>
+          <p:style>
+            <a:lnRef idx="2">
+              <a:schemeClr val="accent1">
+                <a:shade val="50000"/>
+              </a:schemeClr>
+            </a:lnRef>
+            <a:fillRef idx="1">
+              <a:schemeClr val="accent1"/>
+            </a:fillRef>
+            <a:effectRef idx="0">
+              <a:schemeClr val="accent1"/>
+            </a:effectRef>
+            <a:fontRef idx="minor">
+              <a:schemeClr val="lt1"/>
+            </a:fontRef>
+          </p:style>
+          <p:txBody>
+            <a:bodyPr rot="0" spcFirstLastPara="0" vertOverflow="overflow" horzOverflow="overflow" vert="horz" wrap="square" lIns="91440" tIns="45720" rIns="91440" bIns="45720" numCol="1" spcCol="0" rtlCol="0" fromWordArt="0" anchor="ctr" anchorCtr="0" forceAA="0" compatLnSpc="1">
+              <a:prstTxWarp prst="textNoShape">
+                <a:avLst/>
+              </a:prstTxWarp>
+              <a:noAutofit/>
+            </a:bodyPr>
+            <a:lstStyle/>
+            <a:p>
+              <a:pPr algn="ctr"/>
+              <a:endParaRPr lang="en-US"/>
+            </a:p>
+          </p:txBody>
+        </p:sp>
+        <p:sp>
+          <p:nvSpPr>
+            <p:cNvPr id="38" name="Freeform: Shape 37">
+              <a:extLst>
+                <a:ext uri="{FF2B5EF4-FFF2-40B4-BE49-F238E27FC236}">
+                  <a16:creationId xmlns:a16="http://schemas.microsoft.com/office/drawing/2014/main" id="{F7E468C2-69B8-470B-85E3-801A3CB1D7E2}"/>
+                </a:ext>
+                <a:ext uri="{C183D7F6-B498-43B3-948B-1728B52AA6E4}">
+                  <adec:decorative xmlns:adec="http://schemas.microsoft.com/office/drawing/2017/decorative" val="1"/>
+                </a:ext>
+              </a:extLst>
+            </p:cNvPr>
+            <p:cNvSpPr>
+              <a:spLocks noChangeAspect="1"/>
+            </p:cNvSpPr>
+            <p:nvPr>
+              <p:extLst>
+                <p:ext uri="{386F3935-93C4-4BCD-93E2-E3B085C9AB24}">
+                  <p16:designElem xmlns:p16="http://schemas.microsoft.com/office/powerpoint/2015/main" val="1"/>
+                </p:ext>
+              </p:extLst>
+            </p:nvPr>
+          </p:nvSpPr>
+          <p:spPr>
+            <a:xfrm rot="2700000" flipH="1" flipV="1">
+              <a:off x="10292519" y="1686748"/>
+              <a:ext cx="926985" cy="530086"/>
+            </a:xfrm>
+            <a:custGeom>
+              <a:avLst/>
+              <a:gdLst>
+                <a:gd name="connsiteX0" fmla="*/ 1329373 w 2658746"/>
+                <a:gd name="connsiteY0" fmla="*/ 0 h 1329373"/>
+                <a:gd name="connsiteX1" fmla="*/ 2658746 w 2658746"/>
+                <a:gd name="connsiteY1" fmla="*/ 1329373 h 1329373"/>
+                <a:gd name="connsiteX2" fmla="*/ 1994059 w 2658746"/>
+                <a:gd name="connsiteY2" fmla="*/ 1329373 h 1329373"/>
+                <a:gd name="connsiteX3" fmla="*/ 1329373 w 2658746"/>
+                <a:gd name="connsiteY3" fmla="*/ 664687 h 1329373"/>
+                <a:gd name="connsiteX4" fmla="*/ 664687 w 2658746"/>
+                <a:gd name="connsiteY4" fmla="*/ 1329373 h 1329373"/>
+                <a:gd name="connsiteX5" fmla="*/ 0 w 2658746"/>
+                <a:gd name="connsiteY5" fmla="*/ 1329373 h 1329373"/>
+                <a:gd name="connsiteX6" fmla="*/ 1329373 w 2658746"/>
+                <a:gd name="connsiteY6" fmla="*/ 0 h 1329373"/>
+              </a:gdLst>
+              <a:ahLst/>
+              <a:cxnLst>
+                <a:cxn ang="0">
+                  <a:pos x="connsiteX0" y="connsiteY0"/>
+                </a:cxn>
+                <a:cxn ang="0">
+                  <a:pos x="connsiteX1" y="connsiteY1"/>
+                </a:cxn>
+                <a:cxn ang="0">
+                  <a:pos x="connsiteX2" y="connsiteY2"/>
+                </a:cxn>
+                <a:cxn ang="0">
+                  <a:pos x="connsiteX3" y="connsiteY3"/>
+                </a:cxn>
+                <a:cxn ang="0">
+                  <a:pos x="connsiteX4" y="connsiteY4"/>
+                </a:cxn>
+                <a:cxn ang="0">
+                  <a:pos x="connsiteX5" y="connsiteY5"/>
+                </a:cxn>
+                <a:cxn ang="0">
+                  <a:pos x="connsiteX6" y="connsiteY6"/>
+                </a:cxn>
+              </a:cxnLst>
+              <a:rect l="l" t="t" r="r" b="b"/>
+              <a:pathLst>
+                <a:path w="2658746" h="1329373">
+                  <a:moveTo>
+                    <a:pt x="1329373" y="0"/>
+                  </a:moveTo>
+                  <a:cubicBezTo>
+                    <a:pt x="2063565" y="0"/>
+                    <a:pt x="2658746" y="595181"/>
+                    <a:pt x="2658746" y="1329373"/>
+                  </a:cubicBezTo>
+                  <a:lnTo>
+                    <a:pt x="1994059" y="1329373"/>
+                  </a:lnTo>
+                  <a:cubicBezTo>
+                    <a:pt x="1994059" y="962277"/>
+                    <a:pt x="1696469" y="664687"/>
+                    <a:pt x="1329373" y="664687"/>
+                  </a:cubicBezTo>
+                  <a:cubicBezTo>
+                    <a:pt x="962277" y="664687"/>
+                    <a:pt x="664687" y="962277"/>
+                    <a:pt x="664687" y="1329373"/>
+                  </a:cubicBezTo>
+                  <a:lnTo>
+                    <a:pt x="0" y="1329373"/>
+                  </a:lnTo>
+                  <a:cubicBezTo>
+                    <a:pt x="0" y="595181"/>
+                    <a:pt x="595181" y="0"/>
+                    <a:pt x="1329373" y="0"/>
+                  </a:cubicBezTo>
+                  <a:close/>
+                </a:path>
+              </a:pathLst>
+            </a:custGeom>
+            <a:solidFill>
+              <a:schemeClr val="bg2">
+                <a:lumMod val="50000"/>
+                <a:lumOff val="50000"/>
+                <a:alpha val="20000"/>
+              </a:schemeClr>
+            </a:solidFill>
+            <a:ln>
+              <a:noFill/>
+            </a:ln>
+            <a:effectLst>
+              <a:softEdge rad="101600"/>
+            </a:effectLst>
+          </p:spPr>
+          <p:style>
+            <a:lnRef idx="2">
+              <a:schemeClr val="accent1">
+                <a:shade val="50000"/>
+              </a:schemeClr>
+            </a:lnRef>
+            <a:fillRef idx="1">
+              <a:schemeClr val="accent1"/>
+            </a:fillRef>
+            <a:effectRef idx="0">
+              <a:schemeClr val="accent1"/>
+            </a:effectRef>
+            <a:fontRef idx="minor">
+              <a:schemeClr val="lt1"/>
+            </a:fontRef>
+          </p:style>
+          <p:txBody>
+            <a:bodyPr rtlCol="0" anchor="ctr"/>
+            <a:lstStyle/>
+            <a:p>
+              <a:pPr algn="ctr"/>
+              <a:endParaRPr lang="en-US">
+                <a:solidFill>
+                  <a:schemeClr val="tx1"/>
+                </a:solidFill>
+              </a:endParaRPr>
+            </a:p>
+          </p:txBody>
+        </p:sp>
+      </p:grpSp>
+      <p:sp useBgFill="1">
+        <p:nvSpPr>
+          <p:cNvPr id="40" name="Rectangle 39">
+            <a:extLst>
+              <a:ext uri="{FF2B5EF4-FFF2-40B4-BE49-F238E27FC236}">
+                <a16:creationId xmlns:a16="http://schemas.microsoft.com/office/drawing/2014/main" id="{A5931BE0-4B93-4D6C-878E-ACC59D6B4587}"/>
+              </a:ext>
+              <a:ext uri="{C183D7F6-B498-43B3-948B-1728B52AA6E4}">
+                <adec:decorative xmlns:adec="http://schemas.microsoft.com/office/drawing/2017/decorative" val="1"/>
+              </a:ext>
+            </a:extLst>
+          </p:cNvPr>
+          <p:cNvSpPr>
+            <a:spLocks noGrp="1" noRot="1" noChangeAspect="1" noMove="1" noResize="1" noEditPoints="1" noAdjustHandles="1" noChangeArrowheads="1" noChangeShapeType="1" noTextEdit="1"/>
+          </p:cNvSpPr>
+          <p:nvPr>
+            <p:extLst>
+              <p:ext uri="{386F3935-93C4-4BCD-93E2-E3B085C9AB24}">
+                <p16:designElem xmlns:p16="http://schemas.microsoft.com/office/powerpoint/2015/main" val="1"/>
+              </p:ext>
+            </p:extLst>
+          </p:nvPr>
+        </p:nvSpPr>
+        <p:spPr>
+          <a:xfrm>
+            <a:off x="0" y="0"/>
+            <a:ext cx="12192000" cy="6858000"/>
+          </a:xfrm>
+          <a:prstGeom prst="rect">
+            <a:avLst/>
+          </a:prstGeom>
+          <a:ln w="12700" cap="flat" cmpd="sng" algn="ctr">
+            <a:noFill/>
+            <a:prstDash val="solid"/>
+            <a:miter lim="800000"/>
+          </a:ln>
+          <a:effectLst/>
+          <a:extLst>
+            <a:ext uri="{91240B29-F687-4F45-9708-019B960494DF}">
+              <a14:hiddenLine xmlns:a14="http://schemas.microsoft.com/office/drawing/2010/main" w="12700" cap="flat" cmpd="sng" algn="ctr">
+                <a:solidFill>
+                  <a:schemeClr val="accent1">
+                    <a:shade val="50000"/>
+                  </a:schemeClr>
+                </a:solidFill>
+                <a:prstDash val="solid"/>
+                <a:miter lim="800000"/>
+              </a14:hiddenLine>
+            </a:ext>
+          </a:extLst>
+        </p:spPr>
+        <p:style>
+          <a:lnRef idx="2">
+            <a:schemeClr val="accent1">
+              <a:shade val="50000"/>
+            </a:schemeClr>
+          </a:lnRef>
+          <a:fillRef idx="1">
+            <a:schemeClr val="accent1"/>
+          </a:fillRef>
+          <a:effectRef idx="0">
+            <a:schemeClr val="accent1"/>
+          </a:effectRef>
+          <a:fontRef idx="minor">
+            <a:schemeClr val="lt1"/>
+          </a:fontRef>
+        </p:style>
+        <p:txBody>
+          <a:bodyPr rtlCol="0" anchor="ctr"/>
+          <a:lstStyle/>
+          <a:p>
+            <a:pPr algn="ctr"/>
+            <a:endParaRPr lang="en-US"/>
+          </a:p>
+        </p:txBody>
+      </p:sp>
+      <p:sp>
+        <p:nvSpPr>
+          <p:cNvPr id="2" name="Title 1">
+            <a:extLst>
+              <a:ext uri="{FF2B5EF4-FFF2-40B4-BE49-F238E27FC236}">
+                <a16:creationId xmlns:a16="http://schemas.microsoft.com/office/drawing/2014/main" id="{A23D8482-647C-F234-5FA3-243B1ED95323}"/>
+              </a:ext>
+            </a:extLst>
+          </p:cNvPr>
+          <p:cNvSpPr>
+            <a:spLocks noGrp="1"/>
+          </p:cNvSpPr>
+          <p:nvPr>
+            <p:ph type="title"/>
+          </p:nvPr>
+        </p:nvSpPr>
+        <p:spPr>
+          <a:xfrm>
+            <a:off x="504246" y="727167"/>
+            <a:ext cx="5014962" cy="1997855"/>
+          </a:xfrm>
+        </p:spPr>
+        <p:txBody>
+          <a:bodyPr vert="horz" wrap="square" lIns="0" tIns="0" rIns="0" bIns="0" rtlCol="0" anchor="b" anchorCtr="0">
+            <a:normAutofit fontScale="90000"/>
+          </a:bodyPr>
+          <a:lstStyle/>
+          <a:p>
+            <a:r>
+              <a:rPr lang="en-US" sz="3600" kern="1200" dirty="0">
+                <a:solidFill>
+                  <a:schemeClr val="tx1"/>
+                </a:solidFill>
+                <a:latin typeface="+mj-lt"/>
+                <a:ea typeface="+mj-ea"/>
+                <a:cs typeface="+mj-cs"/>
+              </a:rPr>
+              <a:t>DEMO</a:t>
+            </a:r>
+            <a:br>
+              <a:rPr lang="en-US" sz="3600" kern="1200" dirty="0">
+                <a:solidFill>
+                  <a:schemeClr val="tx1"/>
+                </a:solidFill>
+                <a:latin typeface="+mj-lt"/>
+                <a:ea typeface="+mj-ea"/>
+                <a:cs typeface="+mj-cs"/>
+              </a:rPr>
+            </a:br>
+            <a:r>
+              <a:rPr lang="en-US" sz="3600" kern="1200" dirty="0">
+                <a:solidFill>
+                  <a:schemeClr val="tx1"/>
+                </a:solidFill>
+                <a:latin typeface="+mj-lt"/>
+                <a:ea typeface="+mj-ea"/>
+                <a:cs typeface="+mj-cs"/>
+              </a:rPr>
+              <a:t>R Shiny </a:t>
+            </a:r>
+            <a:r>
+              <a:rPr lang="en-US" sz="4900" b="1" i="1" kern="1200" dirty="0" err="1">
+                <a:solidFill>
+                  <a:schemeClr val="tx1"/>
+                </a:solidFill>
+                <a:latin typeface="+mj-lt"/>
+                <a:ea typeface="+mj-ea"/>
+                <a:cs typeface="+mj-cs"/>
+              </a:rPr>
+              <a:t>MetaInsight</a:t>
+            </a:r>
+            <a:br>
+              <a:rPr lang="en-US" sz="3600" b="1" i="1" kern="1200" dirty="0">
+                <a:solidFill>
+                  <a:schemeClr val="tx1"/>
+                </a:solidFill>
+                <a:latin typeface="+mj-lt"/>
+                <a:ea typeface="+mj-ea"/>
+                <a:cs typeface="+mj-cs"/>
+              </a:rPr>
+            </a:br>
+            <a:r>
+              <a:rPr lang="en-US" sz="2700" kern="1200" dirty="0">
+                <a:solidFill>
+                  <a:schemeClr val="tx1"/>
+                </a:solidFill>
+                <a:latin typeface="Arial" panose="020B0604020202020204" pitchFamily="34" charset="0"/>
+                <a:cs typeface="Arial" panose="020B0604020202020204" pitchFamily="34" charset="0"/>
+              </a:rPr>
+              <a:t>https://crsu.shinyapps.io/MetaInsight/</a:t>
+            </a:r>
+            <a:br>
+              <a:rPr lang="en-US" sz="3600" b="1" i="1" kern="1200" dirty="0">
+                <a:solidFill>
+                  <a:schemeClr val="tx1"/>
+                </a:solidFill>
+                <a:latin typeface="+mj-lt"/>
+                <a:ea typeface="+mj-ea"/>
+                <a:cs typeface="+mj-cs"/>
+              </a:rPr>
+            </a:br>
+            <a:r>
+              <a:rPr lang="en-US" sz="3600" kern="1200" dirty="0">
+                <a:solidFill>
+                  <a:schemeClr val="tx1"/>
+                </a:solidFill>
+                <a:latin typeface="+mj-lt"/>
+                <a:ea typeface="+mj-ea"/>
+                <a:cs typeface="+mj-cs"/>
+              </a:rPr>
+              <a:t> </a:t>
+            </a:r>
+          </a:p>
+        </p:txBody>
+      </p:sp>
+      <p:sp>
+        <p:nvSpPr>
+          <p:cNvPr id="6" name="TextBox 5">
+            <a:extLst>
+              <a:ext uri="{FF2B5EF4-FFF2-40B4-BE49-F238E27FC236}">
+                <a16:creationId xmlns:a16="http://schemas.microsoft.com/office/drawing/2014/main" id="{7240A364-27E5-AF12-CBAE-55051677A047}"/>
+              </a:ext>
+            </a:extLst>
+          </p:cNvPr>
+          <p:cNvSpPr txBox="1"/>
+          <p:nvPr/>
+        </p:nvSpPr>
+        <p:spPr>
+          <a:xfrm>
+            <a:off x="550863" y="2678400"/>
+            <a:ext cx="4541837" cy="3414425"/>
+          </a:xfrm>
+          <a:prstGeom prst="rect">
+            <a:avLst/>
+          </a:prstGeom>
+        </p:spPr>
+        <p:txBody>
+          <a:bodyPr vert="horz" wrap="square" lIns="0" tIns="0" rIns="0" bIns="0" rtlCol="0" anchor="t">
+            <a:normAutofit/>
+          </a:bodyPr>
+          <a:lstStyle/>
+          <a:p>
+            <a:pPr indent="-228600">
+              <a:lnSpc>
+                <a:spcPct val="110000"/>
+              </a:lnSpc>
+              <a:spcAft>
+                <a:spcPts val="800"/>
+              </a:spcAft>
+              <a:buFont typeface="Arial" panose="020B0604020202020204" pitchFamily="34" charset="0"/>
+              <a:buChar char="•"/>
+            </a:pPr>
+            <a:r>
+              <a:rPr lang="en-US" sz="2800" dirty="0">
+                <a:solidFill>
+                  <a:schemeClr val="tx1">
+                    <a:alpha val="60000"/>
+                  </a:schemeClr>
+                </a:solidFill>
+              </a:rPr>
+              <a:t>Disease: MDD</a:t>
+            </a:r>
+            <a:endParaRPr lang="en-US" sz="2800" dirty="0">
+              <a:solidFill>
+                <a:schemeClr val="tx1">
+                  <a:alpha val="60000"/>
+                </a:schemeClr>
+              </a:solidFill>
+              <a:sym typeface="Wingdings" panose="05000000000000000000" pitchFamily="2" charset="2"/>
+            </a:endParaRPr>
+          </a:p>
+          <a:p>
+            <a:pPr indent="-228600">
+              <a:lnSpc>
+                <a:spcPct val="110000"/>
+              </a:lnSpc>
+              <a:spcAft>
+                <a:spcPts val="800"/>
+              </a:spcAft>
+              <a:buFont typeface="Arial" panose="020B0604020202020204" pitchFamily="34" charset="0"/>
+              <a:buChar char="•"/>
+            </a:pPr>
+            <a:r>
+              <a:rPr lang="en-US" sz="2800" dirty="0">
+                <a:solidFill>
+                  <a:schemeClr val="tx1">
+                    <a:alpha val="60000"/>
+                  </a:schemeClr>
+                </a:solidFill>
+                <a:sym typeface="Wingdings" panose="05000000000000000000" pitchFamily="2" charset="2"/>
+              </a:rPr>
+              <a:t>Outcome:  Proportion of early responders (Odds Ratio)</a:t>
+            </a:r>
+          </a:p>
+          <a:p>
+            <a:pPr indent="-228600">
+              <a:lnSpc>
+                <a:spcPct val="110000"/>
+              </a:lnSpc>
+              <a:spcAft>
+                <a:spcPts val="800"/>
+              </a:spcAft>
+              <a:buFont typeface="Arial" panose="020B0604020202020204" pitchFamily="34" charset="0"/>
+              <a:buChar char="•"/>
+            </a:pPr>
+            <a:r>
+              <a:rPr lang="en-US" sz="2800" dirty="0">
+                <a:solidFill>
+                  <a:schemeClr val="tx1">
+                    <a:alpha val="60000"/>
+                  </a:schemeClr>
+                </a:solidFill>
+              </a:rPr>
+              <a:t>Dataset: </a:t>
+            </a:r>
+            <a:r>
+              <a:rPr lang="en-US" altLang="zh-TW" sz="2800" dirty="0">
+                <a:solidFill>
+                  <a:schemeClr val="tx1">
+                    <a:alpha val="60000"/>
+                  </a:schemeClr>
+                </a:solidFill>
+              </a:rPr>
+              <a:t>Linde (2015)</a:t>
+            </a:r>
+            <a:endParaRPr lang="en-US" sz="2800" dirty="0">
+              <a:solidFill>
+                <a:schemeClr val="tx1">
+                  <a:alpha val="60000"/>
+                </a:schemeClr>
+              </a:solidFill>
+            </a:endParaRPr>
+          </a:p>
+          <a:p>
+            <a:pPr indent="-228600">
+              <a:lnSpc>
+                <a:spcPct val="110000"/>
+              </a:lnSpc>
+              <a:spcAft>
+                <a:spcPts val="800"/>
+              </a:spcAft>
+              <a:buFont typeface="Arial" panose="020B0604020202020204" pitchFamily="34" charset="0"/>
+              <a:buChar char="•"/>
+            </a:pPr>
+            <a:r>
+              <a:rPr lang="en-US" sz="2800" dirty="0">
+                <a:solidFill>
+                  <a:schemeClr val="tx1">
+                    <a:alpha val="60000"/>
+                  </a:schemeClr>
+                </a:solidFill>
+              </a:rPr>
+              <a:t>59 Studies</a:t>
+            </a:r>
+          </a:p>
+          <a:p>
+            <a:pPr indent="-228600">
+              <a:lnSpc>
+                <a:spcPct val="110000"/>
+              </a:lnSpc>
+              <a:spcAft>
+                <a:spcPts val="800"/>
+              </a:spcAft>
+              <a:buFont typeface="Arial" panose="020B0604020202020204" pitchFamily="34" charset="0"/>
+              <a:buChar char="•"/>
+            </a:pPr>
+            <a:r>
+              <a:rPr lang="en-US" sz="2800" dirty="0">
+                <a:solidFill>
+                  <a:schemeClr val="tx1">
+                    <a:alpha val="60000"/>
+                  </a:schemeClr>
+                </a:solidFill>
+              </a:rPr>
+              <a:t>9 Interventions</a:t>
+            </a:r>
+          </a:p>
+        </p:txBody>
+      </p:sp>
+      <p:pic>
+        <p:nvPicPr>
+          <p:cNvPr id="7" name="Picture 6">
+            <a:extLst>
+              <a:ext uri="{FF2B5EF4-FFF2-40B4-BE49-F238E27FC236}">
+                <a16:creationId xmlns:a16="http://schemas.microsoft.com/office/drawing/2014/main" id="{5741FAEA-258C-BCB7-3616-097CDC55A815}"/>
+              </a:ext>
+            </a:extLst>
+          </p:cNvPr>
+          <p:cNvPicPr>
+            <a:picLocks noChangeAspect="1"/>
+          </p:cNvPicPr>
+          <p:nvPr/>
+        </p:nvPicPr>
+        <p:blipFill rotWithShape="1">
+          <a:blip r:embed="rId2"/>
+          <a:srcRect r="275"/>
+          <a:stretch/>
+        </p:blipFill>
+        <p:spPr>
+          <a:xfrm>
+            <a:off x="5719706" y="606796"/>
+            <a:ext cx="4868976" cy="5644408"/>
+          </a:xfrm>
+          <a:custGeom>
+            <a:avLst/>
+            <a:gdLst/>
+            <a:ahLst/>
+            <a:cxnLst/>
+            <a:rect l="l" t="t" r="r" b="b"/>
+            <a:pathLst>
+              <a:path w="4868976" h="5644408">
+                <a:moveTo>
+                  <a:pt x="2398421" y="0"/>
+                </a:moveTo>
+                <a:lnTo>
+                  <a:pt x="4868974" y="1424628"/>
+                </a:lnTo>
+                <a:lnTo>
+                  <a:pt x="4868976" y="1424625"/>
+                </a:lnTo>
+                <a:lnTo>
+                  <a:pt x="4868976" y="1424628"/>
+                </a:lnTo>
+                <a:lnTo>
+                  <a:pt x="4868976" y="4219781"/>
+                </a:lnTo>
+                <a:lnTo>
+                  <a:pt x="2398419" y="5644408"/>
+                </a:lnTo>
+                <a:lnTo>
+                  <a:pt x="0" y="4219781"/>
+                </a:lnTo>
+                <a:lnTo>
+                  <a:pt x="0" y="1424628"/>
+                </a:lnTo>
+                <a:lnTo>
+                  <a:pt x="0" y="1424625"/>
+                </a:lnTo>
+                <a:lnTo>
+                  <a:pt x="3" y="1424628"/>
+                </a:lnTo>
+                <a:close/>
+              </a:path>
+            </a:pathLst>
+          </a:custGeom>
+        </p:spPr>
+      </p:pic>
+      <p:grpSp>
+        <p:nvGrpSpPr>
+          <p:cNvPr id="42" name="Group 41">
+            <a:extLst>
+              <a:ext uri="{FF2B5EF4-FFF2-40B4-BE49-F238E27FC236}">
+                <a16:creationId xmlns:a16="http://schemas.microsoft.com/office/drawing/2014/main" id="{C4967C49-2278-4724-94A5-A258F20C3DFA}"/>
+              </a:ext>
+              <a:ext uri="{C183D7F6-B498-43B3-948B-1728B52AA6E4}">
+                <adec:decorative xmlns:adec="http://schemas.microsoft.com/office/drawing/2017/decorative" val="1"/>
+              </a:ext>
+            </a:extLst>
+          </p:cNvPr>
+          <p:cNvGrpSpPr>
+            <a:grpSpLocks noGrp="1" noUngrp="1" noRot="1" noChangeAspect="1" noMove="1" noResize="1"/>
+          </p:cNvGrpSpPr>
+          <p:nvPr>
+            <p:extLst>
+              <p:ext uri="{386F3935-93C4-4BCD-93E2-E3B085C9AB24}">
+                <p16:designElem xmlns:p16="http://schemas.microsoft.com/office/powerpoint/2015/main" val="1"/>
+              </p:ext>
+            </p:extLst>
+          </p:nvPr>
+        </p:nvGrpSpPr>
+        <p:grpSpPr>
+          <a:xfrm>
+            <a:off x="10366428" y="2112234"/>
+            <a:ext cx="1335600" cy="1262947"/>
+            <a:chOff x="10145015" y="2343978"/>
+            <a:chExt cx="1335600" cy="1262947"/>
+          </a:xfrm>
+        </p:grpSpPr>
+        <p:sp>
+          <p:nvSpPr>
+            <p:cNvPr id="43" name="Freeform: Shape 42">
+              <a:extLst>
+                <a:ext uri="{FF2B5EF4-FFF2-40B4-BE49-F238E27FC236}">
+                  <a16:creationId xmlns:a16="http://schemas.microsoft.com/office/drawing/2014/main" id="{C5513748-F890-422C-8BC7-7C16A7D3AF8E}"/>
+                </a:ext>
+                <a:ext uri="{C183D7F6-B498-43B3-948B-1728B52AA6E4}">
+                  <adec:decorative xmlns:adec="http://schemas.microsoft.com/office/drawing/2017/decorative" val="1"/>
+                </a:ext>
+              </a:extLst>
+            </p:cNvPr>
+            <p:cNvSpPr>
+              <a:spLocks noChangeAspect="1"/>
+            </p:cNvSpPr>
+            <p:nvPr>
+              <p:extLst>
+                <p:ext uri="{386F3935-93C4-4BCD-93E2-E3B085C9AB24}">
+                  <p16:designElem xmlns:p16="http://schemas.microsoft.com/office/powerpoint/2015/main" val="1"/>
+                </p:ext>
+              </p:extLst>
+            </p:nvPr>
+          </p:nvSpPr>
+          <p:spPr>
+            <a:xfrm rot="8100000">
+              <a:off x="10400615" y="2343978"/>
+              <a:ext cx="1080000" cy="1262947"/>
+            </a:xfrm>
+            <a:custGeom>
+              <a:avLst/>
+              <a:gdLst>
+                <a:gd name="connsiteX0" fmla="*/ 540000 w 1080000"/>
+                <a:gd name="connsiteY0" fmla="*/ 0 h 1262947"/>
+                <a:gd name="connsiteX1" fmla="*/ 1080000 w 1080000"/>
+                <a:gd name="connsiteY1" fmla="*/ 931034 h 1262947"/>
+                <a:gd name="connsiteX2" fmla="*/ 1064374 w 1080000"/>
+                <a:gd name="connsiteY2" fmla="*/ 931034 h 1262947"/>
+                <a:gd name="connsiteX3" fmla="*/ 1069029 w 1080000"/>
+                <a:gd name="connsiteY3" fmla="*/ 938533 h 1262947"/>
+                <a:gd name="connsiteX4" fmla="*/ 1080000 w 1080000"/>
+                <a:gd name="connsiteY4" fmla="*/ 992947 h 1262947"/>
+                <a:gd name="connsiteX5" fmla="*/ 540000 w 1080000"/>
+                <a:gd name="connsiteY5" fmla="*/ 1262947 h 1262947"/>
+                <a:gd name="connsiteX6" fmla="*/ 0 w 1080000"/>
+                <a:gd name="connsiteY6" fmla="*/ 992947 h 1262947"/>
+                <a:gd name="connsiteX7" fmla="*/ 10971 w 1080000"/>
+                <a:gd name="connsiteY7" fmla="*/ 938533 h 1262947"/>
+                <a:gd name="connsiteX8" fmla="*/ 15626 w 1080000"/>
+                <a:gd name="connsiteY8" fmla="*/ 931034 h 1262947"/>
+                <a:gd name="connsiteX9" fmla="*/ 0 w 1080000"/>
+                <a:gd name="connsiteY9" fmla="*/ 931034 h 1262947"/>
+                <a:gd name="connsiteX0" fmla="*/ 540000 w 1080000"/>
+                <a:gd name="connsiteY0" fmla="*/ 0 h 1262947"/>
+                <a:gd name="connsiteX1" fmla="*/ 1080000 w 1080000"/>
+                <a:gd name="connsiteY1" fmla="*/ 931034 h 1262947"/>
+                <a:gd name="connsiteX2" fmla="*/ 1064374 w 1080000"/>
+                <a:gd name="connsiteY2" fmla="*/ 931034 h 1262947"/>
+                <a:gd name="connsiteX3" fmla="*/ 1069029 w 1080000"/>
+                <a:gd name="connsiteY3" fmla="*/ 938533 h 1262947"/>
+                <a:gd name="connsiteX4" fmla="*/ 1080000 w 1080000"/>
+                <a:gd name="connsiteY4" fmla="*/ 992947 h 1262947"/>
+                <a:gd name="connsiteX5" fmla="*/ 540000 w 1080000"/>
+                <a:gd name="connsiteY5" fmla="*/ 1262947 h 1262947"/>
+                <a:gd name="connsiteX6" fmla="*/ 0 w 1080000"/>
+                <a:gd name="connsiteY6" fmla="*/ 992947 h 1262947"/>
+                <a:gd name="connsiteX7" fmla="*/ 10971 w 1080000"/>
+                <a:gd name="connsiteY7" fmla="*/ 938533 h 1262947"/>
+                <a:gd name="connsiteX8" fmla="*/ 15626 w 1080000"/>
+                <a:gd name="connsiteY8" fmla="*/ 931034 h 1262947"/>
+                <a:gd name="connsiteX9" fmla="*/ 540000 w 1080000"/>
+                <a:gd name="connsiteY9" fmla="*/ 0 h 1262947"/>
+                <a:gd name="connsiteX0" fmla="*/ 540000 w 1080000"/>
+                <a:gd name="connsiteY0" fmla="*/ 0 h 1262947"/>
+                <a:gd name="connsiteX1" fmla="*/ 1064374 w 1080000"/>
+                <a:gd name="connsiteY1" fmla="*/ 931034 h 1262947"/>
+                <a:gd name="connsiteX2" fmla="*/ 1069029 w 1080000"/>
+                <a:gd name="connsiteY2" fmla="*/ 938533 h 1262947"/>
+                <a:gd name="connsiteX3" fmla="*/ 1080000 w 1080000"/>
+                <a:gd name="connsiteY3" fmla="*/ 992947 h 1262947"/>
+                <a:gd name="connsiteX4" fmla="*/ 540000 w 1080000"/>
+                <a:gd name="connsiteY4" fmla="*/ 1262947 h 1262947"/>
+                <a:gd name="connsiteX5" fmla="*/ 0 w 1080000"/>
+                <a:gd name="connsiteY5" fmla="*/ 992947 h 1262947"/>
+                <a:gd name="connsiteX6" fmla="*/ 10971 w 1080000"/>
+                <a:gd name="connsiteY6" fmla="*/ 938533 h 1262947"/>
+                <a:gd name="connsiteX7" fmla="*/ 15626 w 1080000"/>
+                <a:gd name="connsiteY7" fmla="*/ 931034 h 1262947"/>
+                <a:gd name="connsiteX8" fmla="*/ 540000 w 1080000"/>
+                <a:gd name="connsiteY8" fmla="*/ 0 h 1262947"/>
+              </a:gdLst>
+              <a:ahLst/>
+              <a:cxnLst>
+                <a:cxn ang="0">
+                  <a:pos x="connsiteX0" y="connsiteY0"/>
+                </a:cxn>
+                <a:cxn ang="0">
+                  <a:pos x="connsiteX1" y="connsiteY1"/>
+                </a:cxn>
+                <a:cxn ang="0">
+                  <a:pos x="connsiteX2" y="connsiteY2"/>
+                </a:cxn>
+                <a:cxn ang="0">
+                  <a:pos x="connsiteX3" y="connsiteY3"/>
+                </a:cxn>
+                <a:cxn ang="0">
+                  <a:pos x="connsiteX4" y="connsiteY4"/>
+                </a:cxn>
+                <a:cxn ang="0">
+                  <a:pos x="connsiteX5" y="connsiteY5"/>
+                </a:cxn>
+                <a:cxn ang="0">
+                  <a:pos x="connsiteX6" y="connsiteY6"/>
+                </a:cxn>
+                <a:cxn ang="0">
+                  <a:pos x="connsiteX7" y="connsiteY7"/>
+                </a:cxn>
+                <a:cxn ang="0">
+                  <a:pos x="connsiteX8" y="connsiteY8"/>
+                </a:cxn>
+              </a:cxnLst>
+              <a:rect l="l" t="t" r="r" b="b"/>
+              <a:pathLst>
+                <a:path w="1080000" h="1262947">
+                  <a:moveTo>
+                    <a:pt x="540000" y="0"/>
+                  </a:moveTo>
+                  <a:lnTo>
+                    <a:pt x="1064374" y="931034"/>
+                  </a:lnTo>
+                  <a:lnTo>
+                    <a:pt x="1069029" y="938533"/>
+                  </a:lnTo>
+                  <a:cubicBezTo>
+                    <a:pt x="1076223" y="956109"/>
+                    <a:pt x="1080000" y="974307"/>
+                    <a:pt x="1080000" y="992947"/>
+                  </a:cubicBezTo>
+                  <a:cubicBezTo>
+                    <a:pt x="1080000" y="1142064"/>
+                    <a:pt x="838234" y="1262947"/>
+                    <a:pt x="540000" y="1262947"/>
+                  </a:cubicBezTo>
+                  <a:cubicBezTo>
+                    <a:pt x="241766" y="1262947"/>
+                    <a:pt x="0" y="1142064"/>
+                    <a:pt x="0" y="992947"/>
+                  </a:cubicBezTo>
+                  <a:cubicBezTo>
+                    <a:pt x="0" y="974307"/>
+                    <a:pt x="3778" y="956109"/>
+                    <a:pt x="10971" y="938533"/>
+                  </a:cubicBezTo>
+                  <a:lnTo>
+                    <a:pt x="15626" y="931034"/>
+                  </a:lnTo>
+                  <a:lnTo>
+                    <a:pt x="540000" y="0"/>
+                  </a:lnTo>
+                  <a:close/>
+                </a:path>
+              </a:pathLst>
+            </a:custGeom>
+            <a:gradFill>
+              <a:gsLst>
+                <a:gs pos="60000">
+                  <a:schemeClr val="bg2">
+                    <a:lumMod val="90000"/>
+                    <a:lumOff val="10000"/>
+                  </a:schemeClr>
+                </a:gs>
+                <a:gs pos="30000">
+                  <a:schemeClr val="bg2">
+                    <a:lumMod val="90000"/>
+                    <a:lumOff val="10000"/>
+                  </a:schemeClr>
+                </a:gs>
+                <a:gs pos="40000">
+                  <a:schemeClr val="bg2">
+                    <a:lumMod val="80000"/>
+                    <a:lumOff val="20000"/>
+                  </a:schemeClr>
+                </a:gs>
+                <a:gs pos="100000">
+                  <a:schemeClr val="bg2"/>
+                </a:gs>
+              </a:gsLst>
+              <a:lin ang="600000" scaled="0"/>
+            </a:gradFill>
+            <a:ln>
+              <a:noFill/>
+            </a:ln>
+            <a:effectLst>
+              <a:innerShdw blurRad="254000" dist="101600" dir="7320000">
+                <a:schemeClr val="accent1">
+                  <a:lumMod val="60000"/>
+                  <a:lumOff val="40000"/>
+                  <a:alpha val="40000"/>
+                </a:schemeClr>
+              </a:innerShdw>
+            </a:effectLst>
+          </p:spPr>
+          <p:style>
+            <a:lnRef idx="2">
+              <a:schemeClr val="accent1">
+                <a:shade val="50000"/>
+              </a:schemeClr>
+            </a:lnRef>
+            <a:fillRef idx="1">
+              <a:schemeClr val="accent1"/>
+            </a:fillRef>
+            <a:effectRef idx="0">
+              <a:schemeClr val="accent1"/>
+            </a:effectRef>
+            <a:fontRef idx="minor">
+              <a:schemeClr val="lt1"/>
+            </a:fontRef>
+          </p:style>
+          <p:txBody>
+            <a:bodyPr rot="0" spcFirstLastPara="0" vertOverflow="overflow" horzOverflow="overflow" vert="horz" wrap="square" lIns="91440" tIns="45720" rIns="91440" bIns="45720" numCol="1" spcCol="0" rtlCol="0" fromWordArt="0" anchor="ctr" anchorCtr="0" forceAA="0" compatLnSpc="1">
+              <a:prstTxWarp prst="textNoShape">
+                <a:avLst/>
+              </a:prstTxWarp>
+              <a:noAutofit/>
+            </a:bodyPr>
+            <a:lstStyle/>
+            <a:p>
+              <a:pPr algn="ctr"/>
+              <a:endParaRPr lang="en-US"/>
+            </a:p>
+          </p:txBody>
+        </p:sp>
+        <p:sp>
+          <p:nvSpPr>
+            <p:cNvPr id="44" name="Oval 43">
+              <a:extLst>
+                <a:ext uri="{FF2B5EF4-FFF2-40B4-BE49-F238E27FC236}">
+                  <a16:creationId xmlns:a16="http://schemas.microsoft.com/office/drawing/2014/main" id="{B93B83E9-9019-4D2F-B887-BD399181BD4F}"/>
+                </a:ext>
+                <a:ext uri="{C183D7F6-B498-43B3-948B-1728B52AA6E4}">
+                  <adec:decorative xmlns:adec="http://schemas.microsoft.com/office/drawing/2017/decorative" val="1"/>
+                </a:ext>
+              </a:extLst>
+            </p:cNvPr>
+            <p:cNvSpPr/>
+            <p:nvPr>
+              <p:extLst>
+                <p:ext uri="{386F3935-93C4-4BCD-93E2-E3B085C9AB24}">
+                  <p16:designElem xmlns:p16="http://schemas.microsoft.com/office/powerpoint/2015/main" val="1"/>
+                </p:ext>
+              </p:extLst>
+            </p:nvPr>
+          </p:nvSpPr>
+          <p:spPr>
+            <a:xfrm rot="13500000">
+              <a:off x="10415015" y="2179851"/>
+              <a:ext cx="540000" cy="1080000"/>
+            </a:xfrm>
+            <a:prstGeom prst="ellipse">
+              <a:avLst/>
+            </a:prstGeom>
+            <a:gradFill>
+              <a:gsLst>
+                <a:gs pos="100000">
+                  <a:schemeClr val="accent1">
+                    <a:lumMod val="60000"/>
+                    <a:lumOff val="40000"/>
+                    <a:alpha val="0"/>
+                  </a:schemeClr>
+                </a:gs>
+                <a:gs pos="0">
+                  <a:schemeClr val="bg2">
+                    <a:lumMod val="75000"/>
+                    <a:lumOff val="25000"/>
+                    <a:alpha val="33000"/>
+                  </a:schemeClr>
+                </a:gs>
+              </a:gsLst>
+              <a:lin ang="5400000" scaled="0"/>
+            </a:gradFill>
+            <a:ln>
+              <a:noFill/>
+            </a:ln>
+            <a:effectLst>
+              <a:innerShdw blurRad="1270000" dist="2540000">
+                <a:schemeClr val="accent1">
+                  <a:lumMod val="60000"/>
+                  <a:lumOff val="40000"/>
+                  <a:alpha val="0"/>
+                </a:schemeClr>
+              </a:innerShdw>
+            </a:effectLst>
+          </p:spPr>
+          <p:style>
+            <a:lnRef idx="2">
+              <a:schemeClr val="accent1">
+                <a:shade val="50000"/>
+              </a:schemeClr>
+            </a:lnRef>
+            <a:fillRef idx="1">
+              <a:schemeClr val="accent1"/>
+            </a:fillRef>
+            <a:effectRef idx="0">
+              <a:schemeClr val="accent1"/>
+            </a:effectRef>
+            <a:fontRef idx="minor">
+              <a:schemeClr val="lt1"/>
+            </a:fontRef>
+          </p:style>
+          <p:txBody>
+            <a:bodyPr rot="0" spcFirstLastPara="0" vertOverflow="overflow" horzOverflow="overflow" vert="horz" wrap="square" lIns="91440" tIns="45720" rIns="91440" bIns="45720" numCol="1" spcCol="0" rtlCol="0" fromWordArt="0" anchor="ctr" anchorCtr="0" forceAA="0" compatLnSpc="1">
+              <a:prstTxWarp prst="textNoShape">
+                <a:avLst/>
+              </a:prstTxWarp>
+              <a:noAutofit/>
+            </a:bodyPr>
+            <a:lstStyle/>
+            <a:p>
+              <a:pPr algn="ctr"/>
+              <a:endParaRPr lang="en-US"/>
+            </a:p>
+          </p:txBody>
+        </p:sp>
+      </p:grpSp>
+      <p:sp>
+        <p:nvSpPr>
+          <p:cNvPr id="46" name="Oval 45">
+            <a:extLst>
+              <a:ext uri="{FF2B5EF4-FFF2-40B4-BE49-F238E27FC236}">
+                <a16:creationId xmlns:a16="http://schemas.microsoft.com/office/drawing/2014/main" id="{5171FAFB-7223-4BE1-983D-8A0626EAC5E4}"/>
+              </a:ext>
+              <a:ext uri="{C183D7F6-B498-43B3-948B-1728B52AA6E4}">
+                <adec:decorative xmlns:adec="http://schemas.microsoft.com/office/drawing/2017/decorative" val="1"/>
+              </a:ext>
+            </a:extLst>
+          </p:cNvPr>
+          <p:cNvSpPr>
+            <a:spLocks noGrp="1" noRot="1" noChangeAspect="1" noMove="1" noResize="1" noEditPoints="1" noAdjustHandles="1" noChangeArrowheads="1" noChangeShapeType="1" noTextEdit="1"/>
+          </p:cNvSpPr>
+          <p:nvPr>
+            <p:extLst>
+              <p:ext uri="{386F3935-93C4-4BCD-93E2-E3B085C9AB24}">
+                <p16:designElem xmlns:p16="http://schemas.microsoft.com/office/powerpoint/2015/main" val="1"/>
+              </p:ext>
+            </p:extLst>
+          </p:nvPr>
+        </p:nvSpPr>
+        <p:spPr>
+          <a:xfrm>
+            <a:off x="4588612" y="5732825"/>
+            <a:ext cx="360000" cy="360000"/>
+          </a:xfrm>
+          <a:prstGeom prst="ellipse">
+            <a:avLst/>
+          </a:prstGeom>
+          <a:gradFill flip="none" rotWithShape="1">
+            <a:gsLst>
+              <a:gs pos="100000">
+                <a:schemeClr val="bg2">
+                  <a:lumMod val="50000"/>
+                  <a:lumOff val="50000"/>
+                </a:schemeClr>
+              </a:gs>
+              <a:gs pos="60000">
+                <a:schemeClr val="bg2"/>
+              </a:gs>
+            </a:gsLst>
+            <a:path path="circle">
+              <a:fillToRect l="100000" b="100000"/>
+            </a:path>
+            <a:tileRect t="-100000" r="-100000"/>
+          </a:gradFill>
+          <a:ln>
+            <a:noFill/>
+          </a:ln>
+          <a:effectLst>
+            <a:innerShdw blurRad="127000" dist="63500" dir="2700000">
+              <a:schemeClr val="accent1">
+                <a:lumMod val="60000"/>
+                <a:lumOff val="40000"/>
+                <a:alpha val="20000"/>
+              </a:schemeClr>
+            </a:innerShdw>
+            <a:softEdge rad="0"/>
+          </a:effectLst>
+        </p:spPr>
+        <p:style>
+          <a:lnRef idx="2">
+            <a:schemeClr val="accent1">
+              <a:shade val="50000"/>
+            </a:schemeClr>
+          </a:lnRef>
+          <a:fillRef idx="1">
+            <a:schemeClr val="accent1"/>
+          </a:fillRef>
+          <a:effectRef idx="0">
+            <a:schemeClr val="accent1"/>
+          </a:effectRef>
+          <a:fontRef idx="minor">
+            <a:schemeClr val="lt1"/>
+          </a:fontRef>
+        </p:style>
+        <p:txBody>
+          <a:bodyPr rot="0" spcFirstLastPara="0" vertOverflow="overflow" horzOverflow="overflow" vert="horz" wrap="square" lIns="91440" tIns="45720" rIns="91440" bIns="45720" numCol="1" spcCol="0" rtlCol="0" fromWordArt="0" anchor="ctr" anchorCtr="0" forceAA="0" compatLnSpc="1">
+            <a:prstTxWarp prst="textNoShape">
+              <a:avLst/>
+            </a:prstTxWarp>
+            <a:noAutofit/>
+          </a:bodyPr>
+          <a:lstStyle/>
+          <a:p>
+            <a:pPr algn="ctr"/>
+            <a:endParaRPr lang="en-US"/>
+          </a:p>
+        </p:txBody>
+      </p:sp>
+      <p:sp>
+        <p:nvSpPr>
+          <p:cNvPr id="3" name="Slide Number Placeholder 2">
+            <a:extLst>
+              <a:ext uri="{FF2B5EF4-FFF2-40B4-BE49-F238E27FC236}">
+                <a16:creationId xmlns:a16="http://schemas.microsoft.com/office/drawing/2014/main" id="{BB74CFDF-E396-585A-A51B-EEDDCACD2B7E}"/>
+              </a:ext>
+            </a:extLst>
+          </p:cNvPr>
+          <p:cNvSpPr>
+            <a:spLocks noGrp="1"/>
+          </p:cNvSpPr>
+          <p:nvPr>
+            <p:ph type="sldNum" sz="quarter" idx="4"/>
+          </p:nvPr>
+        </p:nvSpPr>
+        <p:spPr>
+          <a:xfrm>
+            <a:off x="9948863" y="6507212"/>
+            <a:ext cx="1692274" cy="153888"/>
+          </a:xfrm>
+        </p:spPr>
+        <p:txBody>
+          <a:bodyPr vert="horz" wrap="square" lIns="0" tIns="0" rIns="0" bIns="0" rtlCol="0" anchor="ctr">
+            <a:normAutofit/>
+          </a:bodyPr>
+          <a:lstStyle/>
+          <a:p>
+            <a:pPr>
+              <a:spcAft>
+                <a:spcPts val="600"/>
+              </a:spcAft>
+              <a:defRPr/>
+            </a:pPr>
+            <a:fld id="{395813C6-9C95-1340-82BD-C1A713B83084}" type="slidenum">
+              <a:rPr lang="en-US" smtClean="0">
+                <a:solidFill>
+                  <a:schemeClr val="tx1">
+                    <a:alpha val="80000"/>
+                  </a:schemeClr>
+                </a:solidFill>
+                <a:cs typeface="+mn-cs"/>
+              </a:rPr>
+              <a:pPr>
+                <a:spcAft>
+                  <a:spcPts val="600"/>
+                </a:spcAft>
+                <a:defRPr/>
+              </a:pPr>
+              <a:t>10</a:t>
+            </a:fld>
+            <a:endParaRPr lang="en-US" dirty="0">
+              <a:solidFill>
+                <a:schemeClr val="tx1">
+                  <a:alpha val="80000"/>
+                </a:schemeClr>
+              </a:solidFill>
+              <a:cs typeface="+mn-cs"/>
+            </a:endParaRPr>
+          </a:p>
+        </p:txBody>
+      </p:sp>
+      <p:sp>
+        <p:nvSpPr>
+          <p:cNvPr id="4" name="Content Placeholder 2">
+            <a:extLst>
+              <a:ext uri="{FF2B5EF4-FFF2-40B4-BE49-F238E27FC236}">
+                <a16:creationId xmlns:a16="http://schemas.microsoft.com/office/drawing/2014/main" id="{6E5447AF-6E8B-1B9E-DC1B-6230DB5E36BD}"/>
+              </a:ext>
+            </a:extLst>
+          </p:cNvPr>
+          <p:cNvSpPr txBox="1">
+            <a:spLocks/>
+          </p:cNvSpPr>
+          <p:nvPr/>
+        </p:nvSpPr>
+        <p:spPr>
+          <a:xfrm>
+            <a:off x="92512" y="830431"/>
+            <a:ext cx="11945608" cy="5161995"/>
+          </a:xfrm>
+          <a:prstGeom prst="rect">
+            <a:avLst/>
+          </a:prstGeom>
+        </p:spPr>
+        <p:txBody>
+          <a:bodyPr/>
+          <a:lstStyle>
+            <a:lvl1pPr marL="326555" indent="-326555" algn="l" rtl="0" fontAlgn="base">
+              <a:lnSpc>
+                <a:spcPct val="95000"/>
+              </a:lnSpc>
+              <a:spcBef>
+                <a:spcPct val="30000"/>
+              </a:spcBef>
+              <a:spcAft>
+                <a:spcPct val="20000"/>
+              </a:spcAft>
+              <a:buClr>
+                <a:schemeClr val="tx1"/>
+              </a:buClr>
+              <a:buSzPct val="110000"/>
+              <a:buChar char="•"/>
+              <a:defRPr sz="2400">
+                <a:solidFill>
+                  <a:srgbClr val="070605"/>
+                </a:solidFill>
+                <a:latin typeface="+mn-lt"/>
+                <a:ea typeface="+mn-ea"/>
+                <a:cs typeface="+mn-cs"/>
+              </a:defRPr>
+            </a:lvl1pPr>
+            <a:lvl2pPr marL="814121" indent="-324288" algn="l" rtl="0" fontAlgn="base">
+              <a:lnSpc>
+                <a:spcPct val="95000"/>
+              </a:lnSpc>
+              <a:spcBef>
+                <a:spcPct val="0"/>
+              </a:spcBef>
+              <a:spcAft>
+                <a:spcPct val="20000"/>
+              </a:spcAft>
+              <a:buClr>
+                <a:schemeClr val="tx1"/>
+              </a:buClr>
+              <a:buFont typeface="Arial" charset="0"/>
+              <a:buChar char="–"/>
+              <a:defRPr sz="2000">
+                <a:solidFill>
+                  <a:srgbClr val="070605"/>
+                </a:solidFill>
+                <a:latin typeface="+mn-lt"/>
+              </a:defRPr>
+            </a:lvl2pPr>
+            <a:lvl3pPr marL="1224582" indent="-247185" algn="l" rtl="0" fontAlgn="base">
+              <a:lnSpc>
+                <a:spcPct val="95000"/>
+              </a:lnSpc>
+              <a:spcBef>
+                <a:spcPct val="0"/>
+              </a:spcBef>
+              <a:spcAft>
+                <a:spcPct val="20000"/>
+              </a:spcAft>
+              <a:buClr>
+                <a:schemeClr val="tx1"/>
+              </a:buClr>
+              <a:buSzPct val="90000"/>
+              <a:buChar char="•"/>
+              <a:defRPr sz="2000">
+                <a:solidFill>
+                  <a:srgbClr val="070605"/>
+                </a:solidFill>
+                <a:latin typeface="+mn-lt"/>
+              </a:defRPr>
+            </a:lvl3pPr>
+            <a:lvl4pPr marL="1632776" indent="-244916" algn="l" rtl="0" fontAlgn="base">
+              <a:lnSpc>
+                <a:spcPct val="95000"/>
+              </a:lnSpc>
+              <a:spcBef>
+                <a:spcPct val="0"/>
+              </a:spcBef>
+              <a:spcAft>
+                <a:spcPct val="20000"/>
+              </a:spcAft>
+              <a:buClr>
+                <a:schemeClr val="tx1"/>
+              </a:buClr>
+              <a:buSzPct val="90000"/>
+              <a:buFont typeface="Arial" charset="0"/>
+              <a:buChar char="–"/>
+              <a:defRPr sz="1800">
+                <a:solidFill>
+                  <a:srgbClr val="070605"/>
+                </a:solidFill>
+                <a:latin typeface="+mn-lt"/>
+              </a:defRPr>
+            </a:lvl4pPr>
+            <a:lvl5pPr marL="2283619" indent="-324288" algn="l" rtl="0" fontAlgn="base">
+              <a:spcBef>
+                <a:spcPct val="0"/>
+              </a:spcBef>
+              <a:spcAft>
+                <a:spcPct val="30000"/>
+              </a:spcAft>
+              <a:buChar char="–"/>
+              <a:defRPr sz="2300">
+                <a:solidFill>
+                  <a:schemeClr val="tx1"/>
+                </a:solidFill>
+                <a:latin typeface="+mn-lt"/>
+              </a:defRPr>
+            </a:lvl5pPr>
+            <a:lvl6pPr marL="2936729" indent="-324288" algn="l" rtl="0" fontAlgn="base">
+              <a:spcBef>
+                <a:spcPct val="0"/>
+              </a:spcBef>
+              <a:spcAft>
+                <a:spcPct val="30000"/>
+              </a:spcAft>
+              <a:buChar char="–"/>
+              <a:defRPr sz="2300">
+                <a:solidFill>
+                  <a:schemeClr val="tx1"/>
+                </a:solidFill>
+                <a:latin typeface="+mn-lt"/>
+              </a:defRPr>
+            </a:lvl6pPr>
+            <a:lvl7pPr marL="3589839" indent="-324288" algn="l" rtl="0" fontAlgn="base">
+              <a:spcBef>
+                <a:spcPct val="0"/>
+              </a:spcBef>
+              <a:spcAft>
+                <a:spcPct val="30000"/>
+              </a:spcAft>
+              <a:buChar char="–"/>
+              <a:defRPr sz="2300">
+                <a:solidFill>
+                  <a:schemeClr val="tx1"/>
+                </a:solidFill>
+                <a:latin typeface="+mn-lt"/>
+              </a:defRPr>
+            </a:lvl7pPr>
+            <a:lvl8pPr marL="4242949" indent="-324288" algn="l" rtl="0" fontAlgn="base">
+              <a:spcBef>
+                <a:spcPct val="0"/>
+              </a:spcBef>
+              <a:spcAft>
+                <a:spcPct val="30000"/>
+              </a:spcAft>
+              <a:buChar char="–"/>
+              <a:defRPr sz="2300">
+                <a:solidFill>
+                  <a:schemeClr val="tx1"/>
+                </a:solidFill>
+                <a:latin typeface="+mn-lt"/>
+              </a:defRPr>
+            </a:lvl8pPr>
+            <a:lvl9pPr marL="4896059" indent="-324288" algn="l" rtl="0" fontAlgn="base">
+              <a:spcBef>
+                <a:spcPct val="0"/>
+              </a:spcBef>
+              <a:spcAft>
+                <a:spcPct val="30000"/>
+              </a:spcAft>
+              <a:buChar char="–"/>
+              <a:defRPr sz="2300">
+                <a:solidFill>
+                  <a:schemeClr val="tx1"/>
+                </a:solidFill>
+                <a:latin typeface="+mn-lt"/>
+              </a:defRPr>
+            </a:lvl9pPr>
+          </a:lstStyle>
+          <a:p>
+            <a:endParaRPr lang="en-US" kern="0" dirty="0"/>
+          </a:p>
+        </p:txBody>
+      </p:sp>
+    </p:spTree>
+    <p:extLst>
+      <p:ext uri="{BB962C8B-B14F-4D97-AF65-F5344CB8AC3E}">
+        <p14:creationId xmlns:p14="http://schemas.microsoft.com/office/powerpoint/2010/main" val="1165426045"/>
+      </p:ext>
+    </p:extLst>
+  </p:cSld>
+  <p:clrMapOvr>
+    <a:masterClrMapping/>
+  </p:clrMapOvr>
+  <p:transition>
+    <p:fade/>
+  </p:transition>
+</p:sld>
+</file>
+
+<file path=ppt/slides/slide11.xml><?xml version="1.0" encoding="utf-8"?>
+<p:sld xmlns:a="http://schemas.openxmlformats.org/drawingml/2006/main" xmlns:r="http://schemas.openxmlformats.org/officeDocument/2006/relationships" xmlns:p="http://schemas.openxmlformats.org/presentationml/2006/main">
+  <p:cSld>
     <p:spTree>
       <p:nvGrpSpPr>
         <p:cNvPr id="1" name=""/>
@@ -13978,6 +15825,391 @@
           <a:lstStyle/>
           <a:p>
             <a:r>
+              <a:rPr lang="en-US" dirty="0">
+                <a:solidFill>
+                  <a:schemeClr val="tx1"/>
+                </a:solidFill>
+              </a:rPr>
+              <a:t>Step1. Data Input </a:t>
+            </a:r>
+            <a:r>
+              <a:rPr lang="en-US" sz="3200" dirty="0">
+                <a:solidFill>
+                  <a:schemeClr val="tx1"/>
+                </a:solidFill>
+              </a:rPr>
+              <a:t>(long format or wide format)</a:t>
+            </a:r>
+            <a:endParaRPr lang="en-US" dirty="0">
+              <a:solidFill>
+                <a:schemeClr val="tx1"/>
+              </a:solidFill>
+            </a:endParaRPr>
+          </a:p>
+        </p:txBody>
+      </p:sp>
+      <p:sp>
+        <p:nvSpPr>
+          <p:cNvPr id="4" name="Slide Number Placeholder 3">
+            <a:extLst>
+              <a:ext uri="{FF2B5EF4-FFF2-40B4-BE49-F238E27FC236}">
+                <a16:creationId xmlns:a16="http://schemas.microsoft.com/office/drawing/2014/main" id="{979F4B86-2EFE-1C82-4DB3-0F19A5FB68A9}"/>
+              </a:ext>
+            </a:extLst>
+          </p:cNvPr>
+          <p:cNvSpPr>
+            <a:spLocks noGrp="1"/>
+          </p:cNvSpPr>
+          <p:nvPr>
+            <p:ph type="sldNum" sz="quarter" idx="4"/>
+          </p:nvPr>
+        </p:nvSpPr>
+        <p:spPr>
+          <a:xfrm>
+            <a:off x="11413813" y="6418295"/>
+            <a:ext cx="488157" cy="153888"/>
+          </a:xfrm>
+        </p:spPr>
+        <p:txBody>
+          <a:bodyPr/>
+          <a:lstStyle/>
+          <a:p>
+            <a:pPr>
+              <a:defRPr/>
+            </a:pPr>
+            <a:fld id="{395813C6-9C95-1340-82BD-C1A713B83084}" type="slidenum">
+              <a:rPr lang="en-IN" smtClean="0">
+                <a:solidFill>
+                  <a:schemeClr val="tx1"/>
+                </a:solidFill>
+              </a:rPr>
+              <a:pPr>
+                <a:defRPr/>
+              </a:pPr>
+              <a:t>11</a:t>
+            </a:fld>
+            <a:endParaRPr lang="en-IN">
+              <a:solidFill>
+                <a:schemeClr val="tx1"/>
+              </a:solidFill>
+            </a:endParaRPr>
+          </a:p>
+        </p:txBody>
+      </p:sp>
+      <p:pic>
+        <p:nvPicPr>
+          <p:cNvPr id="5" name="Picture 4">
+            <a:extLst>
+              <a:ext uri="{FF2B5EF4-FFF2-40B4-BE49-F238E27FC236}">
+                <a16:creationId xmlns:a16="http://schemas.microsoft.com/office/drawing/2014/main" id="{67711115-441C-0FE9-219A-9F9733A2B42E}"/>
+              </a:ext>
+            </a:extLst>
+          </p:cNvPr>
+          <p:cNvPicPr>
+            <a:picLocks noChangeAspect="1"/>
+          </p:cNvPicPr>
+          <p:nvPr/>
+        </p:nvPicPr>
+        <p:blipFill>
+          <a:blip r:embed="rId2"/>
+          <a:stretch>
+            <a:fillRect/>
+          </a:stretch>
+        </p:blipFill>
+        <p:spPr>
+          <a:xfrm>
+            <a:off x="6540427" y="3561218"/>
+            <a:ext cx="5115418" cy="2995476"/>
+          </a:xfrm>
+          <a:prstGeom prst="rect">
+            <a:avLst/>
+          </a:prstGeom>
+        </p:spPr>
+      </p:pic>
+      <p:pic>
+        <p:nvPicPr>
+          <p:cNvPr id="11" name="Picture 10">
+            <a:extLst>
+              <a:ext uri="{FF2B5EF4-FFF2-40B4-BE49-F238E27FC236}">
+                <a16:creationId xmlns:a16="http://schemas.microsoft.com/office/drawing/2014/main" id="{2D529FF3-2616-0E82-699A-E9527D0FB6A8}"/>
+              </a:ext>
+            </a:extLst>
+          </p:cNvPr>
+          <p:cNvPicPr>
+            <a:picLocks noChangeAspect="1"/>
+          </p:cNvPicPr>
+          <p:nvPr/>
+        </p:nvPicPr>
+        <p:blipFill>
+          <a:blip r:embed="rId3"/>
+          <a:stretch>
+            <a:fillRect/>
+          </a:stretch>
+        </p:blipFill>
+        <p:spPr>
+          <a:xfrm>
+            <a:off x="6540427" y="1463978"/>
+            <a:ext cx="5020019" cy="1566712"/>
+          </a:xfrm>
+          <a:prstGeom prst="rect">
+            <a:avLst/>
+          </a:prstGeom>
+        </p:spPr>
+      </p:pic>
+      <p:sp>
+        <p:nvSpPr>
+          <p:cNvPr id="12" name="TextBox 11">
+            <a:extLst>
+              <a:ext uri="{FF2B5EF4-FFF2-40B4-BE49-F238E27FC236}">
+                <a16:creationId xmlns:a16="http://schemas.microsoft.com/office/drawing/2014/main" id="{B68073EB-2167-3B6C-E8EE-692367A496E1}"/>
+              </a:ext>
+            </a:extLst>
+          </p:cNvPr>
+          <p:cNvSpPr txBox="1"/>
+          <p:nvPr/>
+        </p:nvSpPr>
+        <p:spPr>
+          <a:xfrm>
+            <a:off x="6152489" y="3175398"/>
+            <a:ext cx="6172200" cy="369332"/>
+          </a:xfrm>
+          <a:prstGeom prst="rect">
+            <a:avLst/>
+          </a:prstGeom>
+          <a:noFill/>
+        </p:spPr>
+        <p:txBody>
+          <a:bodyPr wrap="square">
+            <a:spAutoFit/>
+          </a:bodyPr>
+          <a:lstStyle/>
+          <a:p>
+            <a:pPr algn="ctr"/>
+            <a:r>
+              <a:rPr lang="en-US" dirty="0">
+                <a:latin typeface="Arial" panose="020B0604020202020204" pitchFamily="34" charset="0"/>
+                <a:cs typeface="Arial" panose="020B0604020202020204" pitchFamily="34" charset="0"/>
+              </a:rPr>
+              <a:t>Long format (CSV file)</a:t>
+            </a:r>
+            <a:endParaRPr lang="en-US" dirty="0"/>
+          </a:p>
+        </p:txBody>
+      </p:sp>
+      <p:sp>
+        <p:nvSpPr>
+          <p:cNvPr id="13" name="TextBox 12">
+            <a:extLst>
+              <a:ext uri="{FF2B5EF4-FFF2-40B4-BE49-F238E27FC236}">
+                <a16:creationId xmlns:a16="http://schemas.microsoft.com/office/drawing/2014/main" id="{9AFD503A-D69F-41DF-DFBD-2DE14F31E855}"/>
+              </a:ext>
+            </a:extLst>
+          </p:cNvPr>
+          <p:cNvSpPr txBox="1"/>
+          <p:nvPr/>
+        </p:nvSpPr>
+        <p:spPr>
+          <a:xfrm>
+            <a:off x="6096000" y="1073990"/>
+            <a:ext cx="6172200" cy="369332"/>
+          </a:xfrm>
+          <a:prstGeom prst="rect">
+            <a:avLst/>
+          </a:prstGeom>
+          <a:noFill/>
+        </p:spPr>
+        <p:txBody>
+          <a:bodyPr wrap="square">
+            <a:spAutoFit/>
+          </a:bodyPr>
+          <a:lstStyle/>
+          <a:p>
+            <a:pPr algn="ctr"/>
+            <a:r>
+              <a:rPr lang="en-US" dirty="0">
+                <a:latin typeface="Arial" panose="020B0604020202020204" pitchFamily="34" charset="0"/>
+                <a:cs typeface="Arial" panose="020B0604020202020204" pitchFamily="34" charset="0"/>
+              </a:rPr>
+              <a:t>Header of the Data</a:t>
+            </a:r>
+            <a:endParaRPr lang="en-US" dirty="0"/>
+          </a:p>
+        </p:txBody>
+      </p:sp>
+      <p:pic>
+        <p:nvPicPr>
+          <p:cNvPr id="19" name="Picture 18">
+            <a:extLst>
+              <a:ext uri="{FF2B5EF4-FFF2-40B4-BE49-F238E27FC236}">
+                <a16:creationId xmlns:a16="http://schemas.microsoft.com/office/drawing/2014/main" id="{CC2FC4C3-D006-5A95-D788-4544346ACC4E}"/>
+              </a:ext>
+            </a:extLst>
+          </p:cNvPr>
+          <p:cNvPicPr>
+            <a:picLocks noChangeAspect="1"/>
+          </p:cNvPicPr>
+          <p:nvPr/>
+        </p:nvPicPr>
+        <p:blipFill>
+          <a:blip r:embed="rId4"/>
+          <a:stretch>
+            <a:fillRect/>
+          </a:stretch>
+        </p:blipFill>
+        <p:spPr>
+          <a:xfrm>
+            <a:off x="830964" y="1499590"/>
+            <a:ext cx="5020019" cy="5057104"/>
+          </a:xfrm>
+          <a:prstGeom prst="rect">
+            <a:avLst/>
+          </a:prstGeom>
+        </p:spPr>
+      </p:pic>
+      <p:sp>
+        <p:nvSpPr>
+          <p:cNvPr id="21" name="TextBox 20">
+            <a:extLst>
+              <a:ext uri="{FF2B5EF4-FFF2-40B4-BE49-F238E27FC236}">
+                <a16:creationId xmlns:a16="http://schemas.microsoft.com/office/drawing/2014/main" id="{CD95D9E9-ABE3-77B1-C0CF-3D01B820C806}"/>
+              </a:ext>
+            </a:extLst>
+          </p:cNvPr>
+          <p:cNvSpPr txBox="1"/>
+          <p:nvPr/>
+        </p:nvSpPr>
+        <p:spPr>
+          <a:xfrm>
+            <a:off x="227892" y="1092746"/>
+            <a:ext cx="6172200" cy="369332"/>
+          </a:xfrm>
+          <a:prstGeom prst="rect">
+            <a:avLst/>
+          </a:prstGeom>
+          <a:noFill/>
+        </p:spPr>
+        <p:txBody>
+          <a:bodyPr wrap="square">
+            <a:spAutoFit/>
+          </a:bodyPr>
+          <a:lstStyle/>
+          <a:p>
+            <a:pPr algn="ctr"/>
+            <a:r>
+              <a:rPr lang="en-US" dirty="0">
+                <a:latin typeface="Arial" panose="020B0604020202020204" pitchFamily="34" charset="0"/>
+                <a:cs typeface="Arial" panose="020B0604020202020204" pitchFamily="34" charset="0"/>
+              </a:rPr>
+              <a:t>Upload Data file and Select </a:t>
+            </a:r>
+            <a:r>
+              <a:rPr lang="en-US" altLang="zh-TW" dirty="0">
+                <a:latin typeface="Arial" panose="020B0604020202020204" pitchFamily="34" charset="0"/>
+                <a:cs typeface="Arial" panose="020B0604020202020204" pitchFamily="34" charset="0"/>
+              </a:rPr>
+              <a:t>Reference Treatment</a:t>
+            </a:r>
+            <a:endParaRPr lang="en-US" dirty="0"/>
+          </a:p>
+        </p:txBody>
+      </p:sp>
+    </p:spTree>
+    <p:extLst>
+      <p:ext uri="{BB962C8B-B14F-4D97-AF65-F5344CB8AC3E}">
+        <p14:creationId xmlns:p14="http://schemas.microsoft.com/office/powerpoint/2010/main" val="727125507"/>
+      </p:ext>
+    </p:extLst>
+  </p:cSld>
+  <p:clrMapOvr>
+    <a:masterClrMapping/>
+  </p:clrMapOvr>
+  <p:transition>
+    <p:fade/>
+  </p:transition>
+</p:sld>
+</file>
+
+<file path=ppt/slides/slide12.xml><?xml version="1.0" encoding="utf-8"?>
+<p:sld xmlns:a="http://schemas.openxmlformats.org/drawingml/2006/main" xmlns:r="http://schemas.openxmlformats.org/officeDocument/2006/relationships" xmlns:p="http://schemas.openxmlformats.org/presentationml/2006/main">
+  <p:cSld>
+    <p:spTree>
+      <p:nvGrpSpPr>
+        <p:cNvPr id="1" name=""/>
+        <p:cNvGrpSpPr/>
+        <p:nvPr/>
+      </p:nvGrpSpPr>
+      <p:grpSpPr>
+        <a:xfrm>
+          <a:off x="0" y="0"/>
+          <a:ext cx="0" cy="0"/>
+          <a:chOff x="0" y="0"/>
+          <a:chExt cx="0" cy="0"/>
+        </a:xfrm>
+      </p:grpSpPr>
+      <p:cxnSp>
+        <p:nvCxnSpPr>
+          <p:cNvPr id="20" name="Straight Connector 19">
+            <a:extLst>
+              <a:ext uri="{FF2B5EF4-FFF2-40B4-BE49-F238E27FC236}">
+                <a16:creationId xmlns:a16="http://schemas.microsoft.com/office/drawing/2014/main" id="{1B3E2FB7-DF41-76F7-DD13-DF7087FAE17C}"/>
+              </a:ext>
+            </a:extLst>
+          </p:cNvPr>
+          <p:cNvCxnSpPr>
+            <a:cxnSpLocks/>
+          </p:cNvCxnSpPr>
+          <p:nvPr/>
+        </p:nvCxnSpPr>
+        <p:spPr bwMode="auto">
+          <a:xfrm>
+            <a:off x="8200631" y="10363472"/>
+            <a:ext cx="1219600" cy="0"/>
+          </a:xfrm>
+          <a:prstGeom prst="line">
+            <a:avLst/>
+          </a:prstGeom>
+          <a:solidFill>
+            <a:schemeClr val="tx2"/>
+          </a:solidFill>
+          <a:ln w="12700" cap="flat" cmpd="sng" algn="ctr">
+            <a:solidFill>
+              <a:schemeClr val="accent1"/>
+            </a:solidFill>
+            <a:prstDash val="sysDash"/>
+            <a:round/>
+            <a:headEnd type="none" w="med" len="med"/>
+            <a:tailEnd type="none" w="med" len="med"/>
+          </a:ln>
+          <a:effectLst/>
+        </p:spPr>
+      </p:cxnSp>
+      <p:sp>
+        <p:nvSpPr>
+          <p:cNvPr id="2" name="Title 1">
+            <a:extLst>
+              <a:ext uri="{FF2B5EF4-FFF2-40B4-BE49-F238E27FC236}">
+                <a16:creationId xmlns:a16="http://schemas.microsoft.com/office/drawing/2014/main" id="{B9189500-DA69-3909-93B8-23D0CBD5EBDD}"/>
+              </a:ext>
+            </a:extLst>
+          </p:cNvPr>
+          <p:cNvSpPr>
+            <a:spLocks noGrp="1"/>
+          </p:cNvSpPr>
+          <p:nvPr>
+            <p:ph type="title"/>
+          </p:nvPr>
+        </p:nvSpPr>
+        <p:spPr>
+          <a:xfrm>
+            <a:off x="227892" y="233470"/>
+            <a:ext cx="11430000" cy="821764"/>
+          </a:xfrm>
+        </p:spPr>
+        <p:txBody>
+          <a:bodyPr/>
+          <a:lstStyle/>
+          <a:p>
+            <a:r>
               <a:rPr lang="en-US" sz="4400" dirty="0">
                 <a:solidFill>
                   <a:schemeClr val="tx1"/>
@@ -14031,7 +16263,7 @@
               <a:pPr>
                 <a:defRPr/>
               </a:pPr>
-              <a:t>10</a:t>
+              <a:t>12</a:t>
             </a:fld>
             <a:endParaRPr lang="en-IN">
               <a:solidFill>
@@ -14374,7 +16606,7 @@
 </p:sld>
 </file>
 
-<file path=ppt/slides/slide11.xml><?xml version="1.0" encoding="utf-8"?>
+<file path=ppt/slides/slide13.xml><?xml version="1.0" encoding="utf-8"?>
 <p:sld xmlns:a="http://schemas.openxmlformats.org/drawingml/2006/main" xmlns:r="http://schemas.openxmlformats.org/officeDocument/2006/relationships" xmlns:p="http://schemas.openxmlformats.org/presentationml/2006/main">
   <p:cSld>
     <p:spTree>
@@ -14546,7 +16778,7 @@
               <a:pPr>
                 <a:defRPr/>
               </a:pPr>
-              <a:t>11</a:t>
+              <a:t>13</a:t>
             </a:fld>
             <a:endParaRPr lang="en-IN" dirty="0">
               <a:solidFill>
@@ -15560,7 +17792,7 @@
 </p:sld>
 </file>
 
-<file path=ppt/slides/slide12.xml><?xml version="1.0" encoding="utf-8"?>
+<file path=ppt/slides/slide14.xml><?xml version="1.0" encoding="utf-8"?>
 <p:sld xmlns:a="http://schemas.openxmlformats.org/drawingml/2006/main" xmlns:r="http://schemas.openxmlformats.org/officeDocument/2006/relationships" xmlns:p="http://schemas.openxmlformats.org/presentationml/2006/main">
   <p:cSld>
     <p:spTree>
@@ -15694,7 +17926,7 @@
               <a:pPr>
                 <a:defRPr/>
               </a:pPr>
-              <a:t>12</a:t>
+              <a:t>14</a:t>
             </a:fld>
             <a:endParaRPr lang="en-IN" dirty="0">
               <a:solidFill>
@@ -15856,7 +18088,7 @@
 </p:sld>
 </file>
 
-<file path=ppt/slides/slide13.xml><?xml version="1.0" encoding="utf-8"?>
+<file path=ppt/slides/slide15.xml><?xml version="1.0" encoding="utf-8"?>
 <p:sld xmlns:a="http://schemas.openxmlformats.org/drawingml/2006/main" xmlns:r="http://schemas.openxmlformats.org/officeDocument/2006/relationships" xmlns:p="http://schemas.openxmlformats.org/presentationml/2006/main">
   <p:cSld>
     <p:bg>
@@ -16829,7 +19061,7 @@
                 </a:spcAft>
                 <a:defRPr/>
               </a:pPr>
-              <a:t>13</a:t>
+              <a:t>15</a:t>
             </a:fld>
             <a:endParaRPr lang="en-US">
               <a:solidFill>
@@ -17018,7 +19250,7 @@
 </p:sld>
 </file>
 
-<file path=ppt/slides/slide14.xml><?xml version="1.0" encoding="utf-8"?>
+<file path=ppt/slides/slide16.xml><?xml version="1.0" encoding="utf-8"?>
 <p:sld xmlns:a="http://schemas.openxmlformats.org/drawingml/2006/main" xmlns:r="http://schemas.openxmlformats.org/officeDocument/2006/relationships" xmlns:p="http://schemas.openxmlformats.org/presentationml/2006/main">
   <p:cSld>
     <p:spTree>
@@ -17276,7 +19508,7 @@
             <a:fld id="{DBA1B0FB-D917-4C8C-928F-313BD683BF39}" type="slidenum">
               <a:rPr lang="en-US" smtClean="0"/>
               <a:pPr/>
-              <a:t>14</a:t>
+              <a:t>16</a:t>
             </a:fld>
             <a:endParaRPr lang="en-US"/>
           </a:p>
@@ -18891,7 +21123,7 @@
         </p:blipFill>
         <p:spPr>
           <a:xfrm>
-            <a:off x="6981385" y="844545"/>
+            <a:off x="6981385" y="836186"/>
             <a:ext cx="5106113" cy="5287113"/>
           </a:xfrm>
           <a:prstGeom prst="rect">
@@ -19324,17 +21556,34 @@
         </p:nvSpPr>
         <p:spPr>
           <a:xfrm>
-            <a:off x="550863" y="4507200"/>
-            <a:ext cx="4500562" cy="1562959"/>
+            <a:off x="355441" y="4436364"/>
+            <a:ext cx="2503233" cy="1562959"/>
           </a:xfrm>
+          <a:ln>
+            <a:solidFill>
+              <a:schemeClr val="accent1"/>
+            </a:solidFill>
+          </a:ln>
         </p:spPr>
         <p:txBody>
-          <a:bodyPr/>
+          <a:bodyPr anchor="ctr"/>
           <a:lstStyle/>
           <a:p>
+            <a:pPr algn="ctr"/>
             <a:r>
               <a:rPr lang="en-US" dirty="0"/>
               <a:t>Solution</a:t>
+            </a:r>
+            <a:br>
+              <a:rPr lang="en-US" dirty="0"/>
+            </a:br>
+            <a:r>
+              <a:rPr lang="en-US" dirty="0">
+                <a:solidFill>
+                  <a:srgbClr val="FFFF00"/>
+                </a:solidFill>
+              </a:rPr>
+              <a:t>NMA</a:t>
             </a:r>
           </a:p>
         </p:txBody>
@@ -19368,8 +21617,8 @@
         </p:blipFill>
         <p:spPr>
           <a:xfrm>
-            <a:off x="0" y="0"/>
-            <a:ext cx="3054096" cy="3776472"/>
+            <a:off x="12192" y="0"/>
+            <a:ext cx="3041904" cy="2983230"/>
           </a:xfrm>
         </p:spPr>
       </p:pic>
@@ -19402,8 +21651,8 @@
         </p:blipFill>
         <p:spPr>
           <a:xfrm>
-            <a:off x="3054096" y="0"/>
-            <a:ext cx="3054096" cy="3776472"/>
+            <a:off x="3066288" y="0"/>
+            <a:ext cx="3041904" cy="2983230"/>
           </a:xfrm>
         </p:spPr>
       </p:pic>
@@ -19436,78 +21685,11 @@
         </p:blipFill>
         <p:spPr>
           <a:xfrm>
-            <a:off x="9137904" y="0"/>
-            <a:ext cx="3054096" cy="3776472"/>
+            <a:off x="9150096" y="0"/>
+            <a:ext cx="3041904" cy="2983230"/>
           </a:xfrm>
         </p:spPr>
       </p:pic>
-      <p:sp>
-        <p:nvSpPr>
-          <p:cNvPr id="4" name="Date Placeholder 3">
-            <a:extLst>
-              <a:ext uri="{FF2B5EF4-FFF2-40B4-BE49-F238E27FC236}">
-                <a16:creationId xmlns:a16="http://schemas.microsoft.com/office/drawing/2014/main" id="{0C329F70-04F7-4C70-BCF8-D4371F54EF2F}"/>
-              </a:ext>
-            </a:extLst>
-          </p:cNvPr>
-          <p:cNvSpPr>
-            <a:spLocks noGrp="1"/>
-          </p:cNvSpPr>
-          <p:nvPr>
-            <p:ph type="dt" sz="half" idx="10"/>
-          </p:nvPr>
-        </p:nvSpPr>
-        <p:spPr>
-          <a:xfrm>
-            <a:off x="550863" y="6507212"/>
-            <a:ext cx="2628900" cy="153888"/>
-          </a:xfrm>
-        </p:spPr>
-        <p:txBody>
-          <a:bodyPr/>
-          <a:lstStyle/>
-          <a:p>
-            <a:r>
-              <a:rPr lang="en-US"/>
-              <a:t>Tuesday, February 2, 20XX</a:t>
-            </a:r>
-            <a:endParaRPr lang="en-US" dirty="0"/>
-          </a:p>
-        </p:txBody>
-      </p:sp>
-      <p:sp>
-        <p:nvSpPr>
-          <p:cNvPr id="5" name="Footer Placeholder 4">
-            <a:extLst>
-              <a:ext uri="{FF2B5EF4-FFF2-40B4-BE49-F238E27FC236}">
-                <a16:creationId xmlns:a16="http://schemas.microsoft.com/office/drawing/2014/main" id="{06A3302E-502D-4151-81C9-5FD6AF9596D6}"/>
-              </a:ext>
-            </a:extLst>
-          </p:cNvPr>
-          <p:cNvSpPr>
-            <a:spLocks noGrp="1"/>
-          </p:cNvSpPr>
-          <p:nvPr>
-            <p:ph type="ftr" sz="quarter" idx="11"/>
-          </p:nvPr>
-        </p:nvSpPr>
-        <p:spPr>
-          <a:xfrm>
-            <a:off x="3359150" y="6507212"/>
-            <a:ext cx="6379210" cy="153888"/>
-          </a:xfrm>
-        </p:spPr>
-        <p:txBody>
-          <a:bodyPr/>
-          <a:lstStyle/>
-          <a:p>
-            <a:r>
-              <a:rPr lang="en-US"/>
-              <a:t>Sample Footer Text</a:t>
-            </a:r>
-          </a:p>
-        </p:txBody>
-      </p:sp>
       <p:sp>
         <p:nvSpPr>
           <p:cNvPr id="6" name="Slide Number Placeholder 5">
@@ -19572,8 +21754,8 @@
         </p:blipFill>
         <p:spPr>
           <a:xfrm>
-            <a:off x="6083808" y="0"/>
-            <a:ext cx="3054096" cy="3776472"/>
+            <a:off x="6096000" y="0"/>
+            <a:ext cx="3041904" cy="2983230"/>
           </a:xfrm>
         </p:spPr>
       </p:pic>
@@ -19595,19 +21777,59 @@
         </p:nvSpPr>
         <p:spPr>
           <a:xfrm>
-            <a:off x="3359150" y="4103637"/>
-            <a:ext cx="8545979" cy="2116876"/>
+            <a:off x="3108960" y="3429000"/>
+            <a:ext cx="8727599" cy="3078212"/>
           </a:xfrm>
           <a:noFill/>
         </p:spPr>
         <p:txBody>
           <a:bodyPr>
-            <a:normAutofit/>
+            <a:noAutofit/>
           </a:bodyPr>
           <a:lstStyle/>
           <a:p>
-            <a:r>
-              <a:rPr lang="en-US" sz="2400" dirty="0">
+            <a:pPr>
+              <a:spcBef>
+                <a:spcPts val="0"/>
+              </a:spcBef>
+              <a:spcAft>
+                <a:spcPts val="0"/>
+              </a:spcAft>
+            </a:pPr>
+            <a:r>
+              <a:rPr lang="en-US" kern="0" dirty="0"/>
+              <a:t>NMA is an extension to ordinary pairwise meta-analysis.</a:t>
+            </a:r>
+          </a:p>
+          <a:p>
+            <a:pPr marL="0" indent="0">
+              <a:spcBef>
+                <a:spcPts val="0"/>
+              </a:spcBef>
+              <a:spcAft>
+                <a:spcPts val="0"/>
+              </a:spcAft>
+              <a:buNone/>
+            </a:pPr>
+            <a:endParaRPr lang="en-US" dirty="0">
+              <a:solidFill>
+                <a:srgbClr val="FFFF00">
+                  <a:alpha val="60000"/>
+                </a:srgbClr>
+              </a:solidFill>
+            </a:endParaRPr>
+          </a:p>
+          <a:p>
+            <a:pPr>
+              <a:spcBef>
+                <a:spcPts val="0"/>
+              </a:spcBef>
+              <a:spcAft>
+                <a:spcPts val="0"/>
+              </a:spcAft>
+            </a:pPr>
+            <a:r>
+              <a:rPr lang="en-US" dirty="0">
                 <a:solidFill>
                   <a:srgbClr val="FFFF00">
                     <a:alpha val="60000"/>
@@ -19617,11 +21839,11 @@
               <a:t>Network Meta Analysis (NMA) </a:t>
             </a:r>
             <a:r>
-              <a:rPr lang="en-US" sz="2400" dirty="0"/>
+              <a:rPr lang="en-US" dirty="0"/>
               <a:t>is a technique for </a:t>
             </a:r>
             <a:r>
-              <a:rPr lang="en-US" sz="2400" dirty="0">
+              <a:rPr lang="en-US" dirty="0">
                 <a:solidFill>
                   <a:srgbClr val="FFFF00">
                     <a:alpha val="60000"/>
@@ -19631,11 +21853,11 @@
               <a:t>COMPARING MUTIPLE TREATMENTS simultaneously in a SINGLE ANALYSIS </a:t>
             </a:r>
             <a:r>
-              <a:rPr lang="en-US" sz="2400" dirty="0"/>
+              <a:rPr lang="en-US" dirty="0"/>
               <a:t>by combining </a:t>
             </a:r>
             <a:r>
-              <a:rPr lang="en-US" sz="2400" dirty="0">
+              <a:rPr lang="en-US" dirty="0">
                 <a:solidFill>
                   <a:srgbClr val="FF0000">
                     <a:alpha val="60000"/>
@@ -19645,17 +21867,102 @@
               <a:t>direct and indirect evidence </a:t>
             </a:r>
             <a:r>
-              <a:rPr lang="en-US" sz="2400" dirty="0"/>
+              <a:rPr lang="en-US" dirty="0"/>
               <a:t>within a network of randomized controlled trials. (Rouse et at., 2017) </a:t>
             </a:r>
             <a:r>
-              <a:rPr lang="en-US" sz="2400" kern="0" dirty="0"/>
-              <a:t>(aka. multiple-treatment meta-analysis, mixed treatment comparison)</a:t>
-            </a:r>
-            <a:endParaRPr lang="en-US" sz="2400" dirty="0"/>
+              <a:rPr lang="en-US" kern="0" dirty="0">
+                <a:sym typeface="Wingdings" panose="05000000000000000000" pitchFamily="2" charset="2"/>
+              </a:rPr>
+              <a:t></a:t>
+            </a:r>
+            <a:r>
+              <a:rPr lang="en-US" kern="0" dirty="0"/>
+              <a:t> aka. </a:t>
+            </a:r>
+            <a:r>
+              <a:rPr lang="en-US" kern="0" dirty="0">
+                <a:solidFill>
+                  <a:srgbClr val="FFFF00">
+                    <a:alpha val="60000"/>
+                  </a:srgbClr>
+                </a:solidFill>
+              </a:rPr>
+              <a:t>multiple-treatment meta-analysis</a:t>
+            </a:r>
+            <a:r>
+              <a:rPr lang="en-US" kern="0" dirty="0"/>
+              <a:t>, mixed treatment comparison.</a:t>
+            </a:r>
+          </a:p>
+          <a:p>
+            <a:pPr>
+              <a:spcBef>
+                <a:spcPts val="0"/>
+              </a:spcBef>
+              <a:spcAft>
+                <a:spcPts val="0"/>
+              </a:spcAft>
+            </a:pPr>
+            <a:endParaRPr lang="en-US" kern="0" dirty="0"/>
+          </a:p>
+          <a:p>
+            <a:pPr>
+              <a:spcBef>
+                <a:spcPts val="0"/>
+              </a:spcBef>
+              <a:spcAft>
+                <a:spcPts val="0"/>
+              </a:spcAft>
+            </a:pPr>
+            <a:r>
+              <a:rPr lang="en-US" kern="0" dirty="0"/>
+              <a:t>NMA can </a:t>
+            </a:r>
+            <a:r>
+              <a:rPr lang="en-US" kern="0" dirty="0">
+                <a:latin typeface="Arial" panose="020B0604020202020204" pitchFamily="34" charset="0"/>
+                <a:cs typeface="Arial" panose="020B0604020202020204" pitchFamily="34" charset="0"/>
+              </a:rPr>
+              <a:t>1)</a:t>
+            </a:r>
+            <a:r>
+              <a:rPr lang="en-US" kern="0" dirty="0"/>
+              <a:t> estimate the relative treatment effect between any pair of the treatment in the network, and 2) estimate the ranking of all the treatments.</a:t>
+            </a:r>
           </a:p>
         </p:txBody>
       </p:sp>
+      <p:pic>
+        <p:nvPicPr>
+          <p:cNvPr id="3" name="Picture 2">
+            <a:extLst>
+              <a:ext uri="{FF2B5EF4-FFF2-40B4-BE49-F238E27FC236}">
+                <a16:creationId xmlns:a16="http://schemas.microsoft.com/office/drawing/2014/main" id="{33692095-6CD2-BDED-B654-2A2BB05DA09A}"/>
+              </a:ext>
+            </a:extLst>
+          </p:cNvPr>
+          <p:cNvPicPr>
+            <a:picLocks noChangeAspect="1"/>
+          </p:cNvPicPr>
+          <p:nvPr/>
+        </p:nvPicPr>
+        <p:blipFill>
+          <a:blip r:embed="rId7"/>
+          <a:stretch>
+            <a:fillRect/>
+          </a:stretch>
+        </p:blipFill>
+        <p:spPr>
+          <a:xfrm>
+            <a:off x="9149848" y="731675"/>
+            <a:ext cx="2980117" cy="2372290"/>
+          </a:xfrm>
+          <a:prstGeom prst="rect">
+            <a:avLst/>
+          </a:prstGeom>
+        </p:spPr>
+      </p:pic>
     </p:spTree>
     <p:extLst>
       <p:ext uri="{BB962C8B-B14F-4D97-AF65-F5344CB8AC3E}">
@@ -21872,8 +24179,8 @@
           </p:sp>
         </p:grpSp>
       </p:grpSp>
-      <mc:AlternateContent xmlns:mc="http://schemas.openxmlformats.org/markup-compatibility/2006" xmlns:a14="http://schemas.microsoft.com/office/drawing/2010/main">
-        <mc:Choice Requires="a14">
+      <mc:AlternateContent xmlns:mc="http://schemas.openxmlformats.org/markup-compatibility/2006">
+        <mc:Choice xmlns:a14="http://schemas.microsoft.com/office/drawing/2010/main" Requires="a14">
           <p:sp>
             <p:nvSpPr>
               <p:cNvPr id="98" name="TextBox 97">
@@ -21903,48 +24210,6 @@
               <a:lstStyle/>
               <a:p>
                 <a:pPr/>
-                <a14:m>
-                  <m:oMathPara xmlns:m="http://schemas.openxmlformats.org/officeDocument/2006/math">
-                    <m:oMathParaPr>
-                      <m:jc m:val="centerGroup"/>
-                    </m:oMathParaPr>
-                    <m:oMath xmlns:m="http://schemas.openxmlformats.org/officeDocument/2006/math">
-                      <m:r>
-                        <a:rPr lang="en-US" sz="1200" b="1" i="1" kern="0" smtClean="0">
-                          <a:solidFill>
-                            <a:srgbClr val="00B050"/>
-                          </a:solidFill>
-                          <a:latin typeface="Cambria Math" panose="02040503050406030204" pitchFamily="18" charset="0"/>
-                          <a:ea typeface="Cambria Math" panose="02040503050406030204" pitchFamily="18" charset="0"/>
-                          <a:sym typeface="Wingdings" panose="05000000000000000000" pitchFamily="2" charset="2"/>
-                        </a:rPr>
-                        <m:t>𝑰𝒏𝒅𝒊𝒓𝒆𝒄𝒕</m:t>
-                      </m:r>
-                      <m:r>
-                        <a:rPr lang="en-US" sz="1200" b="1" i="1" kern="0" smtClean="0">
-                          <a:solidFill>
-                            <a:srgbClr val="00B050"/>
-                          </a:solidFill>
-                          <a:latin typeface="Cambria Math" panose="02040503050406030204" pitchFamily="18" charset="0"/>
-                          <a:ea typeface="Cambria Math" panose="02040503050406030204" pitchFamily="18" charset="0"/>
-                          <a:sym typeface="Wingdings" panose="05000000000000000000" pitchFamily="2" charset="2"/>
-                        </a:rPr>
-                        <m:t> </m:t>
-                      </m:r>
-                      <m:r>
-                        <a:rPr lang="en-US" sz="1200" b="1" i="1" kern="0" smtClean="0">
-                          <a:solidFill>
-                            <a:srgbClr val="00B050"/>
-                          </a:solidFill>
-                          <a:latin typeface="Cambria Math" panose="02040503050406030204" pitchFamily="18" charset="0"/>
-                          <a:ea typeface="Cambria Math" panose="02040503050406030204" pitchFamily="18" charset="0"/>
-                          <a:sym typeface="Wingdings" panose="05000000000000000000" pitchFamily="2" charset="2"/>
-                        </a:rPr>
-                        <m:t>𝑬𝒇𝒇𝒆𝒄𝒕</m:t>
-                      </m:r>
-                    </m:oMath>
-                  </m:oMathPara>
-                </a14:m>
                 <a:endParaRPr lang="en-US" sz="1200" b="1" i="1" kern="0" dirty="0">
                   <a:solidFill>
                     <a:srgbClr val="00B050"/>
@@ -22291,7 +24556,7 @@
             </p:txBody>
           </p:sp>
         </mc:Choice>
-        <mc:Fallback xmlns="">
+        <mc:Fallback>
           <p:sp>
             <p:nvSpPr>
               <p:cNvPr id="98" name="TextBox 97">
@@ -22350,7 +24615,7 @@
         </p:nvSpPr>
         <p:spPr>
           <a:xfrm>
-            <a:off x="9504828" y="4806096"/>
+            <a:off x="9483584" y="4915376"/>
             <a:ext cx="2142318" cy="184666"/>
           </a:xfrm>
           <a:prstGeom prst="rect">
@@ -22391,8 +24656,8 @@
         </p:nvSpPr>
         <p:spPr>
           <a:xfrm>
-            <a:off x="7089416" y="1557773"/>
-            <a:ext cx="4800600" cy="316930"/>
+            <a:off x="7089416" y="1181039"/>
+            <a:ext cx="4800600" cy="738664"/>
           </a:xfrm>
           <a:prstGeom prst="rect">
             <a:avLst/>
@@ -22434,6 +24699,45 @@
               </a:rPr>
               <a:t>lot</a:t>
             </a:r>
+          </a:p>
+          <a:p>
+            <a:pPr algn="ctr"/>
+            <a:r>
+              <a:rPr lang="en-US" sz="1400" b="0" i="0" dirty="0">
+                <a:solidFill>
+                  <a:srgbClr val="333333"/>
+                </a:solidFill>
+                <a:effectLst/>
+                <a:latin typeface="Source Sans Pro" panose="020B0503030403020204" pitchFamily="34" charset="0"/>
+              </a:rPr>
+              <a:t>graphical depiction of the structure of a network of interventions (</a:t>
+            </a:r>
+            <a:r>
+              <a:rPr lang="en-US" sz="1400" b="0" i="0" dirty="0" err="1">
+                <a:solidFill>
+                  <a:srgbClr val="333333"/>
+                </a:solidFill>
+                <a:effectLst/>
+                <a:latin typeface="Source Sans Pro" panose="020B0503030403020204" pitchFamily="34" charset="0"/>
+              </a:rPr>
+              <a:t>Chaimani</a:t>
+            </a:r>
+            <a:r>
+              <a:rPr lang="en-US" sz="1400" b="0" i="0" dirty="0">
+                <a:solidFill>
+                  <a:srgbClr val="333333"/>
+                </a:solidFill>
+                <a:effectLst/>
+                <a:latin typeface="Source Sans Pro" panose="020B0503030403020204" pitchFamily="34" charset="0"/>
+              </a:rPr>
+              <a:t> et al 2013).</a:t>
+            </a:r>
+            <a:endParaRPr lang="en-US" sz="1400" dirty="0">
+              <a:solidFill>
+                <a:schemeClr val="bg1"/>
+              </a:solidFill>
+              <a:latin typeface="+mn-lt"/>
+            </a:endParaRPr>
           </a:p>
         </p:txBody>
       </p:sp>
@@ -22966,6 +25270,47 @@
           </a:p>
         </p:txBody>
       </p:sp>
+      <p:sp>
+        <p:nvSpPr>
+          <p:cNvPr id="21" name="TextBox 20">
+            <a:extLst>
+              <a:ext uri="{FF2B5EF4-FFF2-40B4-BE49-F238E27FC236}">
+                <a16:creationId xmlns:a16="http://schemas.microsoft.com/office/drawing/2014/main" id="{24246A5B-067E-790C-29CE-EC0E2C699709}"/>
+              </a:ext>
+            </a:extLst>
+          </p:cNvPr>
+          <p:cNvSpPr txBox="1"/>
+          <p:nvPr/>
+        </p:nvSpPr>
+        <p:spPr>
+          <a:xfrm>
+            <a:off x="3008906" y="6045140"/>
+            <a:ext cx="2839239" cy="646331"/>
+          </a:xfrm>
+          <a:prstGeom prst="rect">
+            <a:avLst/>
+          </a:prstGeom>
+          <a:noFill/>
+        </p:spPr>
+        <p:txBody>
+          <a:bodyPr wrap="none" rtlCol="0">
+            <a:spAutoFit/>
+          </a:bodyPr>
+          <a:lstStyle/>
+          <a:p>
+            <a:r>
+              <a:rPr lang="en-US" dirty="0"/>
+              <a:t>If outcome is continuous</a:t>
+            </a:r>
+          </a:p>
+          <a:p>
+            <a:r>
+              <a:rPr lang="en-US" dirty="0"/>
+              <a:t>(H – N) = (H – T) + (T – N)</a:t>
+            </a:r>
+          </a:p>
+        </p:txBody>
+      </p:sp>
     </p:spTree>
     <p:extLst>
       <p:ext uri="{BB962C8B-B14F-4D97-AF65-F5344CB8AC3E}">
@@ -22983,6 +25328,854 @@
 </file>
 
 <file path=ppt/slides/slide6.xml><?xml version="1.0" encoding="utf-8"?>
+<p:sld xmlns:a="http://schemas.openxmlformats.org/drawingml/2006/main" xmlns:r="http://schemas.openxmlformats.org/officeDocument/2006/relationships" xmlns:p="http://schemas.openxmlformats.org/presentationml/2006/main">
+  <p:cSld>
+    <p:spTree>
+      <p:nvGrpSpPr>
+        <p:cNvPr id="1" name=""/>
+        <p:cNvGrpSpPr/>
+        <p:nvPr/>
+      </p:nvGrpSpPr>
+      <p:grpSpPr>
+        <a:xfrm>
+          <a:off x="0" y="0"/>
+          <a:ext cx="0" cy="0"/>
+          <a:chOff x="0" y="0"/>
+          <a:chExt cx="0" cy="0"/>
+        </a:xfrm>
+      </p:grpSpPr>
+      <p:sp>
+        <p:nvSpPr>
+          <p:cNvPr id="8" name="Text Placeholder 7">
+            <a:extLst>
+              <a:ext uri="{FF2B5EF4-FFF2-40B4-BE49-F238E27FC236}">
+                <a16:creationId xmlns:a16="http://schemas.microsoft.com/office/drawing/2014/main" id="{ABA415A0-3B77-43FB-A408-5F1DA4B0AAFA}"/>
+              </a:ext>
+            </a:extLst>
+          </p:cNvPr>
+          <p:cNvSpPr>
+            <a:spLocks noGrp="1"/>
+          </p:cNvSpPr>
+          <p:nvPr>
+            <p:ph type="body" idx="1"/>
+          </p:nvPr>
+        </p:nvSpPr>
+        <p:spPr>
+          <a:xfrm>
+            <a:off x="550864" y="955193"/>
+            <a:ext cx="3563936" cy="535354"/>
+          </a:xfrm>
+        </p:spPr>
+        <p:txBody>
+          <a:bodyPr/>
+          <a:lstStyle/>
+          <a:p>
+            <a:r>
+              <a:rPr lang="en-US" sz="2800" b="1" dirty="0"/>
+              <a:t>Homogeneity</a:t>
+            </a:r>
+          </a:p>
+        </p:txBody>
+      </p:sp>
+      <mc:AlternateContent xmlns:mc="http://schemas.openxmlformats.org/markup-compatibility/2006">
+        <mc:Choice xmlns:a14="http://schemas.microsoft.com/office/drawing/2010/main" Requires="a14">
+          <p:sp>
+            <p:nvSpPr>
+              <p:cNvPr id="9" name="Content Placeholder 8">
+                <a:extLst>
+                  <a:ext uri="{FF2B5EF4-FFF2-40B4-BE49-F238E27FC236}">
+                    <a16:creationId xmlns:a16="http://schemas.microsoft.com/office/drawing/2014/main" id="{8598ECEC-4413-4244-8F21-0076EC511806}"/>
+                  </a:ext>
+                </a:extLst>
+              </p:cNvPr>
+              <p:cNvSpPr>
+                <a:spLocks noGrp="1"/>
+              </p:cNvSpPr>
+              <p:nvPr>
+                <p:ph sz="half" idx="2"/>
+              </p:nvPr>
+            </p:nvSpPr>
+            <p:spPr>
+              <a:xfrm>
+                <a:off x="559475" y="1656122"/>
+                <a:ext cx="5536525" cy="4697202"/>
+              </a:xfrm>
+            </p:spPr>
+            <p:txBody>
+              <a:bodyPr>
+                <a:normAutofit fontScale="92500" lnSpcReduction="10000"/>
+              </a:bodyPr>
+              <a:lstStyle/>
+              <a:p>
+                <a:pPr lvl="0"/>
+                <a:r>
+                  <a:rPr lang="en-US" sz="2400" dirty="0"/>
+                  <a:t>The equivalence of trials within each pairwise comparison in the network. </a:t>
+                </a:r>
+              </a:p>
+              <a:p>
+                <a:r>
+                  <a:rPr lang="en-US" sz="2400" dirty="0"/>
+                  <a:t>When there is direct evidence, the true treatment effect is the same across all trials that allocate the two treatments </a:t>
+                </a:r>
+                <a:r>
+                  <a:rPr lang="en-US" sz="2400" dirty="0">
+                    <a:sym typeface="Wingdings" panose="05000000000000000000" pitchFamily="2" charset="2"/>
+                  </a:rPr>
+                  <a:t></a:t>
+                </a:r>
+                <a:r>
+                  <a:rPr lang="en-US" sz="2400" dirty="0">
+                    <a:solidFill>
+                      <a:srgbClr val="FFFF00">
+                        <a:alpha val="60000"/>
+                      </a:srgbClr>
+                    </a:solidFill>
+                  </a:rPr>
+                  <a:t>the trials should not differ in any characteristics that may impact the treatment effect </a:t>
+                </a:r>
+                <a:r>
+                  <a:rPr lang="en-US" sz="2400" dirty="0">
+                    <a:solidFill>
+                      <a:schemeClr val="tx1"/>
+                    </a:solidFill>
+                  </a:rPr>
+                  <a:t>(nonexistence of treatment effect modifier) </a:t>
+                </a:r>
+              </a:p>
+              <a:p>
+                <a:pPr lvl="0"/>
+                <a:r>
+                  <a:rPr lang="en-US" sz="2400" dirty="0"/>
+                  <a:t> The I-squared statistic is commonly used to quantify the degree of heterogeneity within a pairwise comparison (25%/50%/75% of </a:t>
+                </a:r>
+                <a14:m>
+                  <m:oMath xmlns:m="http://schemas.openxmlformats.org/officeDocument/2006/math">
+                    <m:sSup>
+                      <m:sSupPr>
+                        <m:ctrlPr>
+                          <a:rPr lang="en-US" sz="2400" i="1" smtClean="0">
+                            <a:latin typeface="Cambria Math" panose="02040503050406030204" pitchFamily="18" charset="0"/>
+                          </a:rPr>
+                        </m:ctrlPr>
+                      </m:sSupPr>
+                      <m:e>
+                        <m:r>
+                          <a:rPr lang="en-US" sz="2400" b="0" i="1" smtClean="0">
+                            <a:latin typeface="Cambria Math" panose="02040503050406030204" pitchFamily="18" charset="0"/>
+                          </a:rPr>
+                          <m:t>𝐼</m:t>
+                        </m:r>
+                      </m:e>
+                      <m:sup>
+                        <m:r>
+                          <a:rPr lang="en-US" sz="2400" b="0" i="1" smtClean="0">
+                            <a:latin typeface="Cambria Math" panose="02040503050406030204" pitchFamily="18" charset="0"/>
+                          </a:rPr>
+                          <m:t>2</m:t>
+                        </m:r>
+                      </m:sup>
+                    </m:sSup>
+                  </m:oMath>
+                </a14:m>
+                <a:r>
+                  <a:rPr lang="en-US" sz="2400" dirty="0"/>
+                  <a:t> represents low/medium/high heterogeneity, )</a:t>
+                </a:r>
+              </a:p>
+            </p:txBody>
+          </p:sp>
+        </mc:Choice>
+        <mc:Fallback>
+          <p:sp>
+            <p:nvSpPr>
+              <p:cNvPr id="9" name="Content Placeholder 8">
+                <a:extLst>
+                  <a:ext uri="{FF2B5EF4-FFF2-40B4-BE49-F238E27FC236}">
+                    <a16:creationId xmlns:a16="http://schemas.microsoft.com/office/drawing/2014/main" id="{8598ECEC-4413-4244-8F21-0076EC511806}"/>
+                  </a:ext>
+                </a:extLst>
+              </p:cNvPr>
+              <p:cNvSpPr>
+                <a:spLocks noGrp="1" noRot="1" noChangeAspect="1" noMove="1" noResize="1" noEditPoints="1" noAdjustHandles="1" noChangeArrowheads="1" noChangeShapeType="1" noTextEdit="1"/>
+              </p:cNvSpPr>
+              <p:nvPr>
+                <p:ph sz="half" idx="2"/>
+              </p:nvPr>
+            </p:nvSpPr>
+            <p:spPr>
+              <a:xfrm>
+                <a:off x="559475" y="1656122"/>
+                <a:ext cx="5536525" cy="4697202"/>
+              </a:xfrm>
+              <a:blipFill>
+                <a:blip r:embed="rId3"/>
+                <a:stretch>
+                  <a:fillRect l="-2974" t="-1948" r="-4295"/>
+                </a:stretch>
+              </a:blipFill>
+            </p:spPr>
+            <p:txBody>
+              <a:bodyPr/>
+              <a:lstStyle/>
+              <a:p>
+                <a:r>
+                  <a:rPr lang="en-US">
+                    <a:noFill/>
+                  </a:rPr>
+                  <a:t> </a:t>
+                </a:r>
+              </a:p>
+            </p:txBody>
+          </p:sp>
+        </mc:Fallback>
+      </mc:AlternateContent>
+      <p:sp>
+        <p:nvSpPr>
+          <p:cNvPr id="10" name="Text Placeholder 9">
+            <a:extLst>
+              <a:ext uri="{FF2B5EF4-FFF2-40B4-BE49-F238E27FC236}">
+                <a16:creationId xmlns:a16="http://schemas.microsoft.com/office/drawing/2014/main" id="{34A9BC34-CFDB-4D7A-8D6C-1CE608D0909F}"/>
+              </a:ext>
+            </a:extLst>
+          </p:cNvPr>
+          <p:cNvSpPr>
+            <a:spLocks noGrp="1"/>
+          </p:cNvSpPr>
+          <p:nvPr>
+            <p:ph type="body" sz="quarter" idx="3"/>
+          </p:nvPr>
+        </p:nvSpPr>
+        <p:spPr>
+          <a:xfrm>
+            <a:off x="6581795" y="955193"/>
+            <a:ext cx="5314756" cy="535354"/>
+          </a:xfrm>
+        </p:spPr>
+        <p:txBody>
+          <a:bodyPr/>
+          <a:lstStyle/>
+          <a:p>
+            <a:r>
+              <a:rPr lang="en-US" sz="2800" b="1" dirty="0"/>
+              <a:t>Consistency</a:t>
+            </a:r>
+          </a:p>
+        </p:txBody>
+      </p:sp>
+      <mc:AlternateContent xmlns:mc="http://schemas.openxmlformats.org/markup-compatibility/2006">
+        <mc:Choice xmlns:a14="http://schemas.microsoft.com/office/drawing/2010/main" Requires="a14">
+          <p:sp>
+            <p:nvSpPr>
+              <p:cNvPr id="11" name="Content Placeholder 10">
+                <a:extLst>
+                  <a:ext uri="{FF2B5EF4-FFF2-40B4-BE49-F238E27FC236}">
+                    <a16:creationId xmlns:a16="http://schemas.microsoft.com/office/drawing/2014/main" id="{1D014E48-5DD9-49CE-AD5B-0FEF69204F68}"/>
+                  </a:ext>
+                </a:extLst>
+              </p:cNvPr>
+              <p:cNvSpPr>
+                <a:spLocks noGrp="1"/>
+              </p:cNvSpPr>
+              <p:nvPr>
+                <p:ph sz="quarter" idx="4"/>
+              </p:nvPr>
+            </p:nvSpPr>
+            <p:spPr>
+              <a:xfrm>
+                <a:off x="6581796" y="1651188"/>
+                <a:ext cx="5229204" cy="3515555"/>
+              </a:xfrm>
+            </p:spPr>
+            <p:txBody>
+              <a:bodyPr>
+                <a:normAutofit/>
+              </a:bodyPr>
+              <a:lstStyle/>
+              <a:p>
+                <a:pPr lvl="0"/>
+                <a:r>
+                  <a:rPr lang="en-US" sz="2400" dirty="0"/>
+                  <a:t>Direct estimation </a:t>
+                </a:r>
+                <a14:m>
+                  <m:oMath xmlns:m="http://schemas.openxmlformats.org/officeDocument/2006/math">
+                    <m:r>
+                      <a:rPr lang="en-US" sz="2400" i="1" smtClean="0">
+                        <a:latin typeface="Cambria Math" panose="02040503050406030204" pitchFamily="18" charset="0"/>
+                        <a:ea typeface="Cambria Math" panose="02040503050406030204" pitchFamily="18" charset="0"/>
+                      </a:rPr>
+                      <m:t>≈</m:t>
+                    </m:r>
+                  </m:oMath>
+                </a14:m>
+                <a:r>
+                  <a:rPr lang="en-US" sz="2400" dirty="0"/>
+                  <a:t> Indirect estimation</a:t>
+                </a:r>
+              </a:p>
+              <a:p>
+                <a:pPr lvl="0"/>
+                <a:r>
+                  <a:rPr lang="en-US" sz="2400" dirty="0"/>
+                  <a:t>The estimation of the relative treatment effect from direct evidence should align with the estimation from indirect evidence.</a:t>
+                </a:r>
+              </a:p>
+            </p:txBody>
+          </p:sp>
+        </mc:Choice>
+        <mc:Fallback>
+          <p:sp>
+            <p:nvSpPr>
+              <p:cNvPr id="11" name="Content Placeholder 10">
+                <a:extLst>
+                  <a:ext uri="{FF2B5EF4-FFF2-40B4-BE49-F238E27FC236}">
+                    <a16:creationId xmlns:a16="http://schemas.microsoft.com/office/drawing/2014/main" id="{1D014E48-5DD9-49CE-AD5B-0FEF69204F68}"/>
+                  </a:ext>
+                </a:extLst>
+              </p:cNvPr>
+              <p:cNvSpPr>
+                <a:spLocks noGrp="1" noRot="1" noChangeAspect="1" noMove="1" noResize="1" noEditPoints="1" noAdjustHandles="1" noChangeArrowheads="1" noChangeShapeType="1" noTextEdit="1"/>
+              </p:cNvSpPr>
+              <p:nvPr>
+                <p:ph sz="quarter" idx="4"/>
+              </p:nvPr>
+            </p:nvSpPr>
+            <p:spPr>
+              <a:xfrm>
+                <a:off x="6581796" y="1651188"/>
+                <a:ext cx="5229204" cy="3515555"/>
+              </a:xfrm>
+              <a:blipFill>
+                <a:blip r:embed="rId4"/>
+                <a:stretch>
+                  <a:fillRect l="-3380" t="-2426" r="-4429"/>
+                </a:stretch>
+              </a:blipFill>
+            </p:spPr>
+            <p:txBody>
+              <a:bodyPr/>
+              <a:lstStyle/>
+              <a:p>
+                <a:r>
+                  <a:rPr lang="en-US">
+                    <a:noFill/>
+                  </a:rPr>
+                  <a:t> </a:t>
+                </a:r>
+              </a:p>
+            </p:txBody>
+          </p:sp>
+        </mc:Fallback>
+      </mc:AlternateContent>
+      <p:sp>
+        <p:nvSpPr>
+          <p:cNvPr id="16" name="Slide Number Placeholder 15">
+            <a:extLst>
+              <a:ext uri="{FF2B5EF4-FFF2-40B4-BE49-F238E27FC236}">
+                <a16:creationId xmlns:a16="http://schemas.microsoft.com/office/drawing/2014/main" id="{CF0A8666-4477-461C-A79D-E91232EE973E}"/>
+              </a:ext>
+            </a:extLst>
+          </p:cNvPr>
+          <p:cNvSpPr>
+            <a:spLocks noGrp="1"/>
+          </p:cNvSpPr>
+          <p:nvPr>
+            <p:ph type="sldNum" sz="quarter" idx="12"/>
+          </p:nvPr>
+        </p:nvSpPr>
+        <p:spPr>
+          <a:xfrm>
+            <a:off x="9948863" y="6507212"/>
+            <a:ext cx="1692274" cy="153888"/>
+          </a:xfrm>
+        </p:spPr>
+        <p:txBody>
+          <a:bodyPr/>
+          <a:lstStyle/>
+          <a:p>
+            <a:fld id="{DBA1B0FB-D917-4C8C-928F-313BD683BF39}" type="slidenum">
+              <a:rPr lang="en-US" smtClean="0"/>
+              <a:pPr/>
+              <a:t>6</a:t>
+            </a:fld>
+            <a:endParaRPr lang="en-US"/>
+          </a:p>
+        </p:txBody>
+      </p:sp>
+      <p:sp>
+        <p:nvSpPr>
+          <p:cNvPr id="4" name="Title 1">
+            <a:extLst>
+              <a:ext uri="{FF2B5EF4-FFF2-40B4-BE49-F238E27FC236}">
+                <a16:creationId xmlns:a16="http://schemas.microsoft.com/office/drawing/2014/main" id="{B6268605-B403-9F4A-2FAE-D60E1E40D98F}"/>
+              </a:ext>
+            </a:extLst>
+          </p:cNvPr>
+          <p:cNvSpPr txBox="1">
+            <a:spLocks/>
+          </p:cNvSpPr>
+          <p:nvPr/>
+        </p:nvSpPr>
+        <p:spPr>
+          <a:xfrm>
+            <a:off x="381000" y="190203"/>
+            <a:ext cx="11430000" cy="821764"/>
+          </a:xfrm>
+          <a:prstGeom prst="rect">
+            <a:avLst/>
+          </a:prstGeom>
+        </p:spPr>
+        <p:txBody>
+          <a:bodyPr vert="horz" wrap="square" lIns="0" tIns="0" rIns="0" bIns="0" rtlCol="0" anchor="t" anchorCtr="0">
+            <a:noAutofit/>
+          </a:bodyPr>
+          <a:lstStyle>
+            <a:lvl1pPr algn="l" defTabSz="914400" rtl="0" eaLnBrk="1" latinLnBrk="0" hangingPunct="1">
+              <a:lnSpc>
+                <a:spcPct val="90000"/>
+              </a:lnSpc>
+              <a:spcBef>
+                <a:spcPct val="0"/>
+              </a:spcBef>
+              <a:buNone/>
+              <a:defRPr lang="en-US" sz="4800" kern="1200" dirty="0">
+                <a:solidFill>
+                  <a:schemeClr val="tx1"/>
+                </a:solidFill>
+                <a:latin typeface="+mj-lt"/>
+                <a:ea typeface="+mj-ea"/>
+                <a:cs typeface="+mj-cs"/>
+              </a:defRPr>
+            </a:lvl1pPr>
+          </a:lstStyle>
+          <a:p>
+            <a:r>
+              <a:rPr lang="en-US" sz="3600" dirty="0"/>
+              <a:t>Theoretical Assumption of Network Meta-Analysis (NMA)</a:t>
+            </a:r>
+          </a:p>
+        </p:txBody>
+      </p:sp>
+      <p:pic>
+        <p:nvPicPr>
+          <p:cNvPr id="19" name="Picture 18">
+            <a:extLst>
+              <a:ext uri="{FF2B5EF4-FFF2-40B4-BE49-F238E27FC236}">
+                <a16:creationId xmlns:a16="http://schemas.microsoft.com/office/drawing/2014/main" id="{4847531C-079D-9DD4-5245-56B1D4523B13}"/>
+              </a:ext>
+            </a:extLst>
+          </p:cNvPr>
+          <p:cNvPicPr>
+            <a:picLocks noChangeAspect="1"/>
+          </p:cNvPicPr>
+          <p:nvPr/>
+        </p:nvPicPr>
+        <p:blipFill>
+          <a:blip r:embed="rId5"/>
+          <a:stretch>
+            <a:fillRect/>
+          </a:stretch>
+        </p:blipFill>
+        <p:spPr>
+          <a:xfrm>
+            <a:off x="-2683321" y="4643838"/>
+            <a:ext cx="2273504" cy="1940318"/>
+          </a:xfrm>
+          <a:prstGeom prst="rect">
+            <a:avLst/>
+          </a:prstGeom>
+        </p:spPr>
+      </p:pic>
+    </p:spTree>
+    <p:extLst>
+      <p:ext uri="{BB962C8B-B14F-4D97-AF65-F5344CB8AC3E}">
+        <p14:creationId xmlns:p14="http://schemas.microsoft.com/office/powerpoint/2010/main" val="1420547054"/>
+      </p:ext>
+    </p:extLst>
+  </p:cSld>
+  <p:clrMapOvr>
+    <a:masterClrMapping/>
+  </p:clrMapOvr>
+</p:sld>
+</file>
+
+<file path=ppt/slides/slide7.xml><?xml version="1.0" encoding="utf-8"?>
+<p:sld xmlns:a="http://schemas.openxmlformats.org/drawingml/2006/main" xmlns:r="http://schemas.openxmlformats.org/officeDocument/2006/relationships" xmlns:p="http://schemas.openxmlformats.org/presentationml/2006/main">
+  <p:cSld>
+    <p:spTree>
+      <p:nvGrpSpPr>
+        <p:cNvPr id="1" name=""/>
+        <p:cNvGrpSpPr/>
+        <p:nvPr/>
+      </p:nvGrpSpPr>
+      <p:grpSpPr>
+        <a:xfrm>
+          <a:off x="0" y="0"/>
+          <a:ext cx="0" cy="0"/>
+          <a:chOff x="0" y="0"/>
+          <a:chExt cx="0" cy="0"/>
+        </a:xfrm>
+      </p:grpSpPr>
+      <p:sp>
+        <p:nvSpPr>
+          <p:cNvPr id="8" name="Text Placeholder 7">
+            <a:extLst>
+              <a:ext uri="{FF2B5EF4-FFF2-40B4-BE49-F238E27FC236}">
+                <a16:creationId xmlns:a16="http://schemas.microsoft.com/office/drawing/2014/main" id="{ABA415A0-3B77-43FB-A408-5F1DA4B0AAFA}"/>
+              </a:ext>
+            </a:extLst>
+          </p:cNvPr>
+          <p:cNvSpPr>
+            <a:spLocks noGrp="1"/>
+          </p:cNvSpPr>
+          <p:nvPr>
+            <p:ph type="body" idx="1"/>
+          </p:nvPr>
+        </p:nvSpPr>
+        <p:spPr>
+          <a:xfrm>
+            <a:off x="550864" y="955193"/>
+            <a:ext cx="5059342" cy="535354"/>
+          </a:xfrm>
+        </p:spPr>
+        <p:txBody>
+          <a:bodyPr/>
+          <a:lstStyle/>
+          <a:p>
+            <a:r>
+              <a:rPr lang="en-US" sz="2800" b="1" dirty="0"/>
+              <a:t>Fixed-effect model</a:t>
+            </a:r>
+          </a:p>
+        </p:txBody>
+      </p:sp>
+      <p:sp>
+        <p:nvSpPr>
+          <p:cNvPr id="9" name="Content Placeholder 8">
+            <a:extLst>
+              <a:ext uri="{FF2B5EF4-FFF2-40B4-BE49-F238E27FC236}">
+                <a16:creationId xmlns:a16="http://schemas.microsoft.com/office/drawing/2014/main" id="{8598ECEC-4413-4244-8F21-0076EC511806}"/>
+              </a:ext>
+            </a:extLst>
+          </p:cNvPr>
+          <p:cNvSpPr>
+            <a:spLocks noGrp="1"/>
+          </p:cNvSpPr>
+          <p:nvPr>
+            <p:ph sz="half" idx="2"/>
+          </p:nvPr>
+        </p:nvSpPr>
+        <p:spPr>
+          <a:xfrm>
+            <a:off x="559475" y="1656122"/>
+            <a:ext cx="5536525" cy="4697202"/>
+          </a:xfrm>
+        </p:spPr>
+        <p:txBody>
+          <a:bodyPr>
+            <a:normAutofit/>
+          </a:bodyPr>
+          <a:lstStyle/>
+          <a:p>
+            <a:r>
+              <a:rPr lang="en-US" sz="2200" dirty="0"/>
+              <a:t>Assumes that </a:t>
+            </a:r>
+            <a:r>
+              <a:rPr lang="en-US" sz="2200" dirty="0">
+                <a:solidFill>
+                  <a:srgbClr val="FFFF00">
+                    <a:alpha val="60000"/>
+                  </a:srgbClr>
+                </a:solidFill>
+              </a:rPr>
+              <a:t>the true effect size is the same for all studi</a:t>
+            </a:r>
+            <a:r>
+              <a:rPr lang="en-US" sz="2200" dirty="0">
+                <a:solidFill>
+                  <a:srgbClr val="FFFF00"/>
+                </a:solidFill>
+              </a:rPr>
+              <a:t>es</a:t>
+            </a:r>
+            <a:r>
+              <a:rPr lang="en-US" sz="2200" dirty="0"/>
+              <a:t> included in the pairwise meta-analysis. </a:t>
+            </a:r>
+          </a:p>
+          <a:p>
+            <a:r>
+              <a:rPr lang="en-US" sz="2200" dirty="0">
+                <a:solidFill>
+                  <a:srgbClr val="FFFF00">
+                    <a:alpha val="60000"/>
+                  </a:srgbClr>
+                </a:solidFill>
+              </a:rPr>
+              <a:t>Any differences in observed effect sizes between studies are due to chance</a:t>
+            </a:r>
+            <a:r>
+              <a:rPr lang="en-US" sz="2200" dirty="0"/>
+              <a:t>, measurement error, or sampling variability </a:t>
+            </a:r>
+          </a:p>
+        </p:txBody>
+      </p:sp>
+      <p:sp>
+        <p:nvSpPr>
+          <p:cNvPr id="10" name="Text Placeholder 9">
+            <a:extLst>
+              <a:ext uri="{FF2B5EF4-FFF2-40B4-BE49-F238E27FC236}">
+                <a16:creationId xmlns:a16="http://schemas.microsoft.com/office/drawing/2014/main" id="{34A9BC34-CFDB-4D7A-8D6C-1CE608D0909F}"/>
+              </a:ext>
+            </a:extLst>
+          </p:cNvPr>
+          <p:cNvSpPr>
+            <a:spLocks noGrp="1"/>
+          </p:cNvSpPr>
+          <p:nvPr>
+            <p:ph type="body" sz="quarter" idx="3"/>
+          </p:nvPr>
+        </p:nvSpPr>
+        <p:spPr>
+          <a:xfrm>
+            <a:off x="6581795" y="955193"/>
+            <a:ext cx="5314756" cy="535354"/>
+          </a:xfrm>
+        </p:spPr>
+        <p:txBody>
+          <a:bodyPr/>
+          <a:lstStyle/>
+          <a:p>
+            <a:r>
+              <a:rPr lang="en-US" sz="2800" b="1" dirty="0"/>
+              <a:t>Random-effect model</a:t>
+            </a:r>
+          </a:p>
+        </p:txBody>
+      </p:sp>
+      <p:sp>
+        <p:nvSpPr>
+          <p:cNvPr id="11" name="Content Placeholder 10">
+            <a:extLst>
+              <a:ext uri="{FF2B5EF4-FFF2-40B4-BE49-F238E27FC236}">
+                <a16:creationId xmlns:a16="http://schemas.microsoft.com/office/drawing/2014/main" id="{1D014E48-5DD9-49CE-AD5B-0FEF69204F68}"/>
+              </a:ext>
+            </a:extLst>
+          </p:cNvPr>
+          <p:cNvSpPr>
+            <a:spLocks noGrp="1"/>
+          </p:cNvSpPr>
+          <p:nvPr>
+            <p:ph sz="quarter" idx="4"/>
+          </p:nvPr>
+        </p:nvSpPr>
+        <p:spPr>
+          <a:xfrm>
+            <a:off x="6274475" y="1651188"/>
+            <a:ext cx="5622076" cy="4697202"/>
+          </a:xfrm>
+        </p:spPr>
+        <p:txBody>
+          <a:bodyPr>
+            <a:normAutofit fontScale="92500" lnSpcReduction="10000"/>
+          </a:bodyPr>
+          <a:lstStyle/>
+          <a:p>
+            <a:r>
+              <a:rPr lang="en-US" sz="2400" dirty="0"/>
+              <a:t> </a:t>
+            </a:r>
+            <a:r>
+              <a:rPr lang="en-US" sz="2400" dirty="0">
+                <a:solidFill>
+                  <a:srgbClr val="FFFF00">
+                    <a:alpha val="60000"/>
+                  </a:srgbClr>
+                </a:solidFill>
+              </a:rPr>
+              <a:t>Assumes that the true effect size is a distribution, </a:t>
+            </a:r>
+            <a:r>
+              <a:rPr lang="en-US" sz="2400" dirty="0"/>
+              <a:t>and it may vary across studies due to differences in study characteristics or populations.</a:t>
+            </a:r>
+          </a:p>
+          <a:p>
+            <a:r>
+              <a:rPr lang="en-US" sz="2400" dirty="0"/>
+              <a:t>  In this model, </a:t>
+            </a:r>
+            <a:r>
+              <a:rPr lang="en-US" sz="2400" dirty="0">
+                <a:solidFill>
+                  <a:srgbClr val="FFFF00">
+                    <a:alpha val="60000"/>
+                  </a:srgbClr>
+                </a:solidFill>
+              </a:rPr>
+              <a:t>each study is assumed to estimate a different true effect size</a:t>
+            </a:r>
+            <a:r>
+              <a:rPr lang="en-US" sz="2400" dirty="0"/>
+              <a:t>, and the </a:t>
+            </a:r>
+            <a:r>
+              <a:rPr lang="en-US" sz="2400" dirty="0">
+                <a:solidFill>
+                  <a:srgbClr val="FFFF00">
+                    <a:alpha val="60000"/>
+                  </a:srgbClr>
+                </a:solidFill>
+              </a:rPr>
+              <a:t>observed variation between studies is NOT just due to chance</a:t>
+            </a:r>
+            <a:r>
+              <a:rPr lang="en-US" sz="2400" dirty="0"/>
+              <a:t>.</a:t>
+            </a:r>
+          </a:p>
+          <a:p>
+            <a:r>
+              <a:rPr lang="en-US" sz="2400" dirty="0"/>
+              <a:t>   The model </a:t>
+            </a:r>
+            <a:r>
+              <a:rPr lang="en-US" sz="2400" dirty="0">
+                <a:solidFill>
+                  <a:srgbClr val="FFFF00">
+                    <a:alpha val="60000"/>
+                  </a:srgbClr>
+                </a:solidFill>
+              </a:rPr>
+              <a:t>gives more weight to studies with larger sample sizes</a:t>
+            </a:r>
+            <a:r>
+              <a:rPr lang="en-US" sz="2400" dirty="0"/>
+              <a:t>, but also allows for the possibility that there is </a:t>
+            </a:r>
+            <a:r>
+              <a:rPr lang="en-US" sz="2400" dirty="0">
+                <a:solidFill>
+                  <a:srgbClr val="FFFF00">
+                    <a:alpha val="60000"/>
+                  </a:srgbClr>
+                </a:solidFill>
+              </a:rPr>
+              <a:t>some heterogeneity </a:t>
+            </a:r>
+            <a:r>
+              <a:rPr lang="en-US" sz="2400" dirty="0"/>
+              <a:t>in the true effect size across studies.</a:t>
+            </a:r>
+          </a:p>
+        </p:txBody>
+      </p:sp>
+      <p:sp>
+        <p:nvSpPr>
+          <p:cNvPr id="16" name="Slide Number Placeholder 15">
+            <a:extLst>
+              <a:ext uri="{FF2B5EF4-FFF2-40B4-BE49-F238E27FC236}">
+                <a16:creationId xmlns:a16="http://schemas.microsoft.com/office/drawing/2014/main" id="{CF0A8666-4477-461C-A79D-E91232EE973E}"/>
+              </a:ext>
+            </a:extLst>
+          </p:cNvPr>
+          <p:cNvSpPr>
+            <a:spLocks noGrp="1"/>
+          </p:cNvSpPr>
+          <p:nvPr>
+            <p:ph type="sldNum" sz="quarter" idx="12"/>
+          </p:nvPr>
+        </p:nvSpPr>
+        <p:spPr>
+          <a:xfrm>
+            <a:off x="9948863" y="6507212"/>
+            <a:ext cx="1692274" cy="153888"/>
+          </a:xfrm>
+        </p:spPr>
+        <p:txBody>
+          <a:bodyPr/>
+          <a:lstStyle/>
+          <a:p>
+            <a:fld id="{DBA1B0FB-D917-4C8C-928F-313BD683BF39}" type="slidenum">
+              <a:rPr lang="en-US" smtClean="0"/>
+              <a:pPr/>
+              <a:t>7</a:t>
+            </a:fld>
+            <a:endParaRPr lang="en-US"/>
+          </a:p>
+        </p:txBody>
+      </p:sp>
+      <p:sp>
+        <p:nvSpPr>
+          <p:cNvPr id="4" name="Title 1">
+            <a:extLst>
+              <a:ext uri="{FF2B5EF4-FFF2-40B4-BE49-F238E27FC236}">
+                <a16:creationId xmlns:a16="http://schemas.microsoft.com/office/drawing/2014/main" id="{B6268605-B403-9F4A-2FAE-D60E1E40D98F}"/>
+              </a:ext>
+            </a:extLst>
+          </p:cNvPr>
+          <p:cNvSpPr txBox="1">
+            <a:spLocks/>
+          </p:cNvSpPr>
+          <p:nvPr/>
+        </p:nvSpPr>
+        <p:spPr>
+          <a:xfrm>
+            <a:off x="381000" y="190203"/>
+            <a:ext cx="11430000" cy="821764"/>
+          </a:xfrm>
+          <a:prstGeom prst="rect">
+            <a:avLst/>
+          </a:prstGeom>
+        </p:spPr>
+        <p:txBody>
+          <a:bodyPr vert="horz" wrap="square" lIns="0" tIns="0" rIns="0" bIns="0" rtlCol="0" anchor="t" anchorCtr="0">
+            <a:noAutofit/>
+          </a:bodyPr>
+          <a:lstStyle>
+            <a:lvl1pPr algn="l" defTabSz="914400" rtl="0" eaLnBrk="1" latinLnBrk="0" hangingPunct="1">
+              <a:lnSpc>
+                <a:spcPct val="90000"/>
+              </a:lnSpc>
+              <a:spcBef>
+                <a:spcPct val="0"/>
+              </a:spcBef>
+              <a:buNone/>
+              <a:defRPr lang="en-US" sz="4800" kern="1200" dirty="0">
+                <a:solidFill>
+                  <a:schemeClr val="tx1"/>
+                </a:solidFill>
+                <a:latin typeface="+mj-lt"/>
+                <a:ea typeface="+mj-ea"/>
+                <a:cs typeface="+mj-cs"/>
+              </a:defRPr>
+            </a:lvl1pPr>
+          </a:lstStyle>
+          <a:p>
+            <a:r>
+              <a:rPr lang="en-US" sz="3600" dirty="0"/>
+              <a:t>Choice of Model for Network Meta-Analysis (NMA)</a:t>
+            </a:r>
+          </a:p>
+        </p:txBody>
+      </p:sp>
+    </p:spTree>
+    <p:extLst>
+      <p:ext uri="{BB962C8B-B14F-4D97-AF65-F5344CB8AC3E}">
+        <p14:creationId xmlns:p14="http://schemas.microsoft.com/office/powerpoint/2010/main" val="174211138"/>
+      </p:ext>
+    </p:extLst>
+  </p:cSld>
+  <p:clrMapOvr>
+    <a:masterClrMapping/>
+  </p:clrMapOvr>
+</p:sld>
+</file>
+
+<file path=ppt/slides/slide8.xml><?xml version="1.0" encoding="utf-8"?>
 <p:sld xmlns:a="http://schemas.openxmlformats.org/drawingml/2006/main" xmlns:r="http://schemas.openxmlformats.org/officeDocument/2006/relationships" xmlns:p="http://schemas.openxmlformats.org/presentationml/2006/main">
   <p:cSld>
     <p:bg>
@@ -24979,101 +28172,6 @@
       </p:pic>
       <p:sp>
         <p:nvSpPr>
-          <p:cNvPr id="13" name="Date Placeholder 12">
-            <a:extLst>
-              <a:ext uri="{FF2B5EF4-FFF2-40B4-BE49-F238E27FC236}">
-                <a16:creationId xmlns:a16="http://schemas.microsoft.com/office/drawing/2014/main" id="{915FE2C5-E66A-4405-B19E-2C5C546C98E4}"/>
-              </a:ext>
-            </a:extLst>
-          </p:cNvPr>
-          <p:cNvSpPr>
-            <a:spLocks noGrp="1"/>
-          </p:cNvSpPr>
-          <p:nvPr>
-            <p:ph type="dt" sz="half" idx="10"/>
-          </p:nvPr>
-        </p:nvSpPr>
-        <p:spPr>
-          <a:xfrm>
-            <a:off x="550863" y="6507212"/>
-            <a:ext cx="2628900" cy="153888"/>
-          </a:xfrm>
-        </p:spPr>
-        <p:txBody>
-          <a:bodyPr vert="horz" wrap="square" lIns="0" tIns="0" rIns="0" bIns="0" rtlCol="0" anchor="ctr">
-            <a:normAutofit/>
-          </a:bodyPr>
-          <a:lstStyle/>
-          <a:p>
-            <a:pPr>
-              <a:spcAft>
-                <a:spcPts val="600"/>
-              </a:spcAft>
-            </a:pPr>
-            <a:r>
-              <a:rPr lang="en-US">
-                <a:solidFill>
-                  <a:schemeClr val="tx1">
-                    <a:alpha val="80000"/>
-                  </a:schemeClr>
-                </a:solidFill>
-              </a:rPr>
-              <a:t>Tuesday, February 2, 20XX</a:t>
-            </a:r>
-          </a:p>
-        </p:txBody>
-      </p:sp>
-      <p:sp>
-        <p:nvSpPr>
-          <p:cNvPr id="14" name="Footer Placeholder 13">
-            <a:extLst>
-              <a:ext uri="{FF2B5EF4-FFF2-40B4-BE49-F238E27FC236}">
-                <a16:creationId xmlns:a16="http://schemas.microsoft.com/office/drawing/2014/main" id="{B01DF4D0-78BC-4C8C-9570-26F0B225433A}"/>
-              </a:ext>
-            </a:extLst>
-          </p:cNvPr>
-          <p:cNvSpPr>
-            <a:spLocks noGrp="1"/>
-          </p:cNvSpPr>
-          <p:nvPr>
-            <p:ph type="ftr" sz="quarter" idx="11"/>
-          </p:nvPr>
-        </p:nvSpPr>
-        <p:spPr>
-          <a:xfrm>
-            <a:off x="3359150" y="6507212"/>
-            <a:ext cx="6379210" cy="153888"/>
-          </a:xfrm>
-        </p:spPr>
-        <p:txBody>
-          <a:bodyPr vert="horz" wrap="square" lIns="0" tIns="0" rIns="0" bIns="0" rtlCol="0" anchor="ctr">
-            <a:normAutofit/>
-          </a:bodyPr>
-          <a:lstStyle/>
-          <a:p>
-            <a:pPr>
-              <a:spcAft>
-                <a:spcPts val="600"/>
-              </a:spcAft>
-            </a:pPr>
-            <a:r>
-              <a:rPr lang="en-US" kern="1200">
-                <a:solidFill>
-                  <a:schemeClr val="tx1">
-                    <a:alpha val="80000"/>
-                  </a:schemeClr>
-                </a:solidFill>
-                <a:latin typeface="+mn-lt"/>
-                <a:ea typeface="+mn-ea"/>
-                <a:cs typeface="+mn-cs"/>
-              </a:rPr>
-              <a:t>Sample Footer Text</a:t>
-            </a:r>
-          </a:p>
-        </p:txBody>
-      </p:sp>
-      <p:sp>
-        <p:nvSpPr>
           <p:cNvPr id="15" name="Slide Number Placeholder 14">
             <a:extLst>
               <a:ext uri="{FF2B5EF4-FFF2-40B4-BE49-F238E27FC236}">
@@ -25118,7 +28216,7 @@
                   <a:spcPts val="600"/>
                 </a:spcAft>
               </a:pPr>
-              <a:t>6</a:t>
+              <a:t>8</a:t>
             </a:fld>
             <a:endParaRPr lang="en-US">
               <a:solidFill>
@@ -25235,7 +28333,7 @@
 </p:sld>
 </file>
 
-<file path=ppt/slides/slide7.xml><?xml version="1.0" encoding="utf-8"?>
+<file path=ppt/slides/slide9.xml><?xml version="1.0" encoding="utf-8"?>
 <p:sld xmlns:a="http://schemas.openxmlformats.org/drawingml/2006/main" xmlns:r="http://schemas.openxmlformats.org/officeDocument/2006/relationships" xmlns:p="http://schemas.openxmlformats.org/presentationml/2006/main">
   <p:cSld>
     <p:spTree>
@@ -25281,7 +28379,7 @@
               <a:pPr>
                 <a:defRPr/>
               </a:pPr>
-              <a:t>7</a:t>
+              <a:t>9</a:t>
             </a:fld>
             <a:endParaRPr lang="en-IN"/>
           </a:p>
@@ -27263,7 +30361,7 @@
                 </a:spcAft>
                 <a:defRPr/>
               </a:pPr>
-              <a:t>7</a:t>
+              <a:t>9</a:t>
             </a:fld>
             <a:endParaRPr lang="en-US" dirty="0">
               <a:solidFill>
@@ -27280,2029 +30378,6 @@
     <p:extLst>
       <p:ext uri="{BB962C8B-B14F-4D97-AF65-F5344CB8AC3E}">
         <p14:creationId xmlns:p14="http://schemas.microsoft.com/office/powerpoint/2010/main" val="516551959"/>
-      </p:ext>
-    </p:extLst>
-  </p:cSld>
-  <p:clrMapOvr>
-    <a:masterClrMapping/>
-  </p:clrMapOvr>
-  <p:transition>
-    <p:fade/>
-  </p:transition>
-</p:sld>
-</file>
-
-<file path=ppt/slides/slide8.xml><?xml version="1.0" encoding="utf-8"?>
-<p:sld xmlns:a="http://schemas.openxmlformats.org/drawingml/2006/main" xmlns:r="http://schemas.openxmlformats.org/officeDocument/2006/relationships" xmlns:p="http://schemas.openxmlformats.org/presentationml/2006/main">
-  <p:cSld>
-    <p:bg>
-      <p:bgPr>
-        <a:solidFill>
-          <a:schemeClr val="bg2"/>
-        </a:solidFill>
-        <a:effectLst/>
-      </p:bgPr>
-    </p:bg>
-    <p:spTree>
-      <p:nvGrpSpPr>
-        <p:cNvPr id="1" name=""/>
-        <p:cNvGrpSpPr/>
-        <p:nvPr/>
-      </p:nvGrpSpPr>
-      <p:grpSpPr>
-        <a:xfrm>
-          <a:off x="0" y="0"/>
-          <a:ext cx="0" cy="0"/>
-          <a:chOff x="0" y="0"/>
-          <a:chExt cx="0" cy="0"/>
-        </a:xfrm>
-      </p:grpSpPr>
-      <p:grpSp>
-        <p:nvGrpSpPr>
-          <p:cNvPr id="34" name="Group 33">
-            <a:extLst>
-              <a:ext uri="{FF2B5EF4-FFF2-40B4-BE49-F238E27FC236}">
-                <a16:creationId xmlns:a16="http://schemas.microsoft.com/office/drawing/2014/main" id="{3BDBC526-6DCD-4FF6-8395-D8C22E46E527}"/>
-              </a:ext>
-              <a:ext uri="{C183D7F6-B498-43B3-948B-1728B52AA6E4}">
-                <adec:decorative xmlns:adec="http://schemas.microsoft.com/office/drawing/2017/decorative" val="1"/>
-              </a:ext>
-            </a:extLst>
-          </p:cNvPr>
-          <p:cNvGrpSpPr>
-            <a:grpSpLocks noGrp="1" noUngrp="1" noRot="1" noChangeAspect="1" noMove="1" noResize="1"/>
-          </p:cNvGrpSpPr>
-          <p:nvPr>
-            <p:extLst>
-              <p:ext uri="{386F3935-93C4-4BCD-93E2-E3B085C9AB24}">
-                <p16:designElem xmlns:p16="http://schemas.microsoft.com/office/powerpoint/2015/main" val="1"/>
-              </p:ext>
-            </p:extLst>
-          </p:nvPr>
-        </p:nvGrpSpPr>
-        <p:grpSpPr>
-          <a:xfrm>
-            <a:off x="613998" y="5334748"/>
-            <a:ext cx="678135" cy="990000"/>
-            <a:chOff x="10490969" y="1448827"/>
-            <a:chExt cx="678135" cy="990000"/>
-          </a:xfrm>
-        </p:grpSpPr>
-        <p:sp>
-          <p:nvSpPr>
-            <p:cNvPr id="35" name="Freeform: Shape 34">
-              <a:extLst>
-                <a:ext uri="{FF2B5EF4-FFF2-40B4-BE49-F238E27FC236}">
-                  <a16:creationId xmlns:a16="http://schemas.microsoft.com/office/drawing/2014/main" id="{02ECB475-568C-47AC-B16D-2E202DEB2DE0}"/>
-                </a:ext>
-                <a:ext uri="{C183D7F6-B498-43B3-948B-1728B52AA6E4}">
-                  <adec:decorative xmlns:adec="http://schemas.microsoft.com/office/drawing/2017/decorative" val="1"/>
-                </a:ext>
-              </a:extLst>
-            </p:cNvPr>
-            <p:cNvSpPr>
-              <a:spLocks noChangeAspect="1"/>
-            </p:cNvSpPr>
-            <p:nvPr>
-              <p:extLst>
-                <p:ext uri="{386F3935-93C4-4BCD-93E2-E3B085C9AB24}">
-                  <p16:designElem xmlns:p16="http://schemas.microsoft.com/office/powerpoint/2015/main" val="1"/>
-                </p:ext>
-              </p:extLst>
-            </p:nvPr>
-          </p:nvSpPr>
-          <p:spPr>
-            <a:xfrm rot="2700000" flipH="1" flipV="1">
-              <a:off x="10268976" y="1743588"/>
-              <a:ext cx="926985" cy="463493"/>
-            </a:xfrm>
-            <a:custGeom>
-              <a:avLst/>
-              <a:gdLst>
-                <a:gd name="connsiteX0" fmla="*/ 1329373 w 2658746"/>
-                <a:gd name="connsiteY0" fmla="*/ 0 h 1329373"/>
-                <a:gd name="connsiteX1" fmla="*/ 2658746 w 2658746"/>
-                <a:gd name="connsiteY1" fmla="*/ 1329373 h 1329373"/>
-                <a:gd name="connsiteX2" fmla="*/ 1994059 w 2658746"/>
-                <a:gd name="connsiteY2" fmla="*/ 1329373 h 1329373"/>
-                <a:gd name="connsiteX3" fmla="*/ 1329373 w 2658746"/>
-                <a:gd name="connsiteY3" fmla="*/ 664687 h 1329373"/>
-                <a:gd name="connsiteX4" fmla="*/ 664687 w 2658746"/>
-                <a:gd name="connsiteY4" fmla="*/ 1329373 h 1329373"/>
-                <a:gd name="connsiteX5" fmla="*/ 0 w 2658746"/>
-                <a:gd name="connsiteY5" fmla="*/ 1329373 h 1329373"/>
-                <a:gd name="connsiteX6" fmla="*/ 1329373 w 2658746"/>
-                <a:gd name="connsiteY6" fmla="*/ 0 h 1329373"/>
-              </a:gdLst>
-              <a:ahLst/>
-              <a:cxnLst>
-                <a:cxn ang="0">
-                  <a:pos x="connsiteX0" y="connsiteY0"/>
-                </a:cxn>
-                <a:cxn ang="0">
-                  <a:pos x="connsiteX1" y="connsiteY1"/>
-                </a:cxn>
-                <a:cxn ang="0">
-                  <a:pos x="connsiteX2" y="connsiteY2"/>
-                </a:cxn>
-                <a:cxn ang="0">
-                  <a:pos x="connsiteX3" y="connsiteY3"/>
-                </a:cxn>
-                <a:cxn ang="0">
-                  <a:pos x="connsiteX4" y="connsiteY4"/>
-                </a:cxn>
-                <a:cxn ang="0">
-                  <a:pos x="connsiteX5" y="connsiteY5"/>
-                </a:cxn>
-                <a:cxn ang="0">
-                  <a:pos x="connsiteX6" y="connsiteY6"/>
-                </a:cxn>
-              </a:cxnLst>
-              <a:rect l="l" t="t" r="r" b="b"/>
-              <a:pathLst>
-                <a:path w="2658746" h="1329373">
-                  <a:moveTo>
-                    <a:pt x="1329373" y="0"/>
-                  </a:moveTo>
-                  <a:cubicBezTo>
-                    <a:pt x="2063565" y="0"/>
-                    <a:pt x="2658746" y="595181"/>
-                    <a:pt x="2658746" y="1329373"/>
-                  </a:cubicBezTo>
-                  <a:lnTo>
-                    <a:pt x="1994059" y="1329373"/>
-                  </a:lnTo>
-                  <a:cubicBezTo>
-                    <a:pt x="1994059" y="962277"/>
-                    <a:pt x="1696469" y="664687"/>
-                    <a:pt x="1329373" y="664687"/>
-                  </a:cubicBezTo>
-                  <a:cubicBezTo>
-                    <a:pt x="962277" y="664687"/>
-                    <a:pt x="664687" y="962277"/>
-                    <a:pt x="664687" y="1329373"/>
-                  </a:cubicBezTo>
-                  <a:lnTo>
-                    <a:pt x="0" y="1329373"/>
-                  </a:lnTo>
-                  <a:cubicBezTo>
-                    <a:pt x="0" y="595181"/>
-                    <a:pt x="595181" y="0"/>
-                    <a:pt x="1329373" y="0"/>
-                  </a:cubicBezTo>
-                  <a:close/>
-                </a:path>
-              </a:pathLst>
-            </a:custGeom>
-            <a:solidFill>
-              <a:schemeClr val="bg2"/>
-            </a:solidFill>
-            <a:ln>
-              <a:noFill/>
-            </a:ln>
-            <a:effectLst>
-              <a:innerShdw blurRad="127000" dist="50800" dir="13500000">
-                <a:schemeClr val="accent1">
-                  <a:lumMod val="40000"/>
-                  <a:lumOff val="60000"/>
-                  <a:alpha val="20000"/>
-                </a:schemeClr>
-              </a:innerShdw>
-            </a:effectLst>
-          </p:spPr>
-          <p:style>
-            <a:lnRef idx="2">
-              <a:schemeClr val="accent1">
-                <a:shade val="50000"/>
-              </a:schemeClr>
-            </a:lnRef>
-            <a:fillRef idx="1">
-              <a:schemeClr val="accent1"/>
-            </a:fillRef>
-            <a:effectRef idx="0">
-              <a:schemeClr val="accent1"/>
-            </a:effectRef>
-            <a:fontRef idx="minor">
-              <a:schemeClr val="lt1"/>
-            </a:fontRef>
-          </p:style>
-          <p:txBody>
-            <a:bodyPr rtlCol="0" anchor="ctr"/>
-            <a:lstStyle/>
-            <a:p>
-              <a:pPr algn="ctr"/>
-              <a:endParaRPr lang="en-US">
-                <a:solidFill>
-                  <a:schemeClr val="tx1"/>
-                </a:solidFill>
-              </a:endParaRPr>
-            </a:p>
-          </p:txBody>
-        </p:sp>
-        <p:sp>
-          <p:nvSpPr>
-            <p:cNvPr id="36" name="Oval 35">
-              <a:extLst>
-                <a:ext uri="{FF2B5EF4-FFF2-40B4-BE49-F238E27FC236}">
-                  <a16:creationId xmlns:a16="http://schemas.microsoft.com/office/drawing/2014/main" id="{080D8764-525A-441E-B58F-068E82F09714}"/>
-                </a:ext>
-                <a:ext uri="{C183D7F6-B498-43B3-948B-1728B52AA6E4}">
-                  <adec:decorative xmlns:adec="http://schemas.microsoft.com/office/drawing/2017/decorative" val="1"/>
-                </a:ext>
-              </a:extLst>
-            </p:cNvPr>
-            <p:cNvSpPr/>
-            <p:nvPr>
-              <p:extLst>
-                <p:ext uri="{386F3935-93C4-4BCD-93E2-E3B085C9AB24}">
-                  <p16:designElem xmlns:p16="http://schemas.microsoft.com/office/powerpoint/2015/main" val="1"/>
-                </p:ext>
-              </p:extLst>
-            </p:nvPr>
-          </p:nvSpPr>
-          <p:spPr>
-            <a:xfrm rot="8100000" flipH="1" flipV="1">
-              <a:off x="11115555" y="1939340"/>
-              <a:ext cx="53549" cy="233295"/>
-            </a:xfrm>
-            <a:prstGeom prst="ellipse">
-              <a:avLst/>
-            </a:prstGeom>
-            <a:solidFill>
-              <a:schemeClr val="bg2">
-                <a:lumMod val="90000"/>
-                <a:lumOff val="10000"/>
-              </a:schemeClr>
-            </a:solidFill>
-            <a:ln>
-              <a:noFill/>
-            </a:ln>
-            <a:effectLst>
-              <a:innerShdw blurRad="63500" dist="2540000">
-                <a:schemeClr val="accent1">
-                  <a:lumMod val="60000"/>
-                  <a:lumOff val="40000"/>
-                  <a:alpha val="0"/>
-                </a:schemeClr>
-              </a:innerShdw>
-            </a:effectLst>
-          </p:spPr>
-          <p:style>
-            <a:lnRef idx="2">
-              <a:schemeClr val="accent1">
-                <a:shade val="50000"/>
-              </a:schemeClr>
-            </a:lnRef>
-            <a:fillRef idx="1">
-              <a:schemeClr val="accent1"/>
-            </a:fillRef>
-            <a:effectRef idx="0">
-              <a:schemeClr val="accent1"/>
-            </a:effectRef>
-            <a:fontRef idx="minor">
-              <a:schemeClr val="lt1"/>
-            </a:fontRef>
-          </p:style>
-          <p:txBody>
-            <a:bodyPr rot="0" spcFirstLastPara="0" vertOverflow="overflow" horzOverflow="overflow" vert="horz" wrap="square" lIns="91440" tIns="45720" rIns="91440" bIns="45720" numCol="1" spcCol="0" rtlCol="0" fromWordArt="0" anchor="ctr" anchorCtr="0" forceAA="0" compatLnSpc="1">
-              <a:prstTxWarp prst="textNoShape">
-                <a:avLst/>
-              </a:prstTxWarp>
-              <a:noAutofit/>
-            </a:bodyPr>
-            <a:lstStyle/>
-            <a:p>
-              <a:pPr algn="ctr"/>
-              <a:endParaRPr lang="en-US"/>
-            </a:p>
-          </p:txBody>
-        </p:sp>
-        <p:sp>
-          <p:nvSpPr>
-            <p:cNvPr id="37" name="Oval 36">
-              <a:extLst>
-                <a:ext uri="{FF2B5EF4-FFF2-40B4-BE49-F238E27FC236}">
-                  <a16:creationId xmlns:a16="http://schemas.microsoft.com/office/drawing/2014/main" id="{11196109-6F2B-4738-B2FC-2CCC753AABD4}"/>
-                </a:ext>
-                <a:ext uri="{C183D7F6-B498-43B3-948B-1728B52AA6E4}">
-                  <adec:decorative xmlns:adec="http://schemas.microsoft.com/office/drawing/2017/decorative" val="1"/>
-                </a:ext>
-              </a:extLst>
-            </p:cNvPr>
-            <p:cNvSpPr/>
-            <p:nvPr>
-              <p:extLst>
-                <p:ext uri="{386F3935-93C4-4BCD-93E2-E3B085C9AB24}">
-                  <p16:designElem xmlns:p16="http://schemas.microsoft.com/office/powerpoint/2015/main" val="1"/>
-                </p:ext>
-              </p:extLst>
-            </p:nvPr>
-          </p:nvSpPr>
-          <p:spPr>
-            <a:xfrm rot="8100000" flipH="1" flipV="1">
-              <a:off x="10625042" y="1448827"/>
-              <a:ext cx="53549" cy="233295"/>
-            </a:xfrm>
-            <a:prstGeom prst="ellipse">
-              <a:avLst/>
-            </a:prstGeom>
-            <a:solidFill>
-              <a:schemeClr val="bg2">
-                <a:lumMod val="90000"/>
-                <a:lumOff val="10000"/>
-              </a:schemeClr>
-            </a:solidFill>
-            <a:ln>
-              <a:noFill/>
-            </a:ln>
-            <a:effectLst>
-              <a:innerShdw blurRad="63500" dist="2540000">
-                <a:schemeClr val="accent1">
-                  <a:lumMod val="60000"/>
-                  <a:lumOff val="40000"/>
-                  <a:alpha val="0"/>
-                </a:schemeClr>
-              </a:innerShdw>
-            </a:effectLst>
-          </p:spPr>
-          <p:style>
-            <a:lnRef idx="2">
-              <a:schemeClr val="accent1">
-                <a:shade val="50000"/>
-              </a:schemeClr>
-            </a:lnRef>
-            <a:fillRef idx="1">
-              <a:schemeClr val="accent1"/>
-            </a:fillRef>
-            <a:effectRef idx="0">
-              <a:schemeClr val="accent1"/>
-            </a:effectRef>
-            <a:fontRef idx="minor">
-              <a:schemeClr val="lt1"/>
-            </a:fontRef>
-          </p:style>
-          <p:txBody>
-            <a:bodyPr rot="0" spcFirstLastPara="0" vertOverflow="overflow" horzOverflow="overflow" vert="horz" wrap="square" lIns="91440" tIns="45720" rIns="91440" bIns="45720" numCol="1" spcCol="0" rtlCol="0" fromWordArt="0" anchor="ctr" anchorCtr="0" forceAA="0" compatLnSpc="1">
-              <a:prstTxWarp prst="textNoShape">
-                <a:avLst/>
-              </a:prstTxWarp>
-              <a:noAutofit/>
-            </a:bodyPr>
-            <a:lstStyle/>
-            <a:p>
-              <a:pPr algn="ctr"/>
-              <a:endParaRPr lang="en-US"/>
-            </a:p>
-          </p:txBody>
-        </p:sp>
-        <p:sp>
-          <p:nvSpPr>
-            <p:cNvPr id="38" name="Freeform: Shape 37">
-              <a:extLst>
-                <a:ext uri="{FF2B5EF4-FFF2-40B4-BE49-F238E27FC236}">
-                  <a16:creationId xmlns:a16="http://schemas.microsoft.com/office/drawing/2014/main" id="{F7E468C2-69B8-470B-85E3-801A3CB1D7E2}"/>
-                </a:ext>
-                <a:ext uri="{C183D7F6-B498-43B3-948B-1728B52AA6E4}">
-                  <adec:decorative xmlns:adec="http://schemas.microsoft.com/office/drawing/2017/decorative" val="1"/>
-                </a:ext>
-              </a:extLst>
-            </p:cNvPr>
-            <p:cNvSpPr>
-              <a:spLocks noChangeAspect="1"/>
-            </p:cNvSpPr>
-            <p:nvPr>
-              <p:extLst>
-                <p:ext uri="{386F3935-93C4-4BCD-93E2-E3B085C9AB24}">
-                  <p16:designElem xmlns:p16="http://schemas.microsoft.com/office/powerpoint/2015/main" val="1"/>
-                </p:ext>
-              </p:extLst>
-            </p:nvPr>
-          </p:nvSpPr>
-          <p:spPr>
-            <a:xfrm rot="2700000" flipH="1" flipV="1">
-              <a:off x="10292519" y="1686748"/>
-              <a:ext cx="926985" cy="530086"/>
-            </a:xfrm>
-            <a:custGeom>
-              <a:avLst/>
-              <a:gdLst>
-                <a:gd name="connsiteX0" fmla="*/ 1329373 w 2658746"/>
-                <a:gd name="connsiteY0" fmla="*/ 0 h 1329373"/>
-                <a:gd name="connsiteX1" fmla="*/ 2658746 w 2658746"/>
-                <a:gd name="connsiteY1" fmla="*/ 1329373 h 1329373"/>
-                <a:gd name="connsiteX2" fmla="*/ 1994059 w 2658746"/>
-                <a:gd name="connsiteY2" fmla="*/ 1329373 h 1329373"/>
-                <a:gd name="connsiteX3" fmla="*/ 1329373 w 2658746"/>
-                <a:gd name="connsiteY3" fmla="*/ 664687 h 1329373"/>
-                <a:gd name="connsiteX4" fmla="*/ 664687 w 2658746"/>
-                <a:gd name="connsiteY4" fmla="*/ 1329373 h 1329373"/>
-                <a:gd name="connsiteX5" fmla="*/ 0 w 2658746"/>
-                <a:gd name="connsiteY5" fmla="*/ 1329373 h 1329373"/>
-                <a:gd name="connsiteX6" fmla="*/ 1329373 w 2658746"/>
-                <a:gd name="connsiteY6" fmla="*/ 0 h 1329373"/>
-              </a:gdLst>
-              <a:ahLst/>
-              <a:cxnLst>
-                <a:cxn ang="0">
-                  <a:pos x="connsiteX0" y="connsiteY0"/>
-                </a:cxn>
-                <a:cxn ang="0">
-                  <a:pos x="connsiteX1" y="connsiteY1"/>
-                </a:cxn>
-                <a:cxn ang="0">
-                  <a:pos x="connsiteX2" y="connsiteY2"/>
-                </a:cxn>
-                <a:cxn ang="0">
-                  <a:pos x="connsiteX3" y="connsiteY3"/>
-                </a:cxn>
-                <a:cxn ang="0">
-                  <a:pos x="connsiteX4" y="connsiteY4"/>
-                </a:cxn>
-                <a:cxn ang="0">
-                  <a:pos x="connsiteX5" y="connsiteY5"/>
-                </a:cxn>
-                <a:cxn ang="0">
-                  <a:pos x="connsiteX6" y="connsiteY6"/>
-                </a:cxn>
-              </a:cxnLst>
-              <a:rect l="l" t="t" r="r" b="b"/>
-              <a:pathLst>
-                <a:path w="2658746" h="1329373">
-                  <a:moveTo>
-                    <a:pt x="1329373" y="0"/>
-                  </a:moveTo>
-                  <a:cubicBezTo>
-                    <a:pt x="2063565" y="0"/>
-                    <a:pt x="2658746" y="595181"/>
-                    <a:pt x="2658746" y="1329373"/>
-                  </a:cubicBezTo>
-                  <a:lnTo>
-                    <a:pt x="1994059" y="1329373"/>
-                  </a:lnTo>
-                  <a:cubicBezTo>
-                    <a:pt x="1994059" y="962277"/>
-                    <a:pt x="1696469" y="664687"/>
-                    <a:pt x="1329373" y="664687"/>
-                  </a:cubicBezTo>
-                  <a:cubicBezTo>
-                    <a:pt x="962277" y="664687"/>
-                    <a:pt x="664687" y="962277"/>
-                    <a:pt x="664687" y="1329373"/>
-                  </a:cubicBezTo>
-                  <a:lnTo>
-                    <a:pt x="0" y="1329373"/>
-                  </a:lnTo>
-                  <a:cubicBezTo>
-                    <a:pt x="0" y="595181"/>
-                    <a:pt x="595181" y="0"/>
-                    <a:pt x="1329373" y="0"/>
-                  </a:cubicBezTo>
-                  <a:close/>
-                </a:path>
-              </a:pathLst>
-            </a:custGeom>
-            <a:solidFill>
-              <a:schemeClr val="bg2">
-                <a:lumMod val="50000"/>
-                <a:lumOff val="50000"/>
-                <a:alpha val="20000"/>
-              </a:schemeClr>
-            </a:solidFill>
-            <a:ln>
-              <a:noFill/>
-            </a:ln>
-            <a:effectLst>
-              <a:softEdge rad="101600"/>
-            </a:effectLst>
-          </p:spPr>
-          <p:style>
-            <a:lnRef idx="2">
-              <a:schemeClr val="accent1">
-                <a:shade val="50000"/>
-              </a:schemeClr>
-            </a:lnRef>
-            <a:fillRef idx="1">
-              <a:schemeClr val="accent1"/>
-            </a:fillRef>
-            <a:effectRef idx="0">
-              <a:schemeClr val="accent1"/>
-            </a:effectRef>
-            <a:fontRef idx="minor">
-              <a:schemeClr val="lt1"/>
-            </a:fontRef>
-          </p:style>
-          <p:txBody>
-            <a:bodyPr rtlCol="0" anchor="ctr"/>
-            <a:lstStyle/>
-            <a:p>
-              <a:pPr algn="ctr"/>
-              <a:endParaRPr lang="en-US">
-                <a:solidFill>
-                  <a:schemeClr val="tx1"/>
-                </a:solidFill>
-              </a:endParaRPr>
-            </a:p>
-          </p:txBody>
-        </p:sp>
-      </p:grpSp>
-      <p:sp useBgFill="1">
-        <p:nvSpPr>
-          <p:cNvPr id="40" name="Rectangle 39">
-            <a:extLst>
-              <a:ext uri="{FF2B5EF4-FFF2-40B4-BE49-F238E27FC236}">
-                <a16:creationId xmlns:a16="http://schemas.microsoft.com/office/drawing/2014/main" id="{A5931BE0-4B93-4D6C-878E-ACC59D6B4587}"/>
-              </a:ext>
-              <a:ext uri="{C183D7F6-B498-43B3-948B-1728B52AA6E4}">
-                <adec:decorative xmlns:adec="http://schemas.microsoft.com/office/drawing/2017/decorative" val="1"/>
-              </a:ext>
-            </a:extLst>
-          </p:cNvPr>
-          <p:cNvSpPr>
-            <a:spLocks noGrp="1" noRot="1" noChangeAspect="1" noMove="1" noResize="1" noEditPoints="1" noAdjustHandles="1" noChangeArrowheads="1" noChangeShapeType="1" noTextEdit="1"/>
-          </p:cNvSpPr>
-          <p:nvPr>
-            <p:extLst>
-              <p:ext uri="{386F3935-93C4-4BCD-93E2-E3B085C9AB24}">
-                <p16:designElem xmlns:p16="http://schemas.microsoft.com/office/powerpoint/2015/main" val="1"/>
-              </p:ext>
-            </p:extLst>
-          </p:nvPr>
-        </p:nvSpPr>
-        <p:spPr>
-          <a:xfrm>
-            <a:off x="0" y="0"/>
-            <a:ext cx="12192000" cy="6858000"/>
-          </a:xfrm>
-          <a:prstGeom prst="rect">
-            <a:avLst/>
-          </a:prstGeom>
-          <a:ln w="12700" cap="flat" cmpd="sng" algn="ctr">
-            <a:noFill/>
-            <a:prstDash val="solid"/>
-            <a:miter lim="800000"/>
-          </a:ln>
-          <a:effectLst/>
-          <a:extLst>
-            <a:ext uri="{91240B29-F687-4F45-9708-019B960494DF}">
-              <a14:hiddenLine xmlns:a14="http://schemas.microsoft.com/office/drawing/2010/main" w="12700" cap="flat" cmpd="sng" algn="ctr">
-                <a:solidFill>
-                  <a:schemeClr val="accent1">
-                    <a:shade val="50000"/>
-                  </a:schemeClr>
-                </a:solidFill>
-                <a:prstDash val="solid"/>
-                <a:miter lim="800000"/>
-              </a14:hiddenLine>
-            </a:ext>
-          </a:extLst>
-        </p:spPr>
-        <p:style>
-          <a:lnRef idx="2">
-            <a:schemeClr val="accent1">
-              <a:shade val="50000"/>
-            </a:schemeClr>
-          </a:lnRef>
-          <a:fillRef idx="1">
-            <a:schemeClr val="accent1"/>
-          </a:fillRef>
-          <a:effectRef idx="0">
-            <a:schemeClr val="accent1"/>
-          </a:effectRef>
-          <a:fontRef idx="minor">
-            <a:schemeClr val="lt1"/>
-          </a:fontRef>
-        </p:style>
-        <p:txBody>
-          <a:bodyPr rtlCol="0" anchor="ctr"/>
-          <a:lstStyle/>
-          <a:p>
-            <a:pPr algn="ctr"/>
-            <a:endParaRPr lang="en-US"/>
-          </a:p>
-        </p:txBody>
-      </p:sp>
-      <p:sp>
-        <p:nvSpPr>
-          <p:cNvPr id="2" name="Title 1">
-            <a:extLst>
-              <a:ext uri="{FF2B5EF4-FFF2-40B4-BE49-F238E27FC236}">
-                <a16:creationId xmlns:a16="http://schemas.microsoft.com/office/drawing/2014/main" id="{A23D8482-647C-F234-5FA3-243B1ED95323}"/>
-              </a:ext>
-            </a:extLst>
-          </p:cNvPr>
-          <p:cNvSpPr>
-            <a:spLocks noGrp="1"/>
-          </p:cNvSpPr>
-          <p:nvPr>
-            <p:ph type="title"/>
-          </p:nvPr>
-        </p:nvSpPr>
-        <p:spPr>
-          <a:xfrm>
-            <a:off x="504246" y="727167"/>
-            <a:ext cx="5014962" cy="1997855"/>
-          </a:xfrm>
-        </p:spPr>
-        <p:txBody>
-          <a:bodyPr vert="horz" wrap="square" lIns="0" tIns="0" rIns="0" bIns="0" rtlCol="0" anchor="b" anchorCtr="0">
-            <a:normAutofit/>
-          </a:bodyPr>
-          <a:lstStyle/>
-          <a:p>
-            <a:r>
-              <a:rPr lang="en-US" sz="3600" kern="1200" dirty="0">
-                <a:solidFill>
-                  <a:schemeClr val="tx1"/>
-                </a:solidFill>
-                <a:latin typeface="+mj-lt"/>
-                <a:ea typeface="+mj-ea"/>
-                <a:cs typeface="+mj-cs"/>
-              </a:rPr>
-              <a:t>DEMO</a:t>
-            </a:r>
-            <a:br>
-              <a:rPr lang="en-US" sz="3600" kern="1200" dirty="0">
-                <a:solidFill>
-                  <a:schemeClr val="tx1"/>
-                </a:solidFill>
-                <a:latin typeface="+mj-lt"/>
-                <a:ea typeface="+mj-ea"/>
-                <a:cs typeface="+mj-cs"/>
-              </a:rPr>
-            </a:br>
-            <a:r>
-              <a:rPr lang="en-US" sz="3600" kern="1200" dirty="0">
-                <a:solidFill>
-                  <a:schemeClr val="tx1"/>
-                </a:solidFill>
-                <a:latin typeface="+mj-lt"/>
-                <a:ea typeface="+mj-ea"/>
-                <a:cs typeface="+mj-cs"/>
-              </a:rPr>
-              <a:t>R Shiny </a:t>
-            </a:r>
-            <a:r>
-              <a:rPr lang="en-US" sz="3600" b="1" i="1" kern="1200" dirty="0">
-                <a:solidFill>
-                  <a:schemeClr val="tx1"/>
-                </a:solidFill>
-                <a:latin typeface="+mj-lt"/>
-                <a:ea typeface="+mj-ea"/>
-                <a:cs typeface="+mj-cs"/>
-              </a:rPr>
-              <a:t>MetaInsight</a:t>
-            </a:r>
-            <a:br>
-              <a:rPr lang="en-US" sz="3600" b="1" i="1" kern="1200" dirty="0">
-                <a:solidFill>
-                  <a:schemeClr val="tx1"/>
-                </a:solidFill>
-                <a:latin typeface="+mj-lt"/>
-                <a:ea typeface="+mj-ea"/>
-                <a:cs typeface="+mj-cs"/>
-              </a:rPr>
-            </a:br>
-            <a:r>
-              <a:rPr lang="en-US" sz="3600" kern="1200" dirty="0">
-                <a:solidFill>
-                  <a:schemeClr val="tx1"/>
-                </a:solidFill>
-                <a:latin typeface="+mj-lt"/>
-                <a:ea typeface="+mj-ea"/>
-                <a:cs typeface="+mj-cs"/>
-              </a:rPr>
-              <a:t> </a:t>
-            </a:r>
-          </a:p>
-        </p:txBody>
-      </p:sp>
-      <p:sp>
-        <p:nvSpPr>
-          <p:cNvPr id="6" name="TextBox 5">
-            <a:extLst>
-              <a:ext uri="{FF2B5EF4-FFF2-40B4-BE49-F238E27FC236}">
-                <a16:creationId xmlns:a16="http://schemas.microsoft.com/office/drawing/2014/main" id="{7240A364-27E5-AF12-CBAE-55051677A047}"/>
-              </a:ext>
-            </a:extLst>
-          </p:cNvPr>
-          <p:cNvSpPr txBox="1"/>
-          <p:nvPr/>
-        </p:nvSpPr>
-        <p:spPr>
-          <a:xfrm>
-            <a:off x="550863" y="2678400"/>
-            <a:ext cx="4541837" cy="3414425"/>
-          </a:xfrm>
-          <a:prstGeom prst="rect">
-            <a:avLst/>
-          </a:prstGeom>
-        </p:spPr>
-        <p:txBody>
-          <a:bodyPr vert="horz" wrap="square" lIns="0" tIns="0" rIns="0" bIns="0" rtlCol="0" anchor="t">
-            <a:normAutofit/>
-          </a:bodyPr>
-          <a:lstStyle/>
-          <a:p>
-            <a:pPr indent="-228600">
-              <a:lnSpc>
-                <a:spcPct val="110000"/>
-              </a:lnSpc>
-              <a:spcAft>
-                <a:spcPts val="800"/>
-              </a:spcAft>
-              <a:buFont typeface="Arial" panose="020B0604020202020204" pitchFamily="34" charset="0"/>
-              <a:buChar char="•"/>
-            </a:pPr>
-            <a:r>
-              <a:rPr lang="en-US" sz="2800" dirty="0">
-                <a:solidFill>
-                  <a:schemeClr val="tx1">
-                    <a:alpha val="60000"/>
-                  </a:schemeClr>
-                </a:solidFill>
-              </a:rPr>
-              <a:t>Disease: MDD</a:t>
-            </a:r>
-            <a:endParaRPr lang="en-US" sz="2800" dirty="0">
-              <a:solidFill>
-                <a:schemeClr val="tx1">
-                  <a:alpha val="60000"/>
-                </a:schemeClr>
-              </a:solidFill>
-              <a:sym typeface="Wingdings" panose="05000000000000000000" pitchFamily="2" charset="2"/>
-            </a:endParaRPr>
-          </a:p>
-          <a:p>
-            <a:pPr indent="-228600">
-              <a:lnSpc>
-                <a:spcPct val="110000"/>
-              </a:lnSpc>
-              <a:spcAft>
-                <a:spcPts val="800"/>
-              </a:spcAft>
-              <a:buFont typeface="Arial" panose="020B0604020202020204" pitchFamily="34" charset="0"/>
-              <a:buChar char="•"/>
-            </a:pPr>
-            <a:r>
-              <a:rPr lang="en-US" sz="2800" dirty="0">
-                <a:solidFill>
-                  <a:schemeClr val="tx1">
-                    <a:alpha val="60000"/>
-                  </a:schemeClr>
-                </a:solidFill>
-                <a:sym typeface="Wingdings" panose="05000000000000000000" pitchFamily="2" charset="2"/>
-              </a:rPr>
-              <a:t>Outcome:  Proportion of early responders (Odds Ratio)</a:t>
-            </a:r>
-          </a:p>
-          <a:p>
-            <a:pPr indent="-228600">
-              <a:lnSpc>
-                <a:spcPct val="110000"/>
-              </a:lnSpc>
-              <a:spcAft>
-                <a:spcPts val="800"/>
-              </a:spcAft>
-              <a:buFont typeface="Arial" panose="020B0604020202020204" pitchFamily="34" charset="0"/>
-              <a:buChar char="•"/>
-            </a:pPr>
-            <a:r>
-              <a:rPr lang="en-US" sz="2800" dirty="0">
-                <a:solidFill>
-                  <a:schemeClr val="tx1">
-                    <a:alpha val="60000"/>
-                  </a:schemeClr>
-                </a:solidFill>
-              </a:rPr>
-              <a:t>Dataset: </a:t>
-            </a:r>
-            <a:r>
-              <a:rPr lang="en-US" altLang="zh-TW" sz="2800" dirty="0">
-                <a:solidFill>
-                  <a:schemeClr val="tx1">
-                    <a:alpha val="60000"/>
-                  </a:schemeClr>
-                </a:solidFill>
-              </a:rPr>
-              <a:t>Linde (2015)</a:t>
-            </a:r>
-            <a:endParaRPr lang="en-US" sz="2800" dirty="0">
-              <a:solidFill>
-                <a:schemeClr val="tx1">
-                  <a:alpha val="60000"/>
-                </a:schemeClr>
-              </a:solidFill>
-            </a:endParaRPr>
-          </a:p>
-          <a:p>
-            <a:pPr indent="-228600">
-              <a:lnSpc>
-                <a:spcPct val="110000"/>
-              </a:lnSpc>
-              <a:spcAft>
-                <a:spcPts val="800"/>
-              </a:spcAft>
-              <a:buFont typeface="Arial" panose="020B0604020202020204" pitchFamily="34" charset="0"/>
-              <a:buChar char="•"/>
-            </a:pPr>
-            <a:r>
-              <a:rPr lang="en-US" sz="2800" dirty="0">
-                <a:solidFill>
-                  <a:schemeClr val="tx1">
-                    <a:alpha val="60000"/>
-                  </a:schemeClr>
-                </a:solidFill>
-              </a:rPr>
-              <a:t>59 Studies</a:t>
-            </a:r>
-          </a:p>
-          <a:p>
-            <a:pPr indent="-228600">
-              <a:lnSpc>
-                <a:spcPct val="110000"/>
-              </a:lnSpc>
-              <a:spcAft>
-                <a:spcPts val="800"/>
-              </a:spcAft>
-              <a:buFont typeface="Arial" panose="020B0604020202020204" pitchFamily="34" charset="0"/>
-              <a:buChar char="•"/>
-            </a:pPr>
-            <a:r>
-              <a:rPr lang="en-US" sz="2800" dirty="0">
-                <a:solidFill>
-                  <a:schemeClr val="tx1">
-                    <a:alpha val="60000"/>
-                  </a:schemeClr>
-                </a:solidFill>
-              </a:rPr>
-              <a:t>9 Interventions</a:t>
-            </a:r>
-          </a:p>
-        </p:txBody>
-      </p:sp>
-      <p:pic>
-        <p:nvPicPr>
-          <p:cNvPr id="7" name="Picture 6">
-            <a:extLst>
-              <a:ext uri="{FF2B5EF4-FFF2-40B4-BE49-F238E27FC236}">
-                <a16:creationId xmlns:a16="http://schemas.microsoft.com/office/drawing/2014/main" id="{5741FAEA-258C-BCB7-3616-097CDC55A815}"/>
-              </a:ext>
-            </a:extLst>
-          </p:cNvPr>
-          <p:cNvPicPr>
-            <a:picLocks noChangeAspect="1"/>
-          </p:cNvPicPr>
-          <p:nvPr/>
-        </p:nvPicPr>
-        <p:blipFill rotWithShape="1">
-          <a:blip r:embed="rId2"/>
-          <a:srcRect r="275"/>
-          <a:stretch/>
-        </p:blipFill>
-        <p:spPr>
-          <a:xfrm>
-            <a:off x="5719706" y="606796"/>
-            <a:ext cx="4868976" cy="5644408"/>
-          </a:xfrm>
-          <a:custGeom>
-            <a:avLst/>
-            <a:gdLst/>
-            <a:ahLst/>
-            <a:cxnLst/>
-            <a:rect l="l" t="t" r="r" b="b"/>
-            <a:pathLst>
-              <a:path w="4868976" h="5644408">
-                <a:moveTo>
-                  <a:pt x="2398421" y="0"/>
-                </a:moveTo>
-                <a:lnTo>
-                  <a:pt x="4868974" y="1424628"/>
-                </a:lnTo>
-                <a:lnTo>
-                  <a:pt x="4868976" y="1424625"/>
-                </a:lnTo>
-                <a:lnTo>
-                  <a:pt x="4868976" y="1424628"/>
-                </a:lnTo>
-                <a:lnTo>
-                  <a:pt x="4868976" y="4219781"/>
-                </a:lnTo>
-                <a:lnTo>
-                  <a:pt x="2398419" y="5644408"/>
-                </a:lnTo>
-                <a:lnTo>
-                  <a:pt x="0" y="4219781"/>
-                </a:lnTo>
-                <a:lnTo>
-                  <a:pt x="0" y="1424628"/>
-                </a:lnTo>
-                <a:lnTo>
-                  <a:pt x="0" y="1424625"/>
-                </a:lnTo>
-                <a:lnTo>
-                  <a:pt x="3" y="1424628"/>
-                </a:lnTo>
-                <a:close/>
-              </a:path>
-            </a:pathLst>
-          </a:custGeom>
-        </p:spPr>
-      </p:pic>
-      <p:grpSp>
-        <p:nvGrpSpPr>
-          <p:cNvPr id="42" name="Group 41">
-            <a:extLst>
-              <a:ext uri="{FF2B5EF4-FFF2-40B4-BE49-F238E27FC236}">
-                <a16:creationId xmlns:a16="http://schemas.microsoft.com/office/drawing/2014/main" id="{C4967C49-2278-4724-94A5-A258F20C3DFA}"/>
-              </a:ext>
-              <a:ext uri="{C183D7F6-B498-43B3-948B-1728B52AA6E4}">
-                <adec:decorative xmlns:adec="http://schemas.microsoft.com/office/drawing/2017/decorative" val="1"/>
-              </a:ext>
-            </a:extLst>
-          </p:cNvPr>
-          <p:cNvGrpSpPr>
-            <a:grpSpLocks noGrp="1" noUngrp="1" noRot="1" noChangeAspect="1" noMove="1" noResize="1"/>
-          </p:cNvGrpSpPr>
-          <p:nvPr>
-            <p:extLst>
-              <p:ext uri="{386F3935-93C4-4BCD-93E2-E3B085C9AB24}">
-                <p16:designElem xmlns:p16="http://schemas.microsoft.com/office/powerpoint/2015/main" val="1"/>
-              </p:ext>
-            </p:extLst>
-          </p:nvPr>
-        </p:nvGrpSpPr>
-        <p:grpSpPr>
-          <a:xfrm>
-            <a:off x="10366428" y="2112234"/>
-            <a:ext cx="1335600" cy="1262947"/>
-            <a:chOff x="10145015" y="2343978"/>
-            <a:chExt cx="1335600" cy="1262947"/>
-          </a:xfrm>
-        </p:grpSpPr>
-        <p:sp>
-          <p:nvSpPr>
-            <p:cNvPr id="43" name="Freeform: Shape 42">
-              <a:extLst>
-                <a:ext uri="{FF2B5EF4-FFF2-40B4-BE49-F238E27FC236}">
-                  <a16:creationId xmlns:a16="http://schemas.microsoft.com/office/drawing/2014/main" id="{C5513748-F890-422C-8BC7-7C16A7D3AF8E}"/>
-                </a:ext>
-                <a:ext uri="{C183D7F6-B498-43B3-948B-1728B52AA6E4}">
-                  <adec:decorative xmlns:adec="http://schemas.microsoft.com/office/drawing/2017/decorative" val="1"/>
-                </a:ext>
-              </a:extLst>
-            </p:cNvPr>
-            <p:cNvSpPr>
-              <a:spLocks noChangeAspect="1"/>
-            </p:cNvSpPr>
-            <p:nvPr>
-              <p:extLst>
-                <p:ext uri="{386F3935-93C4-4BCD-93E2-E3B085C9AB24}">
-                  <p16:designElem xmlns:p16="http://schemas.microsoft.com/office/powerpoint/2015/main" val="1"/>
-                </p:ext>
-              </p:extLst>
-            </p:nvPr>
-          </p:nvSpPr>
-          <p:spPr>
-            <a:xfrm rot="8100000">
-              <a:off x="10400615" y="2343978"/>
-              <a:ext cx="1080000" cy="1262947"/>
-            </a:xfrm>
-            <a:custGeom>
-              <a:avLst/>
-              <a:gdLst>
-                <a:gd name="connsiteX0" fmla="*/ 540000 w 1080000"/>
-                <a:gd name="connsiteY0" fmla="*/ 0 h 1262947"/>
-                <a:gd name="connsiteX1" fmla="*/ 1080000 w 1080000"/>
-                <a:gd name="connsiteY1" fmla="*/ 931034 h 1262947"/>
-                <a:gd name="connsiteX2" fmla="*/ 1064374 w 1080000"/>
-                <a:gd name="connsiteY2" fmla="*/ 931034 h 1262947"/>
-                <a:gd name="connsiteX3" fmla="*/ 1069029 w 1080000"/>
-                <a:gd name="connsiteY3" fmla="*/ 938533 h 1262947"/>
-                <a:gd name="connsiteX4" fmla="*/ 1080000 w 1080000"/>
-                <a:gd name="connsiteY4" fmla="*/ 992947 h 1262947"/>
-                <a:gd name="connsiteX5" fmla="*/ 540000 w 1080000"/>
-                <a:gd name="connsiteY5" fmla="*/ 1262947 h 1262947"/>
-                <a:gd name="connsiteX6" fmla="*/ 0 w 1080000"/>
-                <a:gd name="connsiteY6" fmla="*/ 992947 h 1262947"/>
-                <a:gd name="connsiteX7" fmla="*/ 10971 w 1080000"/>
-                <a:gd name="connsiteY7" fmla="*/ 938533 h 1262947"/>
-                <a:gd name="connsiteX8" fmla="*/ 15626 w 1080000"/>
-                <a:gd name="connsiteY8" fmla="*/ 931034 h 1262947"/>
-                <a:gd name="connsiteX9" fmla="*/ 0 w 1080000"/>
-                <a:gd name="connsiteY9" fmla="*/ 931034 h 1262947"/>
-                <a:gd name="connsiteX0" fmla="*/ 540000 w 1080000"/>
-                <a:gd name="connsiteY0" fmla="*/ 0 h 1262947"/>
-                <a:gd name="connsiteX1" fmla="*/ 1080000 w 1080000"/>
-                <a:gd name="connsiteY1" fmla="*/ 931034 h 1262947"/>
-                <a:gd name="connsiteX2" fmla="*/ 1064374 w 1080000"/>
-                <a:gd name="connsiteY2" fmla="*/ 931034 h 1262947"/>
-                <a:gd name="connsiteX3" fmla="*/ 1069029 w 1080000"/>
-                <a:gd name="connsiteY3" fmla="*/ 938533 h 1262947"/>
-                <a:gd name="connsiteX4" fmla="*/ 1080000 w 1080000"/>
-                <a:gd name="connsiteY4" fmla="*/ 992947 h 1262947"/>
-                <a:gd name="connsiteX5" fmla="*/ 540000 w 1080000"/>
-                <a:gd name="connsiteY5" fmla="*/ 1262947 h 1262947"/>
-                <a:gd name="connsiteX6" fmla="*/ 0 w 1080000"/>
-                <a:gd name="connsiteY6" fmla="*/ 992947 h 1262947"/>
-                <a:gd name="connsiteX7" fmla="*/ 10971 w 1080000"/>
-                <a:gd name="connsiteY7" fmla="*/ 938533 h 1262947"/>
-                <a:gd name="connsiteX8" fmla="*/ 15626 w 1080000"/>
-                <a:gd name="connsiteY8" fmla="*/ 931034 h 1262947"/>
-                <a:gd name="connsiteX9" fmla="*/ 540000 w 1080000"/>
-                <a:gd name="connsiteY9" fmla="*/ 0 h 1262947"/>
-                <a:gd name="connsiteX0" fmla="*/ 540000 w 1080000"/>
-                <a:gd name="connsiteY0" fmla="*/ 0 h 1262947"/>
-                <a:gd name="connsiteX1" fmla="*/ 1064374 w 1080000"/>
-                <a:gd name="connsiteY1" fmla="*/ 931034 h 1262947"/>
-                <a:gd name="connsiteX2" fmla="*/ 1069029 w 1080000"/>
-                <a:gd name="connsiteY2" fmla="*/ 938533 h 1262947"/>
-                <a:gd name="connsiteX3" fmla="*/ 1080000 w 1080000"/>
-                <a:gd name="connsiteY3" fmla="*/ 992947 h 1262947"/>
-                <a:gd name="connsiteX4" fmla="*/ 540000 w 1080000"/>
-                <a:gd name="connsiteY4" fmla="*/ 1262947 h 1262947"/>
-                <a:gd name="connsiteX5" fmla="*/ 0 w 1080000"/>
-                <a:gd name="connsiteY5" fmla="*/ 992947 h 1262947"/>
-                <a:gd name="connsiteX6" fmla="*/ 10971 w 1080000"/>
-                <a:gd name="connsiteY6" fmla="*/ 938533 h 1262947"/>
-                <a:gd name="connsiteX7" fmla="*/ 15626 w 1080000"/>
-                <a:gd name="connsiteY7" fmla="*/ 931034 h 1262947"/>
-                <a:gd name="connsiteX8" fmla="*/ 540000 w 1080000"/>
-                <a:gd name="connsiteY8" fmla="*/ 0 h 1262947"/>
-              </a:gdLst>
-              <a:ahLst/>
-              <a:cxnLst>
-                <a:cxn ang="0">
-                  <a:pos x="connsiteX0" y="connsiteY0"/>
-                </a:cxn>
-                <a:cxn ang="0">
-                  <a:pos x="connsiteX1" y="connsiteY1"/>
-                </a:cxn>
-                <a:cxn ang="0">
-                  <a:pos x="connsiteX2" y="connsiteY2"/>
-                </a:cxn>
-                <a:cxn ang="0">
-                  <a:pos x="connsiteX3" y="connsiteY3"/>
-                </a:cxn>
-                <a:cxn ang="0">
-                  <a:pos x="connsiteX4" y="connsiteY4"/>
-                </a:cxn>
-                <a:cxn ang="0">
-                  <a:pos x="connsiteX5" y="connsiteY5"/>
-                </a:cxn>
-                <a:cxn ang="0">
-                  <a:pos x="connsiteX6" y="connsiteY6"/>
-                </a:cxn>
-                <a:cxn ang="0">
-                  <a:pos x="connsiteX7" y="connsiteY7"/>
-                </a:cxn>
-                <a:cxn ang="0">
-                  <a:pos x="connsiteX8" y="connsiteY8"/>
-                </a:cxn>
-              </a:cxnLst>
-              <a:rect l="l" t="t" r="r" b="b"/>
-              <a:pathLst>
-                <a:path w="1080000" h="1262947">
-                  <a:moveTo>
-                    <a:pt x="540000" y="0"/>
-                  </a:moveTo>
-                  <a:lnTo>
-                    <a:pt x="1064374" y="931034"/>
-                  </a:lnTo>
-                  <a:lnTo>
-                    <a:pt x="1069029" y="938533"/>
-                  </a:lnTo>
-                  <a:cubicBezTo>
-                    <a:pt x="1076223" y="956109"/>
-                    <a:pt x="1080000" y="974307"/>
-                    <a:pt x="1080000" y="992947"/>
-                  </a:cubicBezTo>
-                  <a:cubicBezTo>
-                    <a:pt x="1080000" y="1142064"/>
-                    <a:pt x="838234" y="1262947"/>
-                    <a:pt x="540000" y="1262947"/>
-                  </a:cubicBezTo>
-                  <a:cubicBezTo>
-                    <a:pt x="241766" y="1262947"/>
-                    <a:pt x="0" y="1142064"/>
-                    <a:pt x="0" y="992947"/>
-                  </a:cubicBezTo>
-                  <a:cubicBezTo>
-                    <a:pt x="0" y="974307"/>
-                    <a:pt x="3778" y="956109"/>
-                    <a:pt x="10971" y="938533"/>
-                  </a:cubicBezTo>
-                  <a:lnTo>
-                    <a:pt x="15626" y="931034"/>
-                  </a:lnTo>
-                  <a:lnTo>
-                    <a:pt x="540000" y="0"/>
-                  </a:lnTo>
-                  <a:close/>
-                </a:path>
-              </a:pathLst>
-            </a:custGeom>
-            <a:gradFill>
-              <a:gsLst>
-                <a:gs pos="60000">
-                  <a:schemeClr val="bg2">
-                    <a:lumMod val="90000"/>
-                    <a:lumOff val="10000"/>
-                  </a:schemeClr>
-                </a:gs>
-                <a:gs pos="30000">
-                  <a:schemeClr val="bg2">
-                    <a:lumMod val="90000"/>
-                    <a:lumOff val="10000"/>
-                  </a:schemeClr>
-                </a:gs>
-                <a:gs pos="40000">
-                  <a:schemeClr val="bg2">
-                    <a:lumMod val="80000"/>
-                    <a:lumOff val="20000"/>
-                  </a:schemeClr>
-                </a:gs>
-                <a:gs pos="100000">
-                  <a:schemeClr val="bg2"/>
-                </a:gs>
-              </a:gsLst>
-              <a:lin ang="600000" scaled="0"/>
-            </a:gradFill>
-            <a:ln>
-              <a:noFill/>
-            </a:ln>
-            <a:effectLst>
-              <a:innerShdw blurRad="254000" dist="101600" dir="7320000">
-                <a:schemeClr val="accent1">
-                  <a:lumMod val="60000"/>
-                  <a:lumOff val="40000"/>
-                  <a:alpha val="40000"/>
-                </a:schemeClr>
-              </a:innerShdw>
-            </a:effectLst>
-          </p:spPr>
-          <p:style>
-            <a:lnRef idx="2">
-              <a:schemeClr val="accent1">
-                <a:shade val="50000"/>
-              </a:schemeClr>
-            </a:lnRef>
-            <a:fillRef idx="1">
-              <a:schemeClr val="accent1"/>
-            </a:fillRef>
-            <a:effectRef idx="0">
-              <a:schemeClr val="accent1"/>
-            </a:effectRef>
-            <a:fontRef idx="minor">
-              <a:schemeClr val="lt1"/>
-            </a:fontRef>
-          </p:style>
-          <p:txBody>
-            <a:bodyPr rot="0" spcFirstLastPara="0" vertOverflow="overflow" horzOverflow="overflow" vert="horz" wrap="square" lIns="91440" tIns="45720" rIns="91440" bIns="45720" numCol="1" spcCol="0" rtlCol="0" fromWordArt="0" anchor="ctr" anchorCtr="0" forceAA="0" compatLnSpc="1">
-              <a:prstTxWarp prst="textNoShape">
-                <a:avLst/>
-              </a:prstTxWarp>
-              <a:noAutofit/>
-            </a:bodyPr>
-            <a:lstStyle/>
-            <a:p>
-              <a:pPr algn="ctr"/>
-              <a:endParaRPr lang="en-US"/>
-            </a:p>
-          </p:txBody>
-        </p:sp>
-        <p:sp>
-          <p:nvSpPr>
-            <p:cNvPr id="44" name="Oval 43">
-              <a:extLst>
-                <a:ext uri="{FF2B5EF4-FFF2-40B4-BE49-F238E27FC236}">
-                  <a16:creationId xmlns:a16="http://schemas.microsoft.com/office/drawing/2014/main" id="{B93B83E9-9019-4D2F-B887-BD399181BD4F}"/>
-                </a:ext>
-                <a:ext uri="{C183D7F6-B498-43B3-948B-1728B52AA6E4}">
-                  <adec:decorative xmlns:adec="http://schemas.microsoft.com/office/drawing/2017/decorative" val="1"/>
-                </a:ext>
-              </a:extLst>
-            </p:cNvPr>
-            <p:cNvSpPr/>
-            <p:nvPr>
-              <p:extLst>
-                <p:ext uri="{386F3935-93C4-4BCD-93E2-E3B085C9AB24}">
-                  <p16:designElem xmlns:p16="http://schemas.microsoft.com/office/powerpoint/2015/main" val="1"/>
-                </p:ext>
-              </p:extLst>
-            </p:nvPr>
-          </p:nvSpPr>
-          <p:spPr>
-            <a:xfrm rot="13500000">
-              <a:off x="10415015" y="2179851"/>
-              <a:ext cx="540000" cy="1080000"/>
-            </a:xfrm>
-            <a:prstGeom prst="ellipse">
-              <a:avLst/>
-            </a:prstGeom>
-            <a:gradFill>
-              <a:gsLst>
-                <a:gs pos="100000">
-                  <a:schemeClr val="accent1">
-                    <a:lumMod val="60000"/>
-                    <a:lumOff val="40000"/>
-                    <a:alpha val="0"/>
-                  </a:schemeClr>
-                </a:gs>
-                <a:gs pos="0">
-                  <a:schemeClr val="bg2">
-                    <a:lumMod val="75000"/>
-                    <a:lumOff val="25000"/>
-                    <a:alpha val="33000"/>
-                  </a:schemeClr>
-                </a:gs>
-              </a:gsLst>
-              <a:lin ang="5400000" scaled="0"/>
-            </a:gradFill>
-            <a:ln>
-              <a:noFill/>
-            </a:ln>
-            <a:effectLst>
-              <a:innerShdw blurRad="1270000" dist="2540000">
-                <a:schemeClr val="accent1">
-                  <a:lumMod val="60000"/>
-                  <a:lumOff val="40000"/>
-                  <a:alpha val="0"/>
-                </a:schemeClr>
-              </a:innerShdw>
-            </a:effectLst>
-          </p:spPr>
-          <p:style>
-            <a:lnRef idx="2">
-              <a:schemeClr val="accent1">
-                <a:shade val="50000"/>
-              </a:schemeClr>
-            </a:lnRef>
-            <a:fillRef idx="1">
-              <a:schemeClr val="accent1"/>
-            </a:fillRef>
-            <a:effectRef idx="0">
-              <a:schemeClr val="accent1"/>
-            </a:effectRef>
-            <a:fontRef idx="minor">
-              <a:schemeClr val="lt1"/>
-            </a:fontRef>
-          </p:style>
-          <p:txBody>
-            <a:bodyPr rot="0" spcFirstLastPara="0" vertOverflow="overflow" horzOverflow="overflow" vert="horz" wrap="square" lIns="91440" tIns="45720" rIns="91440" bIns="45720" numCol="1" spcCol="0" rtlCol="0" fromWordArt="0" anchor="ctr" anchorCtr="0" forceAA="0" compatLnSpc="1">
-              <a:prstTxWarp prst="textNoShape">
-                <a:avLst/>
-              </a:prstTxWarp>
-              <a:noAutofit/>
-            </a:bodyPr>
-            <a:lstStyle/>
-            <a:p>
-              <a:pPr algn="ctr"/>
-              <a:endParaRPr lang="en-US"/>
-            </a:p>
-          </p:txBody>
-        </p:sp>
-      </p:grpSp>
-      <p:sp>
-        <p:nvSpPr>
-          <p:cNvPr id="46" name="Oval 45">
-            <a:extLst>
-              <a:ext uri="{FF2B5EF4-FFF2-40B4-BE49-F238E27FC236}">
-                <a16:creationId xmlns:a16="http://schemas.microsoft.com/office/drawing/2014/main" id="{5171FAFB-7223-4BE1-983D-8A0626EAC5E4}"/>
-              </a:ext>
-              <a:ext uri="{C183D7F6-B498-43B3-948B-1728B52AA6E4}">
-                <adec:decorative xmlns:adec="http://schemas.microsoft.com/office/drawing/2017/decorative" val="1"/>
-              </a:ext>
-            </a:extLst>
-          </p:cNvPr>
-          <p:cNvSpPr>
-            <a:spLocks noGrp="1" noRot="1" noChangeAspect="1" noMove="1" noResize="1" noEditPoints="1" noAdjustHandles="1" noChangeArrowheads="1" noChangeShapeType="1" noTextEdit="1"/>
-          </p:cNvSpPr>
-          <p:nvPr>
-            <p:extLst>
-              <p:ext uri="{386F3935-93C4-4BCD-93E2-E3B085C9AB24}">
-                <p16:designElem xmlns:p16="http://schemas.microsoft.com/office/powerpoint/2015/main" val="1"/>
-              </p:ext>
-            </p:extLst>
-          </p:nvPr>
-        </p:nvSpPr>
-        <p:spPr>
-          <a:xfrm>
-            <a:off x="4588612" y="5732825"/>
-            <a:ext cx="360000" cy="360000"/>
-          </a:xfrm>
-          <a:prstGeom prst="ellipse">
-            <a:avLst/>
-          </a:prstGeom>
-          <a:gradFill flip="none" rotWithShape="1">
-            <a:gsLst>
-              <a:gs pos="100000">
-                <a:schemeClr val="bg2">
-                  <a:lumMod val="50000"/>
-                  <a:lumOff val="50000"/>
-                </a:schemeClr>
-              </a:gs>
-              <a:gs pos="60000">
-                <a:schemeClr val="bg2"/>
-              </a:gs>
-            </a:gsLst>
-            <a:path path="circle">
-              <a:fillToRect l="100000" b="100000"/>
-            </a:path>
-            <a:tileRect t="-100000" r="-100000"/>
-          </a:gradFill>
-          <a:ln>
-            <a:noFill/>
-          </a:ln>
-          <a:effectLst>
-            <a:innerShdw blurRad="127000" dist="63500" dir="2700000">
-              <a:schemeClr val="accent1">
-                <a:lumMod val="60000"/>
-                <a:lumOff val="40000"/>
-                <a:alpha val="20000"/>
-              </a:schemeClr>
-            </a:innerShdw>
-            <a:softEdge rad="0"/>
-          </a:effectLst>
-        </p:spPr>
-        <p:style>
-          <a:lnRef idx="2">
-            <a:schemeClr val="accent1">
-              <a:shade val="50000"/>
-            </a:schemeClr>
-          </a:lnRef>
-          <a:fillRef idx="1">
-            <a:schemeClr val="accent1"/>
-          </a:fillRef>
-          <a:effectRef idx="0">
-            <a:schemeClr val="accent1"/>
-          </a:effectRef>
-          <a:fontRef idx="minor">
-            <a:schemeClr val="lt1"/>
-          </a:fontRef>
-        </p:style>
-        <p:txBody>
-          <a:bodyPr rot="0" spcFirstLastPara="0" vertOverflow="overflow" horzOverflow="overflow" vert="horz" wrap="square" lIns="91440" tIns="45720" rIns="91440" bIns="45720" numCol="1" spcCol="0" rtlCol="0" fromWordArt="0" anchor="ctr" anchorCtr="0" forceAA="0" compatLnSpc="1">
-            <a:prstTxWarp prst="textNoShape">
-              <a:avLst/>
-            </a:prstTxWarp>
-            <a:noAutofit/>
-          </a:bodyPr>
-          <a:lstStyle/>
-          <a:p>
-            <a:pPr algn="ctr"/>
-            <a:endParaRPr lang="en-US"/>
-          </a:p>
-        </p:txBody>
-      </p:sp>
-      <p:sp>
-        <p:nvSpPr>
-          <p:cNvPr id="3" name="Slide Number Placeholder 2">
-            <a:extLst>
-              <a:ext uri="{FF2B5EF4-FFF2-40B4-BE49-F238E27FC236}">
-                <a16:creationId xmlns:a16="http://schemas.microsoft.com/office/drawing/2014/main" id="{BB74CFDF-E396-585A-A51B-EEDDCACD2B7E}"/>
-              </a:ext>
-            </a:extLst>
-          </p:cNvPr>
-          <p:cNvSpPr>
-            <a:spLocks noGrp="1"/>
-          </p:cNvSpPr>
-          <p:nvPr>
-            <p:ph type="sldNum" sz="quarter" idx="4"/>
-          </p:nvPr>
-        </p:nvSpPr>
-        <p:spPr>
-          <a:xfrm>
-            <a:off x="9948863" y="6507212"/>
-            <a:ext cx="1692274" cy="153888"/>
-          </a:xfrm>
-        </p:spPr>
-        <p:txBody>
-          <a:bodyPr vert="horz" wrap="square" lIns="0" tIns="0" rIns="0" bIns="0" rtlCol="0" anchor="ctr">
-            <a:normAutofit/>
-          </a:bodyPr>
-          <a:lstStyle/>
-          <a:p>
-            <a:pPr>
-              <a:spcAft>
-                <a:spcPts val="600"/>
-              </a:spcAft>
-              <a:defRPr/>
-            </a:pPr>
-            <a:fld id="{395813C6-9C95-1340-82BD-C1A713B83084}" type="slidenum">
-              <a:rPr lang="en-US" smtClean="0">
-                <a:solidFill>
-                  <a:schemeClr val="tx1">
-                    <a:alpha val="80000"/>
-                  </a:schemeClr>
-                </a:solidFill>
-                <a:cs typeface="+mn-cs"/>
-              </a:rPr>
-              <a:pPr>
-                <a:spcAft>
-                  <a:spcPts val="600"/>
-                </a:spcAft>
-                <a:defRPr/>
-              </a:pPr>
-              <a:t>8</a:t>
-            </a:fld>
-            <a:endParaRPr lang="en-US" dirty="0">
-              <a:solidFill>
-                <a:schemeClr val="tx1">
-                  <a:alpha val="80000"/>
-                </a:schemeClr>
-              </a:solidFill>
-              <a:cs typeface="+mn-cs"/>
-            </a:endParaRPr>
-          </a:p>
-        </p:txBody>
-      </p:sp>
-      <p:sp>
-        <p:nvSpPr>
-          <p:cNvPr id="4" name="Content Placeholder 2">
-            <a:extLst>
-              <a:ext uri="{FF2B5EF4-FFF2-40B4-BE49-F238E27FC236}">
-                <a16:creationId xmlns:a16="http://schemas.microsoft.com/office/drawing/2014/main" id="{6E5447AF-6E8B-1B9E-DC1B-6230DB5E36BD}"/>
-              </a:ext>
-            </a:extLst>
-          </p:cNvPr>
-          <p:cNvSpPr txBox="1">
-            <a:spLocks/>
-          </p:cNvSpPr>
-          <p:nvPr/>
-        </p:nvSpPr>
-        <p:spPr>
-          <a:xfrm>
-            <a:off x="92512" y="830431"/>
-            <a:ext cx="11945608" cy="5161995"/>
-          </a:xfrm>
-          <a:prstGeom prst="rect">
-            <a:avLst/>
-          </a:prstGeom>
-        </p:spPr>
-        <p:txBody>
-          <a:bodyPr/>
-          <a:lstStyle>
-            <a:lvl1pPr marL="326555" indent="-326555" algn="l" rtl="0" fontAlgn="base">
-              <a:lnSpc>
-                <a:spcPct val="95000"/>
-              </a:lnSpc>
-              <a:spcBef>
-                <a:spcPct val="30000"/>
-              </a:spcBef>
-              <a:spcAft>
-                <a:spcPct val="20000"/>
-              </a:spcAft>
-              <a:buClr>
-                <a:schemeClr val="tx1"/>
-              </a:buClr>
-              <a:buSzPct val="110000"/>
-              <a:buChar char="•"/>
-              <a:defRPr sz="2400">
-                <a:solidFill>
-                  <a:srgbClr val="070605"/>
-                </a:solidFill>
-                <a:latin typeface="+mn-lt"/>
-                <a:ea typeface="+mn-ea"/>
-                <a:cs typeface="+mn-cs"/>
-              </a:defRPr>
-            </a:lvl1pPr>
-            <a:lvl2pPr marL="814121" indent="-324288" algn="l" rtl="0" fontAlgn="base">
-              <a:lnSpc>
-                <a:spcPct val="95000"/>
-              </a:lnSpc>
-              <a:spcBef>
-                <a:spcPct val="0"/>
-              </a:spcBef>
-              <a:spcAft>
-                <a:spcPct val="20000"/>
-              </a:spcAft>
-              <a:buClr>
-                <a:schemeClr val="tx1"/>
-              </a:buClr>
-              <a:buFont typeface="Arial" charset="0"/>
-              <a:buChar char="–"/>
-              <a:defRPr sz="2000">
-                <a:solidFill>
-                  <a:srgbClr val="070605"/>
-                </a:solidFill>
-                <a:latin typeface="+mn-lt"/>
-              </a:defRPr>
-            </a:lvl2pPr>
-            <a:lvl3pPr marL="1224582" indent="-247185" algn="l" rtl="0" fontAlgn="base">
-              <a:lnSpc>
-                <a:spcPct val="95000"/>
-              </a:lnSpc>
-              <a:spcBef>
-                <a:spcPct val="0"/>
-              </a:spcBef>
-              <a:spcAft>
-                <a:spcPct val="20000"/>
-              </a:spcAft>
-              <a:buClr>
-                <a:schemeClr val="tx1"/>
-              </a:buClr>
-              <a:buSzPct val="90000"/>
-              <a:buChar char="•"/>
-              <a:defRPr sz="2000">
-                <a:solidFill>
-                  <a:srgbClr val="070605"/>
-                </a:solidFill>
-                <a:latin typeface="+mn-lt"/>
-              </a:defRPr>
-            </a:lvl3pPr>
-            <a:lvl4pPr marL="1632776" indent="-244916" algn="l" rtl="0" fontAlgn="base">
-              <a:lnSpc>
-                <a:spcPct val="95000"/>
-              </a:lnSpc>
-              <a:spcBef>
-                <a:spcPct val="0"/>
-              </a:spcBef>
-              <a:spcAft>
-                <a:spcPct val="20000"/>
-              </a:spcAft>
-              <a:buClr>
-                <a:schemeClr val="tx1"/>
-              </a:buClr>
-              <a:buSzPct val="90000"/>
-              <a:buFont typeface="Arial" charset="0"/>
-              <a:buChar char="–"/>
-              <a:defRPr sz="1800">
-                <a:solidFill>
-                  <a:srgbClr val="070605"/>
-                </a:solidFill>
-                <a:latin typeface="+mn-lt"/>
-              </a:defRPr>
-            </a:lvl4pPr>
-            <a:lvl5pPr marL="2283619" indent="-324288" algn="l" rtl="0" fontAlgn="base">
-              <a:spcBef>
-                <a:spcPct val="0"/>
-              </a:spcBef>
-              <a:spcAft>
-                <a:spcPct val="30000"/>
-              </a:spcAft>
-              <a:buChar char="–"/>
-              <a:defRPr sz="2300">
-                <a:solidFill>
-                  <a:schemeClr val="tx1"/>
-                </a:solidFill>
-                <a:latin typeface="+mn-lt"/>
-              </a:defRPr>
-            </a:lvl5pPr>
-            <a:lvl6pPr marL="2936729" indent="-324288" algn="l" rtl="0" fontAlgn="base">
-              <a:spcBef>
-                <a:spcPct val="0"/>
-              </a:spcBef>
-              <a:spcAft>
-                <a:spcPct val="30000"/>
-              </a:spcAft>
-              <a:buChar char="–"/>
-              <a:defRPr sz="2300">
-                <a:solidFill>
-                  <a:schemeClr val="tx1"/>
-                </a:solidFill>
-                <a:latin typeface="+mn-lt"/>
-              </a:defRPr>
-            </a:lvl6pPr>
-            <a:lvl7pPr marL="3589839" indent="-324288" algn="l" rtl="0" fontAlgn="base">
-              <a:spcBef>
-                <a:spcPct val="0"/>
-              </a:spcBef>
-              <a:spcAft>
-                <a:spcPct val="30000"/>
-              </a:spcAft>
-              <a:buChar char="–"/>
-              <a:defRPr sz="2300">
-                <a:solidFill>
-                  <a:schemeClr val="tx1"/>
-                </a:solidFill>
-                <a:latin typeface="+mn-lt"/>
-              </a:defRPr>
-            </a:lvl7pPr>
-            <a:lvl8pPr marL="4242949" indent="-324288" algn="l" rtl="0" fontAlgn="base">
-              <a:spcBef>
-                <a:spcPct val="0"/>
-              </a:spcBef>
-              <a:spcAft>
-                <a:spcPct val="30000"/>
-              </a:spcAft>
-              <a:buChar char="–"/>
-              <a:defRPr sz="2300">
-                <a:solidFill>
-                  <a:schemeClr val="tx1"/>
-                </a:solidFill>
-                <a:latin typeface="+mn-lt"/>
-              </a:defRPr>
-            </a:lvl8pPr>
-            <a:lvl9pPr marL="4896059" indent="-324288" algn="l" rtl="0" fontAlgn="base">
-              <a:spcBef>
-                <a:spcPct val="0"/>
-              </a:spcBef>
-              <a:spcAft>
-                <a:spcPct val="30000"/>
-              </a:spcAft>
-              <a:buChar char="–"/>
-              <a:defRPr sz="2300">
-                <a:solidFill>
-                  <a:schemeClr val="tx1"/>
-                </a:solidFill>
-                <a:latin typeface="+mn-lt"/>
-              </a:defRPr>
-            </a:lvl9pPr>
-          </a:lstStyle>
-          <a:p>
-            <a:endParaRPr lang="en-US" kern="0" dirty="0"/>
-          </a:p>
-        </p:txBody>
-      </p:sp>
-    </p:spTree>
-    <p:extLst>
-      <p:ext uri="{BB962C8B-B14F-4D97-AF65-F5344CB8AC3E}">
-        <p14:creationId xmlns:p14="http://schemas.microsoft.com/office/powerpoint/2010/main" val="1165426045"/>
-      </p:ext>
-    </p:extLst>
-  </p:cSld>
-  <p:clrMapOvr>
-    <a:masterClrMapping/>
-  </p:clrMapOvr>
-  <p:transition>
-    <p:fade/>
-  </p:transition>
-</p:sld>
-</file>
-
-<file path=ppt/slides/slide9.xml><?xml version="1.0" encoding="utf-8"?>
-<p:sld xmlns:a="http://schemas.openxmlformats.org/drawingml/2006/main" xmlns:r="http://schemas.openxmlformats.org/officeDocument/2006/relationships" xmlns:p="http://schemas.openxmlformats.org/presentationml/2006/main">
-  <p:cSld>
-    <p:spTree>
-      <p:nvGrpSpPr>
-        <p:cNvPr id="1" name=""/>
-        <p:cNvGrpSpPr/>
-        <p:nvPr/>
-      </p:nvGrpSpPr>
-      <p:grpSpPr>
-        <a:xfrm>
-          <a:off x="0" y="0"/>
-          <a:ext cx="0" cy="0"/>
-          <a:chOff x="0" y="0"/>
-          <a:chExt cx="0" cy="0"/>
-        </a:xfrm>
-      </p:grpSpPr>
-      <p:cxnSp>
-        <p:nvCxnSpPr>
-          <p:cNvPr id="20" name="Straight Connector 19">
-            <a:extLst>
-              <a:ext uri="{FF2B5EF4-FFF2-40B4-BE49-F238E27FC236}">
-                <a16:creationId xmlns:a16="http://schemas.microsoft.com/office/drawing/2014/main" id="{1B3E2FB7-DF41-76F7-DD13-DF7087FAE17C}"/>
-              </a:ext>
-            </a:extLst>
-          </p:cNvPr>
-          <p:cNvCxnSpPr>
-            <a:cxnSpLocks/>
-          </p:cNvCxnSpPr>
-          <p:nvPr/>
-        </p:nvCxnSpPr>
-        <p:spPr bwMode="auto">
-          <a:xfrm>
-            <a:off x="8200631" y="10363472"/>
-            <a:ext cx="1219600" cy="0"/>
-          </a:xfrm>
-          <a:prstGeom prst="line">
-            <a:avLst/>
-          </a:prstGeom>
-          <a:solidFill>
-            <a:schemeClr val="tx2"/>
-          </a:solidFill>
-          <a:ln w="12700" cap="flat" cmpd="sng" algn="ctr">
-            <a:solidFill>
-              <a:schemeClr val="accent1"/>
-            </a:solidFill>
-            <a:prstDash val="sysDash"/>
-            <a:round/>
-            <a:headEnd type="none" w="med" len="med"/>
-            <a:tailEnd type="none" w="med" len="med"/>
-          </a:ln>
-          <a:effectLst/>
-        </p:spPr>
-      </p:cxnSp>
-      <p:sp>
-        <p:nvSpPr>
-          <p:cNvPr id="2" name="Title 1">
-            <a:extLst>
-              <a:ext uri="{FF2B5EF4-FFF2-40B4-BE49-F238E27FC236}">
-                <a16:creationId xmlns:a16="http://schemas.microsoft.com/office/drawing/2014/main" id="{B9189500-DA69-3909-93B8-23D0CBD5EBDD}"/>
-              </a:ext>
-            </a:extLst>
-          </p:cNvPr>
-          <p:cNvSpPr>
-            <a:spLocks noGrp="1"/>
-          </p:cNvSpPr>
-          <p:nvPr>
-            <p:ph type="title"/>
-          </p:nvPr>
-        </p:nvSpPr>
-        <p:spPr>
-          <a:xfrm>
-            <a:off x="227892" y="233470"/>
-            <a:ext cx="11430000" cy="821764"/>
-          </a:xfrm>
-        </p:spPr>
-        <p:txBody>
-          <a:bodyPr/>
-          <a:lstStyle/>
-          <a:p>
-            <a:r>
-              <a:rPr lang="en-US" dirty="0">
-                <a:solidFill>
-                  <a:schemeClr val="tx1"/>
-                </a:solidFill>
-              </a:rPr>
-              <a:t>Step1. Data Input </a:t>
-            </a:r>
-            <a:r>
-              <a:rPr lang="en-US" sz="3200" dirty="0">
-                <a:solidFill>
-                  <a:schemeClr val="tx1"/>
-                </a:solidFill>
-              </a:rPr>
-              <a:t>(long format or wide format)</a:t>
-            </a:r>
-            <a:endParaRPr lang="en-US" dirty="0">
-              <a:solidFill>
-                <a:schemeClr val="tx1"/>
-              </a:solidFill>
-            </a:endParaRPr>
-          </a:p>
-        </p:txBody>
-      </p:sp>
-      <p:sp>
-        <p:nvSpPr>
-          <p:cNvPr id="4" name="Slide Number Placeholder 3">
-            <a:extLst>
-              <a:ext uri="{FF2B5EF4-FFF2-40B4-BE49-F238E27FC236}">
-                <a16:creationId xmlns:a16="http://schemas.microsoft.com/office/drawing/2014/main" id="{979F4B86-2EFE-1C82-4DB3-0F19A5FB68A9}"/>
-              </a:ext>
-            </a:extLst>
-          </p:cNvPr>
-          <p:cNvSpPr>
-            <a:spLocks noGrp="1"/>
-          </p:cNvSpPr>
-          <p:nvPr>
-            <p:ph type="sldNum" sz="quarter" idx="4"/>
-          </p:nvPr>
-        </p:nvSpPr>
-        <p:spPr>
-          <a:xfrm>
-            <a:off x="11413813" y="6418295"/>
-            <a:ext cx="488157" cy="153888"/>
-          </a:xfrm>
-        </p:spPr>
-        <p:txBody>
-          <a:bodyPr/>
-          <a:lstStyle/>
-          <a:p>
-            <a:pPr>
-              <a:defRPr/>
-            </a:pPr>
-            <a:fld id="{395813C6-9C95-1340-82BD-C1A713B83084}" type="slidenum">
-              <a:rPr lang="en-IN" smtClean="0">
-                <a:solidFill>
-                  <a:schemeClr val="tx1"/>
-                </a:solidFill>
-              </a:rPr>
-              <a:pPr>
-                <a:defRPr/>
-              </a:pPr>
-              <a:t>9</a:t>
-            </a:fld>
-            <a:endParaRPr lang="en-IN">
-              <a:solidFill>
-                <a:schemeClr val="tx1"/>
-              </a:solidFill>
-            </a:endParaRPr>
-          </a:p>
-        </p:txBody>
-      </p:sp>
-      <p:pic>
-        <p:nvPicPr>
-          <p:cNvPr id="5" name="Picture 4">
-            <a:extLst>
-              <a:ext uri="{FF2B5EF4-FFF2-40B4-BE49-F238E27FC236}">
-                <a16:creationId xmlns:a16="http://schemas.microsoft.com/office/drawing/2014/main" id="{67711115-441C-0FE9-219A-9F9733A2B42E}"/>
-              </a:ext>
-            </a:extLst>
-          </p:cNvPr>
-          <p:cNvPicPr>
-            <a:picLocks noChangeAspect="1"/>
-          </p:cNvPicPr>
-          <p:nvPr/>
-        </p:nvPicPr>
-        <p:blipFill>
-          <a:blip r:embed="rId2"/>
-          <a:stretch>
-            <a:fillRect/>
-          </a:stretch>
-        </p:blipFill>
-        <p:spPr>
-          <a:xfrm>
-            <a:off x="6540427" y="3561218"/>
-            <a:ext cx="5115418" cy="2995476"/>
-          </a:xfrm>
-          <a:prstGeom prst="rect">
-            <a:avLst/>
-          </a:prstGeom>
-        </p:spPr>
-      </p:pic>
-      <p:pic>
-        <p:nvPicPr>
-          <p:cNvPr id="11" name="Picture 10">
-            <a:extLst>
-              <a:ext uri="{FF2B5EF4-FFF2-40B4-BE49-F238E27FC236}">
-                <a16:creationId xmlns:a16="http://schemas.microsoft.com/office/drawing/2014/main" id="{2D529FF3-2616-0E82-699A-E9527D0FB6A8}"/>
-              </a:ext>
-            </a:extLst>
-          </p:cNvPr>
-          <p:cNvPicPr>
-            <a:picLocks noChangeAspect="1"/>
-          </p:cNvPicPr>
-          <p:nvPr/>
-        </p:nvPicPr>
-        <p:blipFill>
-          <a:blip r:embed="rId3"/>
-          <a:stretch>
-            <a:fillRect/>
-          </a:stretch>
-        </p:blipFill>
-        <p:spPr>
-          <a:xfrm>
-            <a:off x="6540427" y="1463978"/>
-            <a:ext cx="5020019" cy="1566712"/>
-          </a:xfrm>
-          <a:prstGeom prst="rect">
-            <a:avLst/>
-          </a:prstGeom>
-        </p:spPr>
-      </p:pic>
-      <p:sp>
-        <p:nvSpPr>
-          <p:cNvPr id="12" name="TextBox 11">
-            <a:extLst>
-              <a:ext uri="{FF2B5EF4-FFF2-40B4-BE49-F238E27FC236}">
-                <a16:creationId xmlns:a16="http://schemas.microsoft.com/office/drawing/2014/main" id="{B68073EB-2167-3B6C-E8EE-692367A496E1}"/>
-              </a:ext>
-            </a:extLst>
-          </p:cNvPr>
-          <p:cNvSpPr txBox="1"/>
-          <p:nvPr/>
-        </p:nvSpPr>
-        <p:spPr>
-          <a:xfrm>
-            <a:off x="6152489" y="3175398"/>
-            <a:ext cx="6172200" cy="369332"/>
-          </a:xfrm>
-          <a:prstGeom prst="rect">
-            <a:avLst/>
-          </a:prstGeom>
-          <a:noFill/>
-        </p:spPr>
-        <p:txBody>
-          <a:bodyPr wrap="square">
-            <a:spAutoFit/>
-          </a:bodyPr>
-          <a:lstStyle/>
-          <a:p>
-            <a:pPr algn="ctr"/>
-            <a:r>
-              <a:rPr lang="en-US" dirty="0">
-                <a:latin typeface="Arial" panose="020B0604020202020204" pitchFamily="34" charset="0"/>
-                <a:cs typeface="Arial" panose="020B0604020202020204" pitchFamily="34" charset="0"/>
-              </a:rPr>
-              <a:t>Long format (CSV file)</a:t>
-            </a:r>
-            <a:endParaRPr lang="en-US" dirty="0"/>
-          </a:p>
-        </p:txBody>
-      </p:sp>
-      <p:sp>
-        <p:nvSpPr>
-          <p:cNvPr id="13" name="TextBox 12">
-            <a:extLst>
-              <a:ext uri="{FF2B5EF4-FFF2-40B4-BE49-F238E27FC236}">
-                <a16:creationId xmlns:a16="http://schemas.microsoft.com/office/drawing/2014/main" id="{9AFD503A-D69F-41DF-DFBD-2DE14F31E855}"/>
-              </a:ext>
-            </a:extLst>
-          </p:cNvPr>
-          <p:cNvSpPr txBox="1"/>
-          <p:nvPr/>
-        </p:nvSpPr>
-        <p:spPr>
-          <a:xfrm>
-            <a:off x="6096000" y="1073990"/>
-            <a:ext cx="6172200" cy="369332"/>
-          </a:xfrm>
-          <a:prstGeom prst="rect">
-            <a:avLst/>
-          </a:prstGeom>
-          <a:noFill/>
-        </p:spPr>
-        <p:txBody>
-          <a:bodyPr wrap="square">
-            <a:spAutoFit/>
-          </a:bodyPr>
-          <a:lstStyle/>
-          <a:p>
-            <a:pPr algn="ctr"/>
-            <a:r>
-              <a:rPr lang="en-US" dirty="0">
-                <a:latin typeface="Arial" panose="020B0604020202020204" pitchFamily="34" charset="0"/>
-                <a:cs typeface="Arial" panose="020B0604020202020204" pitchFamily="34" charset="0"/>
-              </a:rPr>
-              <a:t>Header of the Data</a:t>
-            </a:r>
-            <a:endParaRPr lang="en-US" dirty="0"/>
-          </a:p>
-        </p:txBody>
-      </p:sp>
-      <p:pic>
-        <p:nvPicPr>
-          <p:cNvPr id="19" name="Picture 18">
-            <a:extLst>
-              <a:ext uri="{FF2B5EF4-FFF2-40B4-BE49-F238E27FC236}">
-                <a16:creationId xmlns:a16="http://schemas.microsoft.com/office/drawing/2014/main" id="{CC2FC4C3-D006-5A95-D788-4544346ACC4E}"/>
-              </a:ext>
-            </a:extLst>
-          </p:cNvPr>
-          <p:cNvPicPr>
-            <a:picLocks noChangeAspect="1"/>
-          </p:cNvPicPr>
-          <p:nvPr/>
-        </p:nvPicPr>
-        <p:blipFill>
-          <a:blip r:embed="rId4"/>
-          <a:stretch>
-            <a:fillRect/>
-          </a:stretch>
-        </p:blipFill>
-        <p:spPr>
-          <a:xfrm>
-            <a:off x="830964" y="1499590"/>
-            <a:ext cx="5020019" cy="5057104"/>
-          </a:xfrm>
-          <a:prstGeom prst="rect">
-            <a:avLst/>
-          </a:prstGeom>
-        </p:spPr>
-      </p:pic>
-      <p:sp>
-        <p:nvSpPr>
-          <p:cNvPr id="21" name="TextBox 20">
-            <a:extLst>
-              <a:ext uri="{FF2B5EF4-FFF2-40B4-BE49-F238E27FC236}">
-                <a16:creationId xmlns:a16="http://schemas.microsoft.com/office/drawing/2014/main" id="{CD95D9E9-ABE3-77B1-C0CF-3D01B820C806}"/>
-              </a:ext>
-            </a:extLst>
-          </p:cNvPr>
-          <p:cNvSpPr txBox="1"/>
-          <p:nvPr/>
-        </p:nvSpPr>
-        <p:spPr>
-          <a:xfrm>
-            <a:off x="227892" y="1092746"/>
-            <a:ext cx="6172200" cy="369332"/>
-          </a:xfrm>
-          <a:prstGeom prst="rect">
-            <a:avLst/>
-          </a:prstGeom>
-          <a:noFill/>
-        </p:spPr>
-        <p:txBody>
-          <a:bodyPr wrap="square">
-            <a:spAutoFit/>
-          </a:bodyPr>
-          <a:lstStyle/>
-          <a:p>
-            <a:pPr algn="ctr"/>
-            <a:r>
-              <a:rPr lang="en-US" dirty="0">
-                <a:latin typeface="Arial" panose="020B0604020202020204" pitchFamily="34" charset="0"/>
-                <a:cs typeface="Arial" panose="020B0604020202020204" pitchFamily="34" charset="0"/>
-              </a:rPr>
-              <a:t>Upload Data file and Select </a:t>
-            </a:r>
-            <a:r>
-              <a:rPr lang="en-US" altLang="zh-TW" dirty="0">
-                <a:latin typeface="Arial" panose="020B0604020202020204" pitchFamily="34" charset="0"/>
-                <a:cs typeface="Arial" panose="020B0604020202020204" pitchFamily="34" charset="0"/>
-              </a:rPr>
-              <a:t>Reference Treatment</a:t>
-            </a:r>
-            <a:endParaRPr lang="en-US" dirty="0"/>
-          </a:p>
-        </p:txBody>
-      </p:sp>
-    </p:spTree>
-    <p:extLst>
-      <p:ext uri="{BB962C8B-B14F-4D97-AF65-F5344CB8AC3E}">
-        <p14:creationId xmlns:p14="http://schemas.microsoft.com/office/powerpoint/2010/main" val="727125507"/>
       </p:ext>
     </p:extLst>
   </p:cSld>
@@ -30107,6 +31182,15 @@
 </file>
 
 <file path=customXml/item1.xml><?xml version="1.0" encoding="utf-8"?>
+<?mso-contentType ?>
+<FormTemplates xmlns="http://schemas.microsoft.com/sharepoint/v3/contenttype/forms">
+  <Display>DocumentLibraryForm</Display>
+  <Edit>DocumentLibraryForm</Edit>
+  <New>DocumentLibraryForm</New>
+</FormTemplates>
+</file>
+
+<file path=customXml/item2.xml><?xml version="1.0" encoding="utf-8"?>
 <p:properties xmlns:p="http://schemas.microsoft.com/office/2006/metadata/properties" xmlns:xsi="http://www.w3.org/2001/XMLSchema-instance" xmlns:pc="http://schemas.microsoft.com/office/infopath/2007/PartnerControls">
   <documentManagement>
     <_ip_UnifiedCompliancePolicyUIAction xmlns="http://schemas.microsoft.com/sharepoint/v3" xsi:nil="true"/>
@@ -30123,15 +31207,6 @@
     <MediaServiceKeyPoints xmlns="71af3243-3dd4-4a8d-8c0d-dd76da1f02a5" xsi:nil="true"/>
   </documentManagement>
 </p:properties>
-</file>
-
-<file path=customXml/item2.xml><?xml version="1.0" encoding="utf-8"?>
-<?mso-contentType ?>
-<FormTemplates xmlns="http://schemas.microsoft.com/sharepoint/v3/contenttype/forms">
-  <Display>DocumentLibraryForm</Display>
-  <Edit>DocumentLibraryForm</Edit>
-  <New>DocumentLibraryForm</New>
-</FormTemplates>
 </file>
 
 <file path=customXml/item3.xml><?xml version="1.0" encoding="utf-8"?>
@@ -30411,6 +31486,14 @@
 </file>
 
 <file path=customXml/itemProps1.xml><?xml version="1.0" encoding="utf-8"?>
+<ds:datastoreItem xmlns:ds="http://schemas.openxmlformats.org/officeDocument/2006/customXml" ds:itemID="{904751AB-E840-446F-8D49-E697067EC887}">
+  <ds:schemaRefs>
+    <ds:schemaRef ds:uri="http://schemas.microsoft.com/sharepoint/v3/contenttype/forms"/>
+  </ds:schemaRefs>
+</ds:datastoreItem>
+</file>
+
+<file path=customXml/itemProps2.xml><?xml version="1.0" encoding="utf-8"?>
 <ds:datastoreItem xmlns:ds="http://schemas.openxmlformats.org/officeDocument/2006/customXml" ds:itemID="{50811A92-D464-4AC4-A396-BA73B10CEEAC}">
   <ds:schemaRefs>
     <ds:schemaRef ds:uri="http://schemas.microsoft.com/office/2006/metadata/properties"/>
@@ -30418,14 +31501,6 @@
     <ds:schemaRef ds:uri="http://schemas.microsoft.com/sharepoint/v3"/>
     <ds:schemaRef ds:uri="71af3243-3dd4-4a8d-8c0d-dd76da1f02a5"/>
     <ds:schemaRef ds:uri="230e9df3-be65-4c73-a93b-d1236ebd677e"/>
-  </ds:schemaRefs>
-</ds:datastoreItem>
-</file>
-
-<file path=customXml/itemProps2.xml><?xml version="1.0" encoding="utf-8"?>
-<ds:datastoreItem xmlns:ds="http://schemas.openxmlformats.org/officeDocument/2006/customXml" ds:itemID="{904751AB-E840-446F-8D49-E697067EC887}">
-  <ds:schemaRefs>
-    <ds:schemaRef ds:uri="http://schemas.microsoft.com/sharepoint/v3/contenttype/forms"/>
   </ds:schemaRefs>
 </ds:datastoreItem>
 </file>

--- a/NMA_01Mar2024.pptx
+++ b/NMA_01Mar2024.pptx
@@ -5,10 +5,10 @@
     <p:sldMasterId id="2147483684" r:id="rId4"/>
   </p:sldMasterIdLst>
   <p:notesMasterIdLst>
-    <p:notesMasterId r:id="rId21"/>
+    <p:notesMasterId r:id="rId23"/>
   </p:notesMasterIdLst>
   <p:handoutMasterIdLst>
-    <p:handoutMasterId r:id="rId22"/>
+    <p:handoutMasterId r:id="rId24"/>
   </p:handoutMasterIdLst>
   <p:sldIdLst>
     <p:sldId id="257" r:id="rId5"/>
@@ -27,6 +27,8 @@
     <p:sldId id="916" r:id="rId18"/>
     <p:sldId id="917" r:id="rId19"/>
     <p:sldId id="391" r:id="rId20"/>
+    <p:sldId id="924" r:id="rId21"/>
+    <p:sldId id="923" r:id="rId22"/>
   </p:sldIdLst>
   <p:sldSz cx="12192000" cy="6858000"/>
   <p:notesSz cx="6858000" cy="9144000"/>
@@ -1097,7 +1099,19 @@
           <a:p>
             <a:r>
               <a:rPr lang="en-US" dirty="0"/>
+              <a:t>https://bookdown.org/MathiasHarrer/Doing_Meta_Analysis_in_R/netwma.html</a:t>
+            </a:r>
+          </a:p>
+          <a:p>
+            <a:r>
+              <a:rPr lang="en-US" dirty="0"/>
               <a:t>https://www.quantics.co.uk/blog/an-introduction-to-network-meta-analysis/</a:t>
+            </a:r>
+          </a:p>
+          <a:p>
+            <a:r>
+              <a:rPr lang="en-US" dirty="0"/>
+              <a:t>https://www.ncbi.nlm.nih.gov/pmc/articles/PMC8497908/#:~:text=To%20perform%20NMA%20using%20data,mixed%20comparisons%20(direct%20and%20indirect</a:t>
             </a:r>
           </a:p>
         </p:txBody>
@@ -19269,6 +19283,636 @@
       </p:grpSpPr>
       <p:sp>
         <p:nvSpPr>
+          <p:cNvPr id="6" name="Slide Number Placeholder 5">
+            <a:extLst>
+              <a:ext uri="{FF2B5EF4-FFF2-40B4-BE49-F238E27FC236}">
+                <a16:creationId xmlns:a16="http://schemas.microsoft.com/office/drawing/2014/main" id="{36E60F23-FB58-4EF8-82FD-E86CED25FDD4}"/>
+              </a:ext>
+            </a:extLst>
+          </p:cNvPr>
+          <p:cNvSpPr>
+            <a:spLocks noGrp="1"/>
+          </p:cNvSpPr>
+          <p:nvPr>
+            <p:ph type="sldNum" sz="quarter" idx="12"/>
+          </p:nvPr>
+        </p:nvSpPr>
+        <p:spPr/>
+        <p:txBody>
+          <a:bodyPr/>
+          <a:lstStyle/>
+          <a:p>
+            <a:fld id="{DBA1B0FB-D917-4C8C-928F-313BD683BF39}" type="slidenum">
+              <a:rPr lang="en-US" smtClean="0"/>
+              <a:pPr/>
+              <a:t>16</a:t>
+            </a:fld>
+            <a:endParaRPr lang="en-US"/>
+          </a:p>
+        </p:txBody>
+      </p:sp>
+      <p:sp>
+        <p:nvSpPr>
+          <p:cNvPr id="22" name="Title 21">
+            <a:extLst>
+              <a:ext uri="{FF2B5EF4-FFF2-40B4-BE49-F238E27FC236}">
+                <a16:creationId xmlns:a16="http://schemas.microsoft.com/office/drawing/2014/main" id="{F8FAEED9-1ECD-45F9-87A0-9394BAEABB79}"/>
+              </a:ext>
+            </a:extLst>
+          </p:cNvPr>
+          <p:cNvSpPr>
+            <a:spLocks noGrp="1"/>
+          </p:cNvSpPr>
+          <p:nvPr>
+            <p:ph type="ctrTitle" idx="4294967295"/>
+          </p:nvPr>
+        </p:nvSpPr>
+        <p:spPr>
+          <a:xfrm>
+            <a:off x="0" y="-1903413"/>
+            <a:ext cx="5435600" cy="2986088"/>
+          </a:xfrm>
+        </p:spPr>
+        <p:txBody>
+          <a:bodyPr/>
+          <a:lstStyle/>
+          <a:p>
+            <a:r>
+              <a:rPr lang="en-US" dirty="0"/>
+              <a:t>Thank You!</a:t>
+            </a:r>
+          </a:p>
+        </p:txBody>
+      </p:sp>
+      <p:sp>
+        <p:nvSpPr>
+          <p:cNvPr id="10" name="TextBox 9">
+            <a:extLst>
+              <a:ext uri="{FF2B5EF4-FFF2-40B4-BE49-F238E27FC236}">
+                <a16:creationId xmlns:a16="http://schemas.microsoft.com/office/drawing/2014/main" id="{A9FD6ED5-BFAD-27B9-53E3-5BFC13239383}"/>
+              </a:ext>
+            </a:extLst>
+          </p:cNvPr>
+          <p:cNvSpPr txBox="1"/>
+          <p:nvPr/>
+        </p:nvSpPr>
+        <p:spPr>
+          <a:xfrm>
+            <a:off x="349888" y="185470"/>
+            <a:ext cx="6406514" cy="646331"/>
+          </a:xfrm>
+          <a:prstGeom prst="rect">
+            <a:avLst/>
+          </a:prstGeom>
+          <a:noFill/>
+        </p:spPr>
+        <p:txBody>
+          <a:bodyPr wrap="square">
+            <a:spAutoFit/>
+          </a:bodyPr>
+          <a:lstStyle/>
+          <a:p>
+            <a:r>
+              <a:rPr lang="en-US" sz="3600" dirty="0"/>
+              <a:t>Conclusion and Discussion</a:t>
+            </a:r>
+          </a:p>
+        </p:txBody>
+      </p:sp>
+      <p:pic>
+        <p:nvPicPr>
+          <p:cNvPr id="17" name="Picture 16">
+            <a:extLst>
+              <a:ext uri="{FF2B5EF4-FFF2-40B4-BE49-F238E27FC236}">
+                <a16:creationId xmlns:a16="http://schemas.microsoft.com/office/drawing/2014/main" id="{830918E1-7BF9-F690-763B-A71A7B70B933}"/>
+              </a:ext>
+            </a:extLst>
+          </p:cNvPr>
+          <p:cNvPicPr>
+            <a:picLocks noChangeAspect="1"/>
+          </p:cNvPicPr>
+          <p:nvPr/>
+        </p:nvPicPr>
+        <p:blipFill rotWithShape="1">
+          <a:blip r:embed="rId2"/>
+          <a:srcRect l="13054"/>
+          <a:stretch/>
+        </p:blipFill>
+        <p:spPr>
+          <a:xfrm>
+            <a:off x="6096000" y="1457442"/>
+            <a:ext cx="5249498" cy="4489442"/>
+          </a:xfrm>
+          <a:prstGeom prst="rect">
+            <a:avLst/>
+          </a:prstGeom>
+        </p:spPr>
+      </p:pic>
+      <p:sp>
+        <p:nvSpPr>
+          <p:cNvPr id="18" name="Title 10">
+            <a:extLst>
+              <a:ext uri="{FF2B5EF4-FFF2-40B4-BE49-F238E27FC236}">
+                <a16:creationId xmlns:a16="http://schemas.microsoft.com/office/drawing/2014/main" id="{5D500380-579E-6D34-AD8C-52F4D76842C0}"/>
+              </a:ext>
+            </a:extLst>
+          </p:cNvPr>
+          <p:cNvSpPr txBox="1">
+            <a:spLocks/>
+          </p:cNvSpPr>
+          <p:nvPr/>
+        </p:nvSpPr>
+        <p:spPr>
+          <a:xfrm>
+            <a:off x="417098" y="2920684"/>
+            <a:ext cx="6017992" cy="1562959"/>
+          </a:xfrm>
+          <a:prstGeom prst="rect">
+            <a:avLst/>
+          </a:prstGeom>
+          <a:ln>
+            <a:noFill/>
+          </a:ln>
+        </p:spPr>
+        <p:txBody>
+          <a:bodyPr anchor="ctr"/>
+          <a:lstStyle>
+            <a:lvl1pPr algn="l" defTabSz="914400" rtl="0" eaLnBrk="1" latinLnBrk="0" hangingPunct="1">
+              <a:lnSpc>
+                <a:spcPct val="90000"/>
+              </a:lnSpc>
+              <a:spcBef>
+                <a:spcPct val="0"/>
+              </a:spcBef>
+              <a:buNone/>
+              <a:defRPr lang="en-US" sz="4800" kern="1200" dirty="0">
+                <a:solidFill>
+                  <a:schemeClr val="tx1"/>
+                </a:solidFill>
+                <a:latin typeface="+mj-lt"/>
+                <a:ea typeface="+mj-ea"/>
+                <a:cs typeface="+mj-cs"/>
+              </a:defRPr>
+            </a:lvl1pPr>
+          </a:lstStyle>
+          <a:p>
+            <a:r>
+              <a:rPr lang="en-US" dirty="0">
+                <a:solidFill>
+                  <a:srgbClr val="FFFF00"/>
+                </a:solidFill>
+              </a:rPr>
+              <a:t>With the magic of </a:t>
+            </a:r>
+            <a:r>
+              <a:rPr lang="en-US" dirty="0">
+                <a:solidFill>
+                  <a:srgbClr val="FF0000"/>
+                </a:solidFill>
+              </a:rPr>
+              <a:t>NMA</a:t>
+            </a:r>
+            <a:r>
+              <a:rPr lang="en-US" dirty="0">
+                <a:solidFill>
+                  <a:srgbClr val="FFFF00"/>
+                </a:solidFill>
+              </a:rPr>
+              <a:t>, we can estimate the relative treatment effect </a:t>
+            </a:r>
+            <a:r>
+              <a:rPr lang="en-US" dirty="0">
+                <a:solidFill>
+                  <a:srgbClr val="FF0000"/>
+                </a:solidFill>
+              </a:rPr>
+              <a:t>without</a:t>
+            </a:r>
+            <a:r>
+              <a:rPr lang="en-US" dirty="0">
+                <a:solidFill>
+                  <a:srgbClr val="FFFF00"/>
+                </a:solidFill>
+              </a:rPr>
+              <a:t> direct evidence</a:t>
+            </a:r>
+          </a:p>
+        </p:txBody>
+      </p:sp>
+    </p:spTree>
+    <p:extLst>
+      <p:ext uri="{BB962C8B-B14F-4D97-AF65-F5344CB8AC3E}">
+        <p14:creationId xmlns:p14="http://schemas.microsoft.com/office/powerpoint/2010/main" val="3247798845"/>
+      </p:ext>
+    </p:extLst>
+  </p:cSld>
+  <p:clrMapOvr>
+    <a:masterClrMapping/>
+  </p:clrMapOvr>
+</p:sld>
+</file>
+
+<file path=ppt/slides/slide17.xml><?xml version="1.0" encoding="utf-8"?>
+<p:sld xmlns:a="http://schemas.openxmlformats.org/drawingml/2006/main" xmlns:r="http://schemas.openxmlformats.org/officeDocument/2006/relationships" xmlns:p="http://schemas.openxmlformats.org/presentationml/2006/main">
+  <p:cSld>
+    <p:spTree>
+      <p:nvGrpSpPr>
+        <p:cNvPr id="1" name=""/>
+        <p:cNvGrpSpPr/>
+        <p:nvPr/>
+      </p:nvGrpSpPr>
+      <p:grpSpPr>
+        <a:xfrm>
+          <a:off x="0" y="0"/>
+          <a:ext cx="0" cy="0"/>
+          <a:chOff x="0" y="0"/>
+          <a:chExt cx="0" cy="0"/>
+        </a:xfrm>
+      </p:grpSpPr>
+      <p:sp>
+        <p:nvSpPr>
+          <p:cNvPr id="6" name="Slide Number Placeholder 5">
+            <a:extLst>
+              <a:ext uri="{FF2B5EF4-FFF2-40B4-BE49-F238E27FC236}">
+                <a16:creationId xmlns:a16="http://schemas.microsoft.com/office/drawing/2014/main" id="{36E60F23-FB58-4EF8-82FD-E86CED25FDD4}"/>
+              </a:ext>
+            </a:extLst>
+          </p:cNvPr>
+          <p:cNvSpPr>
+            <a:spLocks noGrp="1"/>
+          </p:cNvSpPr>
+          <p:nvPr>
+            <p:ph type="sldNum" sz="quarter" idx="12"/>
+          </p:nvPr>
+        </p:nvSpPr>
+        <p:spPr/>
+        <p:txBody>
+          <a:bodyPr/>
+          <a:lstStyle/>
+          <a:p>
+            <a:fld id="{DBA1B0FB-D917-4C8C-928F-313BD683BF39}" type="slidenum">
+              <a:rPr lang="en-US" smtClean="0"/>
+              <a:pPr/>
+              <a:t>17</a:t>
+            </a:fld>
+            <a:endParaRPr lang="en-US"/>
+          </a:p>
+        </p:txBody>
+      </p:sp>
+      <p:sp>
+        <p:nvSpPr>
+          <p:cNvPr id="22" name="Title 21">
+            <a:extLst>
+              <a:ext uri="{FF2B5EF4-FFF2-40B4-BE49-F238E27FC236}">
+                <a16:creationId xmlns:a16="http://schemas.microsoft.com/office/drawing/2014/main" id="{F8FAEED9-1ECD-45F9-87A0-9394BAEABB79}"/>
+              </a:ext>
+            </a:extLst>
+          </p:cNvPr>
+          <p:cNvSpPr>
+            <a:spLocks noGrp="1"/>
+          </p:cNvSpPr>
+          <p:nvPr>
+            <p:ph type="ctrTitle" idx="4294967295"/>
+          </p:nvPr>
+        </p:nvSpPr>
+        <p:spPr>
+          <a:xfrm>
+            <a:off x="0" y="-1903413"/>
+            <a:ext cx="5435600" cy="2986088"/>
+          </a:xfrm>
+        </p:spPr>
+        <p:txBody>
+          <a:bodyPr/>
+          <a:lstStyle/>
+          <a:p>
+            <a:r>
+              <a:rPr lang="en-US" dirty="0"/>
+              <a:t>Thank You!</a:t>
+            </a:r>
+          </a:p>
+        </p:txBody>
+      </p:sp>
+      <p:sp>
+        <p:nvSpPr>
+          <p:cNvPr id="10" name="TextBox 9">
+            <a:extLst>
+              <a:ext uri="{FF2B5EF4-FFF2-40B4-BE49-F238E27FC236}">
+                <a16:creationId xmlns:a16="http://schemas.microsoft.com/office/drawing/2014/main" id="{A9FD6ED5-BFAD-27B9-53E3-5BFC13239383}"/>
+              </a:ext>
+            </a:extLst>
+          </p:cNvPr>
+          <p:cNvSpPr txBox="1"/>
+          <p:nvPr/>
+        </p:nvSpPr>
+        <p:spPr>
+          <a:xfrm>
+            <a:off x="349888" y="185470"/>
+            <a:ext cx="6406514" cy="646331"/>
+          </a:xfrm>
+          <a:prstGeom prst="rect">
+            <a:avLst/>
+          </a:prstGeom>
+          <a:noFill/>
+        </p:spPr>
+        <p:txBody>
+          <a:bodyPr wrap="square">
+            <a:spAutoFit/>
+          </a:bodyPr>
+          <a:lstStyle/>
+          <a:p>
+            <a:r>
+              <a:rPr lang="en-US" sz="3600" dirty="0"/>
+              <a:t>Reference</a:t>
+            </a:r>
+          </a:p>
+        </p:txBody>
+      </p:sp>
+      <p:sp>
+        <p:nvSpPr>
+          <p:cNvPr id="12" name="TextBox 11">
+            <a:extLst>
+              <a:ext uri="{FF2B5EF4-FFF2-40B4-BE49-F238E27FC236}">
+                <a16:creationId xmlns:a16="http://schemas.microsoft.com/office/drawing/2014/main" id="{68BC74A9-43C7-F252-7A96-FE41725F0AD1}"/>
+              </a:ext>
+            </a:extLst>
+          </p:cNvPr>
+          <p:cNvSpPr txBox="1"/>
+          <p:nvPr/>
+        </p:nvSpPr>
+        <p:spPr>
+          <a:xfrm>
+            <a:off x="550863" y="956241"/>
+            <a:ext cx="11090274" cy="4377737"/>
+          </a:xfrm>
+          <a:prstGeom prst="rect">
+            <a:avLst/>
+          </a:prstGeom>
+          <a:noFill/>
+        </p:spPr>
+        <p:txBody>
+          <a:bodyPr wrap="square">
+            <a:spAutoFit/>
+          </a:bodyPr>
+          <a:lstStyle/>
+          <a:p>
+            <a:pPr marL="285750" indent="-285750">
+              <a:lnSpc>
+                <a:spcPct val="110000"/>
+              </a:lnSpc>
+              <a:spcBef>
+                <a:spcPts val="1000"/>
+              </a:spcBef>
+              <a:spcAft>
+                <a:spcPts val="800"/>
+              </a:spcAft>
+              <a:buFont typeface="Wingdings" panose="05000000000000000000" pitchFamily="2" charset="2"/>
+              <a:buChar char="q"/>
+            </a:pPr>
+            <a:r>
+              <a:rPr lang="en-US" sz="2000" dirty="0">
+                <a:solidFill>
+                  <a:schemeClr val="tx1">
+                    <a:alpha val="60000"/>
+                  </a:schemeClr>
+                </a:solidFill>
+              </a:rPr>
+              <a:t>Cipriani, A., Higgins, J. P., Geddes, J. R., &amp; </a:t>
+            </a:r>
+            <a:r>
+              <a:rPr lang="en-US" sz="2000" dirty="0" err="1">
+                <a:solidFill>
+                  <a:schemeClr val="tx1">
+                    <a:alpha val="60000"/>
+                  </a:schemeClr>
+                </a:solidFill>
+              </a:rPr>
+              <a:t>Salanti</a:t>
+            </a:r>
+            <a:r>
+              <a:rPr lang="en-US" sz="2000" dirty="0">
+                <a:solidFill>
+                  <a:schemeClr val="tx1">
+                    <a:alpha val="60000"/>
+                  </a:schemeClr>
+                </a:solidFill>
+              </a:rPr>
+              <a:t>, G. (2013). Conceptual and technical challenges in network meta-analysis. Annals of internal medicine, 159(2), 130-137.</a:t>
+            </a:r>
+          </a:p>
+          <a:p>
+            <a:pPr marL="285750" indent="-285750">
+              <a:lnSpc>
+                <a:spcPct val="110000"/>
+              </a:lnSpc>
+              <a:spcBef>
+                <a:spcPts val="1000"/>
+              </a:spcBef>
+              <a:spcAft>
+                <a:spcPts val="800"/>
+              </a:spcAft>
+              <a:buFont typeface="Wingdings" panose="05000000000000000000" pitchFamily="2" charset="2"/>
+              <a:buChar char="q"/>
+            </a:pPr>
+            <a:r>
+              <a:rPr lang="en-US" sz="2000" dirty="0">
+                <a:solidFill>
+                  <a:schemeClr val="tx1">
+                    <a:alpha val="60000"/>
+                  </a:schemeClr>
+                </a:solidFill>
+              </a:rPr>
+              <a:t>Owen, R. K., Bradbury, N., Xin, Y., Cooper, N., &amp; Sutton, A. (2019). </a:t>
+            </a:r>
+            <a:r>
+              <a:rPr lang="en-US" sz="2000" dirty="0" err="1">
+                <a:solidFill>
+                  <a:schemeClr val="tx1">
+                    <a:alpha val="60000"/>
+                  </a:schemeClr>
+                </a:solidFill>
+              </a:rPr>
+              <a:t>MetaInsight</a:t>
+            </a:r>
+            <a:r>
+              <a:rPr lang="en-US" sz="2000" dirty="0">
+                <a:solidFill>
+                  <a:schemeClr val="tx1">
+                    <a:alpha val="60000"/>
+                  </a:schemeClr>
+                </a:solidFill>
+              </a:rPr>
+              <a:t>: An interactive web‐based tool for analyzing, interrogating, and visualizing network meta‐analyses using R‐shiny and </a:t>
+            </a:r>
+            <a:r>
+              <a:rPr lang="en-US" sz="2000" dirty="0" err="1">
+                <a:solidFill>
+                  <a:schemeClr val="tx1">
+                    <a:alpha val="60000"/>
+                  </a:schemeClr>
+                </a:solidFill>
+              </a:rPr>
+              <a:t>netmeta</a:t>
+            </a:r>
+            <a:r>
+              <a:rPr lang="en-US" sz="2000" dirty="0">
+                <a:solidFill>
+                  <a:schemeClr val="tx1">
+                    <a:alpha val="60000"/>
+                  </a:schemeClr>
+                </a:solidFill>
+              </a:rPr>
+              <a:t>. Research synthesis methods, 10(4), 569-581.</a:t>
+            </a:r>
+          </a:p>
+          <a:p>
+            <a:pPr marL="285750" indent="-285750">
+              <a:lnSpc>
+                <a:spcPct val="110000"/>
+              </a:lnSpc>
+              <a:spcBef>
+                <a:spcPts val="1000"/>
+              </a:spcBef>
+              <a:spcAft>
+                <a:spcPts val="800"/>
+              </a:spcAft>
+              <a:buFont typeface="Wingdings" panose="05000000000000000000" pitchFamily="2" charset="2"/>
+              <a:buChar char="q"/>
+            </a:pPr>
+            <a:r>
+              <a:rPr lang="en-US" sz="2000" dirty="0">
+                <a:solidFill>
+                  <a:schemeClr val="tx1">
+                    <a:alpha val="60000"/>
+                  </a:schemeClr>
+                </a:solidFill>
+              </a:rPr>
+              <a:t>Rouse, B., </a:t>
+            </a:r>
+            <a:r>
+              <a:rPr lang="en-US" sz="2000" dirty="0" err="1">
+                <a:solidFill>
+                  <a:schemeClr val="tx1">
+                    <a:alpha val="60000"/>
+                  </a:schemeClr>
+                </a:solidFill>
+              </a:rPr>
+              <a:t>Chaimani</a:t>
+            </a:r>
+            <a:r>
+              <a:rPr lang="en-US" sz="2000" dirty="0">
+                <a:solidFill>
+                  <a:schemeClr val="tx1">
+                    <a:alpha val="60000"/>
+                  </a:schemeClr>
+                </a:solidFill>
+              </a:rPr>
+              <a:t>, A., &amp; Li, T. (2017). Network meta-analysis: an introduction for clinicians. Internal and emergency medicine, 12, 103-111.</a:t>
+            </a:r>
+          </a:p>
+          <a:p>
+            <a:pPr marL="285750" indent="-285750">
+              <a:lnSpc>
+                <a:spcPct val="110000"/>
+              </a:lnSpc>
+              <a:spcBef>
+                <a:spcPts val="1000"/>
+              </a:spcBef>
+              <a:spcAft>
+                <a:spcPts val="800"/>
+              </a:spcAft>
+              <a:buFont typeface="Wingdings" panose="05000000000000000000" pitchFamily="2" charset="2"/>
+              <a:buChar char="q"/>
+            </a:pPr>
+            <a:r>
+              <a:rPr lang="de-DE" sz="2000" dirty="0">
+                <a:solidFill>
+                  <a:srgbClr val="FFFF00">
+                    <a:alpha val="60000"/>
+                  </a:srgbClr>
+                </a:solidFill>
+              </a:rPr>
+              <a:t>Schwarzer, G., Carpenter, J. R., &amp; Rücker, G. (2015). Meta-analysis with R (Vol. 4784). Cham: springer.</a:t>
+            </a:r>
+          </a:p>
+          <a:p>
+            <a:pPr marL="285750" indent="-285750">
+              <a:lnSpc>
+                <a:spcPct val="110000"/>
+              </a:lnSpc>
+              <a:spcBef>
+                <a:spcPts val="1000"/>
+              </a:spcBef>
+              <a:spcAft>
+                <a:spcPts val="800"/>
+              </a:spcAft>
+              <a:buFont typeface="Wingdings" panose="05000000000000000000" pitchFamily="2" charset="2"/>
+              <a:buChar char="q"/>
+            </a:pPr>
+            <a:r>
+              <a:rPr lang="en-US" sz="2000" dirty="0">
+                <a:solidFill>
+                  <a:schemeClr val="tx1">
+                    <a:alpha val="60000"/>
+                  </a:schemeClr>
+                </a:solidFill>
+              </a:rPr>
+              <a:t>Shim, S. R., Kim, S. J., Lee, J., &amp; </a:t>
+            </a:r>
+            <a:r>
+              <a:rPr lang="en-US" sz="2000" dirty="0" err="1">
+                <a:solidFill>
+                  <a:schemeClr val="tx1">
+                    <a:alpha val="60000"/>
+                  </a:schemeClr>
+                </a:solidFill>
+              </a:rPr>
+              <a:t>Rücker</a:t>
+            </a:r>
+            <a:r>
+              <a:rPr lang="en-US" sz="2000" dirty="0">
+                <a:solidFill>
+                  <a:schemeClr val="tx1">
+                    <a:alpha val="60000"/>
+                  </a:schemeClr>
+                </a:solidFill>
+              </a:rPr>
+              <a:t>, G. (2019). Network meta-analysis: application and practice using R software. Epidemiology and health, 41.</a:t>
+            </a:r>
+          </a:p>
+        </p:txBody>
+      </p:sp>
+    </p:spTree>
+    <p:extLst>
+      <p:ext uri="{BB962C8B-B14F-4D97-AF65-F5344CB8AC3E}">
+        <p14:creationId xmlns:p14="http://schemas.microsoft.com/office/powerpoint/2010/main" val="61563893"/>
+      </p:ext>
+    </p:extLst>
+  </p:cSld>
+  <p:clrMapOvr>
+    <a:masterClrMapping/>
+  </p:clrMapOvr>
+</p:sld>
+</file>
+
+<file path=ppt/slides/slide18.xml><?xml version="1.0" encoding="utf-8"?>
+<p:sld xmlns:a="http://schemas.openxmlformats.org/drawingml/2006/main" xmlns:r="http://schemas.openxmlformats.org/officeDocument/2006/relationships" xmlns:p="http://schemas.openxmlformats.org/presentationml/2006/main">
+  <p:cSld>
+    <p:spTree>
+      <p:nvGrpSpPr>
+        <p:cNvPr id="1" name=""/>
+        <p:cNvGrpSpPr/>
+        <p:nvPr/>
+      </p:nvGrpSpPr>
+      <p:grpSpPr>
+        <a:xfrm>
+          <a:off x="0" y="0"/>
+          <a:ext cx="0" cy="0"/>
+          <a:chOff x="0" y="0"/>
+          <a:chExt cx="0" cy="0"/>
+        </a:xfrm>
+      </p:grpSpPr>
+      <p:sp>
+        <p:nvSpPr>
           <p:cNvPr id="22" name="Title 21">
             <a:extLst>
               <a:ext uri="{FF2B5EF4-FFF2-40B4-BE49-F238E27FC236}">
@@ -19285,7 +19929,7 @@
         </p:nvSpPr>
         <p:spPr>
           <a:xfrm>
-            <a:off x="550863" y="549275"/>
+            <a:off x="358299" y="188192"/>
             <a:ext cx="5437187" cy="2986234"/>
           </a:xfrm>
         </p:spPr>
@@ -19295,7 +19939,7 @@
           <a:p>
             <a:r>
               <a:rPr lang="en-US" dirty="0"/>
-              <a:t>Thank You</a:t>
+              <a:t>Thank You!</a:t>
             </a:r>
           </a:p>
         </p:txBody>
@@ -19318,7 +19962,7 @@
         </p:nvSpPr>
         <p:spPr>
           <a:xfrm>
-            <a:off x="550863" y="3827610"/>
+            <a:off x="461168" y="3273352"/>
             <a:ext cx="5437187" cy="2265216"/>
           </a:xfrm>
         </p:spPr>
@@ -19508,7 +20152,7 @@
             <a:fld id="{DBA1B0FB-D917-4C8C-928F-313BD683BF39}" type="slidenum">
               <a:rPr lang="en-US" smtClean="0"/>
               <a:pPr/>
-              <a:t>16</a:t>
+              <a:t>18</a:t>
             </a:fld>
             <a:endParaRPr lang="en-US"/>
           </a:p>
@@ -19536,7 +20180,7 @@
         </p:blipFill>
         <p:spPr>
           <a:xfrm>
-            <a:off x="9296683" y="4010525"/>
+            <a:off x="9131006" y="3658720"/>
             <a:ext cx="2188312" cy="2182317"/>
           </a:xfrm>
           <a:prstGeom prst="rect">
@@ -19558,7 +20202,7 @@
         </p:nvSpPr>
         <p:spPr>
           <a:xfrm>
-            <a:off x="7420217" y="6291768"/>
+            <a:off x="6718610" y="5908160"/>
             <a:ext cx="6097772" cy="369332"/>
           </a:xfrm>
           <a:prstGeom prst="rect">
@@ -19591,7 +20235,7 @@
     </p:spTree>
     <p:extLst>
       <p:ext uri="{BB962C8B-B14F-4D97-AF65-F5344CB8AC3E}">
-        <p14:creationId xmlns:p14="http://schemas.microsoft.com/office/powerpoint/2010/main" val="3247798845"/>
+        <p14:creationId xmlns:p14="http://schemas.microsoft.com/office/powerpoint/2010/main" val="4088399696"/>
       </p:ext>
     </p:extLst>
   </p:cSld>
@@ -21000,8 +21644,8 @@
         </p:nvSpPr>
         <p:spPr>
           <a:xfrm>
-            <a:off x="550863" y="3827610"/>
-            <a:ext cx="5988160" cy="1839543"/>
+            <a:off x="353667" y="3811101"/>
+            <a:ext cx="6214935" cy="2396660"/>
           </a:xfrm>
           <a:solidFill>
             <a:schemeClr val="accent6">
@@ -21026,7 +21670,19 @@
                 <a:ea typeface="+mn-ea"/>
                 <a:cs typeface="+mn-cs"/>
               </a:rPr>
-              <a:t>Is it possible to estimate the relative treatment effect </a:t>
+              <a:t>Without existing literature/trial data, </a:t>
+            </a:r>
+            <a:r>
+              <a:rPr lang="en-US" sz="2800" b="1" dirty="0"/>
+              <a:t>i</a:t>
+            </a:r>
+            <a:r>
+              <a:rPr lang="en-US" sz="2800" b="1" kern="1200" dirty="0">
+                <a:latin typeface="+mn-lt"/>
+                <a:ea typeface="+mn-ea"/>
+                <a:cs typeface="+mn-cs"/>
+              </a:rPr>
+              <a:t>s it possible to estimate the relative treatment effect </a:t>
             </a:r>
             <a:r>
               <a:rPr lang="en-US" sz="2800" b="1" dirty="0"/>
@@ -21556,7 +22212,7 @@
         </p:nvSpPr>
         <p:spPr>
           <a:xfrm>
-            <a:off x="355441" y="4436364"/>
+            <a:off x="176336" y="3464814"/>
             <a:ext cx="2503233" cy="1562959"/>
           </a:xfrm>
           <a:ln>
@@ -21777,8 +22433,8 @@
         </p:nvSpPr>
         <p:spPr>
           <a:xfrm>
-            <a:off x="3108960" y="3429000"/>
-            <a:ext cx="8727599" cy="3078212"/>
+            <a:off x="2903219" y="3429000"/>
+            <a:ext cx="9021005" cy="3078212"/>
           </a:xfrm>
           <a:noFill/>
         </p:spPr>
@@ -21798,7 +22454,7 @@
             </a:pPr>
             <a:r>
               <a:rPr lang="en-US" kern="0" dirty="0"/>
-              <a:t>NMA is an extension to ordinary pairwise meta-analysis.</a:t>
+              <a:t>NMA is an extension of pairwise meta-analysis.</a:t>
             </a:r>
           </a:p>
           <a:p>
@@ -21829,7 +22485,7 @@
               </a:spcAft>
             </a:pPr>
             <a:r>
-              <a:rPr lang="en-US" dirty="0">
+              <a:rPr lang="en-US" b="1" dirty="0">
                 <a:solidFill>
                   <a:srgbClr val="FFFF00">
                     <a:alpha val="60000"/>
@@ -21892,7 +22548,7 @@
             </a:r>
             <a:r>
               <a:rPr lang="en-US" kern="0" dirty="0"/>
-              <a:t>, mixed treatment comparison.</a:t>
+              <a:t>, mixed treatment comparison (MTC).</a:t>
             </a:r>
           </a:p>
           <a:p>
@@ -22015,7 +22671,7 @@
         </p:blipFill>
         <p:spPr>
           <a:xfrm>
-            <a:off x="7089416" y="1897770"/>
+            <a:off x="7089416" y="1600590"/>
             <a:ext cx="4800600" cy="4064443"/>
           </a:xfrm>
           <a:prstGeom prst="rect">
@@ -22050,53 +22706,13 @@
           <a:lstStyle/>
           <a:p>
             <a:r>
-              <a:rPr lang="en-US" dirty="0">
+              <a:rPr lang="en-US" sz="4000" dirty="0">
                 <a:solidFill>
                   <a:schemeClr val="tx1"/>
                 </a:solidFill>
               </a:rPr>
               <a:t>Conceptual Idea of Network Meta-Analysis (NMA)</a:t>
             </a:r>
-          </a:p>
-        </p:txBody>
-      </p:sp>
-      <p:sp>
-        <p:nvSpPr>
-          <p:cNvPr id="4" name="Slide Number Placeholder 3">
-            <a:extLst>
-              <a:ext uri="{FF2B5EF4-FFF2-40B4-BE49-F238E27FC236}">
-                <a16:creationId xmlns:a16="http://schemas.microsoft.com/office/drawing/2014/main" id="{9268D397-33F9-BA93-B11C-572F416FE27A}"/>
-              </a:ext>
-            </a:extLst>
-          </p:cNvPr>
-          <p:cNvSpPr>
-            <a:spLocks noGrp="1"/>
-          </p:cNvSpPr>
-          <p:nvPr>
-            <p:ph type="sldNum" sz="quarter" idx="4"/>
-          </p:nvPr>
-        </p:nvSpPr>
-        <p:spPr>
-          <a:xfrm>
-            <a:off x="8625002" y="5840898"/>
-            <a:ext cx="488157" cy="304271"/>
-          </a:xfrm>
-        </p:spPr>
-        <p:txBody>
-          <a:bodyPr/>
-          <a:lstStyle/>
-          <a:p>
-            <a:pPr>
-              <a:defRPr/>
-            </a:pPr>
-            <a:fld id="{395813C6-9C95-1340-82BD-C1A713B83084}" type="slidenum">
-              <a:rPr lang="en-IN" smtClean="0"/>
-              <a:pPr>
-                <a:defRPr/>
-              </a:pPr>
-              <a:t>5</a:t>
-            </a:fld>
-            <a:endParaRPr lang="en-IN"/>
           </a:p>
         </p:txBody>
       </p:sp>
@@ -22114,7 +22730,7 @@
         </p:nvSpPr>
         <p:spPr>
           <a:xfrm>
-            <a:off x="378644" y="1859379"/>
+            <a:off x="195764" y="1287879"/>
             <a:ext cx="6245973" cy="1569660"/>
           </a:xfrm>
           <a:prstGeom prst="rect">
@@ -22228,7 +22844,7 @@
                   <a:srgbClr val="FF0000"/>
                 </a:solidFill>
               </a:rPr>
-              <a:t>Goal:  aim to estimate the relative treatment effect between H and N</a:t>
+              <a:t>Goal:  Estimate the relative treatment effect between H and N</a:t>
             </a:r>
           </a:p>
         </p:txBody>
@@ -22247,7 +22863,7 @@
         </p:nvGrpSpPr>
         <p:grpSpPr>
           <a:xfrm>
-            <a:off x="837749" y="5324867"/>
+            <a:off x="-1211746" y="5386417"/>
             <a:ext cx="6553200" cy="662397"/>
             <a:chOff x="1449118" y="5536693"/>
             <a:chExt cx="6553200" cy="662397"/>
@@ -22759,8 +23375,8 @@
           </mc:Fallback>
         </mc:AlternateContent>
       </p:grpSp>
-      <mc:AlternateContent xmlns:mc="http://schemas.openxmlformats.org/markup-compatibility/2006" xmlns:a14="http://schemas.microsoft.com/office/drawing/2010/main">
-        <mc:Choice Requires="a14">
+      <mc:AlternateContent xmlns:mc="http://schemas.openxmlformats.org/markup-compatibility/2006">
+        <mc:Choice xmlns:a14="http://schemas.microsoft.com/office/drawing/2010/main" Requires="a14">
           <p:sp>
             <p:nvSpPr>
               <p:cNvPr id="139" name="TextBox 138">
@@ -22775,7 +23391,7 @@
             </p:nvSpPr>
             <p:spPr>
               <a:xfrm>
-                <a:off x="381417" y="3353237"/>
+                <a:off x="198537" y="3056057"/>
                 <a:ext cx="7002858" cy="1815882"/>
               </a:xfrm>
               <a:prstGeom prst="rect">
@@ -23240,7 +23856,7 @@
             </p:txBody>
           </p:sp>
         </mc:Choice>
-        <mc:Fallback xmlns="">
+        <mc:Fallback>
           <p:sp>
             <p:nvSpPr>
               <p:cNvPr id="139" name="TextBox 138">
@@ -23257,7 +23873,7 @@
             </p:nvSpPr>
             <p:spPr>
               <a:xfrm>
-                <a:off x="381417" y="3353237"/>
+                <a:off x="198537" y="3056057"/>
                 <a:ext cx="7002858" cy="1815882"/>
               </a:xfrm>
               <a:prstGeom prst="rect">
@@ -23299,7 +23915,7 @@
         </p:nvGrpSpPr>
         <p:grpSpPr>
           <a:xfrm>
-            <a:off x="4653709" y="2382896"/>
+            <a:off x="4653709" y="2085716"/>
             <a:ext cx="8850397" cy="2864003"/>
             <a:chOff x="3903881" y="3033899"/>
             <a:chExt cx="8850397" cy="2864003"/>
@@ -24195,7 +24811,7 @@
             </p:nvSpPr>
             <p:spPr>
               <a:xfrm>
-                <a:off x="6727040" y="4982800"/>
+                <a:off x="6727040" y="4685620"/>
                 <a:ext cx="6910938" cy="823302"/>
               </a:xfrm>
               <a:prstGeom prst="rect">
@@ -24209,7 +24825,6 @@
               </a:bodyPr>
               <a:lstStyle/>
               <a:p>
-                <a:pPr/>
                 <a:endParaRPr lang="en-US" sz="1200" b="1" i="1" kern="0" dirty="0">
                   <a:solidFill>
                     <a:srgbClr val="00B050"/>
@@ -24573,7 +25188,7 @@
             </p:nvSpPr>
             <p:spPr>
               <a:xfrm>
-                <a:off x="6727040" y="4982800"/>
+                <a:off x="6727040" y="4685620"/>
                 <a:ext cx="6910938" cy="823302"/>
               </a:xfrm>
               <a:prstGeom prst="rect">
@@ -24615,7 +25230,7 @@
         </p:nvSpPr>
         <p:spPr>
           <a:xfrm>
-            <a:off x="9483584" y="4915376"/>
+            <a:off x="9483584" y="4618196"/>
             <a:ext cx="2142318" cy="184666"/>
           </a:xfrm>
           <a:prstGeom prst="rect">
@@ -24656,7 +25271,7 @@
         </p:nvSpPr>
         <p:spPr>
           <a:xfrm>
-            <a:off x="7089416" y="1181039"/>
+            <a:off x="7089416" y="883859"/>
             <a:ext cx="4800600" cy="738664"/>
           </a:xfrm>
           <a:prstGeom prst="rect">
@@ -24674,7 +25289,7 @@
           <a:p>
             <a:pPr algn="ctr"/>
             <a:r>
-              <a:rPr lang="en-US" sz="1400" dirty="0">
+              <a:rPr lang="en-US" sz="1400" b="1" dirty="0">
                 <a:solidFill>
                   <a:schemeClr val="bg1"/>
                 </a:solidFill>
@@ -24683,7 +25298,7 @@
               <a:t>Network </a:t>
             </a:r>
             <a:r>
-              <a:rPr lang="en-US" sz="1400" dirty="0">
+              <a:rPr lang="en-US" sz="1400" b="1" dirty="0">
                 <a:solidFill>
                   <a:schemeClr val="bg1"/>
                 </a:solidFill>
@@ -24691,7 +25306,7 @@
               <a:t>P</a:t>
             </a:r>
             <a:r>
-              <a:rPr lang="en-US" sz="1400" dirty="0">
+              <a:rPr lang="en-US" sz="1400" b="1" dirty="0">
                 <a:solidFill>
                   <a:schemeClr val="bg1"/>
                 </a:solidFill>
@@ -24755,8 +25370,8 @@
         </p:nvSpPr>
         <p:spPr>
           <a:xfrm>
-            <a:off x="297978" y="1837110"/>
-            <a:ext cx="6633140" cy="4185761"/>
+            <a:off x="185317" y="1145158"/>
+            <a:ext cx="6633140" cy="4832092"/>
           </a:xfrm>
           <a:prstGeom prst="rect">
             <a:avLst/>
@@ -24788,6 +25403,32 @@
               <a:solidFill>
                 <a:schemeClr val="bg1"/>
               </a:solidFill>
+              <a:latin typeface="+mn-lt"/>
+            </a:endParaRPr>
+          </a:p>
+          <a:p>
+            <a:pPr algn="ctr"/>
+            <a:endParaRPr lang="en-US" sz="1400" dirty="0">
+              <a:solidFill>
+                <a:schemeClr val="bg1"/>
+              </a:solidFill>
+            </a:endParaRPr>
+          </a:p>
+          <a:p>
+            <a:pPr algn="ctr"/>
+            <a:endParaRPr lang="en-US" sz="1400" dirty="0">
+              <a:solidFill>
+                <a:schemeClr val="bg1"/>
+              </a:solidFill>
+              <a:latin typeface="+mn-lt"/>
+            </a:endParaRPr>
+          </a:p>
+          <a:p>
+            <a:pPr algn="ctr"/>
+            <a:endParaRPr lang="en-US" sz="1400" dirty="0">
+              <a:solidFill>
+                <a:schemeClr val="bg1"/>
+              </a:solidFill>
             </a:endParaRPr>
           </a:p>
           <a:p>
@@ -24951,7 +25592,7 @@
         </p:nvSpPr>
         <p:spPr>
           <a:xfrm>
-            <a:off x="297979" y="1553221"/>
+            <a:off x="195764" y="880750"/>
             <a:ext cx="6633139" cy="316930"/>
           </a:xfrm>
           <a:prstGeom prst="rect">
@@ -24969,7 +25610,7 @@
           <a:p>
             <a:pPr algn="ctr"/>
             <a:r>
-              <a:rPr lang="en-US" sz="1400" dirty="0">
+              <a:rPr lang="en-US" sz="1400" b="1" dirty="0">
                 <a:solidFill>
                   <a:schemeClr val="bg1"/>
                 </a:solidFill>
@@ -24994,8 +25635,8 @@
         </p:nvSpPr>
         <p:spPr>
           <a:xfrm>
-            <a:off x="339640" y="5114329"/>
-            <a:ext cx="6876173" cy="307777"/>
+            <a:off x="195764" y="4865396"/>
+            <a:ext cx="5145690" cy="523220"/>
           </a:xfrm>
           <a:prstGeom prst="rect">
             <a:avLst/>
@@ -25018,7 +25659,21 @@
                 </a:highlight>
                 <a:sym typeface="Wingdings" panose="05000000000000000000" pitchFamily="2" charset="2"/>
               </a:rPr>
-              <a:t>Indirect Estimation Approach: Indirect Effect   =  Product of Direct Effects</a:t>
+              <a:t>Indirect Estimation Approach (Consistency; Transitivity)</a:t>
+            </a:r>
+          </a:p>
+          <a:p>
+            <a:r>
+              <a:rPr lang="en-US" sz="1400" b="1" kern="0" dirty="0">
+                <a:solidFill>
+                  <a:schemeClr val="bg1"/>
+                </a:solidFill>
+                <a:highlight>
+                  <a:srgbClr val="00FF00"/>
+                </a:highlight>
+                <a:sym typeface="Wingdings" panose="05000000000000000000" pitchFamily="2" charset="2"/>
+              </a:rPr>
+              <a:t>Indirect Estimation   =  Product of Direct Estimation </a:t>
             </a:r>
             <a:endParaRPr lang="en-US" sz="1400" dirty="0">
               <a:solidFill>
@@ -25045,7 +25700,7 @@
         </p:nvSpPr>
         <p:spPr>
           <a:xfrm>
-            <a:off x="8282610" y="5126789"/>
+            <a:off x="8282610" y="4875329"/>
             <a:ext cx="634613" cy="246221"/>
           </a:xfrm>
           <a:prstGeom prst="rect">
@@ -25088,7 +25743,7 @@
         </p:nvSpPr>
         <p:spPr>
           <a:xfrm>
-            <a:off x="9948863" y="6507212"/>
+            <a:off x="9948863" y="6210032"/>
             <a:ext cx="1692274" cy="153888"/>
           </a:xfrm>
           <a:prstGeom prst="rect">
@@ -25243,7 +25898,7 @@
         </p:nvSpPr>
         <p:spPr>
           <a:xfrm>
-            <a:off x="11130294" y="3818909"/>
+            <a:off x="11130294" y="3521729"/>
             <a:ext cx="713657" cy="292388"/>
           </a:xfrm>
           <a:prstGeom prst="rect">
@@ -25284,7 +25939,7 @@
         </p:nvSpPr>
         <p:spPr>
           <a:xfrm>
-            <a:off x="3008906" y="6045140"/>
+            <a:off x="673094" y="6036025"/>
             <a:ext cx="2839239" cy="646331"/>
           </a:xfrm>
           <a:prstGeom prst="rect">
@@ -25307,6 +25962,386 @@
             <a:r>
               <a:rPr lang="en-US" dirty="0"/>
               <a:t>(H – N) = (H – T) + (T – N)</a:t>
+            </a:r>
+          </a:p>
+        </p:txBody>
+      </p:sp>
+      <mc:AlternateContent xmlns:mc="http://schemas.openxmlformats.org/markup-compatibility/2006">
+        <mc:Choice xmlns:a14="http://schemas.microsoft.com/office/drawing/2010/main" Requires="a14">
+          <p:sp>
+            <p:nvSpPr>
+              <p:cNvPr id="7" name="TextBox 6">
+                <a:extLst>
+                  <a:ext uri="{FF2B5EF4-FFF2-40B4-BE49-F238E27FC236}">
+                    <a16:creationId xmlns:a16="http://schemas.microsoft.com/office/drawing/2014/main" id="{2BA3C155-A2AC-7052-C600-E4418626632A}"/>
+                  </a:ext>
+                </a:extLst>
+              </p:cNvPr>
+              <p:cNvSpPr txBox="1"/>
+              <p:nvPr/>
+            </p:nvSpPr>
+            <p:spPr>
+              <a:xfrm>
+                <a:off x="8053874" y="6036025"/>
+                <a:ext cx="3076420" cy="571951"/>
+              </a:xfrm>
+              <a:prstGeom prst="rect">
+                <a:avLst/>
+              </a:prstGeom>
+              <a:noFill/>
+            </p:spPr>
+            <p:txBody>
+              <a:bodyPr wrap="none" lIns="0" tIns="0" rIns="0" bIns="0" rtlCol="0">
+                <a:spAutoFit/>
+              </a:bodyPr>
+              <a:lstStyle/>
+              <a:p>
+                <a:pPr algn="ctr"/>
+                <a14:m>
+                  <m:oMath xmlns:m="http://schemas.openxmlformats.org/officeDocument/2006/math">
+                    <m:f>
+                      <m:fPr>
+                        <m:ctrlPr>
+                          <a:rPr lang="en-US" i="1" smtClean="0">
+                            <a:latin typeface="Cambria Math" panose="02040503050406030204" pitchFamily="18" charset="0"/>
+                          </a:rPr>
+                        </m:ctrlPr>
+                      </m:fPr>
+                      <m:num>
+                        <m:r>
+                          <a:rPr lang="en-US" b="0" i="1" smtClean="0">
+                            <a:latin typeface="Cambria Math" panose="02040503050406030204" pitchFamily="18" charset="0"/>
+                          </a:rPr>
+                          <m:t>1</m:t>
+                        </m:r>
+                      </m:num>
+                      <m:den>
+                        <m:r>
+                          <a:rPr lang="en-US" b="0" i="1" smtClean="0">
+                            <a:latin typeface="Cambria Math" panose="02040503050406030204" pitchFamily="18" charset="0"/>
+                          </a:rPr>
+                          <m:t>𝑉𝑎𝑟</m:t>
+                        </m:r>
+                        <m:d>
+                          <m:dPr>
+                            <m:ctrlPr>
+                              <a:rPr lang="en-US" b="0" i="1" smtClean="0">
+                                <a:latin typeface="Cambria Math" panose="02040503050406030204" pitchFamily="18" charset="0"/>
+                              </a:rPr>
+                            </m:ctrlPr>
+                          </m:dPr>
+                          <m:e>
+                            <m:sSub>
+                              <m:sSubPr>
+                                <m:ctrlPr>
+                                  <a:rPr lang="en-US" b="0" i="1" smtClean="0">
+                                    <a:latin typeface="Cambria Math" panose="02040503050406030204" pitchFamily="18" charset="0"/>
+                                  </a:rPr>
+                                </m:ctrlPr>
+                              </m:sSubPr>
+                              <m:e>
+                                <m:r>
+                                  <a:rPr lang="en-US" b="0" i="1" smtClean="0">
+                                    <a:latin typeface="Cambria Math" panose="02040503050406030204" pitchFamily="18" charset="0"/>
+                                  </a:rPr>
+                                  <m:t>𝑂𝑅</m:t>
+                                </m:r>
+                              </m:e>
+                              <m:sub>
+                                <m:f>
+                                  <m:fPr>
+                                    <m:ctrlPr>
+                                      <a:rPr lang="en-US" b="0" i="1" smtClean="0">
+                                        <a:latin typeface="Cambria Math" panose="02040503050406030204" pitchFamily="18" charset="0"/>
+                                      </a:rPr>
+                                    </m:ctrlPr>
+                                  </m:fPr>
+                                  <m:num>
+                                    <m:r>
+                                      <a:rPr lang="en-US" b="0" i="1" smtClean="0">
+                                        <a:latin typeface="Cambria Math" panose="02040503050406030204" pitchFamily="18" charset="0"/>
+                                      </a:rPr>
+                                      <m:t>𝐻</m:t>
+                                    </m:r>
+                                  </m:num>
+                                  <m:den>
+                                    <m:r>
+                                      <a:rPr lang="en-US" b="0" i="1" smtClean="0">
+                                        <a:latin typeface="Cambria Math" panose="02040503050406030204" pitchFamily="18" charset="0"/>
+                                      </a:rPr>
+                                      <m:t>𝑁</m:t>
+                                    </m:r>
+                                  </m:den>
+                                </m:f>
+                              </m:sub>
+                            </m:sSub>
+                          </m:e>
+                        </m:d>
+                      </m:den>
+                    </m:f>
+                    <m:r>
+                      <a:rPr lang="en-US" b="0" i="1" smtClean="0">
+                        <a:latin typeface="Cambria Math" panose="02040503050406030204" pitchFamily="18" charset="0"/>
+                      </a:rPr>
+                      <m:t>=</m:t>
+                    </m:r>
+                    <m:f>
+                      <m:fPr>
+                        <m:ctrlPr>
+                          <a:rPr lang="en-US" i="1">
+                            <a:latin typeface="Cambria Math" panose="02040503050406030204" pitchFamily="18" charset="0"/>
+                          </a:rPr>
+                        </m:ctrlPr>
+                      </m:fPr>
+                      <m:num>
+                        <m:r>
+                          <a:rPr lang="en-US" i="1">
+                            <a:latin typeface="Cambria Math" panose="02040503050406030204" pitchFamily="18" charset="0"/>
+                          </a:rPr>
+                          <m:t>1</m:t>
+                        </m:r>
+                      </m:num>
+                      <m:den>
+                        <m:r>
+                          <a:rPr lang="en-US" i="1">
+                            <a:latin typeface="Cambria Math" panose="02040503050406030204" pitchFamily="18" charset="0"/>
+                          </a:rPr>
+                          <m:t>𝑉𝑎𝑟</m:t>
+                        </m:r>
+                        <m:d>
+                          <m:dPr>
+                            <m:ctrlPr>
+                              <a:rPr lang="en-US" i="1">
+                                <a:latin typeface="Cambria Math" panose="02040503050406030204" pitchFamily="18" charset="0"/>
+                              </a:rPr>
+                            </m:ctrlPr>
+                          </m:dPr>
+                          <m:e>
+                            <m:sSub>
+                              <m:sSubPr>
+                                <m:ctrlPr>
+                                  <a:rPr lang="en-US" i="1">
+                                    <a:latin typeface="Cambria Math" panose="02040503050406030204" pitchFamily="18" charset="0"/>
+                                  </a:rPr>
+                                </m:ctrlPr>
+                              </m:sSubPr>
+                              <m:e>
+                                <m:r>
+                                  <a:rPr lang="en-US" i="1">
+                                    <a:latin typeface="Cambria Math" panose="02040503050406030204" pitchFamily="18" charset="0"/>
+                                  </a:rPr>
+                                  <m:t>𝑂𝑅</m:t>
+                                </m:r>
+                              </m:e>
+                              <m:sub>
+                                <m:f>
+                                  <m:fPr>
+                                    <m:ctrlPr>
+                                      <a:rPr lang="en-US" i="1">
+                                        <a:latin typeface="Cambria Math" panose="02040503050406030204" pitchFamily="18" charset="0"/>
+                                      </a:rPr>
+                                    </m:ctrlPr>
+                                  </m:fPr>
+                                  <m:num>
+                                    <m:r>
+                                      <a:rPr lang="en-US" i="1">
+                                        <a:latin typeface="Cambria Math" panose="02040503050406030204" pitchFamily="18" charset="0"/>
+                                      </a:rPr>
+                                      <m:t>𝐻</m:t>
+                                    </m:r>
+                                  </m:num>
+                                  <m:den>
+                                    <m:r>
+                                      <a:rPr lang="en-US" b="0" i="1" smtClean="0">
+                                        <a:latin typeface="Cambria Math" panose="02040503050406030204" pitchFamily="18" charset="0"/>
+                                      </a:rPr>
+                                      <m:t>𝑇</m:t>
+                                    </m:r>
+                                  </m:den>
+                                </m:f>
+                              </m:sub>
+                            </m:sSub>
+                          </m:e>
+                        </m:d>
+                      </m:den>
+                    </m:f>
+                  </m:oMath>
+                </a14:m>
+                <a:r>
+                  <a:rPr lang="en-US" dirty="0"/>
+                  <a:t>+ </a:t>
+                </a:r>
+                <a14:m>
+                  <m:oMath xmlns:m="http://schemas.openxmlformats.org/officeDocument/2006/math">
+                    <m:f>
+                      <m:fPr>
+                        <m:ctrlPr>
+                          <a:rPr lang="en-US" i="1">
+                            <a:latin typeface="Cambria Math" panose="02040503050406030204" pitchFamily="18" charset="0"/>
+                          </a:rPr>
+                        </m:ctrlPr>
+                      </m:fPr>
+                      <m:num>
+                        <m:r>
+                          <a:rPr lang="en-US" i="1">
+                            <a:latin typeface="Cambria Math" panose="02040503050406030204" pitchFamily="18" charset="0"/>
+                          </a:rPr>
+                          <m:t>1</m:t>
+                        </m:r>
+                      </m:num>
+                      <m:den>
+                        <m:r>
+                          <a:rPr lang="en-US" i="1">
+                            <a:latin typeface="Cambria Math" panose="02040503050406030204" pitchFamily="18" charset="0"/>
+                          </a:rPr>
+                          <m:t>𝑉𝑎𝑟</m:t>
+                        </m:r>
+                        <m:d>
+                          <m:dPr>
+                            <m:ctrlPr>
+                              <a:rPr lang="en-US" i="1">
+                                <a:latin typeface="Cambria Math" panose="02040503050406030204" pitchFamily="18" charset="0"/>
+                              </a:rPr>
+                            </m:ctrlPr>
+                          </m:dPr>
+                          <m:e>
+                            <m:sSub>
+                              <m:sSubPr>
+                                <m:ctrlPr>
+                                  <a:rPr lang="en-US" i="1">
+                                    <a:latin typeface="Cambria Math" panose="02040503050406030204" pitchFamily="18" charset="0"/>
+                                  </a:rPr>
+                                </m:ctrlPr>
+                              </m:sSubPr>
+                              <m:e>
+                                <m:r>
+                                  <a:rPr lang="en-US" i="1">
+                                    <a:latin typeface="Cambria Math" panose="02040503050406030204" pitchFamily="18" charset="0"/>
+                                  </a:rPr>
+                                  <m:t>𝑂𝑅</m:t>
+                                </m:r>
+                              </m:e>
+                              <m:sub>
+                                <m:f>
+                                  <m:fPr>
+                                    <m:ctrlPr>
+                                      <a:rPr lang="en-US" i="1">
+                                        <a:latin typeface="Cambria Math" panose="02040503050406030204" pitchFamily="18" charset="0"/>
+                                      </a:rPr>
+                                    </m:ctrlPr>
+                                  </m:fPr>
+                                  <m:num>
+                                    <m:r>
+                                      <a:rPr lang="en-US" b="0" i="1" smtClean="0">
+                                        <a:latin typeface="Cambria Math" panose="02040503050406030204" pitchFamily="18" charset="0"/>
+                                      </a:rPr>
+                                      <m:t>𝑇</m:t>
+                                    </m:r>
+                                  </m:num>
+                                  <m:den>
+                                    <m:r>
+                                      <a:rPr lang="en-US" i="1">
+                                        <a:latin typeface="Cambria Math" panose="02040503050406030204" pitchFamily="18" charset="0"/>
+                                      </a:rPr>
+                                      <m:t>𝑁</m:t>
+                                    </m:r>
+                                  </m:den>
+                                </m:f>
+                              </m:sub>
+                            </m:sSub>
+                          </m:e>
+                        </m:d>
+                      </m:den>
+                    </m:f>
+                  </m:oMath>
+                </a14:m>
+                <a:endParaRPr lang="en-US" dirty="0"/>
+              </a:p>
+            </p:txBody>
+          </p:sp>
+        </mc:Choice>
+        <mc:Fallback>
+          <p:sp>
+            <p:nvSpPr>
+              <p:cNvPr id="7" name="TextBox 6">
+                <a:extLst>
+                  <a:ext uri="{FF2B5EF4-FFF2-40B4-BE49-F238E27FC236}">
+                    <a16:creationId xmlns:a16="http://schemas.microsoft.com/office/drawing/2014/main" id="{2BA3C155-A2AC-7052-C600-E4418626632A}"/>
+                  </a:ext>
+                </a:extLst>
+              </p:cNvPr>
+              <p:cNvSpPr txBox="1">
+                <a:spLocks noRot="1" noChangeAspect="1" noMove="1" noResize="1" noEditPoints="1" noAdjustHandles="1" noChangeArrowheads="1" noChangeShapeType="1" noTextEdit="1"/>
+              </p:cNvSpPr>
+              <p:nvPr/>
+            </p:nvSpPr>
+            <p:spPr>
+              <a:xfrm>
+                <a:off x="8053874" y="6036025"/>
+                <a:ext cx="3076420" cy="571951"/>
+              </a:xfrm>
+              <a:prstGeom prst="rect">
+                <a:avLst/>
+              </a:prstGeom>
+              <a:blipFill>
+                <a:blip r:embed="rId10"/>
+                <a:stretch>
+                  <a:fillRect t="-4255" b="-8511"/>
+                </a:stretch>
+              </a:blipFill>
+            </p:spPr>
+            <p:txBody>
+              <a:bodyPr/>
+              <a:lstStyle/>
+              <a:p>
+                <a:r>
+                  <a:rPr lang="en-US">
+                    <a:noFill/>
+                  </a:rPr>
+                  <a:t> </a:t>
+                </a:r>
+              </a:p>
+            </p:txBody>
+          </p:sp>
+        </mc:Fallback>
+      </mc:AlternateContent>
+      <p:sp>
+        <p:nvSpPr>
+          <p:cNvPr id="8" name="TextBox 7">
+            <a:extLst>
+              <a:ext uri="{FF2B5EF4-FFF2-40B4-BE49-F238E27FC236}">
+                <a16:creationId xmlns:a16="http://schemas.microsoft.com/office/drawing/2014/main" id="{99C77303-3554-3178-883B-28B20DC3AB51}"/>
+              </a:ext>
+            </a:extLst>
+          </p:cNvPr>
+          <p:cNvSpPr txBox="1"/>
+          <p:nvPr/>
+        </p:nvSpPr>
+        <p:spPr>
+          <a:xfrm>
+            <a:off x="7111275" y="5768011"/>
+            <a:ext cx="4763035" cy="246221"/>
+          </a:xfrm>
+          <a:prstGeom prst="rect">
+            <a:avLst/>
+          </a:prstGeom>
+          <a:noFill/>
+        </p:spPr>
+        <p:txBody>
+          <a:bodyPr wrap="none" lIns="0" tIns="0" rIns="0" bIns="0" rtlCol="0">
+            <a:spAutoFit/>
+          </a:bodyPr>
+          <a:lstStyle/>
+          <a:p>
+            <a:pPr algn="l"/>
+            <a:r>
+              <a:rPr lang="en-US" sz="1600" b="1" u="sng" dirty="0">
+                <a:solidFill>
+                  <a:srgbClr val="00B050"/>
+                </a:solidFill>
+                <a:latin typeface="+mn-lt"/>
+              </a:rPr>
+              <a:t>Variance is obtained by inverse variance approach</a:t>
             </a:r>
           </a:p>
         </p:txBody>
@@ -25362,7 +26397,7 @@
         </p:nvSpPr>
         <p:spPr>
           <a:xfrm>
-            <a:off x="550864" y="955193"/>
+            <a:off x="365165" y="943623"/>
             <a:ext cx="3563936" cy="535354"/>
           </a:xfrm>
         </p:spPr>
@@ -25371,165 +26406,123 @@
           <a:lstStyle/>
           <a:p>
             <a:r>
-              <a:rPr lang="en-US" sz="2800" b="1" dirty="0"/>
+              <a:rPr lang="en-US" sz="2800" b="1" u="sng" dirty="0"/>
               <a:t>Homogeneity</a:t>
             </a:r>
           </a:p>
         </p:txBody>
       </p:sp>
-      <mc:AlternateContent xmlns:mc="http://schemas.openxmlformats.org/markup-compatibility/2006">
-        <mc:Choice xmlns:a14="http://schemas.microsoft.com/office/drawing/2010/main" Requires="a14">
-          <p:sp>
-            <p:nvSpPr>
-              <p:cNvPr id="9" name="Content Placeholder 8">
-                <a:extLst>
-                  <a:ext uri="{FF2B5EF4-FFF2-40B4-BE49-F238E27FC236}">
-                    <a16:creationId xmlns:a16="http://schemas.microsoft.com/office/drawing/2014/main" id="{8598ECEC-4413-4244-8F21-0076EC511806}"/>
-                  </a:ext>
-                </a:extLst>
-              </p:cNvPr>
-              <p:cNvSpPr>
-                <a:spLocks noGrp="1"/>
-              </p:cNvSpPr>
-              <p:nvPr>
-                <p:ph sz="half" idx="2"/>
-              </p:nvPr>
-            </p:nvSpPr>
-            <p:spPr>
-              <a:xfrm>
-                <a:off x="559475" y="1656122"/>
-                <a:ext cx="5536525" cy="4697202"/>
-              </a:xfrm>
-            </p:spPr>
-            <p:txBody>
-              <a:bodyPr>
-                <a:normAutofit fontScale="92500" lnSpcReduction="10000"/>
-              </a:bodyPr>
-              <a:lstStyle/>
-              <a:p>
-                <a:pPr lvl="0"/>
-                <a:r>
-                  <a:rPr lang="en-US" sz="2400" dirty="0"/>
-                  <a:t>The equivalence of trials within each pairwise comparison in the network. </a:t>
-                </a:r>
-              </a:p>
-              <a:p>
-                <a:r>
-                  <a:rPr lang="en-US" sz="2400" dirty="0"/>
-                  <a:t>When there is direct evidence, the true treatment effect is the same across all trials that allocate the two treatments </a:t>
-                </a:r>
-                <a:r>
-                  <a:rPr lang="en-US" sz="2400" dirty="0">
-                    <a:sym typeface="Wingdings" panose="05000000000000000000" pitchFamily="2" charset="2"/>
-                  </a:rPr>
-                  <a:t></a:t>
-                </a:r>
-                <a:r>
-                  <a:rPr lang="en-US" sz="2400" dirty="0">
-                    <a:solidFill>
-                      <a:srgbClr val="FFFF00">
-                        <a:alpha val="60000"/>
-                      </a:srgbClr>
-                    </a:solidFill>
-                  </a:rPr>
-                  <a:t>the trials should not differ in any characteristics that may impact the treatment effect </a:t>
-                </a:r>
-                <a:r>
-                  <a:rPr lang="en-US" sz="2400" dirty="0">
-                    <a:solidFill>
-                      <a:schemeClr val="tx1"/>
-                    </a:solidFill>
-                  </a:rPr>
-                  <a:t>(nonexistence of treatment effect modifier) </a:t>
-                </a:r>
-              </a:p>
-              <a:p>
-                <a:pPr lvl="0"/>
-                <a:r>
-                  <a:rPr lang="en-US" sz="2400" dirty="0"/>
-                  <a:t> The I-squared statistic is commonly used to quantify the degree of heterogeneity within a pairwise comparison (25%/50%/75% of </a:t>
-                </a:r>
-                <a14:m>
-                  <m:oMath xmlns:m="http://schemas.openxmlformats.org/officeDocument/2006/math">
-                    <m:sSup>
-                      <m:sSupPr>
-                        <m:ctrlPr>
-                          <a:rPr lang="en-US" sz="2400" i="1" smtClean="0">
-                            <a:latin typeface="Cambria Math" panose="02040503050406030204" pitchFamily="18" charset="0"/>
-                          </a:rPr>
-                        </m:ctrlPr>
-                      </m:sSupPr>
-                      <m:e>
-                        <m:r>
-                          <a:rPr lang="en-US" sz="2400" b="0" i="1" smtClean="0">
-                            <a:latin typeface="Cambria Math" panose="02040503050406030204" pitchFamily="18" charset="0"/>
-                          </a:rPr>
-                          <m:t>𝐼</m:t>
-                        </m:r>
-                      </m:e>
-                      <m:sup>
-                        <m:r>
-                          <a:rPr lang="en-US" sz="2400" b="0" i="1" smtClean="0">
-                            <a:latin typeface="Cambria Math" panose="02040503050406030204" pitchFamily="18" charset="0"/>
-                          </a:rPr>
-                          <m:t>2</m:t>
-                        </m:r>
-                      </m:sup>
-                    </m:sSup>
-                  </m:oMath>
-                </a14:m>
-                <a:r>
-                  <a:rPr lang="en-US" sz="2400" dirty="0"/>
-                  <a:t> represents low/medium/high heterogeneity, )</a:t>
-                </a:r>
-              </a:p>
-            </p:txBody>
-          </p:sp>
-        </mc:Choice>
-        <mc:Fallback>
-          <p:sp>
-            <p:nvSpPr>
-              <p:cNvPr id="9" name="Content Placeholder 8">
-                <a:extLst>
-                  <a:ext uri="{FF2B5EF4-FFF2-40B4-BE49-F238E27FC236}">
-                    <a16:creationId xmlns:a16="http://schemas.microsoft.com/office/drawing/2014/main" id="{8598ECEC-4413-4244-8F21-0076EC511806}"/>
-                  </a:ext>
-                </a:extLst>
-              </p:cNvPr>
-              <p:cNvSpPr>
-                <a:spLocks noGrp="1" noRot="1" noChangeAspect="1" noMove="1" noResize="1" noEditPoints="1" noAdjustHandles="1" noChangeArrowheads="1" noChangeShapeType="1" noTextEdit="1"/>
-              </p:cNvSpPr>
-              <p:nvPr>
-                <p:ph sz="half" idx="2"/>
-              </p:nvPr>
-            </p:nvSpPr>
-            <p:spPr>
-              <a:xfrm>
-                <a:off x="559475" y="1656122"/>
-                <a:ext cx="5536525" cy="4697202"/>
-              </a:xfrm>
-              <a:blipFill>
-                <a:blip r:embed="rId3"/>
-                <a:stretch>
-                  <a:fillRect l="-2974" t="-1948" r="-4295"/>
-                </a:stretch>
-              </a:blipFill>
-            </p:spPr>
-            <p:txBody>
-              <a:bodyPr/>
-              <a:lstStyle/>
-              <a:p>
-                <a:r>
-                  <a:rPr lang="en-US">
-                    <a:noFill/>
-                  </a:rPr>
-                  <a:t> </a:t>
-                </a:r>
-              </a:p>
-            </p:txBody>
-          </p:sp>
-        </mc:Fallback>
-      </mc:AlternateContent>
+      <p:sp>
+        <p:nvSpPr>
+          <p:cNvPr id="9" name="Content Placeholder 8">
+            <a:extLst>
+              <a:ext uri="{FF2B5EF4-FFF2-40B4-BE49-F238E27FC236}">
+                <a16:creationId xmlns:a16="http://schemas.microsoft.com/office/drawing/2014/main" id="{8598ECEC-4413-4244-8F21-0076EC511806}"/>
+              </a:ext>
+            </a:extLst>
+          </p:cNvPr>
+          <p:cNvSpPr>
+            <a:spLocks noGrp="1"/>
+          </p:cNvSpPr>
+          <p:nvPr>
+            <p:ph sz="half" idx="2"/>
+          </p:nvPr>
+        </p:nvSpPr>
+        <p:spPr>
+          <a:xfrm>
+            <a:off x="189010" y="1639758"/>
+            <a:ext cx="5921335" cy="4697202"/>
+          </a:xfrm>
+        </p:spPr>
+        <p:txBody>
+          <a:bodyPr>
+            <a:noAutofit/>
+          </a:bodyPr>
+          <a:lstStyle/>
+          <a:p>
+            <a:pPr lvl="0"/>
+            <a:r>
+              <a:rPr lang="en-US" sz="2000" b="1" dirty="0">
+                <a:solidFill>
+                  <a:schemeClr val="tx1"/>
+                </a:solidFill>
+              </a:rPr>
+              <a:t>The equivalence of trials within each pairwise comparison in the network. </a:t>
+            </a:r>
+          </a:p>
+          <a:p>
+            <a:r>
+              <a:rPr lang="en-US" sz="2000" dirty="0"/>
+              <a:t>When there is direct evidence, the true treatment effect is the same across all trials that allocate the two treatments </a:t>
+            </a:r>
+            <a:r>
+              <a:rPr lang="en-US" sz="2000" dirty="0">
+                <a:sym typeface="Wingdings" panose="05000000000000000000" pitchFamily="2" charset="2"/>
+              </a:rPr>
+              <a:t></a:t>
+            </a:r>
+            <a:r>
+              <a:rPr lang="en-US" sz="2000" dirty="0">
+                <a:solidFill>
+                  <a:srgbClr val="FFFF00">
+                    <a:alpha val="60000"/>
+                  </a:srgbClr>
+                </a:solidFill>
+              </a:rPr>
+              <a:t>the trials should not differ in any characteristics that may impact the treatment effect </a:t>
+            </a:r>
+            <a:r>
+              <a:rPr lang="en-US" sz="2000" b="1" dirty="0">
+                <a:solidFill>
+                  <a:schemeClr val="tx1"/>
+                </a:solidFill>
+              </a:rPr>
+              <a:t>(nonexistence of effect modifier)  </a:t>
+            </a:r>
+          </a:p>
+          <a:p>
+            <a:pPr marL="0" indent="0">
+              <a:buNone/>
+            </a:pPr>
+            <a:r>
+              <a:rPr lang="en-US" sz="2000" dirty="0">
+                <a:sym typeface="Wingdings" panose="05000000000000000000" pitchFamily="2" charset="2"/>
+              </a:rPr>
+              <a:t>   </a:t>
+            </a:r>
+            <a:r>
+              <a:rPr lang="en-US" sz="2000" dirty="0"/>
+              <a:t>modifier example:  study population – different age                     group or route of administration </a:t>
+            </a:r>
+          </a:p>
+          <a:p>
+            <a:r>
+              <a:rPr lang="en-US" sz="2000" dirty="0"/>
+              <a:t>Solution to heterogeneity </a:t>
+            </a:r>
+            <a:r>
+              <a:rPr lang="en-US" sz="2000" dirty="0">
+                <a:sym typeface="Wingdings" panose="05000000000000000000" pitchFamily="2" charset="2"/>
+              </a:rPr>
+              <a:t></a:t>
+            </a:r>
+            <a:r>
+              <a:rPr lang="en-US" sz="2000" dirty="0"/>
+              <a:t> Random-effect model</a:t>
+            </a:r>
+          </a:p>
+          <a:p>
+            <a:pPr marL="0" indent="0">
+              <a:buNone/>
+            </a:pPr>
+            <a:endParaRPr lang="en-US" sz="2000" dirty="0"/>
+          </a:p>
+          <a:p>
+            <a:pPr lvl="0"/>
+            <a:endParaRPr lang="en-US" sz="2000" dirty="0"/>
+          </a:p>
+        </p:txBody>
+      </p:sp>
       <p:sp>
         <p:nvSpPr>
           <p:cNvPr id="10" name="Text Placeholder 9">
@@ -25548,7 +26541,7 @@
         </p:nvSpPr>
         <p:spPr>
           <a:xfrm>
-            <a:off x="6581795" y="955193"/>
+            <a:off x="6296045" y="920903"/>
             <a:ext cx="5314756" cy="535354"/>
           </a:xfrm>
         </p:spPr>
@@ -25557,7 +26550,7 @@
           <a:lstStyle/>
           <a:p>
             <a:r>
-              <a:rPr lang="en-US" sz="2800" b="1" dirty="0"/>
+              <a:rPr lang="en-US" sz="2800" b="1" u="sng" dirty="0"/>
               <a:t>Consistency</a:t>
             </a:r>
           </a:p>
@@ -25583,42 +26576,82 @@
             </p:nvSpPr>
             <p:spPr>
               <a:xfrm>
-                <a:off x="6581796" y="1651188"/>
-                <a:ext cx="5229204" cy="3515555"/>
+                <a:off x="6263640" y="1605468"/>
+                <a:ext cx="5791200" cy="4932968"/>
               </a:xfrm>
             </p:spPr>
             <p:txBody>
               <a:bodyPr>
-                <a:normAutofit/>
+                <a:noAutofit/>
               </a:bodyPr>
               <a:lstStyle/>
               <a:p>
                 <a:pPr lvl="0"/>
                 <a:r>
-                  <a:rPr lang="en-US" sz="2400" dirty="0"/>
+                  <a:rPr lang="en-US" sz="2000" b="1" dirty="0">
+                    <a:solidFill>
+                      <a:schemeClr val="tx1"/>
+                    </a:solidFill>
+                  </a:rPr>
                   <a:t>Direct estimation </a:t>
                 </a:r>
                 <a14:m>
                   <m:oMath xmlns:m="http://schemas.openxmlformats.org/officeDocument/2006/math">
                     <m:r>
-                      <a:rPr lang="en-US" sz="2400" i="1" smtClean="0">
-                        <a:latin typeface="Cambria Math" panose="02040503050406030204" pitchFamily="18" charset="0"/>
-                        <a:ea typeface="Cambria Math" panose="02040503050406030204" pitchFamily="18" charset="0"/>
+                      <a:rPr lang="en-US" sz="2000" b="1">
+                        <a:solidFill>
+                          <a:schemeClr val="tx1"/>
+                        </a:solidFill>
                       </a:rPr>
                       <m:t>≈</m:t>
                     </m:r>
                   </m:oMath>
                 </a14:m>
                 <a:r>
-                  <a:rPr lang="en-US" sz="2400" dirty="0"/>
+                  <a:rPr lang="en-US" sz="2000" b="1" dirty="0">
+                    <a:solidFill>
+                      <a:schemeClr val="tx1"/>
+                    </a:solidFill>
+                  </a:rPr>
                   <a:t> Indirect estimation</a:t>
                 </a:r>
               </a:p>
               <a:p>
                 <a:pPr lvl="0"/>
                 <a:r>
-                  <a:rPr lang="en-US" sz="2400" dirty="0"/>
+                  <a:rPr lang="en-US" sz="2000" dirty="0"/>
                   <a:t>The estimation of the relative treatment effect from direct evidence should align with the estimation from indirect evidence.</a:t>
+                </a:r>
+              </a:p>
+              <a:p>
+                <a:pPr lvl="0"/>
+                <a:r>
+                  <a:rPr lang="en-US" sz="2000" dirty="0"/>
+                  <a:t>The I-squared statistic is commonly used to quantify the degree of heterogeneity within a pairwise comparison </a:t>
+                </a:r>
+              </a:p>
+              <a:p>
+                <a:pPr lvl="0"/>
+                <a:r>
+                  <a:rPr lang="en-US" sz="2000" dirty="0"/>
+                  <a:t>The Cochran’s Q statistic is used to measure heterogeneity (within designs) and inconsistency  (between designs)</a:t>
+                </a:r>
+              </a:p>
+              <a:p>
+                <a:pPr lvl="0"/>
+                <a:r>
+                  <a:rPr lang="en-US" sz="2000" dirty="0"/>
+                  <a:t>Solution to inconsistency </a:t>
+                </a:r>
+                <a:r>
+                  <a:rPr lang="en-US" sz="2000" dirty="0">
+                    <a:sym typeface="Wingdings" panose="05000000000000000000" pitchFamily="2" charset="2"/>
+                  </a:rPr>
+                  <a:t></a:t>
+                </a:r>
+                <a:r>
+                  <a:rPr lang="en-US" sz="2000" dirty="0"/>
+                  <a:t> network meta-regression or sensitivity analysis</a:t>
                 </a:r>
               </a:p>
             </p:txBody>
@@ -25643,13 +26676,13 @@
             </p:nvSpPr>
             <p:spPr>
               <a:xfrm>
-                <a:off x="6581796" y="1651188"/>
-                <a:ext cx="5229204" cy="3515555"/>
+                <a:off x="6263640" y="1605468"/>
+                <a:ext cx="5791200" cy="4932968"/>
               </a:xfrm>
               <a:blipFill>
-                <a:blip r:embed="rId4"/>
+                <a:blip r:embed="rId3"/>
                 <a:stretch>
-                  <a:fillRect l="-3380" t="-2426" r="-4429"/>
+                  <a:fillRect l="-2526" t="-1481" r="-3684" b="-2716"/>
                 </a:stretch>
               </a:blipFill>
             </p:spPr>
@@ -25772,7 +26805,7 @@
           <p:nvPr/>
         </p:nvPicPr>
         <p:blipFill>
-          <a:blip r:embed="rId5"/>
+          <a:blip r:embed="rId4"/>
           <a:stretch>
             <a:fillRect/>
           </a:stretch>
@@ -25835,7 +26868,7 @@
         </p:nvSpPr>
         <p:spPr>
           <a:xfrm>
-            <a:off x="550864" y="955193"/>
+            <a:off x="255270" y="955193"/>
             <a:ext cx="5059342" cy="535354"/>
           </a:xfrm>
         </p:spPr>
@@ -25844,7 +26877,7 @@
           <a:lstStyle/>
           <a:p>
             <a:r>
-              <a:rPr lang="en-US" sz="2800" b="1" dirty="0"/>
+              <a:rPr lang="en-US" sz="2800" b="1" u="sng" dirty="0"/>
               <a:t>Fixed-effect model</a:t>
             </a:r>
           </a:p>
@@ -25868,7 +26901,7 @@
         </p:nvSpPr>
         <p:spPr>
           <a:xfrm>
-            <a:off x="559475" y="1656122"/>
+            <a:off x="255270" y="1651188"/>
             <a:ext cx="5536525" cy="4697202"/>
           </a:xfrm>
         </p:spPr>
@@ -25941,7 +26974,7 @@
         </p:nvSpPr>
         <p:spPr>
           <a:xfrm>
-            <a:off x="6581795" y="955193"/>
+            <a:off x="6031667" y="982698"/>
             <a:ext cx="5314756" cy="535354"/>
           </a:xfrm>
         </p:spPr>
@@ -25950,7 +26983,7 @@
           <a:lstStyle/>
           <a:p>
             <a:r>
-              <a:rPr lang="en-US" sz="2800" b="1" dirty="0"/>
+              <a:rPr lang="en-US" sz="2800" b="1" u="sng" dirty="0"/>
               <a:t>Random-effect model</a:t>
             </a:r>
           </a:p>
@@ -25974,13 +27007,13 @@
         </p:nvSpPr>
         <p:spPr>
           <a:xfrm>
-            <a:off x="6274475" y="1651188"/>
-            <a:ext cx="5622076" cy="4697202"/>
+            <a:off x="5955127" y="1650278"/>
+            <a:ext cx="6008370" cy="4697202"/>
           </a:xfrm>
         </p:spPr>
         <p:txBody>
           <a:bodyPr>
-            <a:normAutofit fontScale="92500" lnSpcReduction="10000"/>
+            <a:normAutofit fontScale="92500"/>
           </a:bodyPr>
           <a:lstStyle/>
           <a:p>
@@ -26006,7 +27039,7 @@
           <a:p>
             <a:r>
               <a:rPr lang="en-US" sz="2400" dirty="0"/>
-              <a:t>  In this model, </a:t>
+              <a:t>In this model, </a:t>
             </a:r>
             <a:r>
               <a:rPr lang="en-US" sz="2400" dirty="0">
@@ -26040,7 +27073,7 @@
           <a:p>
             <a:r>
               <a:rPr lang="en-US" sz="2400" dirty="0"/>
-              <a:t>   The model </a:t>
+              <a:t> The model </a:t>
             </a:r>
             <a:r>
               <a:rPr lang="en-US" sz="2400" dirty="0">
@@ -26157,7 +27190,17 @@
           <a:p>
             <a:r>
               <a:rPr lang="en-US" sz="3600" dirty="0"/>
-              <a:t>Choice of Model for Network Meta-Analysis (NMA)</a:t>
+              <a:t>Solution to Heterogeneity</a:t>
+            </a:r>
+            <a:r>
+              <a:rPr lang="en-US" sz="3600" dirty="0">
+                <a:sym typeface="Wingdings" panose="05000000000000000000" pitchFamily="2" charset="2"/>
+              </a:rPr>
+              <a:t></a:t>
+            </a:r>
+            <a:r>
+              <a:rPr lang="en-US" sz="3600" dirty="0"/>
+              <a:t> Choice of Model for NMA</a:t>
             </a:r>
           </a:p>
         </p:txBody>
@@ -28401,7 +29444,7 @@
             <p:ph idx="1"/>
             <p:extLst>
               <p:ext uri="{D42A27DB-BD31-4B8C-83A1-F6EECF244321}">
-                <p14:modId xmlns:p14="http://schemas.microsoft.com/office/powerpoint/2010/main" val="3273134322"/>
+                <p14:modId xmlns:p14="http://schemas.microsoft.com/office/powerpoint/2010/main" val="329473372"/>
               </p:ext>
             </p:extLst>
           </p:nvPr>
@@ -28552,7 +29595,7 @@
                           <a:solidFill>
                             <a:srgbClr val="FF0000"/>
                           </a:solidFill>
-                          <a:hlinkClick r:id="" action="ppaction://noaction">
+                          <a:hlinkClick r:id="rId3">
                             <a:extLst>
                               <a:ext uri="{A12FA001-AC4F-418D-AE19-62706E023703}">
                                 <ahyp:hlinkClr xmlns:ahyp="http://schemas.microsoft.com/office/drawing/2018/hyperlinkcolor" val="tx"/>
@@ -28644,7 +29687,7 @@
                           <a:solidFill>
                             <a:srgbClr val="FF0000"/>
                           </a:solidFill>
-                          <a:hlinkClick r:id="" action="ppaction://noaction">
+                          <a:hlinkClick r:id="rId3">
                             <a:extLst>
                               <a:ext uri="{A12FA001-AC4F-418D-AE19-62706E023703}">
                                 <ahyp:hlinkClr xmlns:ahyp="http://schemas.microsoft.com/office/drawing/2018/hyperlinkcolor" val="tx"/>
@@ -28715,11 +29758,11 @@
                         <a:t>MetaInsight </a:t>
                       </a:r>
                       <a:r>
-                        <a:rPr lang="en-US" sz="1600" b="1" i="1" dirty="0">
+                        <a:rPr lang="en-US" sz="1600" b="1" i="0" dirty="0">
                           <a:solidFill>
-                            <a:schemeClr val="tx1"/>
+                            <a:srgbClr val="FF0000"/>
                           </a:solidFill>
-                          <a:hlinkClick r:id="rId3">
+                          <a:hlinkClick r:id="rId4">
                             <a:extLst>
                               <a:ext uri="{A12FA001-AC4F-418D-AE19-62706E023703}">
                                 <ahyp:hlinkClr xmlns:ahyp="http://schemas.microsoft.com/office/drawing/2018/hyperlinkcolor" val="tx"/>
@@ -28729,9 +29772,9 @@
                         </a:rPr>
                         <a:t>(website)</a:t>
                       </a:r>
-                      <a:endParaRPr lang="en-US" sz="1600" b="1" i="1" kern="0" dirty="0">
+                      <a:endParaRPr lang="en-US" sz="1600" b="1" i="0" kern="0" dirty="0">
                         <a:solidFill>
-                          <a:schemeClr val="tx1"/>
+                          <a:srgbClr val="FF0000"/>
                         </a:solidFill>
                         <a:latin typeface="+mn-lt"/>
                         <a:ea typeface="+mn-ea"/>
@@ -29746,7 +30789,19 @@
                       <a:pPr algn="ctr"/>
                       <a:r>
                         <a:rPr lang="en-US" sz="1400" dirty="0"/>
-                        <a:t>2. with small n, prior can be informative*.</a:t>
+                        <a:t>2. </a:t>
+                      </a:r>
+                      <a:r>
+                        <a:rPr lang="en-US" sz="1400" dirty="0">
+                          <a:highlight>
+                            <a:srgbClr val="FFFF00"/>
+                          </a:highlight>
+                        </a:rPr>
+                        <a:t>with small n</a:t>
+                      </a:r>
+                      <a:r>
+                        <a:rPr lang="en-US" sz="1400" dirty="0"/>
+                        <a:t>, prior can be informative*.</a:t>
                       </a:r>
                     </a:p>
                   </a:txBody>
@@ -29988,7 +31043,7 @@
         </p:nvSpPr>
         <p:spPr>
           <a:xfrm>
-            <a:off x="381000" y="88901"/>
+            <a:off x="335280" y="20321"/>
             <a:ext cx="11430000" cy="821764"/>
           </a:xfrm>
         </p:spPr>
@@ -30049,7 +31104,7 @@
             </a:pPr>
             <a:r>
               <a:rPr lang="en-US" sz="1600" kern="0" dirty="0"/>
-              <a:t>Network meta-analysis (NMA) can be performed using the following commonly used </a:t>
+              <a:t>NMA can be performed using the following commonly used </a:t>
             </a:r>
             <a:r>
               <a:rPr lang="en-US" sz="1600" b="1" i="1" kern="0" dirty="0"/>
@@ -30075,7 +31130,7 @@
                 <a:solidFill>
                   <a:schemeClr val="accent1"/>
                 </a:solidFill>
-                <a:hlinkClick r:id="rId3">
+                <a:hlinkClick r:id="rId5">
                   <a:extLst>
                     <a:ext uri="{A12FA001-AC4F-418D-AE19-62706E023703}">
                       <ahyp:hlinkClr xmlns:ahyp="http://schemas.microsoft.com/office/drawing/2018/hyperlinkcolor" val="tx"/>
@@ -30102,7 +31157,7 @@
                 <a:solidFill>
                   <a:schemeClr val="accent1"/>
                 </a:solidFill>
-                <a:hlinkClick r:id="rId3">
+                <a:hlinkClick r:id="rId5">
                   <a:extLst>
                     <a:ext uri="{A12FA001-AC4F-418D-AE19-62706E023703}">
                       <ahyp:hlinkClr xmlns:ahyp="http://schemas.microsoft.com/office/drawing/2018/hyperlinkcolor" val="tx"/>
@@ -30132,7 +31187,7 @@
                 <a:solidFill>
                   <a:schemeClr val="accent1"/>
                 </a:solidFill>
-                <a:hlinkClick r:id="rId3">
+                <a:hlinkClick r:id="rId5">
                   <a:extLst>
                     <a:ext uri="{A12FA001-AC4F-418D-AE19-62706E023703}">
                       <ahyp:hlinkClr xmlns:ahyp="http://schemas.microsoft.com/office/drawing/2018/hyperlinkcolor" val="tx"/>
@@ -31182,15 +32237,6 @@
 </file>
 
 <file path=customXml/item1.xml><?xml version="1.0" encoding="utf-8"?>
-<?mso-contentType ?>
-<FormTemplates xmlns="http://schemas.microsoft.com/sharepoint/v3/contenttype/forms">
-  <Display>DocumentLibraryForm</Display>
-  <Edit>DocumentLibraryForm</Edit>
-  <New>DocumentLibraryForm</New>
-</FormTemplates>
-</file>
-
-<file path=customXml/item2.xml><?xml version="1.0" encoding="utf-8"?>
 <p:properties xmlns:p="http://schemas.microsoft.com/office/2006/metadata/properties" xmlns:xsi="http://www.w3.org/2001/XMLSchema-instance" xmlns:pc="http://schemas.microsoft.com/office/infopath/2007/PartnerControls">
   <documentManagement>
     <_ip_UnifiedCompliancePolicyUIAction xmlns="http://schemas.microsoft.com/sharepoint/v3" xsi:nil="true"/>
@@ -31207,6 +32253,15 @@
     <MediaServiceKeyPoints xmlns="71af3243-3dd4-4a8d-8c0d-dd76da1f02a5" xsi:nil="true"/>
   </documentManagement>
 </p:properties>
+</file>
+
+<file path=customXml/item2.xml><?xml version="1.0" encoding="utf-8"?>
+<?mso-contentType ?>
+<FormTemplates xmlns="http://schemas.microsoft.com/sharepoint/v3/contenttype/forms">
+  <Display>DocumentLibraryForm</Display>
+  <Edit>DocumentLibraryForm</Edit>
+  <New>DocumentLibraryForm</New>
+</FormTemplates>
 </file>
 
 <file path=customXml/item3.xml><?xml version="1.0" encoding="utf-8"?>
@@ -31486,14 +32541,6 @@
 </file>
 
 <file path=customXml/itemProps1.xml><?xml version="1.0" encoding="utf-8"?>
-<ds:datastoreItem xmlns:ds="http://schemas.openxmlformats.org/officeDocument/2006/customXml" ds:itemID="{904751AB-E840-446F-8D49-E697067EC887}">
-  <ds:schemaRefs>
-    <ds:schemaRef ds:uri="http://schemas.microsoft.com/sharepoint/v3/contenttype/forms"/>
-  </ds:schemaRefs>
-</ds:datastoreItem>
-</file>
-
-<file path=customXml/itemProps2.xml><?xml version="1.0" encoding="utf-8"?>
 <ds:datastoreItem xmlns:ds="http://schemas.openxmlformats.org/officeDocument/2006/customXml" ds:itemID="{50811A92-D464-4AC4-A396-BA73B10CEEAC}">
   <ds:schemaRefs>
     <ds:schemaRef ds:uri="http://schemas.microsoft.com/office/2006/metadata/properties"/>
@@ -31501,6 +32548,14 @@
     <ds:schemaRef ds:uri="http://schemas.microsoft.com/sharepoint/v3"/>
     <ds:schemaRef ds:uri="71af3243-3dd4-4a8d-8c0d-dd76da1f02a5"/>
     <ds:schemaRef ds:uri="230e9df3-be65-4c73-a93b-d1236ebd677e"/>
+  </ds:schemaRefs>
+</ds:datastoreItem>
+</file>
+
+<file path=customXml/itemProps2.xml><?xml version="1.0" encoding="utf-8"?>
+<ds:datastoreItem xmlns:ds="http://schemas.openxmlformats.org/officeDocument/2006/customXml" ds:itemID="{904751AB-E840-446F-8D49-E697067EC887}">
+  <ds:schemaRefs>
+    <ds:schemaRef ds:uri="http://schemas.microsoft.com/sharepoint/v3/contenttype/forms"/>
   </ds:schemaRefs>
 </ds:datastoreItem>
 </file>

--- a/NMA_01Mar2024.pptx
+++ b/NMA_01Mar2024.pptx
@@ -14084,6 +14084,59 @@
               <a:t>Slide and R code (scanned QR code)</a:t>
             </a:r>
             <a:endParaRPr lang="en-US" dirty="0"/>
+          </a:p>
+        </p:txBody>
+      </p:sp>
+      <p:sp>
+        <p:nvSpPr>
+          <p:cNvPr id="7" name="TextBox 6">
+            <a:extLst>
+              <a:ext uri="{FF2B5EF4-FFF2-40B4-BE49-F238E27FC236}">
+                <a16:creationId xmlns:a16="http://schemas.microsoft.com/office/drawing/2014/main" id="{33CB26E6-07A7-1DFA-4A32-E949FE90F452}"/>
+              </a:ext>
+            </a:extLst>
+          </p:cNvPr>
+          <p:cNvSpPr txBox="1"/>
+          <p:nvPr/>
+        </p:nvSpPr>
+        <p:spPr>
+          <a:xfrm>
+            <a:off x="657990" y="2368371"/>
+            <a:ext cx="7226897" cy="1200329"/>
+          </a:xfrm>
+          <a:prstGeom prst="rect">
+            <a:avLst/>
+          </a:prstGeom>
+          <a:noFill/>
+        </p:spPr>
+        <p:txBody>
+          <a:bodyPr wrap="square">
+            <a:spAutoFit/>
+          </a:bodyPr>
+          <a:lstStyle/>
+          <a:p>
+            <a:r>
+              <a:rPr lang="en-US" sz="3600" dirty="0">
+                <a:solidFill>
+                  <a:schemeClr val="tx1">
+                    <a:lumMod val="95000"/>
+                  </a:schemeClr>
+                </a:solidFill>
+              </a:rPr>
+              <a:t>Biostatistics Research Program</a:t>
+            </a:r>
+          </a:p>
+          <a:p>
+            <a:r>
+              <a:rPr lang="en-US" sz="3600" dirty="0">
+                <a:solidFill>
+                  <a:schemeClr val="tx1">
+                    <a:lumMod val="95000"/>
+                  </a:schemeClr>
+                </a:solidFill>
+              </a:rPr>
+              <a:t>Spring Statistics/AI Lecture Series </a:t>
+            </a:r>
           </a:p>
         </p:txBody>
       </p:sp>
@@ -23375,8 +23428,8 @@
           </mc:Fallback>
         </mc:AlternateContent>
       </p:grpSp>
-      <mc:AlternateContent xmlns:mc="http://schemas.openxmlformats.org/markup-compatibility/2006">
-        <mc:Choice xmlns:a14="http://schemas.microsoft.com/office/drawing/2010/main" Requires="a14">
+      <mc:AlternateContent xmlns:mc="http://schemas.openxmlformats.org/markup-compatibility/2006" xmlns:a14="http://schemas.microsoft.com/office/drawing/2010/main">
+        <mc:Choice Requires="a14">
           <p:sp>
             <p:nvSpPr>
               <p:cNvPr id="139" name="TextBox 138">
@@ -23856,7 +23909,7 @@
             </p:txBody>
           </p:sp>
         </mc:Choice>
-        <mc:Fallback>
+        <mc:Fallback xmlns="">
           <p:sp>
             <p:nvSpPr>
               <p:cNvPr id="139" name="TextBox 138">
@@ -24795,8 +24848,8 @@
           </p:sp>
         </p:grpSp>
       </p:grpSp>
-      <mc:AlternateContent xmlns:mc="http://schemas.openxmlformats.org/markup-compatibility/2006">
-        <mc:Choice xmlns:a14="http://schemas.microsoft.com/office/drawing/2010/main" Requires="a14">
+      <mc:AlternateContent xmlns:mc="http://schemas.openxmlformats.org/markup-compatibility/2006" xmlns:a14="http://schemas.microsoft.com/office/drawing/2010/main">
+        <mc:Choice Requires="a14">
           <p:sp>
             <p:nvSpPr>
               <p:cNvPr id="98" name="TextBox 97">
@@ -25171,7 +25224,7 @@
             </p:txBody>
           </p:sp>
         </mc:Choice>
-        <mc:Fallback>
+        <mc:Fallback xmlns="">
           <p:sp>
             <p:nvSpPr>
               <p:cNvPr id="98" name="TextBox 97">
@@ -25966,8 +26019,8 @@
           </a:p>
         </p:txBody>
       </p:sp>
-      <mc:AlternateContent xmlns:mc="http://schemas.openxmlformats.org/markup-compatibility/2006">
-        <mc:Choice xmlns:a14="http://schemas.microsoft.com/office/drawing/2010/main" Requires="a14">
+      <mc:AlternateContent xmlns:mc="http://schemas.openxmlformats.org/markup-compatibility/2006" xmlns:a14="http://schemas.microsoft.com/office/drawing/2010/main">
+        <mc:Choice Requires="a14">
           <p:sp>
             <p:nvSpPr>
               <p:cNvPr id="7" name="TextBox 6">
@@ -26260,7 +26313,7 @@
             </p:txBody>
           </p:sp>
         </mc:Choice>
-        <mc:Fallback>
+        <mc:Fallback xmlns="">
           <p:sp>
             <p:nvSpPr>
               <p:cNvPr id="7" name="TextBox 6">
@@ -26556,8 +26609,8 @@
           </a:p>
         </p:txBody>
       </p:sp>
-      <mc:AlternateContent xmlns:mc="http://schemas.openxmlformats.org/markup-compatibility/2006">
-        <mc:Choice xmlns:a14="http://schemas.microsoft.com/office/drawing/2010/main" Requires="a14">
+      <mc:AlternateContent xmlns:mc="http://schemas.openxmlformats.org/markup-compatibility/2006" xmlns:a14="http://schemas.microsoft.com/office/drawing/2010/main">
+        <mc:Choice Requires="a14">
           <p:sp>
             <p:nvSpPr>
               <p:cNvPr id="11" name="Content Placeholder 10">
@@ -26602,6 +26655,7 @@
                         <a:solidFill>
                           <a:schemeClr val="tx1"/>
                         </a:solidFill>
+                        <a:latin typeface="Cambria Math" panose="02040503050406030204" pitchFamily="18" charset="0"/>
                       </a:rPr>
                       <m:t>≈</m:t>
                     </m:r>
@@ -26657,7 +26711,7 @@
             </p:txBody>
           </p:sp>
         </mc:Choice>
-        <mc:Fallback>
+        <mc:Fallback xmlns="">
           <p:sp>
             <p:nvSpPr>
               <p:cNvPr id="11" name="Content Placeholder 10">
@@ -32237,6 +32291,15 @@
 </file>
 
 <file path=customXml/item1.xml><?xml version="1.0" encoding="utf-8"?>
+<?mso-contentType ?>
+<FormTemplates xmlns="http://schemas.microsoft.com/sharepoint/v3/contenttype/forms">
+  <Display>DocumentLibraryForm</Display>
+  <Edit>DocumentLibraryForm</Edit>
+  <New>DocumentLibraryForm</New>
+</FormTemplates>
+</file>
+
+<file path=customXml/item2.xml><?xml version="1.0" encoding="utf-8"?>
 <p:properties xmlns:p="http://schemas.microsoft.com/office/2006/metadata/properties" xmlns:xsi="http://www.w3.org/2001/XMLSchema-instance" xmlns:pc="http://schemas.microsoft.com/office/infopath/2007/PartnerControls">
   <documentManagement>
     <_ip_UnifiedCompliancePolicyUIAction xmlns="http://schemas.microsoft.com/sharepoint/v3" xsi:nil="true"/>
@@ -32253,15 +32316,6 @@
     <MediaServiceKeyPoints xmlns="71af3243-3dd4-4a8d-8c0d-dd76da1f02a5" xsi:nil="true"/>
   </documentManagement>
 </p:properties>
-</file>
-
-<file path=customXml/item2.xml><?xml version="1.0" encoding="utf-8"?>
-<?mso-contentType ?>
-<FormTemplates xmlns="http://schemas.microsoft.com/sharepoint/v3/contenttype/forms">
-  <Display>DocumentLibraryForm</Display>
-  <Edit>DocumentLibraryForm</Edit>
-  <New>DocumentLibraryForm</New>
-</FormTemplates>
 </file>
 
 <file path=customXml/item3.xml><?xml version="1.0" encoding="utf-8"?>
@@ -32541,6 +32595,14 @@
 </file>
 
 <file path=customXml/itemProps1.xml><?xml version="1.0" encoding="utf-8"?>
+<ds:datastoreItem xmlns:ds="http://schemas.openxmlformats.org/officeDocument/2006/customXml" ds:itemID="{904751AB-E840-446F-8D49-E697067EC887}">
+  <ds:schemaRefs>
+    <ds:schemaRef ds:uri="http://schemas.microsoft.com/sharepoint/v3/contenttype/forms"/>
+  </ds:schemaRefs>
+</ds:datastoreItem>
+</file>
+
+<file path=customXml/itemProps2.xml><?xml version="1.0" encoding="utf-8"?>
 <ds:datastoreItem xmlns:ds="http://schemas.openxmlformats.org/officeDocument/2006/customXml" ds:itemID="{50811A92-D464-4AC4-A396-BA73B10CEEAC}">
   <ds:schemaRefs>
     <ds:schemaRef ds:uri="http://schemas.microsoft.com/office/2006/metadata/properties"/>
@@ -32548,14 +32610,6 @@
     <ds:schemaRef ds:uri="http://schemas.microsoft.com/sharepoint/v3"/>
     <ds:schemaRef ds:uri="71af3243-3dd4-4a8d-8c0d-dd76da1f02a5"/>
     <ds:schemaRef ds:uri="230e9df3-be65-4c73-a93b-d1236ebd677e"/>
-  </ds:schemaRefs>
-</ds:datastoreItem>
-</file>
-
-<file path=customXml/itemProps2.xml><?xml version="1.0" encoding="utf-8"?>
-<ds:datastoreItem xmlns:ds="http://schemas.openxmlformats.org/officeDocument/2006/customXml" ds:itemID="{904751AB-E840-446F-8D49-E697067EC887}">
-  <ds:schemaRefs>
-    <ds:schemaRef ds:uri="http://schemas.microsoft.com/sharepoint/v3/contenttype/forms"/>
   </ds:schemaRefs>
 </ds:datastoreItem>
 </file>
